--- a/上課教材/Week5.pptx
+++ b/上課教材/Week5.pptx
@@ -7,15 +7,17 @@
   <p:sldIdLst>
     <p:sldId id="257" r:id="rId2"/>
     <p:sldId id="316" r:id="rId3"/>
-    <p:sldId id="317" r:id="rId4"/>
-    <p:sldId id="318" r:id="rId5"/>
-    <p:sldId id="319" r:id="rId6"/>
-    <p:sldId id="320" r:id="rId7"/>
-    <p:sldId id="321" r:id="rId8"/>
-    <p:sldId id="323" r:id="rId9"/>
-    <p:sldId id="324" r:id="rId10"/>
-    <p:sldId id="259" r:id="rId11"/>
-    <p:sldId id="312" r:id="rId12"/>
+    <p:sldId id="325" r:id="rId4"/>
+    <p:sldId id="326" r:id="rId5"/>
+    <p:sldId id="317" r:id="rId6"/>
+    <p:sldId id="318" r:id="rId7"/>
+    <p:sldId id="319" r:id="rId8"/>
+    <p:sldId id="320" r:id="rId9"/>
+    <p:sldId id="321" r:id="rId10"/>
+    <p:sldId id="323" r:id="rId11"/>
+    <p:sldId id="324" r:id="rId12"/>
+    <p:sldId id="259" r:id="rId13"/>
+    <p:sldId id="312" r:id="rId14"/>
   </p:sldIdLst>
   <p:sldSz cx="12192000" cy="6858000"/>
   <p:notesSz cx="6858000" cy="9144000"/>
@@ -125,11 +127,7 @@
 <file path=ppt/revisionInfo.xml><?xml version="1.0" encoding="utf-8"?>
 <p1510:revInfo xmlns:a="http://schemas.openxmlformats.org/drawingml/2006/main" xmlns:r="http://schemas.openxmlformats.org/officeDocument/2006/relationships" xmlns:p1510="http://schemas.microsoft.com/office/powerpoint/2015/10/main">
   <p1510:revLst>
-    <p1510:client id="{091A637F-8D54-4E54-83E0-103516D33677}" v="6" dt="2020-06-02T00:22:26.420"/>
-    <p1510:client id="{73C49393-00F6-48C7-99DB-5262FA837701}" v="22" dt="2020-06-02T00:14:48.543"/>
-    <p1510:client id="{794224D3-789D-47BB-A0D2-62C663EDB1CA}" v="219" dt="2020-06-01T23:07:13.750"/>
-    <p1510:client id="{A2F4D413-9D68-4A8C-9D49-8D8D17D6E9EA}" v="74" dt="2020-06-02T02:27:49.039"/>
-    <p1510:client id="{F1FA031A-4D31-4AEE-8DCB-44C85EA436EB}" v="214" dt="2020-06-02T00:07:24.642"/>
+    <p1510:client id="{A2F4D413-9D68-4A8C-9D49-8D8D17D6E9EA}" v="79" dt="2020-06-03T23:22:43.115"/>
   </p1510:revLst>
 </p1510:revInfo>
 </file>
@@ -1237,7 +1235,7 @@
   <pc:docChgLst>
     <pc:chgData name="Ming-Chih Lin" userId="f1ba3ba5-e185-404b-b55f-b2be90e2bdc2" providerId="ADAL" clId="{A2F4D413-9D68-4A8C-9D49-8D8D17D6E9EA}"/>
     <pc:docChg chg="undo custSel addSld delSld modSld">
-      <pc:chgData name="Ming-Chih Lin" userId="f1ba3ba5-e185-404b-b55f-b2be90e2bdc2" providerId="ADAL" clId="{A2F4D413-9D68-4A8C-9D49-8D8D17D6E9EA}" dt="2020-06-02T02:27:49.039" v="364"/>
+      <pc:chgData name="Ming-Chih Lin" userId="f1ba3ba5-e185-404b-b55f-b2be90e2bdc2" providerId="ADAL" clId="{A2F4D413-9D68-4A8C-9D49-8D8D17D6E9EA}" dt="2020-06-03T23:22:59.076" v="392" actId="20577"/>
       <pc:docMkLst>
         <pc:docMk/>
       </pc:docMkLst>
@@ -1278,12 +1276,20 @@
           </ac:spMkLst>
         </pc:spChg>
       </pc:sldChg>
-      <pc:sldChg chg="modSp mod">
-        <pc:chgData name="Ming-Chih Lin" userId="f1ba3ba5-e185-404b-b55f-b2be90e2bdc2" providerId="ADAL" clId="{A2F4D413-9D68-4A8C-9D49-8D8D17D6E9EA}" dt="2020-06-02T00:46:14.698" v="98" actId="20577"/>
+      <pc:sldChg chg="addSp delSp modSp mod">
+        <pc:chgData name="Ming-Chih Lin" userId="f1ba3ba5-e185-404b-b55f-b2be90e2bdc2" providerId="ADAL" clId="{A2F4D413-9D68-4A8C-9D49-8D8D17D6E9EA}" dt="2020-06-03T23:21:19.367" v="366"/>
         <pc:sldMkLst>
           <pc:docMk/>
           <pc:sldMk cId="19629556" sldId="316"/>
         </pc:sldMkLst>
+        <pc:spChg chg="add del mod">
+          <ac:chgData name="Ming-Chih Lin" userId="f1ba3ba5-e185-404b-b55f-b2be90e2bdc2" providerId="ADAL" clId="{A2F4D413-9D68-4A8C-9D49-8D8D17D6E9EA}" dt="2020-06-03T23:21:19.367" v="366"/>
+          <ac:spMkLst>
+            <pc:docMk/>
+            <pc:sldMk cId="19629556" sldId="316"/>
+            <ac:spMk id="2" creationId="{074084E3-9F0F-403C-AEC4-6E26CC89E30E}"/>
+          </ac:spMkLst>
+        </pc:spChg>
         <pc:spChg chg="mod">
           <ac:chgData name="Ming-Chih Lin" userId="f1ba3ba5-e185-404b-b55f-b2be90e2bdc2" providerId="ADAL" clId="{A2F4D413-9D68-4A8C-9D49-8D8D17D6E9EA}" dt="2020-06-02T00:46:14.698" v="98" actId="20577"/>
           <ac:spMkLst>
@@ -1294,13 +1300,13 @@
         </pc:spChg>
       </pc:sldChg>
       <pc:sldChg chg="addSp delSp modSp mod chgLayout">
-        <pc:chgData name="Ming-Chih Lin" userId="f1ba3ba5-e185-404b-b55f-b2be90e2bdc2" providerId="ADAL" clId="{A2F4D413-9D68-4A8C-9D49-8D8D17D6E9EA}" dt="2020-06-02T00:48:25.402" v="202"/>
+        <pc:chgData name="Ming-Chih Lin" userId="f1ba3ba5-e185-404b-b55f-b2be90e2bdc2" providerId="ADAL" clId="{A2F4D413-9D68-4A8C-9D49-8D8D17D6E9EA}" dt="2020-06-03T23:22:59.076" v="392" actId="20577"/>
         <pc:sldMkLst>
           <pc:docMk/>
           <pc:sldMk cId="497064445" sldId="317"/>
         </pc:sldMkLst>
         <pc:spChg chg="add mod ord">
-          <ac:chgData name="Ming-Chih Lin" userId="f1ba3ba5-e185-404b-b55f-b2be90e2bdc2" providerId="ADAL" clId="{A2F4D413-9D68-4A8C-9D49-8D8D17D6E9EA}" dt="2020-06-02T00:48:25.402" v="202"/>
+          <ac:chgData name="Ming-Chih Lin" userId="f1ba3ba5-e185-404b-b55f-b2be90e2bdc2" providerId="ADAL" clId="{A2F4D413-9D68-4A8C-9D49-8D8D17D6E9EA}" dt="2020-06-03T23:22:59.076" v="392" actId="20577"/>
           <ac:spMkLst>
             <pc:docMk/>
             <pc:sldMk cId="497064445" sldId="317"/>
@@ -1506,6 +1512,60 @@
             <pc:docMk/>
             <pc:sldMk cId="2237597951" sldId="324"/>
             <ac:spMk id="3" creationId="{01E9C74F-6A6E-4A8E-9D6F-EFD1E01ED27F}"/>
+          </ac:spMkLst>
+        </pc:spChg>
+      </pc:sldChg>
+      <pc:sldChg chg="addSp delSp modSp new mod modClrScheme chgLayout">
+        <pc:chgData name="Ming-Chih Lin" userId="f1ba3ba5-e185-404b-b55f-b2be90e2bdc2" providerId="ADAL" clId="{A2F4D413-9D68-4A8C-9D49-8D8D17D6E9EA}" dt="2020-06-03T23:22:24.983" v="388" actId="5793"/>
+        <pc:sldMkLst>
+          <pc:docMk/>
+          <pc:sldMk cId="3588305012" sldId="325"/>
+        </pc:sldMkLst>
+        <pc:spChg chg="del mod ord">
+          <ac:chgData name="Ming-Chih Lin" userId="f1ba3ba5-e185-404b-b55f-b2be90e2bdc2" providerId="ADAL" clId="{A2F4D413-9D68-4A8C-9D49-8D8D17D6E9EA}" dt="2020-06-03T23:21:25.875" v="368" actId="700"/>
+          <ac:spMkLst>
+            <pc:docMk/>
+            <pc:sldMk cId="3588305012" sldId="325"/>
+            <ac:spMk id="2" creationId="{4644C209-B9B9-4D6D-96BE-4DBA0B40B443}"/>
+          </ac:spMkLst>
+        </pc:spChg>
+        <pc:spChg chg="del">
+          <ac:chgData name="Ming-Chih Lin" userId="f1ba3ba5-e185-404b-b55f-b2be90e2bdc2" providerId="ADAL" clId="{A2F4D413-9D68-4A8C-9D49-8D8D17D6E9EA}" dt="2020-06-03T23:21:25.875" v="368" actId="700"/>
+          <ac:spMkLst>
+            <pc:docMk/>
+            <pc:sldMk cId="3588305012" sldId="325"/>
+            <ac:spMk id="3" creationId="{0D8DE11D-38A0-4BB3-B744-224FEE937DD5}"/>
+          </ac:spMkLst>
+        </pc:spChg>
+        <pc:spChg chg="add mod ord">
+          <ac:chgData name="Ming-Chih Lin" userId="f1ba3ba5-e185-404b-b55f-b2be90e2bdc2" providerId="ADAL" clId="{A2F4D413-9D68-4A8C-9D49-8D8D17D6E9EA}" dt="2020-06-03T23:21:25.875" v="368" actId="700"/>
+          <ac:spMkLst>
+            <pc:docMk/>
+            <pc:sldMk cId="3588305012" sldId="325"/>
+            <ac:spMk id="4" creationId="{05900390-4521-4DD0-A0B9-842658028B24}"/>
+          </ac:spMkLst>
+        </pc:spChg>
+        <pc:spChg chg="add mod ord">
+          <ac:chgData name="Ming-Chih Lin" userId="f1ba3ba5-e185-404b-b55f-b2be90e2bdc2" providerId="ADAL" clId="{A2F4D413-9D68-4A8C-9D49-8D8D17D6E9EA}" dt="2020-06-03T23:22:24.983" v="388" actId="5793"/>
+          <ac:spMkLst>
+            <pc:docMk/>
+            <pc:sldMk cId="3588305012" sldId="325"/>
+            <ac:spMk id="5" creationId="{65328A84-7038-434A-A756-092BE988ADB7}"/>
+          </ac:spMkLst>
+        </pc:spChg>
+      </pc:sldChg>
+      <pc:sldChg chg="modSp new">
+        <pc:chgData name="Ming-Chih Lin" userId="f1ba3ba5-e185-404b-b55f-b2be90e2bdc2" providerId="ADAL" clId="{A2F4D413-9D68-4A8C-9D49-8D8D17D6E9EA}" dt="2020-06-03T23:22:43.115" v="390"/>
+        <pc:sldMkLst>
+          <pc:docMk/>
+          <pc:sldMk cId="3609392111" sldId="326"/>
+        </pc:sldMkLst>
+        <pc:spChg chg="mod">
+          <ac:chgData name="Ming-Chih Lin" userId="f1ba3ba5-e185-404b-b55f-b2be90e2bdc2" providerId="ADAL" clId="{A2F4D413-9D68-4A8C-9D49-8D8D17D6E9EA}" dt="2020-06-03T23:22:43.115" v="390"/>
+          <ac:spMkLst>
+            <pc:docMk/>
+            <pc:sldMk cId="3609392111" sldId="326"/>
+            <ac:spMk id="2" creationId="{E9C001BF-EBE2-4C4F-AC91-5B627973CADD}"/>
           </ac:spMkLst>
         </pc:spChg>
       </pc:sldChg>
@@ -6164,7 +6224,7 @@
           <a:p>
             <a:fld id="{FA1E3ED8-1BB4-4BD2-AB23-359644E070C2}" type="datetimeFigureOut">
               <a:rPr lang="zh-TW" altLang="en-US" smtClean="0"/>
-              <a:t>2020/6/2</a:t>
+              <a:t>2020/6/4</a:t>
             </a:fld>
             <a:endParaRPr lang="zh-TW" altLang="en-US"/>
           </a:p>
@@ -11350,6 +11410,251 @@
       </p:grpSpPr>
       <p:sp>
         <p:nvSpPr>
+          <p:cNvPr id="2" name="內容版面配置區 1">
+            <a:extLst>
+              <a:ext uri="{FF2B5EF4-FFF2-40B4-BE49-F238E27FC236}">
+                <a16:creationId xmlns:a16="http://schemas.microsoft.com/office/drawing/2014/main" id="{A59C3745-8BBA-4B0D-94D1-714F7F3134D9}"/>
+              </a:ext>
+            </a:extLst>
+          </p:cNvPr>
+          <p:cNvSpPr>
+            <a:spLocks noGrp="1"/>
+          </p:cNvSpPr>
+          <p:nvPr>
+            <p:ph idx="1"/>
+          </p:nvPr>
+        </p:nvSpPr>
+        <p:spPr/>
+        <p:txBody>
+          <a:bodyPr/>
+          <a:lstStyle/>
+          <a:p>
+            <a:r>
+              <a:rPr lang="zh-TW" altLang="en-US" dirty="0"/>
+              <a:t>如果以</a:t>
+            </a:r>
+            <a:r>
+              <a:rPr lang="en-US" altLang="zh-TW" dirty="0"/>
+              <a:t>ACT</a:t>
+            </a:r>
+            <a:r>
+              <a:rPr lang="zh-TW" altLang="en-US" dirty="0"/>
+              <a:t>技術包裝程式碼，</a:t>
+            </a:r>
+            <a:r>
+              <a:rPr lang="en-US" altLang="zh-TW" dirty="0"/>
+              <a:t>ACT</a:t>
+            </a:r>
+            <a:r>
+              <a:rPr lang="zh-TW" altLang="en-US" dirty="0"/>
+              <a:t>可以定義幾種簡單的控鍵。</a:t>
+            </a:r>
+            <a:r>
+              <a:rPr lang="en-US" altLang="zh-TW" dirty="0"/>
+              <a:t>ACT</a:t>
+            </a:r>
+            <a:r>
+              <a:rPr lang="zh-TW" altLang="en-US" dirty="0"/>
+              <a:t>可以整合在主畫面右邊的視窗，並持續保持開啟的狀態，操作上相對簡便。也同時支援</a:t>
+            </a:r>
+            <a:r>
+              <a:rPr lang="en-US" altLang="zh-TW" dirty="0" err="1"/>
+              <a:t>windos</a:t>
+            </a:r>
+            <a:r>
+              <a:rPr lang="zh-TW" altLang="en-US" dirty="0"/>
+              <a:t>和</a:t>
+            </a:r>
+            <a:r>
+              <a:rPr lang="en-US" altLang="zh-TW" dirty="0"/>
+              <a:t>Linux</a:t>
+            </a:r>
+            <a:r>
+              <a:rPr lang="zh-TW" altLang="en-US" dirty="0"/>
+              <a:t>。缺點是這屬於</a:t>
+            </a:r>
+            <a:r>
+              <a:rPr lang="en-US" altLang="zh-TW" dirty="0"/>
+              <a:t>AEDT</a:t>
+            </a:r>
+            <a:r>
+              <a:rPr lang="zh-TW" altLang="en-US" dirty="0"/>
+              <a:t>獨有的工具，沒有太多範例可以參考。發生問題網路上也找不到相關解答。</a:t>
+            </a:r>
+          </a:p>
+        </p:txBody>
+      </p:sp>
+      <p:sp>
+        <p:nvSpPr>
+          <p:cNvPr id="3" name="標題 2">
+            <a:extLst>
+              <a:ext uri="{FF2B5EF4-FFF2-40B4-BE49-F238E27FC236}">
+                <a16:creationId xmlns:a16="http://schemas.microsoft.com/office/drawing/2014/main" id="{CCC4C687-E55C-4A4A-95F8-B91A294097A0}"/>
+              </a:ext>
+            </a:extLst>
+          </p:cNvPr>
+          <p:cNvSpPr>
+            <a:spLocks noGrp="1"/>
+          </p:cNvSpPr>
+          <p:nvPr>
+            <p:ph type="title"/>
+          </p:nvPr>
+        </p:nvSpPr>
+        <p:spPr/>
+        <p:txBody>
+          <a:bodyPr/>
+          <a:lstStyle/>
+          <a:p>
+            <a:r>
+              <a:rPr lang="en-US" altLang="zh-TW" dirty="0"/>
+              <a:t>ACT</a:t>
+            </a:r>
+            <a:endParaRPr lang="zh-TW" altLang="en-US" dirty="0"/>
+          </a:p>
+        </p:txBody>
+      </p:sp>
+    </p:spTree>
+    <p:extLst>
+      <p:ext uri="{BB962C8B-B14F-4D97-AF65-F5344CB8AC3E}">
+        <p14:creationId xmlns:p14="http://schemas.microsoft.com/office/powerpoint/2010/main" val="900285283"/>
+      </p:ext>
+    </p:extLst>
+  </p:cSld>
+  <p:clrMapOvr>
+    <a:masterClrMapping/>
+  </p:clrMapOvr>
+  <mc:AlternateContent xmlns:mc="http://schemas.openxmlformats.org/markup-compatibility/2006" xmlns:p14="http://schemas.microsoft.com/office/powerpoint/2010/main">
+    <mc:Choice Requires="p14">
+      <p:transition p14:dur="250">
+        <p:fade/>
+      </p:transition>
+    </mc:Choice>
+    <mc:Fallback xmlns="">
+      <p:transition>
+        <p:fade/>
+      </p:transition>
+    </mc:Fallback>
+  </mc:AlternateContent>
+</p:sld>
+</file>
+
+<file path=ppt/slides/slide11.xml><?xml version="1.0" encoding="utf-8"?>
+<p:sld xmlns:a="http://schemas.openxmlformats.org/drawingml/2006/main" xmlns:r="http://schemas.openxmlformats.org/officeDocument/2006/relationships" xmlns:p="http://schemas.openxmlformats.org/presentationml/2006/main">
+  <p:cSld>
+    <p:spTree>
+      <p:nvGrpSpPr>
+        <p:cNvPr id="1" name=""/>
+        <p:cNvGrpSpPr/>
+        <p:nvPr/>
+      </p:nvGrpSpPr>
+      <p:grpSpPr>
+        <a:xfrm>
+          <a:off x="0" y="0"/>
+          <a:ext cx="0" cy="0"/>
+          <a:chOff x="0" y="0"/>
+          <a:chExt cx="0" cy="0"/>
+        </a:xfrm>
+      </p:grpSpPr>
+      <p:sp>
+        <p:nvSpPr>
+          <p:cNvPr id="2" name="內容版面配置區 1">
+            <a:extLst>
+              <a:ext uri="{FF2B5EF4-FFF2-40B4-BE49-F238E27FC236}">
+                <a16:creationId xmlns:a16="http://schemas.microsoft.com/office/drawing/2014/main" id="{63D60E59-8295-4FBC-8527-18F3AB6DF926}"/>
+              </a:ext>
+            </a:extLst>
+          </p:cNvPr>
+          <p:cNvSpPr>
+            <a:spLocks noGrp="1"/>
+          </p:cNvSpPr>
+          <p:nvPr>
+            <p:ph idx="1"/>
+          </p:nvPr>
+        </p:nvSpPr>
+        <p:spPr/>
+        <p:txBody>
+          <a:bodyPr/>
+          <a:lstStyle/>
+          <a:p>
+            <a:r>
+              <a:rPr lang="zh-TW" altLang="en-US" dirty="0"/>
+              <a:t>從以上的介紹各位可以了解沒有哪一種技術可以涵蓋所有的好處，開發人員必須視狀況決定採用哪一種技術。</a:t>
+            </a:r>
+          </a:p>
+        </p:txBody>
+      </p:sp>
+      <p:sp>
+        <p:nvSpPr>
+          <p:cNvPr id="3" name="標題 2">
+            <a:extLst>
+              <a:ext uri="{FF2B5EF4-FFF2-40B4-BE49-F238E27FC236}">
+                <a16:creationId xmlns:a16="http://schemas.microsoft.com/office/drawing/2014/main" id="{01E9C74F-6A6E-4A8E-9D6F-EFD1E01ED27F}"/>
+              </a:ext>
+            </a:extLst>
+          </p:cNvPr>
+          <p:cNvSpPr>
+            <a:spLocks noGrp="1"/>
+          </p:cNvSpPr>
+          <p:nvPr>
+            <p:ph type="title"/>
+          </p:nvPr>
+        </p:nvSpPr>
+        <p:spPr/>
+        <p:txBody>
+          <a:bodyPr/>
+          <a:lstStyle/>
+          <a:p>
+            <a:r>
+              <a:rPr lang="zh-TW" altLang="en-US" dirty="0"/>
+              <a:t>技術總結</a:t>
+            </a:r>
+          </a:p>
+        </p:txBody>
+      </p:sp>
+    </p:spTree>
+    <p:extLst>
+      <p:ext uri="{BB962C8B-B14F-4D97-AF65-F5344CB8AC3E}">
+        <p14:creationId xmlns:p14="http://schemas.microsoft.com/office/powerpoint/2010/main" val="2237597951"/>
+      </p:ext>
+    </p:extLst>
+  </p:cSld>
+  <p:clrMapOvr>
+    <a:masterClrMapping/>
+  </p:clrMapOvr>
+  <mc:AlternateContent xmlns:mc="http://schemas.openxmlformats.org/markup-compatibility/2006" xmlns:p14="http://schemas.microsoft.com/office/powerpoint/2010/main">
+    <mc:Choice Requires="p14">
+      <p:transition p14:dur="250">
+        <p:fade/>
+      </p:transition>
+    </mc:Choice>
+    <mc:Fallback xmlns="">
+      <p:transition>
+        <p:fade/>
+      </p:transition>
+    </mc:Fallback>
+  </mc:AlternateContent>
+</p:sld>
+</file>
+
+<file path=ppt/slides/slide12.xml><?xml version="1.0" encoding="utf-8"?>
+<p:sld xmlns:a="http://schemas.openxmlformats.org/drawingml/2006/main" xmlns:r="http://schemas.openxmlformats.org/officeDocument/2006/relationships" xmlns:p="http://schemas.openxmlformats.org/presentationml/2006/main">
+  <p:cSld>
+    <p:spTree>
+      <p:nvGrpSpPr>
+        <p:cNvPr id="1" name=""/>
+        <p:cNvGrpSpPr/>
+        <p:nvPr/>
+      </p:nvGrpSpPr>
+      <p:grpSpPr>
+        <a:xfrm>
+          <a:off x="0" y="0"/>
+          <a:ext cx="0" cy="0"/>
+          <a:chOff x="0" y="0"/>
+          <a:chExt cx="0" cy="0"/>
+        </a:xfrm>
+      </p:grpSpPr>
+      <p:sp>
+        <p:nvSpPr>
           <p:cNvPr id="4" name="文字版面配置區 3">
             <a:extLst>
               <a:ext uri="{FF2B5EF4-FFF2-40B4-BE49-F238E27FC236}">
@@ -11426,7 +11731,7 @@
 </p:sld>
 </file>
 
-<file path=ppt/slides/slide11.xml><?xml version="1.0" encoding="utf-8"?>
+<file path=ppt/slides/slide13.xml><?xml version="1.0" encoding="utf-8"?>
 <p:sld xmlns:a="http://schemas.openxmlformats.org/drawingml/2006/main" xmlns:r="http://schemas.openxmlformats.org/officeDocument/2006/relationships" xmlns:p="http://schemas.openxmlformats.org/presentationml/2006/main">
   <p:cSld>
     <p:spTree>
@@ -11688,10 +11993,10 @@
       </p:grpSpPr>
       <p:sp>
         <p:nvSpPr>
-          <p:cNvPr id="2" name="內容版面配置區 1">
-            <a:extLst>
-              <a:ext uri="{FF2B5EF4-FFF2-40B4-BE49-F238E27FC236}">
-                <a16:creationId xmlns:a16="http://schemas.microsoft.com/office/drawing/2014/main" id="{C6EC18F1-B727-4F93-82E1-0B4E9D62E007}"/>
+          <p:cNvPr id="5" name="內容版面配置區 4">
+            <a:extLst>
+              <a:ext uri="{FF2B5EF4-FFF2-40B4-BE49-F238E27FC236}">
+                <a16:creationId xmlns:a16="http://schemas.microsoft.com/office/drawing/2014/main" id="{65328A84-7038-434A-A756-092BE988ADB7}"/>
               </a:ext>
             </a:extLst>
           </p:cNvPr>
@@ -11704,7 +12009,9 @@
         </p:nvSpPr>
         <p:spPr/>
         <p:txBody>
-          <a:bodyPr/>
+          <a:bodyPr>
+            <a:normAutofit/>
+          </a:bodyPr>
           <a:lstStyle/>
           <a:p>
             <a:pPr marL="0" indent="0">
@@ -11712,101 +12019,52 @@
             </a:pPr>
             <a:r>
               <a:rPr lang="zh-TW" altLang="en-US" dirty="0"/>
-              <a:t>好的程式需要一個精心設計的操作介面讓使用者可以正確的輸入參數並看到輸出結果。如果程式永遠只能執行同一種工作，那麼程式的彈性就大大降低了。所以當程式業務功能已經開發完成，接下來便是要打造操作介面來方便使用者操作使用。以下介紹幾種在</a:t>
-            </a:r>
-            <a:r>
-              <a:rPr lang="en-US" altLang="zh-TW" dirty="0"/>
-              <a:t>AEDT</a:t>
-            </a:r>
+              <a:t>好的操作介面讓使用者可以更直觀的完成設定，許多工程軟體在演算法的準確性及速度並無軒輊，最後卻是操作介面的設計好壞決定了銷售的成敗。對於自動化程式來說，操作介面設計決定了之後有多少人會使用，因此對於自動化程式開發者而言，操作介面的設計不可不慎。一個好的介面具備必須下列的特點：</a:t>
+            </a:r>
+            <a:endParaRPr lang="en-US" altLang="zh-TW" dirty="0"/>
+          </a:p>
+          <a:p>
             <a:r>
               <a:rPr lang="zh-TW" altLang="en-US" dirty="0"/>
-              <a:t>當中常用的操作介面技術：</a:t>
+              <a:t>簡潔的畫面</a:t>
             </a:r>
             <a:endParaRPr lang="en-US" altLang="zh-TW" dirty="0"/>
           </a:p>
           <a:p>
             <a:r>
-              <a:rPr lang="zh-TW" altLang="en-US" dirty="0">
-                <a:solidFill>
-                  <a:srgbClr val="0070C0"/>
-                </a:solidFill>
-              </a:rPr>
-              <a:t>屬性設定視窗</a:t>
-            </a:r>
-            <a:endParaRPr lang="en-US" altLang="zh-TW" dirty="0">
-              <a:solidFill>
-                <a:srgbClr val="0070C0"/>
-              </a:solidFill>
-            </a:endParaRPr>
-          </a:p>
-          <a:p>
-            <a:r>
-              <a:rPr lang="en-US" altLang="zh-TW" dirty="0" err="1">
-                <a:solidFill>
-                  <a:srgbClr val="0070C0"/>
-                </a:solidFill>
-              </a:rPr>
-              <a:t>Tkinter</a:t>
-            </a:r>
-            <a:endParaRPr lang="en-US" altLang="zh-TW" dirty="0">
-              <a:solidFill>
-                <a:srgbClr val="0070C0"/>
-              </a:solidFill>
-            </a:endParaRPr>
-          </a:p>
-          <a:p>
-            <a:r>
-              <a:rPr lang="en-US" altLang="zh-TW" dirty="0">
-                <a:solidFill>
-                  <a:srgbClr val="0070C0"/>
-                </a:solidFill>
-              </a:rPr>
-              <a:t>WPF</a:t>
-            </a:r>
-          </a:p>
-          <a:p>
-            <a:r>
-              <a:rPr lang="en-US" altLang="zh-TW" dirty="0">
-                <a:solidFill>
-                  <a:srgbClr val="0070C0"/>
-                </a:solidFill>
-              </a:rPr>
-              <a:t>EXCEL</a:t>
-            </a:r>
-          </a:p>
-          <a:p>
-            <a:r>
-              <a:rPr lang="en-US" altLang="zh-TW" dirty="0">
-                <a:solidFill>
-                  <a:srgbClr val="0070C0"/>
-                </a:solidFill>
-              </a:rPr>
-              <a:t>CSV</a:t>
-            </a:r>
-          </a:p>
-          <a:p>
-            <a:r>
-              <a:rPr lang="en-US" altLang="zh-TW" dirty="0">
-                <a:solidFill>
-                  <a:srgbClr val="0070C0"/>
-                </a:solidFill>
-              </a:rPr>
-              <a:t>ACT</a:t>
-            </a:r>
-            <a:endParaRPr lang="zh-TW" altLang="en-US" dirty="0">
-              <a:solidFill>
-                <a:srgbClr val="0070C0"/>
-              </a:solidFill>
-            </a:endParaRPr>
+              <a:rPr lang="zh-TW" altLang="en-US" dirty="0"/>
+              <a:t>清楚的說明</a:t>
+            </a:r>
+            <a:endParaRPr lang="en-US" altLang="zh-TW" dirty="0"/>
+          </a:p>
+          <a:p>
+            <a:r>
+              <a:rPr lang="zh-TW" altLang="en-US" dirty="0"/>
+              <a:t>正確的互動</a:t>
+            </a:r>
+            <a:endParaRPr lang="en-US" altLang="zh-TW" dirty="0"/>
+          </a:p>
+          <a:p>
+            <a:r>
+              <a:rPr lang="zh-TW" altLang="en-US" dirty="0"/>
+              <a:t>當輸入值超出範圍時必須提醒使用者</a:t>
+            </a:r>
+            <a:endParaRPr lang="en-US" altLang="zh-TW" dirty="0"/>
+          </a:p>
+          <a:p>
+            <a:r>
+              <a:rPr lang="zh-TW" altLang="en-US" dirty="0"/>
+              <a:t>當執行時間較長，須提供進度指示</a:t>
+            </a:r>
           </a:p>
         </p:txBody>
       </p:sp>
       <p:sp>
         <p:nvSpPr>
-          <p:cNvPr id="3" name="標題 2">
-            <a:extLst>
-              <a:ext uri="{FF2B5EF4-FFF2-40B4-BE49-F238E27FC236}">
-                <a16:creationId xmlns:a16="http://schemas.microsoft.com/office/drawing/2014/main" id="{E7C3D928-2CE9-4266-A577-F5AA1DFC7CE3}"/>
+          <p:cNvPr id="4" name="標題 3">
+            <a:extLst>
+              <a:ext uri="{FF2B5EF4-FFF2-40B4-BE49-F238E27FC236}">
+                <a16:creationId xmlns:a16="http://schemas.microsoft.com/office/drawing/2014/main" id="{05900390-4521-4DD0-A0B9-842658028B24}"/>
               </a:ext>
             </a:extLst>
           </p:cNvPr>
@@ -11822,33 +12080,14 @@
           <a:bodyPr/>
           <a:lstStyle/>
           <a:p>
-            <a:r>
-              <a:rPr lang="en-US" altLang="zh-TW" dirty="0">
-                <a:solidFill>
-                  <a:schemeClr val="accent6">
-                    <a:lumMod val="10000"/>
-                  </a:schemeClr>
-                </a:solidFill>
-              </a:rPr>
-              <a:t>GUI</a:t>
-            </a:r>
-            <a:r>
-              <a:rPr lang="zh-TW" altLang="en-US" dirty="0">
-                <a:solidFill>
-                  <a:schemeClr val="accent6">
-                    <a:lumMod val="10000"/>
-                  </a:schemeClr>
-                </a:solidFill>
-              </a:rPr>
-              <a:t>操作介面技術</a:t>
-            </a:r>
+            <a:endParaRPr lang="zh-TW" altLang="en-US"/>
           </a:p>
         </p:txBody>
       </p:sp>
     </p:spTree>
     <p:extLst>
       <p:ext uri="{BB962C8B-B14F-4D97-AF65-F5344CB8AC3E}">
-        <p14:creationId xmlns:p14="http://schemas.microsoft.com/office/powerpoint/2010/main" val="497064445"/>
+        <p14:creationId xmlns:p14="http://schemas.microsoft.com/office/powerpoint/2010/main" val="3588305012"/>
       </p:ext>
     </p:extLst>
   </p:cSld>
@@ -11892,7 +12131,7 @@
           <p:cNvPr id="2" name="內容版面配置區 1">
             <a:extLst>
               <a:ext uri="{FF2B5EF4-FFF2-40B4-BE49-F238E27FC236}">
-                <a16:creationId xmlns:a16="http://schemas.microsoft.com/office/drawing/2014/main" id="{087AAD99-9230-492D-AF59-3E5D0D2387F3}"/>
+                <a16:creationId xmlns:a16="http://schemas.microsoft.com/office/drawing/2014/main" id="{E9C001BF-EBE2-4C4F-AC91-5B627973CADD}"/>
               </a:ext>
             </a:extLst>
           </p:cNvPr>
@@ -11910,23 +12149,7 @@
           <a:p>
             <a:r>
               <a:rPr lang="zh-TW" altLang="en-US" dirty="0"/>
-              <a:t>透過屬性設定變量。這個方法讓使用者可以在屬性視窗設定變量，程式再去屬性視窗讀取數值執行運算。這個方法適用於</a:t>
-            </a:r>
-            <a:r>
-              <a:rPr lang="en-US" altLang="zh-TW" dirty="0"/>
-              <a:t>windows</a:t>
-            </a:r>
-            <a:r>
-              <a:rPr lang="zh-TW" altLang="en-US" dirty="0"/>
-              <a:t>和</a:t>
-            </a:r>
-            <a:r>
-              <a:rPr lang="en-US" altLang="zh-TW" dirty="0" err="1"/>
-              <a:t>linux</a:t>
-            </a:r>
-            <a:r>
-              <a:rPr lang="zh-TW" altLang="en-US" dirty="0"/>
-              <a:t>。好處是不需要另外設計操作介面代碼，缺點是只有輸入欄位，缺乏下拉選單或是滑桿等比較進階的控鍵可以使用。在第一次執行時程式必須加入屬性，提示使用者屬性已被加入並結束程式。只有在屬性已經存在的條件底下程式才會執行工作。屬性的命名必須具備獨特性，避免與使用者自定義變量衝突，造成程式不正常運作。建議可以加入前後底線來做區分。</a:t>
+              <a:t>要設計出一個好的操作介面，需要從使用者角度來思考，推測使用者輸入時可能發生的錯誤，並針對錯誤提供正確的反饋，讓使用者清楚該如何修正。建議在介面完成初步開發時便可以邀請將來可能的使用者試用，根據使用者意見適當的修改可減少未來使用上的抱怨。</a:t>
             </a:r>
           </a:p>
         </p:txBody>
@@ -11936,7 +12159,7 @@
           <p:cNvPr id="3" name="標題 2">
             <a:extLst>
               <a:ext uri="{FF2B5EF4-FFF2-40B4-BE49-F238E27FC236}">
-                <a16:creationId xmlns:a16="http://schemas.microsoft.com/office/drawing/2014/main" id="{E7C3D928-2CE9-4266-A577-F5AA1DFC7CE3}"/>
+                <a16:creationId xmlns:a16="http://schemas.microsoft.com/office/drawing/2014/main" id="{9E945896-AADB-4F4F-A117-74DD2AE2F1D6}"/>
               </a:ext>
             </a:extLst>
           </p:cNvPr>
@@ -11952,17 +12175,14 @@
           <a:bodyPr/>
           <a:lstStyle/>
           <a:p>
-            <a:r>
-              <a:rPr lang="zh-TW" altLang="en-US" dirty="0"/>
-              <a:t>屬性設定視窗</a:t>
-            </a:r>
+            <a:endParaRPr lang="zh-TW" altLang="en-US"/>
           </a:p>
         </p:txBody>
       </p:sp>
     </p:spTree>
     <p:extLst>
       <p:ext uri="{BB962C8B-B14F-4D97-AF65-F5344CB8AC3E}">
-        <p14:creationId xmlns:p14="http://schemas.microsoft.com/office/powerpoint/2010/main" val="1705629521"/>
+        <p14:creationId xmlns:p14="http://schemas.microsoft.com/office/powerpoint/2010/main" val="3609392111"/>
       </p:ext>
     </p:extLst>
   </p:cSld>
@@ -12006,7 +12226,7 @@
           <p:cNvPr id="2" name="內容版面配置區 1">
             <a:extLst>
               <a:ext uri="{FF2B5EF4-FFF2-40B4-BE49-F238E27FC236}">
-                <a16:creationId xmlns:a16="http://schemas.microsoft.com/office/drawing/2014/main" id="{A59C3745-8BBA-4B0D-94D1-714F7F3134D9}"/>
+                <a16:creationId xmlns:a16="http://schemas.microsoft.com/office/drawing/2014/main" id="{C6EC18F1-B727-4F93-82E1-0B4E9D62E007}"/>
               </a:ext>
             </a:extLst>
           </p:cNvPr>
@@ -12022,42 +12242,101 @@
           <a:bodyPr/>
           <a:lstStyle/>
           <a:p>
+            <a:pPr marL="0" indent="0">
+              <a:buNone/>
+            </a:pPr>
+            <a:r>
+              <a:rPr lang="zh-TW" altLang="en-US"/>
+              <a:t>以下</a:t>
+            </a:r>
             <a:r>
               <a:rPr lang="zh-TW" altLang="en-US" dirty="0"/>
-              <a:t>採用</a:t>
-            </a:r>
-            <a:r>
-              <a:rPr lang="en-US" altLang="zh-TW" dirty="0" err="1"/>
-              <a:t>tkinter</a:t>
+              <a:t>介紹幾種在</a:t>
+            </a:r>
+            <a:r>
+              <a:rPr lang="en-US" altLang="zh-TW" dirty="0"/>
+              <a:t>AEDT</a:t>
             </a:r>
             <a:r>
               <a:rPr lang="zh-TW" altLang="en-US" dirty="0"/>
-              <a:t>技術所建立的視窗同樣可以運行於</a:t>
-            </a:r>
-            <a:r>
-              <a:rPr lang="en-US" altLang="zh-TW" dirty="0"/>
-              <a:t>windows</a:t>
-            </a:r>
-            <a:r>
-              <a:rPr lang="zh-TW" altLang="en-US" dirty="0"/>
-              <a:t>和</a:t>
-            </a:r>
-            <a:r>
-              <a:rPr lang="en-US" altLang="zh-TW" dirty="0" err="1"/>
-              <a:t>linux</a:t>
-            </a:r>
-            <a:r>
-              <a:rPr lang="zh-TW" altLang="en-US" dirty="0"/>
-              <a:t>。然而要建立一個稍微複雜一點的視窗，就需要上百行的</a:t>
-            </a:r>
-            <a:r>
-              <a:rPr lang="en-US" altLang="zh-TW" dirty="0" err="1"/>
-              <a:t>tkinter</a:t>
-            </a:r>
-            <a:r>
-              <a:rPr lang="zh-TW" altLang="en-US" dirty="0"/>
-              <a:t>函式才能達成。可讀性及擴充性都不是很理想。要做到視窗控鍵的互動也需要自定義事件函數。執行起來同樣的麻煩。</a:t>
-            </a:r>
+              <a:t>當中常用的操作介面技術：</a:t>
+            </a:r>
+            <a:endParaRPr lang="en-US" altLang="zh-TW" dirty="0"/>
+          </a:p>
+          <a:p>
+            <a:r>
+              <a:rPr lang="zh-TW" altLang="en-US" dirty="0">
+                <a:solidFill>
+                  <a:srgbClr val="0070C0"/>
+                </a:solidFill>
+              </a:rPr>
+              <a:t>屬性設定視窗</a:t>
+            </a:r>
+            <a:endParaRPr lang="en-US" altLang="zh-TW" dirty="0">
+              <a:solidFill>
+                <a:srgbClr val="0070C0"/>
+              </a:solidFill>
+            </a:endParaRPr>
+          </a:p>
+          <a:p>
+            <a:r>
+              <a:rPr lang="en-US" altLang="zh-TW" dirty="0" err="1">
+                <a:solidFill>
+                  <a:srgbClr val="0070C0"/>
+                </a:solidFill>
+              </a:rPr>
+              <a:t>Tkinter</a:t>
+            </a:r>
+            <a:endParaRPr lang="en-US" altLang="zh-TW" dirty="0">
+              <a:solidFill>
+                <a:srgbClr val="0070C0"/>
+              </a:solidFill>
+            </a:endParaRPr>
+          </a:p>
+          <a:p>
+            <a:r>
+              <a:rPr lang="en-US" altLang="zh-TW" dirty="0">
+                <a:solidFill>
+                  <a:srgbClr val="0070C0"/>
+                </a:solidFill>
+              </a:rPr>
+              <a:t>WPF</a:t>
+            </a:r>
+          </a:p>
+          <a:p>
+            <a:r>
+              <a:rPr lang="en-US" altLang="zh-TW" dirty="0">
+                <a:solidFill>
+                  <a:srgbClr val="0070C0"/>
+                </a:solidFill>
+              </a:rPr>
+              <a:t>EXCEL</a:t>
+            </a:r>
+          </a:p>
+          <a:p>
+            <a:r>
+              <a:rPr lang="en-US" altLang="zh-TW" dirty="0">
+                <a:solidFill>
+                  <a:srgbClr val="0070C0"/>
+                </a:solidFill>
+              </a:rPr>
+              <a:t>CSV</a:t>
+            </a:r>
+          </a:p>
+          <a:p>
+            <a:r>
+              <a:rPr lang="en-US" altLang="zh-TW" dirty="0">
+                <a:solidFill>
+                  <a:srgbClr val="0070C0"/>
+                </a:solidFill>
+              </a:rPr>
+              <a:t>ACT</a:t>
+            </a:r>
+            <a:endParaRPr lang="zh-TW" altLang="en-US" dirty="0">
+              <a:solidFill>
+                <a:srgbClr val="0070C0"/>
+              </a:solidFill>
+            </a:endParaRPr>
           </a:p>
         </p:txBody>
       </p:sp>
@@ -12066,7 +12345,7 @@
           <p:cNvPr id="3" name="標題 2">
             <a:extLst>
               <a:ext uri="{FF2B5EF4-FFF2-40B4-BE49-F238E27FC236}">
-                <a16:creationId xmlns:a16="http://schemas.microsoft.com/office/drawing/2014/main" id="{CCC4C687-E55C-4A4A-95F8-B91A294097A0}"/>
+                <a16:creationId xmlns:a16="http://schemas.microsoft.com/office/drawing/2014/main" id="{E7C3D928-2CE9-4266-A577-F5AA1DFC7CE3}"/>
               </a:ext>
             </a:extLst>
           </p:cNvPr>
@@ -12083,17 +12362,32 @@
           <a:lstStyle/>
           <a:p>
             <a:r>
-              <a:rPr lang="en-US" altLang="zh-TW" dirty="0" err="1"/>
-              <a:t>Tkinter</a:t>
-            </a:r>
-            <a:endParaRPr lang="zh-TW" altLang="en-US" dirty="0"/>
+              <a:rPr lang="en-US" altLang="zh-TW" dirty="0">
+                <a:solidFill>
+                  <a:schemeClr val="accent6">
+                    <a:lumMod val="10000"/>
+                  </a:schemeClr>
+                </a:solidFill>
+              </a:rPr>
+              <a:t>GUI</a:t>
+            </a:r>
+            <a:r>
+              <a:rPr lang="zh-TW" altLang="en-US" dirty="0">
+                <a:solidFill>
+                  <a:schemeClr val="accent6">
+                    <a:lumMod val="10000"/>
+                  </a:schemeClr>
+                </a:solidFill>
+              </a:rPr>
+              <a:t>操作介面技術</a:t>
+            </a:r>
           </a:p>
         </p:txBody>
       </p:sp>
     </p:spTree>
     <p:extLst>
       <p:ext uri="{BB962C8B-B14F-4D97-AF65-F5344CB8AC3E}">
-        <p14:creationId xmlns:p14="http://schemas.microsoft.com/office/powerpoint/2010/main" val="3998885543"/>
+        <p14:creationId xmlns:p14="http://schemas.microsoft.com/office/powerpoint/2010/main" val="497064445"/>
       </p:ext>
     </p:extLst>
   </p:cSld>
@@ -12137,7 +12431,7 @@
           <p:cNvPr id="2" name="內容版面配置區 1">
             <a:extLst>
               <a:ext uri="{FF2B5EF4-FFF2-40B4-BE49-F238E27FC236}">
-                <a16:creationId xmlns:a16="http://schemas.microsoft.com/office/drawing/2014/main" id="{A59C3745-8BBA-4B0D-94D1-714F7F3134D9}"/>
+                <a16:creationId xmlns:a16="http://schemas.microsoft.com/office/drawing/2014/main" id="{087AAD99-9230-492D-AF59-3E5D0D2387F3}"/>
               </a:ext>
             </a:extLst>
           </p:cNvPr>
@@ -12155,31 +12449,7 @@
           <a:p>
             <a:r>
               <a:rPr lang="zh-TW" altLang="en-US" dirty="0"/>
-              <a:t>用</a:t>
-            </a:r>
-            <a:r>
-              <a:rPr lang="en-US" altLang="zh-TW" dirty="0" err="1"/>
-              <a:t>wpf</a:t>
-            </a:r>
-            <a:r>
-              <a:rPr lang="zh-TW" altLang="en-US" dirty="0"/>
-              <a:t>的技術來開發操作視窗簡便又快速。只要拖拉控鍵到視窗之上並輸入屬性就可以輕輕鬆鬆打造出一個相當有質感的視窗。視窗定義代碼記錄在</a:t>
-            </a:r>
-            <a:r>
-              <a:rPr lang="en-US" altLang="zh-TW" dirty="0" err="1"/>
-              <a:t>xaml</a:t>
-            </a:r>
-            <a:r>
-              <a:rPr lang="zh-TW" altLang="en-US" dirty="0"/>
-              <a:t>當中，事件函式則是在</a:t>
-            </a:r>
-            <a:r>
-              <a:rPr lang="en-US" altLang="zh-TW" dirty="0"/>
-              <a:t>python</a:t>
-            </a:r>
-            <a:r>
-              <a:rPr lang="zh-TW" altLang="en-US" dirty="0"/>
-              <a:t>當中。介面與業務代碼分離讓可讀性及擴充性大幅的提高。可惜的是現階段只能使用在</a:t>
+              <a:t>透過屬性設定變量。這個方法讓使用者可以在屬性視窗設定變量，程式再去屬性視窗讀取數值執行運算。這個方法適用於</a:t>
             </a:r>
             <a:r>
               <a:rPr lang="en-US" altLang="zh-TW" dirty="0"/>
@@ -12187,7 +12457,7 @@
             </a:r>
             <a:r>
               <a:rPr lang="zh-TW" altLang="en-US" dirty="0"/>
-              <a:t>環境當中。</a:t>
+              <a:t>和</a:t>
             </a:r>
             <a:r>
               <a:rPr lang="en-US" altLang="zh-TW" dirty="0" err="1"/>
@@ -12195,7 +12465,7 @@
             </a:r>
             <a:r>
               <a:rPr lang="zh-TW" altLang="en-US" dirty="0"/>
-              <a:t>無法支援。</a:t>
+              <a:t>。好處是不需要另外設計操作介面代碼，缺點是只有輸入欄位，缺乏下拉選單或是滑桿等比較進階的控鍵可以使用。在第一次執行時程式必須加入屬性，提示使用者屬性已被加入並結束程式。只有在屬性已經存在的條件底下程式才會執行工作。屬性的命名必須具備獨特性，避免與使用者自定義變量衝突，造成程式不正常運作。建議可以加入前後底線來做區分。</a:t>
             </a:r>
           </a:p>
         </p:txBody>
@@ -12205,7 +12475,7 @@
           <p:cNvPr id="3" name="標題 2">
             <a:extLst>
               <a:ext uri="{FF2B5EF4-FFF2-40B4-BE49-F238E27FC236}">
-                <a16:creationId xmlns:a16="http://schemas.microsoft.com/office/drawing/2014/main" id="{CCC4C687-E55C-4A4A-95F8-B91A294097A0}"/>
+                <a16:creationId xmlns:a16="http://schemas.microsoft.com/office/drawing/2014/main" id="{E7C3D928-2CE9-4266-A577-F5AA1DFC7CE3}"/>
               </a:ext>
             </a:extLst>
           </p:cNvPr>
@@ -12222,17 +12492,16 @@
           <a:lstStyle/>
           <a:p>
             <a:r>
-              <a:rPr lang="en-US" altLang="zh-TW" dirty="0"/>
-              <a:t>WPF</a:t>
-            </a:r>
-            <a:endParaRPr lang="zh-TW" altLang="en-US" dirty="0"/>
+              <a:rPr lang="zh-TW" altLang="en-US" dirty="0"/>
+              <a:t>屬性設定視窗</a:t>
+            </a:r>
           </a:p>
         </p:txBody>
       </p:sp>
     </p:spTree>
     <p:extLst>
       <p:ext uri="{BB962C8B-B14F-4D97-AF65-F5344CB8AC3E}">
-        <p14:creationId xmlns:p14="http://schemas.microsoft.com/office/powerpoint/2010/main" val="457455733"/>
+        <p14:creationId xmlns:p14="http://schemas.microsoft.com/office/powerpoint/2010/main" val="1705629521"/>
       </p:ext>
     </p:extLst>
   </p:cSld>
@@ -12294,39 +12563,15 @@
           <a:p>
             <a:r>
               <a:rPr lang="zh-TW" altLang="en-US" dirty="0"/>
-              <a:t>另一種方式則是將</a:t>
-            </a:r>
-            <a:r>
-              <a:rPr lang="en-US" altLang="zh-TW" dirty="0"/>
-              <a:t>EXCEL</a:t>
+              <a:t>採用</a:t>
+            </a:r>
+            <a:r>
+              <a:rPr lang="en-US" altLang="zh-TW" dirty="0" err="1"/>
+              <a:t>tkinter</a:t>
             </a:r>
             <a:r>
               <a:rPr lang="zh-TW" altLang="en-US" dirty="0"/>
-              <a:t>檔當作介面，程式執行時讀取特定欄位的數值作為輸入執行運算。</a:t>
-            </a:r>
-            <a:r>
-              <a:rPr lang="en-US" altLang="zh-TW" dirty="0"/>
-              <a:t>EXCEL</a:t>
-            </a:r>
-            <a:r>
-              <a:rPr lang="zh-TW" altLang="en-US" dirty="0"/>
-              <a:t>可以輕鬆的做出複雜的介面，還可以加入參數檢查機制，也可以做到一定程度控鍵互動。</a:t>
-            </a:r>
-            <a:r>
-              <a:rPr lang="en-US" altLang="zh-TW" dirty="0"/>
-              <a:t>AEDT</a:t>
-            </a:r>
-            <a:r>
-              <a:rPr lang="zh-TW" altLang="en-US" dirty="0"/>
-              <a:t>內建函式庫提供函數直接讀取</a:t>
-            </a:r>
-            <a:r>
-              <a:rPr lang="en-US" altLang="zh-TW" dirty="0"/>
-              <a:t>EXCEL,</a:t>
-            </a:r>
-            <a:r>
-              <a:rPr lang="zh-TW" altLang="en-US" dirty="0"/>
-              <a:t>不需另外安裝庫。可惜的是這種方式只適用於</a:t>
+              <a:t>技術所建立的視窗同樣可以運行於</a:t>
             </a:r>
             <a:r>
               <a:rPr lang="en-US" altLang="zh-TW" dirty="0"/>
@@ -12334,53 +12579,6 @@
             </a:r>
             <a:r>
               <a:rPr lang="zh-TW" altLang="en-US" dirty="0"/>
-              <a:t>環境，不適用</a:t>
-            </a:r>
-            <a:r>
-              <a:rPr lang="en-US" altLang="zh-TW" dirty="0"/>
-              <a:t>Linux</a:t>
-            </a:r>
-            <a:r>
-              <a:rPr lang="zh-TW" altLang="en-US" dirty="0"/>
-              <a:t>。</a:t>
-            </a:r>
-            <a:endParaRPr lang="en-US" altLang="zh-TW" dirty="0"/>
-          </a:p>
-          <a:p>
-            <a:r>
-              <a:rPr lang="zh-TW" altLang="en-US" dirty="0"/>
-              <a:t>如果不需要華麗的介面及繁複的控鍵，最簡單的方法便是讓使用者將參數變量以</a:t>
-            </a:r>
-            <a:r>
-              <a:rPr lang="en-US" altLang="zh-TW" dirty="0"/>
-              <a:t>txt</a:t>
-            </a:r>
-            <a:r>
-              <a:rPr lang="zh-TW" altLang="en-US" dirty="0"/>
-              <a:t>或</a:t>
-            </a:r>
-            <a:r>
-              <a:rPr lang="en-US" altLang="zh-TW" dirty="0"/>
-              <a:t>csv</a:t>
-            </a:r>
-            <a:r>
-              <a:rPr lang="zh-TW" altLang="en-US" dirty="0"/>
-              <a:t>格式填寫。</a:t>
-            </a:r>
-            <a:r>
-              <a:rPr lang="en-US" altLang="zh-TW" dirty="0"/>
-              <a:t>python</a:t>
-            </a:r>
-            <a:r>
-              <a:rPr lang="zh-TW" altLang="en-US" dirty="0"/>
-              <a:t>讀入之後解析出參數值並執行運算即可。適用於</a:t>
-            </a:r>
-            <a:r>
-              <a:rPr lang="en-US" altLang="zh-TW" dirty="0"/>
-              <a:t>windows</a:t>
-            </a:r>
-            <a:r>
-              <a:rPr lang="zh-TW" altLang="en-US" dirty="0"/>
               <a:t>和</a:t>
             </a:r>
             <a:r>
@@ -12389,27 +12587,16 @@
             </a:r>
             <a:r>
               <a:rPr lang="zh-TW" altLang="en-US" dirty="0"/>
-              <a:t>。</a:t>
-            </a:r>
-            <a:endParaRPr lang="en-US" altLang="zh-TW" dirty="0"/>
-          </a:p>
-          <a:p>
+              <a:t>。然而要建立一個稍微複雜一點的視窗，就需要上百行的</a:t>
+            </a:r>
+            <a:r>
+              <a:rPr lang="en-US" altLang="zh-TW" dirty="0" err="1"/>
+              <a:t>tkinter</a:t>
+            </a:r>
             <a:r>
               <a:rPr lang="zh-TW" altLang="en-US" dirty="0"/>
-              <a:t>可以透過</a:t>
-            </a:r>
-            <a:r>
-              <a:rPr lang="en-US" altLang="zh-TW" dirty="0" err="1"/>
-              <a:t>OpenFileDialog</a:t>
-            </a:r>
-            <a:r>
-              <a:rPr lang="zh-TW" altLang="en-US"/>
-              <a:t>來選擇檔案</a:t>
-            </a:r>
-            <a:endParaRPr lang="zh-TW" altLang="en-US" dirty="0"/>
-          </a:p>
-          <a:p>
-            <a:endParaRPr lang="zh-TW" altLang="en-US" dirty="0"/>
+              <a:t>函式才能達成。可讀性及擴充性都不是很理想。要做到視窗控鍵的互動也需要自定義事件函數。執行起來同樣的麻煩。</a:t>
+            </a:r>
           </a:p>
         </p:txBody>
       </p:sp>
@@ -12435,24 +12622,8 @@
           <a:lstStyle/>
           <a:p>
             <a:r>
-              <a:rPr lang="en-US" altLang="zh-TW" dirty="0"/>
-              <a:t>EXCEL</a:t>
-            </a:r>
-            <a:r>
-              <a:rPr lang="zh-TW" altLang="en-US" dirty="0"/>
-              <a:t> </a:t>
-            </a:r>
-            <a:r>
-              <a:rPr lang="en-US" altLang="zh-TW" dirty="0"/>
-              <a:t>&amp;</a:t>
-            </a:r>
-            <a:r>
-              <a:rPr lang="zh-TW" altLang="en-US" dirty="0"/>
-              <a:t> </a:t>
-            </a:r>
-            <a:r>
-              <a:rPr lang="en-US" altLang="zh-TW" dirty="0"/>
-              <a:t>CSV</a:t>
+              <a:rPr lang="en-US" altLang="zh-TW" dirty="0" err="1"/>
+              <a:t>Tkinter</a:t>
             </a:r>
             <a:endParaRPr lang="zh-TW" altLang="en-US" dirty="0"/>
           </a:p>
@@ -12461,7 +12632,7 @@
     </p:spTree>
     <p:extLst>
       <p:ext uri="{BB962C8B-B14F-4D97-AF65-F5344CB8AC3E}">
-        <p14:creationId xmlns:p14="http://schemas.microsoft.com/office/powerpoint/2010/main" val="828158650"/>
+        <p14:creationId xmlns:p14="http://schemas.microsoft.com/office/powerpoint/2010/main" val="3998885543"/>
       </p:ext>
     </p:extLst>
   </p:cSld>
@@ -12523,55 +12694,47 @@
           <a:p>
             <a:r>
               <a:rPr lang="zh-TW" altLang="en-US" dirty="0"/>
-              <a:t>如果以</a:t>
+              <a:t>用</a:t>
+            </a:r>
+            <a:r>
+              <a:rPr lang="en-US" altLang="zh-TW" dirty="0" err="1"/>
+              <a:t>wpf</a:t>
+            </a:r>
+            <a:r>
+              <a:rPr lang="zh-TW" altLang="en-US" dirty="0"/>
+              <a:t>的技術來開發操作視窗簡便又快速。只要拖拉控鍵到視窗之上並輸入屬性就可以輕輕鬆鬆打造出一個相當有質感的視窗。視窗定義代碼記錄在</a:t>
+            </a:r>
+            <a:r>
+              <a:rPr lang="en-US" altLang="zh-TW" dirty="0" err="1"/>
+              <a:t>xaml</a:t>
+            </a:r>
+            <a:r>
+              <a:rPr lang="zh-TW" altLang="en-US" dirty="0"/>
+              <a:t>當中，事件函式則是在</a:t>
             </a:r>
             <a:r>
               <a:rPr lang="en-US" altLang="zh-TW" dirty="0"/>
-              <a:t>ACT</a:t>
+              <a:t>python</a:t>
             </a:r>
             <a:r>
               <a:rPr lang="zh-TW" altLang="en-US" dirty="0"/>
-              <a:t>技術包裝程式碼，</a:t>
+              <a:t>當中。介面與業務代碼分離讓可讀性及擴充性大幅的提高。可惜的是現階段只能使用在</a:t>
             </a:r>
             <a:r>
               <a:rPr lang="en-US" altLang="zh-TW" dirty="0"/>
-              <a:t>ACT</a:t>
+              <a:t>windows</a:t>
             </a:r>
             <a:r>
               <a:rPr lang="zh-TW" altLang="en-US" dirty="0"/>
-              <a:t>可以定義幾種簡單的控鍵。</a:t>
-            </a:r>
-            <a:r>
-              <a:rPr lang="en-US" altLang="zh-TW" dirty="0"/>
-              <a:t>ACT</a:t>
+              <a:t>環境當中。</a:t>
+            </a:r>
+            <a:r>
+              <a:rPr lang="en-US" altLang="zh-TW" dirty="0" err="1"/>
+              <a:t>linux</a:t>
             </a:r>
             <a:r>
               <a:rPr lang="zh-TW" altLang="en-US" dirty="0"/>
-              <a:t>可以整合在主畫面右邊的視窗，並持續保持開啟的狀態，操作上相對簡便。也同時支援</a:t>
-            </a:r>
-            <a:r>
-              <a:rPr lang="en-US" altLang="zh-TW" dirty="0" err="1"/>
-              <a:t>windos</a:t>
-            </a:r>
-            <a:r>
-              <a:rPr lang="zh-TW" altLang="en-US" dirty="0"/>
-              <a:t>和</a:t>
-            </a:r>
-            <a:r>
-              <a:rPr lang="en-US" altLang="zh-TW" dirty="0"/>
-              <a:t>Linux</a:t>
-            </a:r>
-            <a:r>
-              <a:rPr lang="zh-TW" altLang="en-US" dirty="0"/>
-              <a:t>。缺點是這屬於</a:t>
-            </a:r>
-            <a:r>
-              <a:rPr lang="en-US" altLang="zh-TW" dirty="0"/>
-              <a:t>AEDT</a:t>
-            </a:r>
-            <a:r>
-              <a:rPr lang="zh-TW" altLang="en-US" dirty="0"/>
-              <a:t>獨有的工具，沒有太多範例可以參考。發生問題網路上也找不到相關解答。</a:t>
+              <a:t>無法支援。</a:t>
             </a:r>
           </a:p>
         </p:txBody>
@@ -12599,7 +12762,7 @@
           <a:p>
             <a:r>
               <a:rPr lang="en-US" altLang="zh-TW" dirty="0"/>
-              <a:t>ACT</a:t>
+              <a:t>WPF</a:t>
             </a:r>
             <a:endParaRPr lang="zh-TW" altLang="en-US" dirty="0"/>
           </a:p>
@@ -12608,7 +12771,7 @@
     </p:spTree>
     <p:extLst>
       <p:ext uri="{BB962C8B-B14F-4D97-AF65-F5344CB8AC3E}">
-        <p14:creationId xmlns:p14="http://schemas.microsoft.com/office/powerpoint/2010/main" val="900285283"/>
+        <p14:creationId xmlns:p14="http://schemas.microsoft.com/office/powerpoint/2010/main" val="457455733"/>
       </p:ext>
     </p:extLst>
   </p:cSld>
@@ -12652,7 +12815,7 @@
           <p:cNvPr id="2" name="內容版面配置區 1">
             <a:extLst>
               <a:ext uri="{FF2B5EF4-FFF2-40B4-BE49-F238E27FC236}">
-                <a16:creationId xmlns:a16="http://schemas.microsoft.com/office/drawing/2014/main" id="{63D60E59-8295-4FBC-8527-18F3AB6DF926}"/>
+                <a16:creationId xmlns:a16="http://schemas.microsoft.com/office/drawing/2014/main" id="{A59C3745-8BBA-4B0D-94D1-714F7F3134D9}"/>
               </a:ext>
             </a:extLst>
           </p:cNvPr>
@@ -12670,8 +12833,122 @@
           <a:p>
             <a:r>
               <a:rPr lang="zh-TW" altLang="en-US" dirty="0"/>
-              <a:t>從以上的介紹各位可以了解沒有哪一種技術可以涵蓋所有的好處，開發人員必須視狀況決定採用哪一種技術。</a:t>
-            </a:r>
+              <a:t>另一種方式則是將</a:t>
+            </a:r>
+            <a:r>
+              <a:rPr lang="en-US" altLang="zh-TW" dirty="0"/>
+              <a:t>EXCEL</a:t>
+            </a:r>
+            <a:r>
+              <a:rPr lang="zh-TW" altLang="en-US" dirty="0"/>
+              <a:t>檔當作介面，程式執行時讀取特定欄位的數值作為輸入執行運算。</a:t>
+            </a:r>
+            <a:r>
+              <a:rPr lang="en-US" altLang="zh-TW" dirty="0"/>
+              <a:t>EXCEL</a:t>
+            </a:r>
+            <a:r>
+              <a:rPr lang="zh-TW" altLang="en-US" dirty="0"/>
+              <a:t>可以輕鬆的做出複雜的介面，還可以加入參數檢查機制，也可以做到一定程度控鍵互動。</a:t>
+            </a:r>
+            <a:r>
+              <a:rPr lang="en-US" altLang="zh-TW" dirty="0"/>
+              <a:t>AEDT</a:t>
+            </a:r>
+            <a:r>
+              <a:rPr lang="zh-TW" altLang="en-US" dirty="0"/>
+              <a:t>內建函式庫提供函數直接讀取</a:t>
+            </a:r>
+            <a:r>
+              <a:rPr lang="en-US" altLang="zh-TW" dirty="0"/>
+              <a:t>EXCEL,</a:t>
+            </a:r>
+            <a:r>
+              <a:rPr lang="zh-TW" altLang="en-US" dirty="0"/>
+              <a:t>不需另外安裝庫。可惜的是這種方式只適用於</a:t>
+            </a:r>
+            <a:r>
+              <a:rPr lang="en-US" altLang="zh-TW" dirty="0"/>
+              <a:t>windows</a:t>
+            </a:r>
+            <a:r>
+              <a:rPr lang="zh-TW" altLang="en-US" dirty="0"/>
+              <a:t>環境，不適用</a:t>
+            </a:r>
+            <a:r>
+              <a:rPr lang="en-US" altLang="zh-TW" dirty="0"/>
+              <a:t>Linux</a:t>
+            </a:r>
+            <a:r>
+              <a:rPr lang="zh-TW" altLang="en-US" dirty="0"/>
+              <a:t>。</a:t>
+            </a:r>
+            <a:endParaRPr lang="en-US" altLang="zh-TW" dirty="0"/>
+          </a:p>
+          <a:p>
+            <a:r>
+              <a:rPr lang="zh-TW" altLang="en-US" dirty="0"/>
+              <a:t>如果不需要華麗的介面及繁複的控鍵，最簡單的方法便是讓使用者將參數變量以</a:t>
+            </a:r>
+            <a:r>
+              <a:rPr lang="en-US" altLang="zh-TW" dirty="0"/>
+              <a:t>txt</a:t>
+            </a:r>
+            <a:r>
+              <a:rPr lang="zh-TW" altLang="en-US" dirty="0"/>
+              <a:t>或</a:t>
+            </a:r>
+            <a:r>
+              <a:rPr lang="en-US" altLang="zh-TW" dirty="0"/>
+              <a:t>csv</a:t>
+            </a:r>
+            <a:r>
+              <a:rPr lang="zh-TW" altLang="en-US" dirty="0"/>
+              <a:t>格式填寫。</a:t>
+            </a:r>
+            <a:r>
+              <a:rPr lang="en-US" altLang="zh-TW" dirty="0"/>
+              <a:t>python</a:t>
+            </a:r>
+            <a:r>
+              <a:rPr lang="zh-TW" altLang="en-US" dirty="0"/>
+              <a:t>讀入之後解析出參數值並執行運算即可。適用於</a:t>
+            </a:r>
+            <a:r>
+              <a:rPr lang="en-US" altLang="zh-TW" dirty="0"/>
+              <a:t>windows</a:t>
+            </a:r>
+            <a:r>
+              <a:rPr lang="zh-TW" altLang="en-US" dirty="0"/>
+              <a:t>和</a:t>
+            </a:r>
+            <a:r>
+              <a:rPr lang="en-US" altLang="zh-TW" dirty="0" err="1"/>
+              <a:t>linux</a:t>
+            </a:r>
+            <a:r>
+              <a:rPr lang="zh-TW" altLang="en-US" dirty="0"/>
+              <a:t>。</a:t>
+            </a:r>
+            <a:endParaRPr lang="en-US" altLang="zh-TW" dirty="0"/>
+          </a:p>
+          <a:p>
+            <a:r>
+              <a:rPr lang="zh-TW" altLang="en-US" dirty="0"/>
+              <a:t>可以透過</a:t>
+            </a:r>
+            <a:r>
+              <a:rPr lang="en-US" altLang="zh-TW" dirty="0" err="1"/>
+              <a:t>OpenFileDialog</a:t>
+            </a:r>
+            <a:r>
+              <a:rPr lang="zh-TW" altLang="en-US"/>
+              <a:t>來選擇檔案</a:t>
+            </a:r>
+            <a:endParaRPr lang="zh-TW" altLang="en-US" dirty="0"/>
+          </a:p>
+          <a:p>
+            <a:endParaRPr lang="zh-TW" altLang="en-US" dirty="0"/>
           </a:p>
         </p:txBody>
       </p:sp>
@@ -12680,7 +12957,7 @@
           <p:cNvPr id="3" name="標題 2">
             <a:extLst>
               <a:ext uri="{FF2B5EF4-FFF2-40B4-BE49-F238E27FC236}">
-                <a16:creationId xmlns:a16="http://schemas.microsoft.com/office/drawing/2014/main" id="{01E9C74F-6A6E-4A8E-9D6F-EFD1E01ED27F}"/>
+                <a16:creationId xmlns:a16="http://schemas.microsoft.com/office/drawing/2014/main" id="{CCC4C687-E55C-4A4A-95F8-B91A294097A0}"/>
               </a:ext>
             </a:extLst>
           </p:cNvPr>
@@ -12697,16 +12974,33 @@
           <a:lstStyle/>
           <a:p>
             <a:r>
+              <a:rPr lang="en-US" altLang="zh-TW" dirty="0"/>
+              <a:t>EXCEL</a:t>
+            </a:r>
+            <a:r>
               <a:rPr lang="zh-TW" altLang="en-US" dirty="0"/>
-              <a:t>技術總結</a:t>
-            </a:r>
+              <a:t> </a:t>
+            </a:r>
+            <a:r>
+              <a:rPr lang="en-US" altLang="zh-TW" dirty="0"/>
+              <a:t>&amp;</a:t>
+            </a:r>
+            <a:r>
+              <a:rPr lang="zh-TW" altLang="en-US" dirty="0"/>
+              <a:t> </a:t>
+            </a:r>
+            <a:r>
+              <a:rPr lang="en-US" altLang="zh-TW" dirty="0"/>
+              <a:t>CSV</a:t>
+            </a:r>
+            <a:endParaRPr lang="zh-TW" altLang="en-US" dirty="0"/>
           </a:p>
         </p:txBody>
       </p:sp>
     </p:spTree>
     <p:extLst>
       <p:ext uri="{BB962C8B-B14F-4D97-AF65-F5344CB8AC3E}">
-        <p14:creationId xmlns:p14="http://schemas.microsoft.com/office/powerpoint/2010/main" val="2237597951"/>
+        <p14:creationId xmlns:p14="http://schemas.microsoft.com/office/powerpoint/2010/main" val="828158650"/>
       </p:ext>
     </p:extLst>
   </p:cSld>

--- a/上課教材/Week5.pptx
+++ b/上課教材/Week5.pptx
@@ -8,16 +8,17 @@
     <p:sldId id="257" r:id="rId2"/>
     <p:sldId id="316" r:id="rId3"/>
     <p:sldId id="325" r:id="rId4"/>
-    <p:sldId id="326" r:id="rId5"/>
-    <p:sldId id="317" r:id="rId6"/>
-    <p:sldId id="318" r:id="rId7"/>
-    <p:sldId id="319" r:id="rId8"/>
-    <p:sldId id="320" r:id="rId9"/>
-    <p:sldId id="321" r:id="rId10"/>
-    <p:sldId id="323" r:id="rId11"/>
-    <p:sldId id="324" r:id="rId12"/>
-    <p:sldId id="259" r:id="rId13"/>
-    <p:sldId id="312" r:id="rId14"/>
+    <p:sldId id="317" r:id="rId5"/>
+    <p:sldId id="318" r:id="rId6"/>
+    <p:sldId id="319" r:id="rId7"/>
+    <p:sldId id="320" r:id="rId8"/>
+    <p:sldId id="321" r:id="rId9"/>
+    <p:sldId id="323" r:id="rId10"/>
+    <p:sldId id="324" r:id="rId11"/>
+    <p:sldId id="327" r:id="rId12"/>
+    <p:sldId id="328" r:id="rId13"/>
+    <p:sldId id="259" r:id="rId14"/>
+    <p:sldId id="312" r:id="rId15"/>
   </p:sldIdLst>
   <p:sldSz cx="12192000" cy="6858000"/>
   <p:notesSz cx="6858000" cy="9144000"/>
@@ -127,7 +128,7 @@
 <file path=ppt/revisionInfo.xml><?xml version="1.0" encoding="utf-8"?>
 <p1510:revInfo xmlns:a="http://schemas.openxmlformats.org/drawingml/2006/main" xmlns:r="http://schemas.openxmlformats.org/officeDocument/2006/relationships" xmlns:p1510="http://schemas.microsoft.com/office/powerpoint/2015/10/main">
   <p1510:revLst>
-    <p1510:client id="{A2F4D413-9D68-4A8C-9D49-8D8D17D6E9EA}" v="79" dt="2020-06-03T23:22:43.115"/>
+    <p1510:client id="{A2F4D413-9D68-4A8C-9D49-8D8D17D6E9EA}" v="115" dt="2020-06-08T01:17:18.397"/>
   </p1510:revLst>
 </p1510:revInfo>
 </file>
@@ -1235,7 +1236,7 @@
   <pc:docChgLst>
     <pc:chgData name="Ming-Chih Lin" userId="f1ba3ba5-e185-404b-b55f-b2be90e2bdc2" providerId="ADAL" clId="{A2F4D413-9D68-4A8C-9D49-8D8D17D6E9EA}"/>
     <pc:docChg chg="undo custSel addSld delSld modSld">
-      <pc:chgData name="Ming-Chih Lin" userId="f1ba3ba5-e185-404b-b55f-b2be90e2bdc2" providerId="ADAL" clId="{A2F4D413-9D68-4A8C-9D49-8D8D17D6E9EA}" dt="2020-06-03T23:22:59.076" v="392" actId="20577"/>
+      <pc:chgData name="Ming-Chih Lin" userId="f1ba3ba5-e185-404b-b55f-b2be90e2bdc2" providerId="ADAL" clId="{A2F4D413-9D68-4A8C-9D49-8D8D17D6E9EA}" dt="2020-06-08T01:18:16.549" v="528" actId="1076"/>
       <pc:docMkLst>
         <pc:docMk/>
       </pc:docMkLst>
@@ -1347,13 +1348,13 @@
         </pc:picChg>
       </pc:sldChg>
       <pc:sldChg chg="addSp modSp mod chgLayout">
-        <pc:chgData name="Ming-Chih Lin" userId="f1ba3ba5-e185-404b-b55f-b2be90e2bdc2" providerId="ADAL" clId="{A2F4D413-9D68-4A8C-9D49-8D8D17D6E9EA}" dt="2020-06-02T00:47:05.587" v="154"/>
+        <pc:chgData name="Ming-Chih Lin" userId="f1ba3ba5-e185-404b-b55f-b2be90e2bdc2" providerId="ADAL" clId="{A2F4D413-9D68-4A8C-9D49-8D8D17D6E9EA}" dt="2020-06-08T01:13:15.282" v="468" actId="1076"/>
         <pc:sldMkLst>
           <pc:docMk/>
           <pc:sldMk cId="1705629521" sldId="318"/>
         </pc:sldMkLst>
         <pc:spChg chg="add mod ord">
-          <ac:chgData name="Ming-Chih Lin" userId="f1ba3ba5-e185-404b-b55f-b2be90e2bdc2" providerId="ADAL" clId="{A2F4D413-9D68-4A8C-9D49-8D8D17D6E9EA}" dt="2020-06-02T00:44:44.018" v="55"/>
+          <ac:chgData name="Ming-Chih Lin" userId="f1ba3ba5-e185-404b-b55f-b2be90e2bdc2" providerId="ADAL" clId="{A2F4D413-9D68-4A8C-9D49-8D8D17D6E9EA}" dt="2020-06-08T01:13:08.784" v="462" actId="14100"/>
           <ac:spMkLst>
             <pc:docMk/>
             <pc:sldMk cId="1705629521" sldId="318"/>
@@ -1368,15 +1369,23 @@
             <ac:spMk id="3" creationId="{E7C3D928-2CE9-4266-A577-F5AA1DFC7CE3}"/>
           </ac:spMkLst>
         </pc:spChg>
-      </pc:sldChg>
-      <pc:sldChg chg="modSp new mod">
-        <pc:chgData name="Ming-Chih Lin" userId="f1ba3ba5-e185-404b-b55f-b2be90e2bdc2" providerId="ADAL" clId="{A2F4D413-9D68-4A8C-9D49-8D8D17D6E9EA}" dt="2020-06-02T00:47:19.655" v="169" actId="20577"/>
+        <pc:picChg chg="add mod">
+          <ac:chgData name="Ming-Chih Lin" userId="f1ba3ba5-e185-404b-b55f-b2be90e2bdc2" providerId="ADAL" clId="{A2F4D413-9D68-4A8C-9D49-8D8D17D6E9EA}" dt="2020-06-08T01:13:15.282" v="468" actId="1076"/>
+          <ac:picMkLst>
+            <pc:docMk/>
+            <pc:sldMk cId="1705629521" sldId="318"/>
+            <ac:picMk id="4" creationId="{CF183AA3-D78A-48ED-BD9B-13CF0C45B6C1}"/>
+          </ac:picMkLst>
+        </pc:picChg>
+      </pc:sldChg>
+      <pc:sldChg chg="addSp modSp new mod">
+        <pc:chgData name="Ming-Chih Lin" userId="f1ba3ba5-e185-404b-b55f-b2be90e2bdc2" providerId="ADAL" clId="{A2F4D413-9D68-4A8C-9D49-8D8D17D6E9EA}" dt="2020-06-08T01:12:18.306" v="461" actId="1076"/>
         <pc:sldMkLst>
           <pc:docMk/>
           <pc:sldMk cId="3998885543" sldId="319"/>
         </pc:sldMkLst>
         <pc:spChg chg="mod">
-          <ac:chgData name="Ming-Chih Lin" userId="f1ba3ba5-e185-404b-b55f-b2be90e2bdc2" providerId="ADAL" clId="{A2F4D413-9D68-4A8C-9D49-8D8D17D6E9EA}" dt="2020-06-02T00:45:01.808" v="61"/>
+          <ac:chgData name="Ming-Chih Lin" userId="f1ba3ba5-e185-404b-b55f-b2be90e2bdc2" providerId="ADAL" clId="{A2F4D413-9D68-4A8C-9D49-8D8D17D6E9EA}" dt="2020-06-08T01:12:14.622" v="458" actId="14100"/>
           <ac:spMkLst>
             <pc:docMk/>
             <pc:sldMk cId="3998885543" sldId="319"/>
@@ -1391,15 +1400,23 @@
             <ac:spMk id="3" creationId="{CCC4C687-E55C-4A4A-95F8-B91A294097A0}"/>
           </ac:spMkLst>
         </pc:spChg>
-      </pc:sldChg>
-      <pc:sldChg chg="modSp add mod">
-        <pc:chgData name="Ming-Chih Lin" userId="f1ba3ba5-e185-404b-b55f-b2be90e2bdc2" providerId="ADAL" clId="{A2F4D413-9D68-4A8C-9D49-8D8D17D6E9EA}" dt="2020-06-02T00:47:29.311" v="174" actId="20577"/>
+        <pc:picChg chg="add mod">
+          <ac:chgData name="Ming-Chih Lin" userId="f1ba3ba5-e185-404b-b55f-b2be90e2bdc2" providerId="ADAL" clId="{A2F4D413-9D68-4A8C-9D49-8D8D17D6E9EA}" dt="2020-06-08T01:12:18.306" v="461" actId="1076"/>
+          <ac:picMkLst>
+            <pc:docMk/>
+            <pc:sldMk cId="3998885543" sldId="319"/>
+            <ac:picMk id="1026" creationId="{824159C6-DBEF-45A9-B522-0DDBCAEB2736}"/>
+          </ac:picMkLst>
+        </pc:picChg>
+      </pc:sldChg>
+      <pc:sldChg chg="addSp modSp add mod">
+        <pc:chgData name="Ming-Chih Lin" userId="f1ba3ba5-e185-404b-b55f-b2be90e2bdc2" providerId="ADAL" clId="{A2F4D413-9D68-4A8C-9D49-8D8D17D6E9EA}" dt="2020-06-08T01:13:46.944" v="472" actId="1076"/>
         <pc:sldMkLst>
           <pc:docMk/>
           <pc:sldMk cId="457455733" sldId="320"/>
         </pc:sldMkLst>
         <pc:spChg chg="mod">
-          <ac:chgData name="Ming-Chih Lin" userId="f1ba3ba5-e185-404b-b55f-b2be90e2bdc2" providerId="ADAL" clId="{A2F4D413-9D68-4A8C-9D49-8D8D17D6E9EA}" dt="2020-06-02T00:45:08.832" v="62"/>
+          <ac:chgData name="Ming-Chih Lin" userId="f1ba3ba5-e185-404b-b55f-b2be90e2bdc2" providerId="ADAL" clId="{A2F4D413-9D68-4A8C-9D49-8D8D17D6E9EA}" dt="2020-06-08T01:13:24.138" v="469" actId="14100"/>
           <ac:spMkLst>
             <pc:docMk/>
             <pc:sldMk cId="457455733" sldId="320"/>
@@ -1414,15 +1431,23 @@
             <ac:spMk id="3" creationId="{CCC4C687-E55C-4A4A-95F8-B91A294097A0}"/>
           </ac:spMkLst>
         </pc:spChg>
-      </pc:sldChg>
-      <pc:sldChg chg="modSp add mod">
-        <pc:chgData name="Ming-Chih Lin" userId="f1ba3ba5-e185-404b-b55f-b2be90e2bdc2" providerId="ADAL" clId="{A2F4D413-9D68-4A8C-9D49-8D8D17D6E9EA}" dt="2020-06-02T00:50:53.562" v="363"/>
+        <pc:picChg chg="add mod">
+          <ac:chgData name="Ming-Chih Lin" userId="f1ba3ba5-e185-404b-b55f-b2be90e2bdc2" providerId="ADAL" clId="{A2F4D413-9D68-4A8C-9D49-8D8D17D6E9EA}" dt="2020-06-08T01:13:46.944" v="472" actId="1076"/>
+          <ac:picMkLst>
+            <pc:docMk/>
+            <pc:sldMk cId="457455733" sldId="320"/>
+            <ac:picMk id="4" creationId="{C85B90C3-A922-45FC-B8CC-4F2763DC71F7}"/>
+          </ac:picMkLst>
+        </pc:picChg>
+      </pc:sldChg>
+      <pc:sldChg chg="addSp modSp add mod">
+        <pc:chgData name="Ming-Chih Lin" userId="f1ba3ba5-e185-404b-b55f-b2be90e2bdc2" providerId="ADAL" clId="{A2F4D413-9D68-4A8C-9D49-8D8D17D6E9EA}" dt="2020-06-08T01:14:54.249" v="481" actId="1076"/>
         <pc:sldMkLst>
           <pc:docMk/>
           <pc:sldMk cId="828158650" sldId="321"/>
         </pc:sldMkLst>
         <pc:spChg chg="mod">
-          <ac:chgData name="Ming-Chih Lin" userId="f1ba3ba5-e185-404b-b55f-b2be90e2bdc2" providerId="ADAL" clId="{A2F4D413-9D68-4A8C-9D49-8D8D17D6E9EA}" dt="2020-06-02T00:50:53.562" v="363"/>
+          <ac:chgData name="Ming-Chih Lin" userId="f1ba3ba5-e185-404b-b55f-b2be90e2bdc2" providerId="ADAL" clId="{A2F4D413-9D68-4A8C-9D49-8D8D17D6E9EA}" dt="2020-06-08T01:14:41.983" v="479" actId="20577"/>
           <ac:spMkLst>
             <pc:docMk/>
             <pc:sldMk cId="828158650" sldId="321"/>
@@ -1437,6 +1462,14 @@
             <ac:spMk id="3" creationId="{CCC4C687-E55C-4A4A-95F8-B91A294097A0}"/>
           </ac:spMkLst>
         </pc:spChg>
+        <pc:picChg chg="add mod">
+          <ac:chgData name="Ming-Chih Lin" userId="f1ba3ba5-e185-404b-b55f-b2be90e2bdc2" providerId="ADAL" clId="{A2F4D413-9D68-4A8C-9D49-8D8D17D6E9EA}" dt="2020-06-08T01:14:54.249" v="481" actId="1076"/>
+          <ac:picMkLst>
+            <pc:docMk/>
+            <pc:sldMk cId="828158650" sldId="321"/>
+            <ac:picMk id="2050" creationId="{2773A1AF-8F04-428F-903E-7C483E44ABA3}"/>
+          </ac:picMkLst>
+        </pc:picChg>
       </pc:sldChg>
       <pc:sldChg chg="addSp delSp modSp add del mod">
         <pc:chgData name="Ming-Chih Lin" userId="f1ba3ba5-e185-404b-b55f-b2be90e2bdc2" providerId="ADAL" clId="{A2F4D413-9D68-4A8C-9D49-8D8D17D6E9EA}" dt="2020-06-02T00:50:08.836" v="271" actId="47"/>
@@ -1469,14 +1502,14 @@
           </ac:spMkLst>
         </pc:spChg>
       </pc:sldChg>
-      <pc:sldChg chg="modSp add mod">
-        <pc:chgData name="Ming-Chih Lin" userId="f1ba3ba5-e185-404b-b55f-b2be90e2bdc2" providerId="ADAL" clId="{A2F4D413-9D68-4A8C-9D49-8D8D17D6E9EA}" dt="2020-06-02T00:48:49.455" v="205" actId="20577"/>
+      <pc:sldChg chg="addSp modSp add mod">
+        <pc:chgData name="Ming-Chih Lin" userId="f1ba3ba5-e185-404b-b55f-b2be90e2bdc2" providerId="ADAL" clId="{A2F4D413-9D68-4A8C-9D49-8D8D17D6E9EA}" dt="2020-06-08T01:16:09.573" v="487" actId="14100"/>
         <pc:sldMkLst>
           <pc:docMk/>
           <pc:sldMk cId="900285283" sldId="323"/>
         </pc:sldMkLst>
         <pc:spChg chg="mod">
-          <ac:chgData name="Ming-Chih Lin" userId="f1ba3ba5-e185-404b-b55f-b2be90e2bdc2" providerId="ADAL" clId="{A2F4D413-9D68-4A8C-9D49-8D8D17D6E9EA}" dt="2020-06-02T00:45:40.009" v="67"/>
+          <ac:chgData name="Ming-Chih Lin" userId="f1ba3ba5-e185-404b-b55f-b2be90e2bdc2" providerId="ADAL" clId="{A2F4D413-9D68-4A8C-9D49-8D8D17D6E9EA}" dt="2020-06-08T01:16:09.573" v="487" actId="14100"/>
           <ac:spMkLst>
             <pc:docMk/>
             <pc:sldMk cId="900285283" sldId="323"/>
@@ -1491,15 +1524,23 @@
             <ac:spMk id="3" creationId="{CCC4C687-E55C-4A4A-95F8-B91A294097A0}"/>
           </ac:spMkLst>
         </pc:spChg>
+        <pc:picChg chg="add mod">
+          <ac:chgData name="Ming-Chih Lin" userId="f1ba3ba5-e185-404b-b55f-b2be90e2bdc2" providerId="ADAL" clId="{A2F4D413-9D68-4A8C-9D49-8D8D17D6E9EA}" dt="2020-06-08T01:16:06.819" v="486" actId="1076"/>
+          <ac:picMkLst>
+            <pc:docMk/>
+            <pc:sldMk cId="900285283" sldId="323"/>
+            <ac:picMk id="4" creationId="{D26499DB-F4B8-4AAB-BEB3-25D1E5A892D9}"/>
+          </ac:picMkLst>
+        </pc:picChg>
       </pc:sldChg>
       <pc:sldChg chg="modSp new mod">
-        <pc:chgData name="Ming-Chih Lin" userId="f1ba3ba5-e185-404b-b55f-b2be90e2bdc2" providerId="ADAL" clId="{A2F4D413-9D68-4A8C-9D49-8D8D17D6E9EA}" dt="2020-06-02T00:49:25.264" v="267" actId="20577"/>
+        <pc:chgData name="Ming-Chih Lin" userId="f1ba3ba5-e185-404b-b55f-b2be90e2bdc2" providerId="ADAL" clId="{A2F4D413-9D68-4A8C-9D49-8D8D17D6E9EA}" dt="2020-06-08T01:17:24.202" v="523" actId="5793"/>
         <pc:sldMkLst>
           <pc:docMk/>
           <pc:sldMk cId="2237597951" sldId="324"/>
         </pc:sldMkLst>
         <pc:spChg chg="mod">
-          <ac:chgData name="Ming-Chih Lin" userId="f1ba3ba5-e185-404b-b55f-b2be90e2bdc2" providerId="ADAL" clId="{A2F4D413-9D68-4A8C-9D49-8D8D17D6E9EA}" dt="2020-06-02T00:45:53.101" v="69"/>
+          <ac:chgData name="Ming-Chih Lin" userId="f1ba3ba5-e185-404b-b55f-b2be90e2bdc2" providerId="ADAL" clId="{A2F4D413-9D68-4A8C-9D49-8D8D17D6E9EA}" dt="2020-06-08T01:17:24.202" v="523" actId="5793"/>
           <ac:spMkLst>
             <pc:docMk/>
             <pc:sldMk cId="2237597951" sldId="324"/>
@@ -1516,7 +1557,7 @@
         </pc:spChg>
       </pc:sldChg>
       <pc:sldChg chg="addSp delSp modSp new mod modClrScheme chgLayout">
-        <pc:chgData name="Ming-Chih Lin" userId="f1ba3ba5-e185-404b-b55f-b2be90e2bdc2" providerId="ADAL" clId="{A2F4D413-9D68-4A8C-9D49-8D8D17D6E9EA}" dt="2020-06-03T23:22:24.983" v="388" actId="5793"/>
+        <pc:chgData name="Ming-Chih Lin" userId="f1ba3ba5-e185-404b-b55f-b2be90e2bdc2" providerId="ADAL" clId="{A2F4D413-9D68-4A8C-9D49-8D8D17D6E9EA}" dt="2020-06-08T01:16:54.283" v="515"/>
         <pc:sldMkLst>
           <pc:docMk/>
           <pc:sldMk cId="3588305012" sldId="325"/>
@@ -1538,7 +1579,7 @@
           </ac:spMkLst>
         </pc:spChg>
         <pc:spChg chg="add mod ord">
-          <ac:chgData name="Ming-Chih Lin" userId="f1ba3ba5-e185-404b-b55f-b2be90e2bdc2" providerId="ADAL" clId="{A2F4D413-9D68-4A8C-9D49-8D8D17D6E9EA}" dt="2020-06-03T23:21:25.875" v="368" actId="700"/>
+          <ac:chgData name="Ming-Chih Lin" userId="f1ba3ba5-e185-404b-b55f-b2be90e2bdc2" providerId="ADAL" clId="{A2F4D413-9D68-4A8C-9D49-8D8D17D6E9EA}" dt="2020-06-08T01:16:54.283" v="515"/>
           <ac:spMkLst>
             <pc:docMk/>
             <pc:sldMk cId="3588305012" sldId="325"/>
@@ -1554,20 +1595,74 @@
           </ac:spMkLst>
         </pc:spChg>
       </pc:sldChg>
-      <pc:sldChg chg="modSp new">
-        <pc:chgData name="Ming-Chih Lin" userId="f1ba3ba5-e185-404b-b55f-b2be90e2bdc2" providerId="ADAL" clId="{A2F4D413-9D68-4A8C-9D49-8D8D17D6E9EA}" dt="2020-06-03T23:22:43.115" v="390"/>
+      <pc:sldChg chg="modSp new del mod">
+        <pc:chgData name="Ming-Chih Lin" userId="f1ba3ba5-e185-404b-b55f-b2be90e2bdc2" providerId="ADAL" clId="{A2F4D413-9D68-4A8C-9D49-8D8D17D6E9EA}" dt="2020-06-08T01:17:11.967" v="519" actId="47"/>
         <pc:sldMkLst>
           <pc:docMk/>
           <pc:sldMk cId="3609392111" sldId="326"/>
         </pc:sldMkLst>
         <pc:spChg chg="mod">
-          <ac:chgData name="Ming-Chih Lin" userId="f1ba3ba5-e185-404b-b55f-b2be90e2bdc2" providerId="ADAL" clId="{A2F4D413-9D68-4A8C-9D49-8D8D17D6E9EA}" dt="2020-06-03T23:22:43.115" v="390"/>
+          <ac:chgData name="Ming-Chih Lin" userId="f1ba3ba5-e185-404b-b55f-b2be90e2bdc2" providerId="ADAL" clId="{A2F4D413-9D68-4A8C-9D49-8D8D17D6E9EA}" dt="2020-06-08T01:17:09.820" v="518" actId="21"/>
           <ac:spMkLst>
             <pc:docMk/>
             <pc:sldMk cId="3609392111" sldId="326"/>
             <ac:spMk id="2" creationId="{E9C001BF-EBE2-4C4F-AC91-5B627973CADD}"/>
           </ac:spMkLst>
         </pc:spChg>
+      </pc:sldChg>
+      <pc:sldChg chg="modSp add mod">
+        <pc:chgData name="Ming-Chih Lin" userId="f1ba3ba5-e185-404b-b55f-b2be90e2bdc2" providerId="ADAL" clId="{A2F4D413-9D68-4A8C-9D49-8D8D17D6E9EA}" dt="2020-06-08T01:07:13.214" v="446" actId="20577"/>
+        <pc:sldMkLst>
+          <pc:docMk/>
+          <pc:sldMk cId="2181700493" sldId="327"/>
+        </pc:sldMkLst>
+        <pc:spChg chg="mod">
+          <ac:chgData name="Ming-Chih Lin" userId="f1ba3ba5-e185-404b-b55f-b2be90e2bdc2" providerId="ADAL" clId="{A2F4D413-9D68-4A8C-9D49-8D8D17D6E9EA}" dt="2020-06-08T01:07:13.214" v="446" actId="20577"/>
+          <ac:spMkLst>
+            <pc:docMk/>
+            <pc:sldMk cId="2181700493" sldId="327"/>
+            <ac:spMk id="4" creationId="{2FA54F75-D405-4104-B6BB-EA44A23A109A}"/>
+          </ac:spMkLst>
+        </pc:spChg>
+      </pc:sldChg>
+      <pc:sldChg chg="addSp delSp modSp new mod modClrScheme chgLayout">
+        <pc:chgData name="Ming-Chih Lin" userId="f1ba3ba5-e185-404b-b55f-b2be90e2bdc2" providerId="ADAL" clId="{A2F4D413-9D68-4A8C-9D49-8D8D17D6E9EA}" dt="2020-06-08T01:18:16.549" v="528" actId="1076"/>
+        <pc:sldMkLst>
+          <pc:docMk/>
+          <pc:sldMk cId="1721662836" sldId="328"/>
+        </pc:sldMkLst>
+        <pc:spChg chg="del">
+          <ac:chgData name="Ming-Chih Lin" userId="f1ba3ba5-e185-404b-b55f-b2be90e2bdc2" providerId="ADAL" clId="{A2F4D413-9D68-4A8C-9D49-8D8D17D6E9EA}" dt="2020-06-08T01:10:15.629" v="448" actId="700"/>
+          <ac:spMkLst>
+            <pc:docMk/>
+            <pc:sldMk cId="1721662836" sldId="328"/>
+            <ac:spMk id="2" creationId="{C2EC1FAC-B915-4E8B-8538-82169E7B2241}"/>
+          </ac:spMkLst>
+        </pc:spChg>
+        <pc:spChg chg="del">
+          <ac:chgData name="Ming-Chih Lin" userId="f1ba3ba5-e185-404b-b55f-b2be90e2bdc2" providerId="ADAL" clId="{A2F4D413-9D68-4A8C-9D49-8D8D17D6E9EA}" dt="2020-06-08T01:10:15.629" v="448" actId="700"/>
+          <ac:spMkLst>
+            <pc:docMk/>
+            <pc:sldMk cId="1721662836" sldId="328"/>
+            <ac:spMk id="3" creationId="{956B8D67-1CBD-49F6-A7E7-52FAFE56BA4D}"/>
+          </ac:spMkLst>
+        </pc:spChg>
+        <pc:spChg chg="add del mod">
+          <ac:chgData name="Ming-Chih Lin" userId="f1ba3ba5-e185-404b-b55f-b2be90e2bdc2" providerId="ADAL" clId="{A2F4D413-9D68-4A8C-9D49-8D8D17D6E9EA}" dt="2020-06-08T01:18:12.059" v="526" actId="478"/>
+          <ac:spMkLst>
+            <pc:docMk/>
+            <pc:sldMk cId="1721662836" sldId="328"/>
+            <ac:spMk id="4" creationId="{FC7A961F-ED08-40F1-9580-D98DE490D9FE}"/>
+          </ac:spMkLst>
+        </pc:spChg>
+        <pc:picChg chg="add mod">
+          <ac:chgData name="Ming-Chih Lin" userId="f1ba3ba5-e185-404b-b55f-b2be90e2bdc2" providerId="ADAL" clId="{A2F4D413-9D68-4A8C-9D49-8D8D17D6E9EA}" dt="2020-06-08T01:18:16.549" v="528" actId="1076"/>
+          <ac:picMkLst>
+            <pc:docMk/>
+            <pc:sldMk cId="1721662836" sldId="328"/>
+            <ac:picMk id="5" creationId="{1CEC4D29-8869-4612-93DF-6D1EDE350EAF}"/>
+          </ac:picMkLst>
+        </pc:picChg>
       </pc:sldChg>
     </pc:docChg>
   </pc:docChgLst>
@@ -6224,7 +6319,7 @@
           <a:p>
             <a:fld id="{FA1E3ED8-1BB4-4BD2-AB23-359644E070C2}" type="datetimeFigureOut">
               <a:rPr lang="zh-TW" altLang="en-US" smtClean="0"/>
-              <a:t>2020/6/4</a:t>
+              <a:t>2020/6/8</a:t>
             </a:fld>
             <a:endParaRPr lang="zh-TW" altLang="en-US"/>
           </a:p>
@@ -11413,7 +11508,7 @@
           <p:cNvPr id="2" name="內容版面配置區 1">
             <a:extLst>
               <a:ext uri="{FF2B5EF4-FFF2-40B4-BE49-F238E27FC236}">
-                <a16:creationId xmlns:a16="http://schemas.microsoft.com/office/drawing/2014/main" id="{A59C3745-8BBA-4B0D-94D1-714F7F3134D9}"/>
+                <a16:creationId xmlns:a16="http://schemas.microsoft.com/office/drawing/2014/main" id="{63D60E59-8295-4FBC-8527-18F3AB6DF926}"/>
               </a:ext>
             </a:extLst>
           </p:cNvPr>
@@ -11429,57 +11524,24 @@
           <a:bodyPr/>
           <a:lstStyle/>
           <a:p>
+            <a:pPr marL="0" indent="0">
+              <a:buNone/>
+            </a:pPr>
             <a:r>
               <a:rPr lang="zh-TW" altLang="en-US" dirty="0"/>
-              <a:t>如果以</a:t>
-            </a:r>
-            <a:r>
-              <a:rPr lang="en-US" altLang="zh-TW" dirty="0"/>
-              <a:t>ACT</a:t>
-            </a:r>
+              <a:t>要設計出一個好的操作介面，需要從使用者角度來思考，推測使用者輸入時可能發生的錯誤，並針對錯誤提供正確的反饋，讓使用者清楚該如何修正。建議在介面完成初步開發時便可以邀請將來可能的使用者試用，根據使用者意見適當的修改可減少未來使用上的抱怨。</a:t>
+            </a:r>
+          </a:p>
+          <a:p>
+            <a:endParaRPr lang="en-US" altLang="zh-TW" dirty="0"/>
+          </a:p>
+          <a:p>
+            <a:pPr marL="0" indent="0">
+              <a:buNone/>
+            </a:pPr>
             <a:r>
               <a:rPr lang="zh-TW" altLang="en-US" dirty="0"/>
-              <a:t>技術包裝程式碼，</a:t>
-            </a:r>
-            <a:r>
-              <a:rPr lang="en-US" altLang="zh-TW" dirty="0"/>
-              <a:t>ACT</a:t>
-            </a:r>
-            <a:r>
-              <a:rPr lang="zh-TW" altLang="en-US" dirty="0"/>
-              <a:t>可以定義幾種簡單的控鍵。</a:t>
-            </a:r>
-            <a:r>
-              <a:rPr lang="en-US" altLang="zh-TW" dirty="0"/>
-              <a:t>ACT</a:t>
-            </a:r>
-            <a:r>
-              <a:rPr lang="zh-TW" altLang="en-US" dirty="0"/>
-              <a:t>可以整合在主畫面右邊的視窗，並持續保持開啟的狀態，操作上相對簡便。也同時支援</a:t>
-            </a:r>
-            <a:r>
-              <a:rPr lang="en-US" altLang="zh-TW" dirty="0" err="1"/>
-              <a:t>windos</a:t>
-            </a:r>
-            <a:r>
-              <a:rPr lang="zh-TW" altLang="en-US" dirty="0"/>
-              <a:t>和</a:t>
-            </a:r>
-            <a:r>
-              <a:rPr lang="en-US" altLang="zh-TW" dirty="0"/>
-              <a:t>Linux</a:t>
-            </a:r>
-            <a:r>
-              <a:rPr lang="zh-TW" altLang="en-US" dirty="0"/>
-              <a:t>。缺點是這屬於</a:t>
-            </a:r>
-            <a:r>
-              <a:rPr lang="en-US" altLang="zh-TW" dirty="0"/>
-              <a:t>AEDT</a:t>
-            </a:r>
-            <a:r>
-              <a:rPr lang="zh-TW" altLang="en-US" dirty="0"/>
-              <a:t>獨有的工具，沒有太多範例可以參考。發生問題網路上也找不到相關解答。</a:t>
+              <a:t>從以上的介紹各位可以了解沒有哪一種技術可以涵蓋所有的好處，開發人員必須視狀況決定採用哪一種技術。</a:t>
             </a:r>
           </a:p>
         </p:txBody>
@@ -11489,7 +11551,7 @@
           <p:cNvPr id="3" name="標題 2">
             <a:extLst>
               <a:ext uri="{FF2B5EF4-FFF2-40B4-BE49-F238E27FC236}">
-                <a16:creationId xmlns:a16="http://schemas.microsoft.com/office/drawing/2014/main" id="{CCC4C687-E55C-4A4A-95F8-B91A294097A0}"/>
+                <a16:creationId xmlns:a16="http://schemas.microsoft.com/office/drawing/2014/main" id="{01E9C74F-6A6E-4A8E-9D6F-EFD1E01ED27F}"/>
               </a:ext>
             </a:extLst>
           </p:cNvPr>
@@ -11506,17 +11568,16 @@
           <a:lstStyle/>
           <a:p>
             <a:r>
-              <a:rPr lang="en-US" altLang="zh-TW" dirty="0"/>
-              <a:t>ACT</a:t>
-            </a:r>
-            <a:endParaRPr lang="zh-TW" altLang="en-US" dirty="0"/>
+              <a:rPr lang="zh-TW" altLang="en-US" dirty="0"/>
+              <a:t>技術總結</a:t>
+            </a:r>
           </a:p>
         </p:txBody>
       </p:sp>
     </p:spTree>
     <p:extLst>
       <p:ext uri="{BB962C8B-B14F-4D97-AF65-F5344CB8AC3E}">
-        <p14:creationId xmlns:p14="http://schemas.microsoft.com/office/powerpoint/2010/main" val="900285283"/>
+        <p14:creationId xmlns:p14="http://schemas.microsoft.com/office/powerpoint/2010/main" val="2237597951"/>
       </p:ext>
     </p:extLst>
   </p:cSld>
@@ -11557,10 +11618,10 @@
       </p:grpSpPr>
       <p:sp>
         <p:nvSpPr>
-          <p:cNvPr id="2" name="內容版面配置區 1">
-            <a:extLst>
-              <a:ext uri="{FF2B5EF4-FFF2-40B4-BE49-F238E27FC236}">
-                <a16:creationId xmlns:a16="http://schemas.microsoft.com/office/drawing/2014/main" id="{63D60E59-8295-4FBC-8527-18F3AB6DF926}"/>
+          <p:cNvPr id="4" name="文字版面配置區 3">
+            <a:extLst>
+              <a:ext uri="{FF2B5EF4-FFF2-40B4-BE49-F238E27FC236}">
+                <a16:creationId xmlns:a16="http://schemas.microsoft.com/office/drawing/2014/main" id="{2FA54F75-D405-4104-B6BB-EA44A23A109A}"/>
               </a:ext>
             </a:extLst>
           </p:cNvPr>
@@ -11568,7 +11629,7 @@
             <a:spLocks noGrp="1"/>
           </p:cNvSpPr>
           <p:nvPr>
-            <p:ph idx="1"/>
+            <p:ph type="body" sz="quarter" idx="10"/>
           </p:nvPr>
         </p:nvSpPr>
         <p:spPr/>
@@ -11578,17 +11639,30 @@
           <a:p>
             <a:r>
               <a:rPr lang="zh-TW" altLang="en-US" dirty="0"/>
-              <a:t>從以上的介紹各位可以了解沒有哪一種技術可以涵蓋所有的好處，開發人員必須視狀況決定採用哪一種技術。</a:t>
-            </a:r>
+              <a:t>範例解說：使用</a:t>
+            </a:r>
+            <a:r>
+              <a:rPr lang="en-US" altLang="zh-TW" dirty="0"/>
+              <a:t>Visual Studio</a:t>
+            </a:r>
+            <a:r>
+              <a:rPr lang="zh-TW" altLang="en-US" dirty="0"/>
+              <a:t>產生</a:t>
+            </a:r>
+            <a:r>
+              <a:rPr lang="en-US" altLang="zh-TW" dirty="0"/>
+              <a:t>GUI</a:t>
+            </a:r>
+            <a:endParaRPr lang="zh-TW" altLang="en-US" dirty="0"/>
           </a:p>
         </p:txBody>
       </p:sp>
       <p:sp>
         <p:nvSpPr>
-          <p:cNvPr id="3" name="標題 2">
-            <a:extLst>
-              <a:ext uri="{FF2B5EF4-FFF2-40B4-BE49-F238E27FC236}">
-                <a16:creationId xmlns:a16="http://schemas.microsoft.com/office/drawing/2014/main" id="{01E9C74F-6A6E-4A8E-9D6F-EFD1E01ED27F}"/>
+          <p:cNvPr id="5" name="文字版面配置區 4">
+            <a:extLst>
+              <a:ext uri="{FF2B5EF4-FFF2-40B4-BE49-F238E27FC236}">
+                <a16:creationId xmlns:a16="http://schemas.microsoft.com/office/drawing/2014/main" id="{CEE2A55E-C73D-43FF-AA36-95C0FF95B7B1}"/>
               </a:ext>
             </a:extLst>
           </p:cNvPr>
@@ -11596,7 +11670,7 @@
             <a:spLocks noGrp="1"/>
           </p:cNvSpPr>
           <p:nvPr>
-            <p:ph type="title"/>
+            <p:ph type="body" sz="quarter" idx="12"/>
           </p:nvPr>
         </p:nvSpPr>
         <p:spPr/>
@@ -11604,17 +11678,14 @@
           <a:bodyPr/>
           <a:lstStyle/>
           <a:p>
-            <a:r>
-              <a:rPr lang="zh-TW" altLang="en-US" dirty="0"/>
-              <a:t>技術總結</a:t>
-            </a:r>
+            <a:endParaRPr lang="zh-TW" altLang="en-US"/>
           </a:p>
         </p:txBody>
       </p:sp>
     </p:spTree>
     <p:extLst>
       <p:ext uri="{BB962C8B-B14F-4D97-AF65-F5344CB8AC3E}">
-        <p14:creationId xmlns:p14="http://schemas.microsoft.com/office/powerpoint/2010/main" val="2237597951"/>
+        <p14:creationId xmlns:p14="http://schemas.microsoft.com/office/powerpoint/2010/main" val="2181700493"/>
       </p:ext>
     </p:extLst>
   </p:cSld>
@@ -11653,6 +11724,78 @@
           <a:chExt cx="0" cy="0"/>
         </a:xfrm>
       </p:grpSpPr>
+      <p:pic>
+        <p:nvPicPr>
+          <p:cNvPr id="5" name="圖片 4">
+            <a:extLst>
+              <a:ext uri="{FF2B5EF4-FFF2-40B4-BE49-F238E27FC236}">
+                <a16:creationId xmlns:a16="http://schemas.microsoft.com/office/drawing/2014/main" id="{1CEC4D29-8869-4612-93DF-6D1EDE350EAF}"/>
+              </a:ext>
+            </a:extLst>
+          </p:cNvPr>
+          <p:cNvPicPr>
+            <a:picLocks noChangeAspect="1"/>
+          </p:cNvPicPr>
+          <p:nvPr/>
+        </p:nvPicPr>
+        <p:blipFill>
+          <a:blip r:embed="rId2"/>
+          <a:stretch>
+            <a:fillRect/>
+          </a:stretch>
+        </p:blipFill>
+        <p:spPr>
+          <a:xfrm>
+            <a:off x="2154682" y="657656"/>
+            <a:ext cx="7882635" cy="5115984"/>
+          </a:xfrm>
+          <a:prstGeom prst="rect">
+            <a:avLst/>
+          </a:prstGeom>
+        </p:spPr>
+      </p:pic>
+    </p:spTree>
+    <p:extLst>
+      <p:ext uri="{BB962C8B-B14F-4D97-AF65-F5344CB8AC3E}">
+        <p14:creationId xmlns:p14="http://schemas.microsoft.com/office/powerpoint/2010/main" val="1721662836"/>
+      </p:ext>
+    </p:extLst>
+  </p:cSld>
+  <p:clrMapOvr>
+    <a:masterClrMapping/>
+  </p:clrMapOvr>
+  <mc:AlternateContent xmlns:mc="http://schemas.openxmlformats.org/markup-compatibility/2006" xmlns:p14="http://schemas.microsoft.com/office/powerpoint/2010/main">
+    <mc:Choice Requires="p14">
+      <p:transition p14:dur="250">
+        <p:fade/>
+      </p:transition>
+    </mc:Choice>
+    <mc:Fallback xmlns="">
+      <p:transition>
+        <p:fade/>
+      </p:transition>
+    </mc:Fallback>
+  </mc:AlternateContent>
+</p:sld>
+</file>
+
+<file path=ppt/slides/slide13.xml><?xml version="1.0" encoding="utf-8"?>
+<p:sld xmlns:a="http://schemas.openxmlformats.org/drawingml/2006/main" xmlns:r="http://schemas.openxmlformats.org/officeDocument/2006/relationships" xmlns:p="http://schemas.openxmlformats.org/presentationml/2006/main">
+  <p:cSld>
+    <p:spTree>
+      <p:nvGrpSpPr>
+        <p:cNvPr id="1" name=""/>
+        <p:cNvGrpSpPr/>
+        <p:nvPr/>
+      </p:nvGrpSpPr>
+      <p:grpSpPr>
+        <a:xfrm>
+          <a:off x="0" y="0"/>
+          <a:ext cx="0" cy="0"/>
+          <a:chOff x="0" y="0"/>
+          <a:chExt cx="0" cy="0"/>
+        </a:xfrm>
+      </p:grpSpPr>
       <p:sp>
         <p:nvSpPr>
           <p:cNvPr id="4" name="文字版面配置區 3">
@@ -11731,7 +11874,7 @@
 </p:sld>
 </file>
 
-<file path=ppt/slides/slide13.xml><?xml version="1.0" encoding="utf-8"?>
+<file path=ppt/slides/slide14.xml><?xml version="1.0" encoding="utf-8"?>
 <p:sld xmlns:a="http://schemas.openxmlformats.org/drawingml/2006/main" xmlns:r="http://schemas.openxmlformats.org/officeDocument/2006/relationships" xmlns:p="http://schemas.openxmlformats.org/presentationml/2006/main">
   <p:cSld>
     <p:spTree>
@@ -12080,7 +12223,10 @@
           <a:bodyPr/>
           <a:lstStyle/>
           <a:p>
-            <a:endParaRPr lang="zh-TW" altLang="en-US"/>
+            <a:r>
+              <a:rPr lang="zh-TW" altLang="en-US" dirty="0"/>
+              <a:t>操作介面設計要求</a:t>
+            </a:r>
           </a:p>
         </p:txBody>
       </p:sp>
@@ -12131,7 +12277,7 @@
           <p:cNvPr id="2" name="內容版面配置區 1">
             <a:extLst>
               <a:ext uri="{FF2B5EF4-FFF2-40B4-BE49-F238E27FC236}">
-                <a16:creationId xmlns:a16="http://schemas.microsoft.com/office/drawing/2014/main" id="{E9C001BF-EBE2-4C4F-AC91-5B627973CADD}"/>
+                <a16:creationId xmlns:a16="http://schemas.microsoft.com/office/drawing/2014/main" id="{C6EC18F1-B727-4F93-82E1-0B4E9D62E007}"/>
               </a:ext>
             </a:extLst>
           </p:cNvPr>
@@ -12147,10 +12293,101 @@
           <a:bodyPr/>
           <a:lstStyle/>
           <a:p>
+            <a:pPr marL="0" indent="0">
+              <a:buNone/>
+            </a:pPr>
+            <a:r>
+              <a:rPr lang="zh-TW" altLang="en-US"/>
+              <a:t>以下</a:t>
+            </a:r>
             <a:r>
               <a:rPr lang="zh-TW" altLang="en-US" dirty="0"/>
-              <a:t>要設計出一個好的操作介面，需要從使用者角度來思考，推測使用者輸入時可能發生的錯誤，並針對錯誤提供正確的反饋，讓使用者清楚該如何修正。建議在介面完成初步開發時便可以邀請將來可能的使用者試用，根據使用者意見適當的修改可減少未來使用上的抱怨。</a:t>
-            </a:r>
+              <a:t>介紹幾種在</a:t>
+            </a:r>
+            <a:r>
+              <a:rPr lang="en-US" altLang="zh-TW" dirty="0"/>
+              <a:t>AEDT</a:t>
+            </a:r>
+            <a:r>
+              <a:rPr lang="zh-TW" altLang="en-US" dirty="0"/>
+              <a:t>當中常用的操作介面技術：</a:t>
+            </a:r>
+            <a:endParaRPr lang="en-US" altLang="zh-TW" dirty="0"/>
+          </a:p>
+          <a:p>
+            <a:r>
+              <a:rPr lang="zh-TW" altLang="en-US" dirty="0">
+                <a:solidFill>
+                  <a:srgbClr val="0070C0"/>
+                </a:solidFill>
+              </a:rPr>
+              <a:t>屬性設定視窗</a:t>
+            </a:r>
+            <a:endParaRPr lang="en-US" altLang="zh-TW" dirty="0">
+              <a:solidFill>
+                <a:srgbClr val="0070C0"/>
+              </a:solidFill>
+            </a:endParaRPr>
+          </a:p>
+          <a:p>
+            <a:r>
+              <a:rPr lang="en-US" altLang="zh-TW" dirty="0" err="1">
+                <a:solidFill>
+                  <a:srgbClr val="0070C0"/>
+                </a:solidFill>
+              </a:rPr>
+              <a:t>Tkinter</a:t>
+            </a:r>
+            <a:endParaRPr lang="en-US" altLang="zh-TW" dirty="0">
+              <a:solidFill>
+                <a:srgbClr val="0070C0"/>
+              </a:solidFill>
+            </a:endParaRPr>
+          </a:p>
+          <a:p>
+            <a:r>
+              <a:rPr lang="en-US" altLang="zh-TW" dirty="0">
+                <a:solidFill>
+                  <a:srgbClr val="0070C0"/>
+                </a:solidFill>
+              </a:rPr>
+              <a:t>WPF</a:t>
+            </a:r>
+          </a:p>
+          <a:p>
+            <a:r>
+              <a:rPr lang="en-US" altLang="zh-TW" dirty="0">
+                <a:solidFill>
+                  <a:srgbClr val="0070C0"/>
+                </a:solidFill>
+              </a:rPr>
+              <a:t>EXCEL</a:t>
+            </a:r>
+          </a:p>
+          <a:p>
+            <a:r>
+              <a:rPr lang="en-US" altLang="zh-TW" dirty="0">
+                <a:solidFill>
+                  <a:srgbClr val="0070C0"/>
+                </a:solidFill>
+              </a:rPr>
+              <a:t>CSV</a:t>
+            </a:r>
+          </a:p>
+          <a:p>
+            <a:r>
+              <a:rPr lang="en-US" altLang="zh-TW" dirty="0">
+                <a:solidFill>
+                  <a:srgbClr val="0070C0"/>
+                </a:solidFill>
+              </a:rPr>
+              <a:t>ACT</a:t>
+            </a:r>
+            <a:endParaRPr lang="zh-TW" altLang="en-US" dirty="0">
+              <a:solidFill>
+                <a:srgbClr val="0070C0"/>
+              </a:solidFill>
+            </a:endParaRPr>
           </a:p>
         </p:txBody>
       </p:sp>
@@ -12159,7 +12396,7 @@
           <p:cNvPr id="3" name="標題 2">
             <a:extLst>
               <a:ext uri="{FF2B5EF4-FFF2-40B4-BE49-F238E27FC236}">
-                <a16:creationId xmlns:a16="http://schemas.microsoft.com/office/drawing/2014/main" id="{9E945896-AADB-4F4F-A117-74DD2AE2F1D6}"/>
+                <a16:creationId xmlns:a16="http://schemas.microsoft.com/office/drawing/2014/main" id="{E7C3D928-2CE9-4266-A577-F5AA1DFC7CE3}"/>
               </a:ext>
             </a:extLst>
           </p:cNvPr>
@@ -12175,14 +12412,33 @@
           <a:bodyPr/>
           <a:lstStyle/>
           <a:p>
-            <a:endParaRPr lang="zh-TW" altLang="en-US"/>
+            <a:r>
+              <a:rPr lang="en-US" altLang="zh-TW" dirty="0">
+                <a:solidFill>
+                  <a:schemeClr val="accent6">
+                    <a:lumMod val="10000"/>
+                  </a:schemeClr>
+                </a:solidFill>
+              </a:rPr>
+              <a:t>GUI</a:t>
+            </a:r>
+            <a:r>
+              <a:rPr lang="zh-TW" altLang="en-US" dirty="0">
+                <a:solidFill>
+                  <a:schemeClr val="accent6">
+                    <a:lumMod val="10000"/>
+                  </a:schemeClr>
+                </a:solidFill>
+              </a:rPr>
+              <a:t>操作介面技術</a:t>
+            </a:r>
           </a:p>
         </p:txBody>
       </p:sp>
     </p:spTree>
     <p:extLst>
       <p:ext uri="{BB962C8B-B14F-4D97-AF65-F5344CB8AC3E}">
-        <p14:creationId xmlns:p14="http://schemas.microsoft.com/office/powerpoint/2010/main" val="3609392111"/>
+        <p14:creationId xmlns:p14="http://schemas.microsoft.com/office/powerpoint/2010/main" val="497064445"/>
       </p:ext>
     </p:extLst>
   </p:cSld>
@@ -12226,7 +12482,7 @@
           <p:cNvPr id="2" name="內容版面配置區 1">
             <a:extLst>
               <a:ext uri="{FF2B5EF4-FFF2-40B4-BE49-F238E27FC236}">
-                <a16:creationId xmlns:a16="http://schemas.microsoft.com/office/drawing/2014/main" id="{C6EC18F1-B727-4F93-82E1-0B4E9D62E007}"/>
+                <a16:creationId xmlns:a16="http://schemas.microsoft.com/office/drawing/2014/main" id="{087AAD99-9230-492D-AF59-3E5D0D2387F3}"/>
               </a:ext>
             </a:extLst>
           </p:cNvPr>
@@ -12237,106 +12493,36 @@
             <p:ph idx="1"/>
           </p:nvPr>
         </p:nvSpPr>
-        <p:spPr/>
+        <p:spPr>
+          <a:xfrm>
+            <a:off x="609600" y="1371600"/>
+            <a:ext cx="5774267" cy="4762471"/>
+          </a:xfrm>
+        </p:spPr>
         <p:txBody>
           <a:bodyPr/>
           <a:lstStyle/>
           <a:p>
-            <a:pPr marL="0" indent="0">
-              <a:buNone/>
-            </a:pPr>
-            <a:r>
-              <a:rPr lang="zh-TW" altLang="en-US"/>
-              <a:t>以下</a:t>
-            </a:r>
             <a:r>
               <a:rPr lang="zh-TW" altLang="en-US" dirty="0"/>
-              <a:t>介紹幾種在</a:t>
+              <a:t>透過屬性設定變量。這個方法讓使用者可以在屬性視窗設定變量，程式再去屬性視窗讀取數值執行運算。這個方法適用於</a:t>
             </a:r>
             <a:r>
               <a:rPr lang="en-US" altLang="zh-TW" dirty="0"/>
-              <a:t>AEDT</a:t>
+              <a:t>windows</a:t>
             </a:r>
             <a:r>
               <a:rPr lang="zh-TW" altLang="en-US" dirty="0"/>
-              <a:t>當中常用的操作介面技術：</a:t>
-            </a:r>
-            <a:endParaRPr lang="en-US" altLang="zh-TW" dirty="0"/>
-          </a:p>
-          <a:p>
-            <a:r>
-              <a:rPr lang="zh-TW" altLang="en-US" dirty="0">
-                <a:solidFill>
-                  <a:srgbClr val="0070C0"/>
-                </a:solidFill>
-              </a:rPr>
-              <a:t>屬性設定視窗</a:t>
-            </a:r>
-            <a:endParaRPr lang="en-US" altLang="zh-TW" dirty="0">
-              <a:solidFill>
-                <a:srgbClr val="0070C0"/>
-              </a:solidFill>
-            </a:endParaRPr>
-          </a:p>
-          <a:p>
-            <a:r>
-              <a:rPr lang="en-US" altLang="zh-TW" dirty="0" err="1">
-                <a:solidFill>
-                  <a:srgbClr val="0070C0"/>
-                </a:solidFill>
-              </a:rPr>
-              <a:t>Tkinter</a:t>
-            </a:r>
-            <a:endParaRPr lang="en-US" altLang="zh-TW" dirty="0">
-              <a:solidFill>
-                <a:srgbClr val="0070C0"/>
-              </a:solidFill>
-            </a:endParaRPr>
-          </a:p>
-          <a:p>
-            <a:r>
-              <a:rPr lang="en-US" altLang="zh-TW" dirty="0">
-                <a:solidFill>
-                  <a:srgbClr val="0070C0"/>
-                </a:solidFill>
-              </a:rPr>
-              <a:t>WPF</a:t>
-            </a:r>
-          </a:p>
-          <a:p>
-            <a:r>
-              <a:rPr lang="en-US" altLang="zh-TW" dirty="0">
-                <a:solidFill>
-                  <a:srgbClr val="0070C0"/>
-                </a:solidFill>
-              </a:rPr>
-              <a:t>EXCEL</a:t>
-            </a:r>
-          </a:p>
-          <a:p>
-            <a:r>
-              <a:rPr lang="en-US" altLang="zh-TW" dirty="0">
-                <a:solidFill>
-                  <a:srgbClr val="0070C0"/>
-                </a:solidFill>
-              </a:rPr>
-              <a:t>CSV</a:t>
-            </a:r>
-          </a:p>
-          <a:p>
-            <a:r>
-              <a:rPr lang="en-US" altLang="zh-TW" dirty="0">
-                <a:solidFill>
-                  <a:srgbClr val="0070C0"/>
-                </a:solidFill>
-              </a:rPr>
-              <a:t>ACT</a:t>
-            </a:r>
-            <a:endParaRPr lang="zh-TW" altLang="en-US" dirty="0">
-              <a:solidFill>
-                <a:srgbClr val="0070C0"/>
-              </a:solidFill>
-            </a:endParaRPr>
+              <a:t>和</a:t>
+            </a:r>
+            <a:r>
+              <a:rPr lang="en-US" altLang="zh-TW" dirty="0" err="1"/>
+              <a:t>linux</a:t>
+            </a:r>
+            <a:r>
+              <a:rPr lang="zh-TW" altLang="en-US" dirty="0"/>
+              <a:t>。好處是不需要另外設計操作介面代碼，缺點是只有輸入欄位，缺乏下拉選單或是滑桿等比較進階的控鍵可以使用。在第一次執行時程式必須加入屬性，提示使用者屬性已被加入並結束程式。只有在屬性已經存在的條件底下程式才會執行工作。屬性的命名必須具備獨特性，避免與使用者自定義變量衝突，造成程式不正常運作。建議可以加入前後底線來做區分。</a:t>
+            </a:r>
           </a:p>
         </p:txBody>
       </p:sp>
@@ -12362,32 +12548,46 @@
           <a:lstStyle/>
           <a:p>
             <a:r>
-              <a:rPr lang="en-US" altLang="zh-TW" dirty="0">
-                <a:solidFill>
-                  <a:schemeClr val="accent6">
-                    <a:lumMod val="10000"/>
-                  </a:schemeClr>
-                </a:solidFill>
-              </a:rPr>
-              <a:t>GUI</a:t>
-            </a:r>
-            <a:r>
-              <a:rPr lang="zh-TW" altLang="en-US" dirty="0">
-                <a:solidFill>
-                  <a:schemeClr val="accent6">
-                    <a:lumMod val="10000"/>
-                  </a:schemeClr>
-                </a:solidFill>
-              </a:rPr>
-              <a:t>操作介面技術</a:t>
+              <a:rPr lang="zh-TW" altLang="en-US" dirty="0"/>
+              <a:t>屬性設定視窗</a:t>
             </a:r>
           </a:p>
         </p:txBody>
       </p:sp>
+      <p:pic>
+        <p:nvPicPr>
+          <p:cNvPr id="4" name="圖片 3">
+            <a:extLst>
+              <a:ext uri="{FF2B5EF4-FFF2-40B4-BE49-F238E27FC236}">
+                <a16:creationId xmlns:a16="http://schemas.microsoft.com/office/drawing/2014/main" id="{CF183AA3-D78A-48ED-BD9B-13CF0C45B6C1}"/>
+              </a:ext>
+            </a:extLst>
+          </p:cNvPr>
+          <p:cNvPicPr>
+            <a:picLocks noChangeAspect="1"/>
+          </p:cNvPicPr>
+          <p:nvPr/>
+        </p:nvPicPr>
+        <p:blipFill>
+          <a:blip r:embed="rId2"/>
+          <a:stretch>
+            <a:fillRect/>
+          </a:stretch>
+        </p:blipFill>
+        <p:spPr>
+          <a:xfrm>
+            <a:off x="7350225" y="1439333"/>
+            <a:ext cx="3766507" cy="4185007"/>
+          </a:xfrm>
+          <a:prstGeom prst="rect">
+            <a:avLst/>
+          </a:prstGeom>
+        </p:spPr>
+      </p:pic>
     </p:spTree>
     <p:extLst>
       <p:ext uri="{BB962C8B-B14F-4D97-AF65-F5344CB8AC3E}">
-        <p14:creationId xmlns:p14="http://schemas.microsoft.com/office/powerpoint/2010/main" val="497064445"/>
+        <p14:creationId xmlns:p14="http://schemas.microsoft.com/office/powerpoint/2010/main" val="1705629521"/>
       </p:ext>
     </p:extLst>
   </p:cSld>
@@ -12431,7 +12631,7 @@
           <p:cNvPr id="2" name="內容版面配置區 1">
             <a:extLst>
               <a:ext uri="{FF2B5EF4-FFF2-40B4-BE49-F238E27FC236}">
-                <a16:creationId xmlns:a16="http://schemas.microsoft.com/office/drawing/2014/main" id="{087AAD99-9230-492D-AF59-3E5D0D2387F3}"/>
+                <a16:creationId xmlns:a16="http://schemas.microsoft.com/office/drawing/2014/main" id="{A59C3745-8BBA-4B0D-94D1-714F7F3134D9}"/>
               </a:ext>
             </a:extLst>
           </p:cNvPr>
@@ -12442,14 +12642,27 @@
             <p:ph idx="1"/>
           </p:nvPr>
         </p:nvSpPr>
-        <p:spPr/>
+        <p:spPr>
+          <a:xfrm>
+            <a:off x="609600" y="1371600"/>
+            <a:ext cx="6231467" cy="4762471"/>
+          </a:xfrm>
+        </p:spPr>
         <p:txBody>
           <a:bodyPr/>
           <a:lstStyle/>
           <a:p>
             <a:r>
               <a:rPr lang="zh-TW" altLang="en-US" dirty="0"/>
-              <a:t>透過屬性設定變量。這個方法讓使用者可以在屬性視窗設定變量，程式再去屬性視窗讀取數值執行運算。這個方法適用於</a:t>
+              <a:t>採用</a:t>
+            </a:r>
+            <a:r>
+              <a:rPr lang="en-US" altLang="zh-TW" dirty="0" err="1"/>
+              <a:t>tkinter</a:t>
+            </a:r>
+            <a:r>
+              <a:rPr lang="zh-TW" altLang="en-US" dirty="0"/>
+              <a:t>技術所建立的視窗同樣可以運行於</a:t>
             </a:r>
             <a:r>
               <a:rPr lang="en-US" altLang="zh-TW" dirty="0"/>
@@ -12465,7 +12678,15 @@
             </a:r>
             <a:r>
               <a:rPr lang="zh-TW" altLang="en-US" dirty="0"/>
-              <a:t>。好處是不需要另外設計操作介面代碼，缺點是只有輸入欄位，缺乏下拉選單或是滑桿等比較進階的控鍵可以使用。在第一次執行時程式必須加入屬性，提示使用者屬性已被加入並結束程式。只有在屬性已經存在的條件底下程式才會執行工作。屬性的命名必須具備獨特性，避免與使用者自定義變量衝突，造成程式不正常運作。建議可以加入前後底線來做區分。</a:t>
+              <a:t>。然而要建立一個稍微複雜一點的視窗，就需要上百行的</a:t>
+            </a:r>
+            <a:r>
+              <a:rPr lang="en-US" altLang="zh-TW" dirty="0" err="1"/>
+              <a:t>tkinter</a:t>
+            </a:r>
+            <a:r>
+              <a:rPr lang="zh-TW" altLang="en-US" dirty="0"/>
+              <a:t>函式才能達成。可讀性及擴充性都不是很理想。要做到視窗控鍵的互動也需要自定義事件函數。執行起來同樣的麻煩。</a:t>
             </a:r>
           </a:p>
         </p:txBody>
@@ -12475,7 +12696,7 @@
           <p:cNvPr id="3" name="標題 2">
             <a:extLst>
               <a:ext uri="{FF2B5EF4-FFF2-40B4-BE49-F238E27FC236}">
-                <a16:creationId xmlns:a16="http://schemas.microsoft.com/office/drawing/2014/main" id="{E7C3D928-2CE9-4266-A577-F5AA1DFC7CE3}"/>
+                <a16:creationId xmlns:a16="http://schemas.microsoft.com/office/drawing/2014/main" id="{CCC4C687-E55C-4A4A-95F8-B91A294097A0}"/>
               </a:ext>
             </a:extLst>
           </p:cNvPr>
@@ -12492,16 +12713,64 @@
           <a:lstStyle/>
           <a:p>
             <a:r>
-              <a:rPr lang="zh-TW" altLang="en-US" dirty="0"/>
-              <a:t>屬性設定視窗</a:t>
-            </a:r>
+              <a:rPr lang="en-US" altLang="zh-TW" dirty="0" err="1"/>
+              <a:t>Tkinter</a:t>
+            </a:r>
+            <a:endParaRPr lang="zh-TW" altLang="en-US" dirty="0"/>
           </a:p>
         </p:txBody>
       </p:sp>
+      <p:pic>
+        <p:nvPicPr>
+          <p:cNvPr id="1026" name="Picture 2" descr="Executable GUI with Python - Solutions and Innovations - Medium">
+            <a:extLst>
+              <a:ext uri="{FF2B5EF4-FFF2-40B4-BE49-F238E27FC236}">
+                <a16:creationId xmlns:a16="http://schemas.microsoft.com/office/drawing/2014/main" id="{824159C6-DBEF-45A9-B522-0DDBCAEB2736}"/>
+              </a:ext>
+            </a:extLst>
+          </p:cNvPr>
+          <p:cNvPicPr>
+            <a:picLocks noChangeAspect="1" noChangeArrowheads="1"/>
+          </p:cNvPicPr>
+          <p:nvPr/>
+        </p:nvPicPr>
+        <p:blipFill>
+          <a:blip r:embed="rId2">
+            <a:extLst>
+              <a:ext uri="{28A0092B-C50C-407E-A947-70E740481C1C}">
+                <a14:useLocalDpi xmlns:a14="http://schemas.microsoft.com/office/drawing/2010/main" val="0"/>
+              </a:ext>
+            </a:extLst>
+          </a:blip>
+          <a:srcRect/>
+          <a:stretch>
+            <a:fillRect/>
+          </a:stretch>
+        </p:blipFill>
+        <p:spPr bwMode="auto">
+          <a:xfrm>
+            <a:off x="7691000" y="977930"/>
+            <a:ext cx="4001467" cy="4870764"/>
+          </a:xfrm>
+          <a:prstGeom prst="rect">
+            <a:avLst/>
+          </a:prstGeom>
+          <a:noFill/>
+          <a:extLst>
+            <a:ext uri="{909E8E84-426E-40DD-AFC4-6F175D3DCCD1}">
+              <a14:hiddenFill xmlns:a14="http://schemas.microsoft.com/office/drawing/2010/main">
+                <a:solidFill>
+                  <a:srgbClr val="FFFFFF"/>
+                </a:solidFill>
+              </a14:hiddenFill>
+            </a:ext>
+          </a:extLst>
+        </p:spPr>
+      </p:pic>
     </p:spTree>
     <p:extLst>
       <p:ext uri="{BB962C8B-B14F-4D97-AF65-F5344CB8AC3E}">
-        <p14:creationId xmlns:p14="http://schemas.microsoft.com/office/powerpoint/2010/main" val="1705629521"/>
+        <p14:creationId xmlns:p14="http://schemas.microsoft.com/office/powerpoint/2010/main" val="3998885543"/>
       </p:ext>
     </p:extLst>
   </p:cSld>
@@ -12556,22 +12825,43 @@
             <p:ph idx="1"/>
           </p:nvPr>
         </p:nvSpPr>
-        <p:spPr/>
+        <p:spPr>
+          <a:xfrm>
+            <a:off x="609600" y="1371600"/>
+            <a:ext cx="5985933" cy="4762471"/>
+          </a:xfrm>
+        </p:spPr>
         <p:txBody>
           <a:bodyPr/>
           <a:lstStyle/>
           <a:p>
             <a:r>
               <a:rPr lang="zh-TW" altLang="en-US" dirty="0"/>
-              <a:t>採用</a:t>
+              <a:t>用</a:t>
             </a:r>
             <a:r>
               <a:rPr lang="en-US" altLang="zh-TW" dirty="0" err="1"/>
-              <a:t>tkinter</a:t>
+              <a:t>wpf</a:t>
             </a:r>
             <a:r>
               <a:rPr lang="zh-TW" altLang="en-US" dirty="0"/>
-              <a:t>技術所建立的視窗同樣可以運行於</a:t>
+              <a:t>的技術來開發操作視窗簡便又快速。只要拖拉控鍵到視窗之上並輸入屬性就可以輕輕鬆鬆打造出一個相當有質感的視窗。視窗定義代碼記錄在</a:t>
+            </a:r>
+            <a:r>
+              <a:rPr lang="en-US" altLang="zh-TW" dirty="0" err="1"/>
+              <a:t>xaml</a:t>
+            </a:r>
+            <a:r>
+              <a:rPr lang="zh-TW" altLang="en-US" dirty="0"/>
+              <a:t>當中，事件函式則是在</a:t>
+            </a:r>
+            <a:r>
+              <a:rPr lang="en-US" altLang="zh-TW" dirty="0"/>
+              <a:t>python</a:t>
+            </a:r>
+            <a:r>
+              <a:rPr lang="zh-TW" altLang="en-US" dirty="0"/>
+              <a:t>當中。介面與業務代碼分離讓可讀性及擴充性大幅的提高。可惜的是現階段只能使用在</a:t>
             </a:r>
             <a:r>
               <a:rPr lang="en-US" altLang="zh-TW" dirty="0"/>
@@ -12579,7 +12869,7 @@
             </a:r>
             <a:r>
               <a:rPr lang="zh-TW" altLang="en-US" dirty="0"/>
-              <a:t>和</a:t>
+              <a:t>環境當中。</a:t>
             </a:r>
             <a:r>
               <a:rPr lang="en-US" altLang="zh-TW" dirty="0" err="1"/>
@@ -12587,15 +12877,7 @@
             </a:r>
             <a:r>
               <a:rPr lang="zh-TW" altLang="en-US" dirty="0"/>
-              <a:t>。然而要建立一個稍微複雜一點的視窗，就需要上百行的</a:t>
-            </a:r>
-            <a:r>
-              <a:rPr lang="en-US" altLang="zh-TW" dirty="0" err="1"/>
-              <a:t>tkinter</a:t>
-            </a:r>
-            <a:r>
-              <a:rPr lang="zh-TW" altLang="en-US" dirty="0"/>
-              <a:t>函式才能達成。可讀性及擴充性都不是很理想。要做到視窗控鍵的互動也需要自定義事件函數。執行起來同樣的麻煩。</a:t>
+              <a:t>無法支援。</a:t>
             </a:r>
           </a:p>
         </p:txBody>
@@ -12622,17 +12904,47 @@
           <a:lstStyle/>
           <a:p>
             <a:r>
-              <a:rPr lang="en-US" altLang="zh-TW" dirty="0" err="1"/>
-              <a:t>Tkinter</a:t>
+              <a:rPr lang="en-US" altLang="zh-TW" dirty="0"/>
+              <a:t>WPF</a:t>
             </a:r>
             <a:endParaRPr lang="zh-TW" altLang="en-US" dirty="0"/>
           </a:p>
         </p:txBody>
       </p:sp>
+      <p:pic>
+        <p:nvPicPr>
+          <p:cNvPr id="4" name="圖片 3">
+            <a:extLst>
+              <a:ext uri="{FF2B5EF4-FFF2-40B4-BE49-F238E27FC236}">
+                <a16:creationId xmlns:a16="http://schemas.microsoft.com/office/drawing/2014/main" id="{C85B90C3-A922-45FC-B8CC-4F2763DC71F7}"/>
+              </a:ext>
+            </a:extLst>
+          </p:cNvPr>
+          <p:cNvPicPr>
+            <a:picLocks noChangeAspect="1"/>
+          </p:cNvPicPr>
+          <p:nvPr/>
+        </p:nvPicPr>
+        <p:blipFill>
+          <a:blip r:embed="rId2"/>
+          <a:stretch>
+            <a:fillRect/>
+          </a:stretch>
+        </p:blipFill>
+        <p:spPr>
+          <a:xfrm>
+            <a:off x="7257533" y="1460417"/>
+            <a:ext cx="4324867" cy="3807100"/>
+          </a:xfrm>
+          <a:prstGeom prst="rect">
+            <a:avLst/>
+          </a:prstGeom>
+        </p:spPr>
+      </p:pic>
     </p:spTree>
     <p:extLst>
       <p:ext uri="{BB962C8B-B14F-4D97-AF65-F5344CB8AC3E}">
-        <p14:creationId xmlns:p14="http://schemas.microsoft.com/office/powerpoint/2010/main" val="3998885543"/>
+        <p14:creationId xmlns:p14="http://schemas.microsoft.com/office/powerpoint/2010/main" val="457455733"/>
       </p:ext>
     </p:extLst>
   </p:cSld>
@@ -12687,30 +12999,92 @@
             <p:ph idx="1"/>
           </p:nvPr>
         </p:nvSpPr>
-        <p:spPr/>
+        <p:spPr>
+          <a:xfrm>
+            <a:off x="609600" y="1371600"/>
+            <a:ext cx="6087533" cy="4762471"/>
+          </a:xfrm>
+        </p:spPr>
         <p:txBody>
-          <a:bodyPr/>
+          <a:bodyPr>
+            <a:normAutofit lnSpcReduction="10000"/>
+          </a:bodyPr>
           <a:lstStyle/>
           <a:p>
             <a:r>
               <a:rPr lang="zh-TW" altLang="en-US" dirty="0"/>
-              <a:t>用</a:t>
-            </a:r>
-            <a:r>
-              <a:rPr lang="en-US" altLang="zh-TW" dirty="0" err="1"/>
-              <a:t>wpf</a:t>
+              <a:t>另一種方式則是將</a:t>
+            </a:r>
+            <a:r>
+              <a:rPr lang="en-US" altLang="zh-TW" dirty="0"/>
+              <a:t>EXCEL</a:t>
             </a:r>
             <a:r>
               <a:rPr lang="zh-TW" altLang="en-US" dirty="0"/>
-              <a:t>的技術來開發操作視窗簡便又快速。只要拖拉控鍵到視窗之上並輸入屬性就可以輕輕鬆鬆打造出一個相當有質感的視窗。視窗定義代碼記錄在</a:t>
-            </a:r>
-            <a:r>
-              <a:rPr lang="en-US" altLang="zh-TW" dirty="0" err="1"/>
-              <a:t>xaml</a:t>
+              <a:t>檔當作介面，程式執行時讀取特定欄位的數值作為輸入執行運算。</a:t>
+            </a:r>
+            <a:r>
+              <a:rPr lang="en-US" altLang="zh-TW" dirty="0"/>
+              <a:t>EXCEL</a:t>
             </a:r>
             <a:r>
               <a:rPr lang="zh-TW" altLang="en-US" dirty="0"/>
-              <a:t>當中，事件函式則是在</a:t>
+              <a:t>可以輕鬆的做出複雜的介面，還可以加入參數檢查機制，也可以做到一定程度控鍵互動。</a:t>
+            </a:r>
+            <a:r>
+              <a:rPr lang="en-US" altLang="zh-TW" dirty="0"/>
+              <a:t>AEDT</a:t>
+            </a:r>
+            <a:r>
+              <a:rPr lang="zh-TW" altLang="en-US" dirty="0"/>
+              <a:t>內建函式庫提供函數直接讀取</a:t>
+            </a:r>
+            <a:r>
+              <a:rPr lang="en-US" altLang="zh-TW" dirty="0"/>
+              <a:t>EXCEL,</a:t>
+            </a:r>
+            <a:r>
+              <a:rPr lang="zh-TW" altLang="en-US" dirty="0"/>
+              <a:t>不需另外安裝庫。可惜的是這種方式只適用於</a:t>
+            </a:r>
+            <a:r>
+              <a:rPr lang="en-US" altLang="zh-TW" dirty="0"/>
+              <a:t>windows</a:t>
+            </a:r>
+            <a:r>
+              <a:rPr lang="zh-TW" altLang="en-US" dirty="0"/>
+              <a:t>環境，不適用</a:t>
+            </a:r>
+            <a:r>
+              <a:rPr lang="en-US" altLang="zh-TW" dirty="0"/>
+              <a:t>Linux</a:t>
+            </a:r>
+            <a:r>
+              <a:rPr lang="zh-TW" altLang="en-US" dirty="0"/>
+              <a:t>。</a:t>
+            </a:r>
+            <a:endParaRPr lang="en-US" altLang="zh-TW" dirty="0"/>
+          </a:p>
+          <a:p>
+            <a:r>
+              <a:rPr lang="zh-TW" altLang="en-US" dirty="0"/>
+              <a:t>如果不需要華麗的介面及繁複的控鍵，最簡單的方法便是讓使用者將參數變量以</a:t>
+            </a:r>
+            <a:r>
+              <a:rPr lang="en-US" altLang="zh-TW" dirty="0"/>
+              <a:t>txt</a:t>
+            </a:r>
+            <a:r>
+              <a:rPr lang="zh-TW" altLang="en-US" dirty="0"/>
+              <a:t>或</a:t>
+            </a:r>
+            <a:r>
+              <a:rPr lang="en-US" altLang="zh-TW" dirty="0"/>
+              <a:t>csv</a:t>
+            </a:r>
+            <a:r>
+              <a:rPr lang="zh-TW" altLang="en-US" dirty="0"/>
+              <a:t>格式填寫。</a:t>
             </a:r>
             <a:r>
               <a:rPr lang="en-US" altLang="zh-TW" dirty="0"/>
@@ -12718,7 +13092,7 @@
             </a:r>
             <a:r>
               <a:rPr lang="zh-TW" altLang="en-US" dirty="0"/>
-              <a:t>當中。介面與業務代碼分離讓可讀性及擴充性大幅的提高。可惜的是現階段只能使用在</a:t>
+              <a:t>讀入之後解析出參數值並執行運算即可。適用於</a:t>
             </a:r>
             <a:r>
               <a:rPr lang="en-US" altLang="zh-TW" dirty="0"/>
@@ -12726,7 +13100,7 @@
             </a:r>
             <a:r>
               <a:rPr lang="zh-TW" altLang="en-US" dirty="0"/>
-              <a:t>環境當中。</a:t>
+              <a:t>和</a:t>
             </a:r>
             <a:r>
               <a:rPr lang="en-US" altLang="zh-TW" dirty="0" err="1"/>
@@ -12734,8 +13108,23 @@
             </a:r>
             <a:r>
               <a:rPr lang="zh-TW" altLang="en-US" dirty="0"/>
-              <a:t>無法支援。</a:t>
-            </a:r>
+              <a:t>。可以透過</a:t>
+            </a:r>
+            <a:r>
+              <a:rPr lang="en-US" altLang="zh-TW" dirty="0" err="1"/>
+              <a:t>OpenFileDialog</a:t>
+            </a:r>
+            <a:r>
+              <a:rPr lang="en-US" altLang="zh-TW" dirty="0"/>
+              <a:t>()</a:t>
+            </a:r>
+            <a:r>
+              <a:rPr lang="zh-TW" altLang="en-US" dirty="0"/>
+              <a:t>來選擇檔案</a:t>
+            </a:r>
+          </a:p>
+          <a:p>
+            <a:endParaRPr lang="zh-TW" altLang="en-US" dirty="0"/>
           </a:p>
         </p:txBody>
       </p:sp>
@@ -12762,16 +13151,92 @@
           <a:p>
             <a:r>
               <a:rPr lang="en-US" altLang="zh-TW" dirty="0"/>
-              <a:t>WPF</a:t>
+              <a:t>EXCEL</a:t>
+            </a:r>
+            <a:r>
+              <a:rPr lang="zh-TW" altLang="en-US" dirty="0"/>
+              <a:t> </a:t>
+            </a:r>
+            <a:r>
+              <a:rPr lang="en-US" altLang="zh-TW" dirty="0"/>
+              <a:t>&amp;</a:t>
+            </a:r>
+            <a:r>
+              <a:rPr lang="zh-TW" altLang="en-US" dirty="0"/>
+              <a:t> </a:t>
+            </a:r>
+            <a:r>
+              <a:rPr lang="en-US" altLang="zh-TW" dirty="0"/>
+              <a:t>CSV</a:t>
             </a:r>
             <a:endParaRPr lang="zh-TW" altLang="en-US" dirty="0"/>
           </a:p>
         </p:txBody>
       </p:sp>
+      <p:pic>
+        <p:nvPicPr>
+          <p:cNvPr id="2050" name="Picture 2">
+            <a:extLst>
+              <a:ext uri="{FF2B5EF4-FFF2-40B4-BE49-F238E27FC236}">
+                <a16:creationId xmlns:a16="http://schemas.microsoft.com/office/drawing/2014/main" id="{2773A1AF-8F04-428F-903E-7C483E44ABA3}"/>
+              </a:ext>
+            </a:extLst>
+          </p:cNvPr>
+          <p:cNvPicPr>
+            <a:picLocks noChangeAspect="1" noChangeArrowheads="1"/>
+          </p:cNvPicPr>
+          <p:nvPr/>
+        </p:nvPicPr>
+        <p:blipFill>
+          <a:blip r:embed="rId2">
+            <a:extLst>
+              <a:ext uri="{28A0092B-C50C-407E-A947-70E740481C1C}">
+                <a14:useLocalDpi xmlns:a14="http://schemas.microsoft.com/office/drawing/2010/main" val="0"/>
+              </a:ext>
+            </a:extLst>
+          </a:blip>
+          <a:srcRect/>
+          <a:stretch>
+            <a:fillRect/>
+          </a:stretch>
+        </p:blipFill>
+        <p:spPr bwMode="auto">
+          <a:xfrm>
+            <a:off x="7262752" y="1152554"/>
+            <a:ext cx="4319648" cy="4611158"/>
+          </a:xfrm>
+          <a:prstGeom prst="rect">
+            <a:avLst/>
+          </a:prstGeom>
+          <a:noFill/>
+          <a:ln>
+            <a:noFill/>
+          </a:ln>
+          <a:extLst>
+            <a:ext uri="{909E8E84-426E-40DD-AFC4-6F175D3DCCD1}">
+              <a14:hiddenFill xmlns:a14="http://schemas.microsoft.com/office/drawing/2010/main">
+                <a:solidFill>
+                  <a:srgbClr val="FFFFFF"/>
+                </a:solidFill>
+              </a14:hiddenFill>
+            </a:ext>
+            <a:ext uri="{91240B29-F687-4F45-9708-019B960494DF}">
+              <a14:hiddenLine xmlns:a14="http://schemas.microsoft.com/office/drawing/2010/main" w="9525">
+                <a:solidFill>
+                  <a:srgbClr val="000000"/>
+                </a:solidFill>
+                <a:miter lim="800000"/>
+                <a:headEnd/>
+                <a:tailEnd/>
+              </a14:hiddenLine>
+            </a:ext>
+          </a:extLst>
+        </p:spPr>
+      </p:pic>
     </p:spTree>
     <p:extLst>
       <p:ext uri="{BB962C8B-B14F-4D97-AF65-F5344CB8AC3E}">
-        <p14:creationId xmlns:p14="http://schemas.microsoft.com/office/powerpoint/2010/main" val="457455733"/>
+        <p14:creationId xmlns:p14="http://schemas.microsoft.com/office/powerpoint/2010/main" val="828158650"/>
       </p:ext>
     </p:extLst>
   </p:cSld>
@@ -12826,30 +13291,59 @@
             <p:ph idx="1"/>
           </p:nvPr>
         </p:nvSpPr>
-        <p:spPr/>
+        <p:spPr>
+          <a:xfrm>
+            <a:off x="609599" y="1371600"/>
+            <a:ext cx="6646333" cy="4762471"/>
+          </a:xfrm>
+        </p:spPr>
         <p:txBody>
           <a:bodyPr/>
           <a:lstStyle/>
           <a:p>
             <a:r>
               <a:rPr lang="zh-TW" altLang="en-US" dirty="0"/>
-              <a:t>另一種方式則是將</a:t>
+              <a:t>如果以</a:t>
             </a:r>
             <a:r>
               <a:rPr lang="en-US" altLang="zh-TW" dirty="0"/>
-              <a:t>EXCEL</a:t>
+              <a:t>ACT</a:t>
             </a:r>
             <a:r>
               <a:rPr lang="zh-TW" altLang="en-US" dirty="0"/>
-              <a:t>檔當作介面，程式執行時讀取特定欄位的數值作為輸入執行運算。</a:t>
+              <a:t>技術包裝程式碼，</a:t>
             </a:r>
             <a:r>
               <a:rPr lang="en-US" altLang="zh-TW" dirty="0"/>
-              <a:t>EXCEL</a:t>
+              <a:t>ACT</a:t>
             </a:r>
             <a:r>
               <a:rPr lang="zh-TW" altLang="en-US" dirty="0"/>
-              <a:t>可以輕鬆的做出複雜的介面，還可以加入參數檢查機制，也可以做到一定程度控鍵互動。</a:t>
+              <a:t>可以定義幾種簡單的控鍵。</a:t>
+            </a:r>
+            <a:r>
+              <a:rPr lang="en-US" altLang="zh-TW" dirty="0"/>
+              <a:t>ACT</a:t>
+            </a:r>
+            <a:r>
+              <a:rPr lang="zh-TW" altLang="en-US" dirty="0"/>
+              <a:t>可以整合在主畫面右邊的視窗，並持續保持開啟的狀態，操作上相對簡便。也同時支援</a:t>
+            </a:r>
+            <a:r>
+              <a:rPr lang="en-US" altLang="zh-TW" dirty="0" err="1"/>
+              <a:t>windos</a:t>
+            </a:r>
+            <a:r>
+              <a:rPr lang="zh-TW" altLang="en-US" dirty="0"/>
+              <a:t>和</a:t>
+            </a:r>
+            <a:r>
+              <a:rPr lang="en-US" altLang="zh-TW" dirty="0"/>
+              <a:t>Linux</a:t>
+            </a:r>
+            <a:r>
+              <a:rPr lang="zh-TW" altLang="en-US" dirty="0"/>
+              <a:t>。缺點是這屬於</a:t>
             </a:r>
             <a:r>
               <a:rPr lang="en-US" altLang="zh-TW" dirty="0"/>
@@ -12857,98 +13351,8 @@
             </a:r>
             <a:r>
               <a:rPr lang="zh-TW" altLang="en-US" dirty="0"/>
-              <a:t>內建函式庫提供函數直接讀取</a:t>
-            </a:r>
-            <a:r>
-              <a:rPr lang="en-US" altLang="zh-TW" dirty="0"/>
-              <a:t>EXCEL,</a:t>
-            </a:r>
-            <a:r>
-              <a:rPr lang="zh-TW" altLang="en-US" dirty="0"/>
-              <a:t>不需另外安裝庫。可惜的是這種方式只適用於</a:t>
-            </a:r>
-            <a:r>
-              <a:rPr lang="en-US" altLang="zh-TW" dirty="0"/>
-              <a:t>windows</a:t>
-            </a:r>
-            <a:r>
-              <a:rPr lang="zh-TW" altLang="en-US" dirty="0"/>
-              <a:t>環境，不適用</a:t>
-            </a:r>
-            <a:r>
-              <a:rPr lang="en-US" altLang="zh-TW" dirty="0"/>
-              <a:t>Linux</a:t>
-            </a:r>
-            <a:r>
-              <a:rPr lang="zh-TW" altLang="en-US" dirty="0"/>
-              <a:t>。</a:t>
-            </a:r>
-            <a:endParaRPr lang="en-US" altLang="zh-TW" dirty="0"/>
-          </a:p>
-          <a:p>
-            <a:r>
-              <a:rPr lang="zh-TW" altLang="en-US" dirty="0"/>
-              <a:t>如果不需要華麗的介面及繁複的控鍵，最簡單的方法便是讓使用者將參數變量以</a:t>
-            </a:r>
-            <a:r>
-              <a:rPr lang="en-US" altLang="zh-TW" dirty="0"/>
-              <a:t>txt</a:t>
-            </a:r>
-            <a:r>
-              <a:rPr lang="zh-TW" altLang="en-US" dirty="0"/>
-              <a:t>或</a:t>
-            </a:r>
-            <a:r>
-              <a:rPr lang="en-US" altLang="zh-TW" dirty="0"/>
-              <a:t>csv</a:t>
-            </a:r>
-            <a:r>
-              <a:rPr lang="zh-TW" altLang="en-US" dirty="0"/>
-              <a:t>格式填寫。</a:t>
-            </a:r>
-            <a:r>
-              <a:rPr lang="en-US" altLang="zh-TW" dirty="0"/>
-              <a:t>python</a:t>
-            </a:r>
-            <a:r>
-              <a:rPr lang="zh-TW" altLang="en-US" dirty="0"/>
-              <a:t>讀入之後解析出參數值並執行運算即可。適用於</a:t>
-            </a:r>
-            <a:r>
-              <a:rPr lang="en-US" altLang="zh-TW" dirty="0"/>
-              <a:t>windows</a:t>
-            </a:r>
-            <a:r>
-              <a:rPr lang="zh-TW" altLang="en-US" dirty="0"/>
-              <a:t>和</a:t>
-            </a:r>
-            <a:r>
-              <a:rPr lang="en-US" altLang="zh-TW" dirty="0" err="1"/>
-              <a:t>linux</a:t>
-            </a:r>
-            <a:r>
-              <a:rPr lang="zh-TW" altLang="en-US" dirty="0"/>
-              <a:t>。</a:t>
-            </a:r>
-            <a:endParaRPr lang="en-US" altLang="zh-TW" dirty="0"/>
-          </a:p>
-          <a:p>
-            <a:r>
-              <a:rPr lang="zh-TW" altLang="en-US" dirty="0"/>
-              <a:t>可以透過</a:t>
-            </a:r>
-            <a:r>
-              <a:rPr lang="en-US" altLang="zh-TW" dirty="0" err="1"/>
-              <a:t>OpenFileDialog</a:t>
-            </a:r>
-            <a:r>
-              <a:rPr lang="zh-TW" altLang="en-US"/>
-              <a:t>來選擇檔案</a:t>
-            </a:r>
-            <a:endParaRPr lang="zh-TW" altLang="en-US" dirty="0"/>
-          </a:p>
-          <a:p>
-            <a:endParaRPr lang="zh-TW" altLang="en-US" dirty="0"/>
+              <a:t>獨有的工具，沒有太多範例可以參考。發生問題網路上也找不到相關解答。</a:t>
+            </a:r>
           </a:p>
         </p:txBody>
       </p:sp>
@@ -12975,32 +13379,46 @@
           <a:p>
             <a:r>
               <a:rPr lang="en-US" altLang="zh-TW" dirty="0"/>
-              <a:t>EXCEL</a:t>
-            </a:r>
-            <a:r>
-              <a:rPr lang="zh-TW" altLang="en-US" dirty="0"/>
-              <a:t> </a:t>
-            </a:r>
-            <a:r>
-              <a:rPr lang="en-US" altLang="zh-TW" dirty="0"/>
-              <a:t>&amp;</a:t>
-            </a:r>
-            <a:r>
-              <a:rPr lang="zh-TW" altLang="en-US" dirty="0"/>
-              <a:t> </a:t>
-            </a:r>
-            <a:r>
-              <a:rPr lang="en-US" altLang="zh-TW" dirty="0"/>
-              <a:t>CSV</a:t>
+              <a:t>ACT</a:t>
             </a:r>
             <a:endParaRPr lang="zh-TW" altLang="en-US" dirty="0"/>
           </a:p>
         </p:txBody>
       </p:sp>
+      <p:pic>
+        <p:nvPicPr>
+          <p:cNvPr id="4" name="圖片 3">
+            <a:extLst>
+              <a:ext uri="{FF2B5EF4-FFF2-40B4-BE49-F238E27FC236}">
+                <a16:creationId xmlns:a16="http://schemas.microsoft.com/office/drawing/2014/main" id="{D26499DB-F4B8-4AAB-BEB3-25D1E5A892D9}"/>
+              </a:ext>
+            </a:extLst>
+          </p:cNvPr>
+          <p:cNvPicPr>
+            <a:picLocks noChangeAspect="1"/>
+          </p:cNvPicPr>
+          <p:nvPr/>
+        </p:nvPicPr>
+        <p:blipFill>
+          <a:blip r:embed="rId2"/>
+          <a:stretch>
+            <a:fillRect/>
+          </a:stretch>
+        </p:blipFill>
+        <p:spPr>
+          <a:xfrm>
+            <a:off x="7772879" y="465667"/>
+            <a:ext cx="3809520" cy="5407060"/>
+          </a:xfrm>
+          <a:prstGeom prst="rect">
+            <a:avLst/>
+          </a:prstGeom>
+        </p:spPr>
+      </p:pic>
     </p:spTree>
     <p:extLst>
       <p:ext uri="{BB962C8B-B14F-4D97-AF65-F5344CB8AC3E}">
-        <p14:creationId xmlns:p14="http://schemas.microsoft.com/office/powerpoint/2010/main" val="828158650"/>
+        <p14:creationId xmlns:p14="http://schemas.microsoft.com/office/powerpoint/2010/main" val="900285283"/>
       </p:ext>
     </p:extLst>
   </p:cSld>

--- a/上課教材/Week5.pptx
+++ b/上課教材/Week5.pptx
@@ -18,7 +18,6 @@
     <p:sldId id="327" r:id="rId12"/>
     <p:sldId id="328" r:id="rId13"/>
     <p:sldId id="259" r:id="rId14"/>
-    <p:sldId id="312" r:id="rId15"/>
   </p:sldIdLst>
   <p:sldSz cx="12192000" cy="6858000"/>
   <p:notesSz cx="6858000" cy="9144000"/>
@@ -128,7 +127,7 @@
 <file path=ppt/revisionInfo.xml><?xml version="1.0" encoding="utf-8"?>
 <p1510:revInfo xmlns:a="http://schemas.openxmlformats.org/drawingml/2006/main" xmlns:r="http://schemas.openxmlformats.org/officeDocument/2006/relationships" xmlns:p1510="http://schemas.microsoft.com/office/powerpoint/2015/10/main">
   <p1510:revLst>
-    <p1510:client id="{A2F4D413-9D68-4A8C-9D49-8D8D17D6E9EA}" v="115" dt="2020-06-08T01:17:18.397"/>
+    <p1510:client id="{A2F4D413-9D68-4A8C-9D49-8D8D17D6E9EA}" v="124" dt="2020-06-09T00:07:48.742"/>
   </p1510:revLst>
 </p1510:revInfo>
 </file>
@@ -1236,7 +1235,7 @@
   <pc:docChgLst>
     <pc:chgData name="Ming-Chih Lin" userId="f1ba3ba5-e185-404b-b55f-b2be90e2bdc2" providerId="ADAL" clId="{A2F4D413-9D68-4A8C-9D49-8D8D17D6E9EA}"/>
     <pc:docChg chg="undo custSel addSld delSld modSld">
-      <pc:chgData name="Ming-Chih Lin" userId="f1ba3ba5-e185-404b-b55f-b2be90e2bdc2" providerId="ADAL" clId="{A2F4D413-9D68-4A8C-9D49-8D8D17D6E9EA}" dt="2020-06-08T01:18:16.549" v="528" actId="1076"/>
+      <pc:chgData name="Ming-Chih Lin" userId="f1ba3ba5-e185-404b-b55f-b2be90e2bdc2" providerId="ADAL" clId="{A2F4D413-9D68-4A8C-9D49-8D8D17D6E9EA}" dt="2020-06-09T00:07:51.820" v="570" actId="47"/>
       <pc:docMkLst>
         <pc:docMk/>
       </pc:docMkLst>
@@ -1255,6 +1254,21 @@
           </ac:spMkLst>
         </pc:spChg>
       </pc:sldChg>
+      <pc:sldChg chg="modSp">
+        <pc:chgData name="Ming-Chih Lin" userId="f1ba3ba5-e185-404b-b55f-b2be90e2bdc2" providerId="ADAL" clId="{A2F4D413-9D68-4A8C-9D49-8D8D17D6E9EA}" dt="2020-06-09T00:07:48.742" v="569"/>
+        <pc:sldMkLst>
+          <pc:docMk/>
+          <pc:sldMk cId="929909194" sldId="259"/>
+        </pc:sldMkLst>
+        <pc:spChg chg="mod">
+          <ac:chgData name="Ming-Chih Lin" userId="f1ba3ba5-e185-404b-b55f-b2be90e2bdc2" providerId="ADAL" clId="{A2F4D413-9D68-4A8C-9D49-8D8D17D6E9EA}" dt="2020-06-09T00:07:48.742" v="569"/>
+          <ac:spMkLst>
+            <pc:docMk/>
+            <pc:sldMk cId="929909194" sldId="259"/>
+            <ac:spMk id="4" creationId="{2FA54F75-D405-4104-B6BB-EA44A23A109A}"/>
+          </ac:spMkLst>
+        </pc:spChg>
+      </pc:sldChg>
       <pc:sldChg chg="del">
         <pc:chgData name="Ming-Chih Lin" userId="f1ba3ba5-e185-404b-b55f-b2be90e2bdc2" providerId="ADAL" clId="{A2F4D413-9D68-4A8C-9D49-8D8D17D6E9EA}" dt="2020-06-02T00:27:07.254" v="22" actId="47"/>
         <pc:sldMkLst>
@@ -1262,14 +1276,14 @@
           <pc:sldMk cId="2189207556" sldId="272"/>
         </pc:sldMkLst>
       </pc:sldChg>
-      <pc:sldChg chg="modSp mod">
-        <pc:chgData name="Ming-Chih Lin" userId="f1ba3ba5-e185-404b-b55f-b2be90e2bdc2" providerId="ADAL" clId="{A2F4D413-9D68-4A8C-9D49-8D8D17D6E9EA}" dt="2020-06-02T00:29:06.813" v="41"/>
+      <pc:sldChg chg="modSp del mod">
+        <pc:chgData name="Ming-Chih Lin" userId="f1ba3ba5-e185-404b-b55f-b2be90e2bdc2" providerId="ADAL" clId="{A2F4D413-9D68-4A8C-9D49-8D8D17D6E9EA}" dt="2020-06-09T00:07:51.820" v="570" actId="47"/>
         <pc:sldMkLst>
           <pc:docMk/>
           <pc:sldMk cId="1266417032" sldId="312"/>
         </pc:sldMkLst>
         <pc:spChg chg="mod">
-          <ac:chgData name="Ming-Chih Lin" userId="f1ba3ba5-e185-404b-b55f-b2be90e2bdc2" providerId="ADAL" clId="{A2F4D413-9D68-4A8C-9D49-8D8D17D6E9EA}" dt="2020-06-02T00:29:06.813" v="41"/>
+          <ac:chgData name="Ming-Chih Lin" userId="f1ba3ba5-e185-404b-b55f-b2be90e2bdc2" providerId="ADAL" clId="{A2F4D413-9D68-4A8C-9D49-8D8D17D6E9EA}" dt="2020-06-09T00:07:40.356" v="568"/>
           <ac:spMkLst>
             <pc:docMk/>
             <pc:sldMk cId="1266417032" sldId="312"/>
@@ -6319,7 +6333,7 @@
           <a:p>
             <a:fld id="{FA1E3ED8-1BB4-4BD2-AB23-359644E070C2}" type="datetimeFigureOut">
               <a:rPr lang="zh-TW" altLang="en-US" smtClean="0"/>
-              <a:t>2020/6/8</a:t>
+              <a:t>2020/6/9</a:t>
             </a:fld>
             <a:endParaRPr lang="zh-TW" altLang="en-US"/>
           </a:p>
@@ -11819,7 +11833,7 @@
           <a:p>
             <a:r>
               <a:rPr lang="zh-TW" altLang="en-US" dirty="0"/>
-              <a:t>專題討論 </a:t>
+              <a:t>專案問題解析</a:t>
             </a:r>
           </a:p>
         </p:txBody>
@@ -11853,150 +11867,6 @@
     <p:extLst>
       <p:ext uri="{BB962C8B-B14F-4D97-AF65-F5344CB8AC3E}">
         <p14:creationId xmlns:p14="http://schemas.microsoft.com/office/powerpoint/2010/main" val="929909194"/>
-      </p:ext>
-    </p:extLst>
-  </p:cSld>
-  <p:clrMapOvr>
-    <a:masterClrMapping/>
-  </p:clrMapOvr>
-  <mc:AlternateContent xmlns:mc="http://schemas.openxmlformats.org/markup-compatibility/2006" xmlns:p14="http://schemas.microsoft.com/office/powerpoint/2010/main">
-    <mc:Choice Requires="p14">
-      <p:transition p14:dur="250">
-        <p:fade/>
-      </p:transition>
-    </mc:Choice>
-    <mc:Fallback xmlns="">
-      <p:transition>
-        <p:fade/>
-      </p:transition>
-    </mc:Fallback>
-  </mc:AlternateContent>
-</p:sld>
-</file>
-
-<file path=ppt/slides/slide14.xml><?xml version="1.0" encoding="utf-8"?>
-<p:sld xmlns:a="http://schemas.openxmlformats.org/drawingml/2006/main" xmlns:r="http://schemas.openxmlformats.org/officeDocument/2006/relationships" xmlns:p="http://schemas.openxmlformats.org/presentationml/2006/main">
-  <p:cSld>
-    <p:spTree>
-      <p:nvGrpSpPr>
-        <p:cNvPr id="1" name=""/>
-        <p:cNvGrpSpPr/>
-        <p:nvPr/>
-      </p:nvGrpSpPr>
-      <p:grpSpPr>
-        <a:xfrm>
-          <a:off x="0" y="0"/>
-          <a:ext cx="0" cy="0"/>
-          <a:chOff x="0" y="0"/>
-          <a:chExt cx="0" cy="0"/>
-        </a:xfrm>
-      </p:grpSpPr>
-      <p:sp>
-        <p:nvSpPr>
-          <p:cNvPr id="5" name="內容版面配置區 4">
-            <a:extLst>
-              <a:ext uri="{FF2B5EF4-FFF2-40B4-BE49-F238E27FC236}">
-                <a16:creationId xmlns:a16="http://schemas.microsoft.com/office/drawing/2014/main" id="{221EB24A-D4DB-45CB-BE7B-D41F7B493329}"/>
-              </a:ext>
-            </a:extLst>
-          </p:cNvPr>
-          <p:cNvSpPr>
-            <a:spLocks noGrp="1"/>
-          </p:cNvSpPr>
-          <p:nvPr>
-            <p:ph idx="1"/>
-          </p:nvPr>
-        </p:nvSpPr>
-        <p:spPr/>
-        <p:txBody>
-          <a:bodyPr/>
-          <a:lstStyle/>
-          <a:p>
-            <a:r>
-              <a:rPr lang="zh-TW" altLang="en-US" dirty="0"/>
-              <a:t>題目</a:t>
-            </a:r>
-            <a:r>
-              <a:rPr lang="en-US" altLang="zh-TW" dirty="0"/>
-              <a:t>:</a:t>
-            </a:r>
-          </a:p>
-          <a:p>
-            <a:r>
-              <a:rPr lang="zh-TW" altLang="en-US" dirty="0"/>
-              <a:t>緣由</a:t>
-            </a:r>
-            <a:r>
-              <a:rPr lang="en-US" altLang="zh-TW" dirty="0"/>
-              <a:t>:</a:t>
-            </a:r>
-          </a:p>
-          <a:p>
-            <a:r>
-              <a:rPr lang="zh-TW" altLang="en-US" dirty="0"/>
-              <a:t>輸入</a:t>
-            </a:r>
-            <a:r>
-              <a:rPr lang="en-US" altLang="zh-TW" dirty="0"/>
-              <a:t>:</a:t>
-            </a:r>
-          </a:p>
-          <a:p>
-            <a:r>
-              <a:rPr lang="zh-TW" altLang="en-US" dirty="0"/>
-              <a:t>輸出</a:t>
-            </a:r>
-            <a:r>
-              <a:rPr lang="en-US" altLang="zh-TW" dirty="0"/>
-              <a:t>:</a:t>
-            </a:r>
-          </a:p>
-          <a:p>
-            <a:r>
-              <a:rPr lang="zh-TW" altLang="en-US" dirty="0"/>
-              <a:t>該如何分解題目</a:t>
-            </a:r>
-            <a:r>
-              <a:rPr lang="en-US" altLang="zh-TW" dirty="0"/>
-              <a:t>:</a:t>
-            </a:r>
-            <a:endParaRPr lang="zh-TW" altLang="en-US" dirty="0"/>
-          </a:p>
-        </p:txBody>
-      </p:sp>
-      <p:sp>
-        <p:nvSpPr>
-          <p:cNvPr id="4" name="標題 3">
-            <a:extLst>
-              <a:ext uri="{FF2B5EF4-FFF2-40B4-BE49-F238E27FC236}">
-                <a16:creationId xmlns:a16="http://schemas.microsoft.com/office/drawing/2014/main" id="{1854605A-57A1-476A-82F9-537D284E62C2}"/>
-              </a:ext>
-            </a:extLst>
-          </p:cNvPr>
-          <p:cNvSpPr>
-            <a:spLocks noGrp="1"/>
-          </p:cNvSpPr>
-          <p:nvPr>
-            <p:ph type="title"/>
-          </p:nvPr>
-        </p:nvSpPr>
-        <p:spPr/>
-        <p:txBody>
-          <a:bodyPr/>
-          <a:lstStyle/>
-          <a:p>
-            <a:r>
-              <a:rPr lang="zh-TW" altLang="en-US"/>
-              <a:t>個人進度報告</a:t>
-            </a:r>
-            <a:endParaRPr lang="zh-TW" altLang="en-US" dirty="0"/>
-          </a:p>
-        </p:txBody>
-      </p:sp>
-    </p:spTree>
-    <p:extLst>
-      <p:ext uri="{BB962C8B-B14F-4D97-AF65-F5344CB8AC3E}">
-        <p14:creationId xmlns:p14="http://schemas.microsoft.com/office/powerpoint/2010/main" val="1266417032"/>
       </p:ext>
     </p:extLst>
   </p:cSld>

--- a/上課教材/Week5.pptx
+++ b/上課教材/Week5.pptx
@@ -127,7 +127,7 @@
 <file path=ppt/revisionInfo.xml><?xml version="1.0" encoding="utf-8"?>
 <p1510:revInfo xmlns:a="http://schemas.openxmlformats.org/drawingml/2006/main" xmlns:r="http://schemas.openxmlformats.org/officeDocument/2006/relationships" xmlns:p1510="http://schemas.microsoft.com/office/powerpoint/2015/10/main">
   <p1510:revLst>
-    <p1510:client id="{A2F4D413-9D68-4A8C-9D49-8D8D17D6E9EA}" v="124" dt="2020-06-09T00:07:48.742"/>
+    <p1510:client id="{A2F4D413-9D68-4A8C-9D49-8D8D17D6E9EA}" v="179" dt="2020-06-10T00:18:23.983"/>
   </p1510:revLst>
 </p1510:revInfo>
 </file>
@@ -1235,7 +1235,7 @@
   <pc:docChgLst>
     <pc:chgData name="Ming-Chih Lin" userId="f1ba3ba5-e185-404b-b55f-b2be90e2bdc2" providerId="ADAL" clId="{A2F4D413-9D68-4A8C-9D49-8D8D17D6E9EA}"/>
     <pc:docChg chg="undo custSel addSld delSld modSld">
-      <pc:chgData name="Ming-Chih Lin" userId="f1ba3ba5-e185-404b-b55f-b2be90e2bdc2" providerId="ADAL" clId="{A2F4D413-9D68-4A8C-9D49-8D8D17D6E9EA}" dt="2020-06-09T00:07:51.820" v="570" actId="47"/>
+      <pc:chgData name="Ming-Chih Lin" userId="f1ba3ba5-e185-404b-b55f-b2be90e2bdc2" providerId="ADAL" clId="{A2F4D413-9D68-4A8C-9D49-8D8D17D6E9EA}" dt="2020-06-10T00:20:30.216" v="932" actId="20577"/>
       <pc:docMkLst>
         <pc:docMk/>
       </pc:docMkLst>
@@ -1315,13 +1315,13 @@
         </pc:spChg>
       </pc:sldChg>
       <pc:sldChg chg="addSp delSp modSp mod chgLayout">
-        <pc:chgData name="Ming-Chih Lin" userId="f1ba3ba5-e185-404b-b55f-b2be90e2bdc2" providerId="ADAL" clId="{A2F4D413-9D68-4A8C-9D49-8D8D17D6E9EA}" dt="2020-06-03T23:22:59.076" v="392" actId="20577"/>
+        <pc:chgData name="Ming-Chih Lin" userId="f1ba3ba5-e185-404b-b55f-b2be90e2bdc2" providerId="ADAL" clId="{A2F4D413-9D68-4A8C-9D49-8D8D17D6E9EA}" dt="2020-06-09T23:42:41.972" v="574" actId="20577"/>
         <pc:sldMkLst>
           <pc:docMk/>
           <pc:sldMk cId="497064445" sldId="317"/>
         </pc:sldMkLst>
         <pc:spChg chg="add mod ord">
-          <ac:chgData name="Ming-Chih Lin" userId="f1ba3ba5-e185-404b-b55f-b2be90e2bdc2" providerId="ADAL" clId="{A2F4D413-9D68-4A8C-9D49-8D8D17D6E9EA}" dt="2020-06-03T23:22:59.076" v="392" actId="20577"/>
+          <ac:chgData name="Ming-Chih Lin" userId="f1ba3ba5-e185-404b-b55f-b2be90e2bdc2" providerId="ADAL" clId="{A2F4D413-9D68-4A8C-9D49-8D8D17D6E9EA}" dt="2020-06-09T23:42:41.972" v="574" actId="20577"/>
           <ac:spMkLst>
             <pc:docMk/>
             <pc:sldMk cId="497064445" sldId="317"/>
@@ -1393,13 +1393,13 @@
         </pc:picChg>
       </pc:sldChg>
       <pc:sldChg chg="addSp modSp new mod">
-        <pc:chgData name="Ming-Chih Lin" userId="f1ba3ba5-e185-404b-b55f-b2be90e2bdc2" providerId="ADAL" clId="{A2F4D413-9D68-4A8C-9D49-8D8D17D6E9EA}" dt="2020-06-08T01:12:18.306" v="461" actId="1076"/>
+        <pc:chgData name="Ming-Chih Lin" userId="f1ba3ba5-e185-404b-b55f-b2be90e2bdc2" providerId="ADAL" clId="{A2F4D413-9D68-4A8C-9D49-8D8D17D6E9EA}" dt="2020-06-10T00:20:30.216" v="932" actId="20577"/>
         <pc:sldMkLst>
           <pc:docMk/>
           <pc:sldMk cId="3998885543" sldId="319"/>
         </pc:sldMkLst>
         <pc:spChg chg="mod">
-          <ac:chgData name="Ming-Chih Lin" userId="f1ba3ba5-e185-404b-b55f-b2be90e2bdc2" providerId="ADAL" clId="{A2F4D413-9D68-4A8C-9D49-8D8D17D6E9EA}" dt="2020-06-08T01:12:14.622" v="458" actId="14100"/>
+          <ac:chgData name="Ming-Chih Lin" userId="f1ba3ba5-e185-404b-b55f-b2be90e2bdc2" providerId="ADAL" clId="{A2F4D413-9D68-4A8C-9D49-8D8D17D6E9EA}" dt="2020-06-10T00:20:30.216" v="932" actId="20577"/>
           <ac:spMkLst>
             <pc:docMk/>
             <pc:sldMk cId="3998885543" sldId="319"/>
@@ -1517,13 +1517,13 @@
         </pc:spChg>
       </pc:sldChg>
       <pc:sldChg chg="addSp modSp add mod">
-        <pc:chgData name="Ming-Chih Lin" userId="f1ba3ba5-e185-404b-b55f-b2be90e2bdc2" providerId="ADAL" clId="{A2F4D413-9D68-4A8C-9D49-8D8D17D6E9EA}" dt="2020-06-08T01:16:09.573" v="487" actId="14100"/>
+        <pc:chgData name="Ming-Chih Lin" userId="f1ba3ba5-e185-404b-b55f-b2be90e2bdc2" providerId="ADAL" clId="{A2F4D413-9D68-4A8C-9D49-8D8D17D6E9EA}" dt="2020-06-10T00:18:23.982" v="925"/>
         <pc:sldMkLst>
           <pc:docMk/>
           <pc:sldMk cId="900285283" sldId="323"/>
         </pc:sldMkLst>
         <pc:spChg chg="mod">
-          <ac:chgData name="Ming-Chih Lin" userId="f1ba3ba5-e185-404b-b55f-b2be90e2bdc2" providerId="ADAL" clId="{A2F4D413-9D68-4A8C-9D49-8D8D17D6E9EA}" dt="2020-06-08T01:16:09.573" v="487" actId="14100"/>
+          <ac:chgData name="Ming-Chih Lin" userId="f1ba3ba5-e185-404b-b55f-b2be90e2bdc2" providerId="ADAL" clId="{A2F4D413-9D68-4A8C-9D49-8D8D17D6E9EA}" dt="2020-06-10T00:18:23.982" v="925"/>
           <ac:spMkLst>
             <pc:docMk/>
             <pc:sldMk cId="900285283" sldId="323"/>
@@ -6333,7 +6333,7 @@
           <a:p>
             <a:fld id="{FA1E3ED8-1BB4-4BD2-AB23-359644E070C2}" type="datetimeFigureOut">
               <a:rPr lang="zh-TW" altLang="en-US" smtClean="0"/>
-              <a:t>2020/6/9</a:t>
+              <a:t>2020/6/10</a:t>
             </a:fld>
             <a:endParaRPr lang="zh-TW" altLang="en-US"/>
           </a:p>
@@ -12167,12 +12167,8 @@
               <a:buNone/>
             </a:pPr>
             <a:r>
-              <a:rPr lang="zh-TW" altLang="en-US"/>
-              <a:t>以下</a:t>
-            </a:r>
-            <a:r>
               <a:rPr lang="zh-TW" altLang="en-US" dirty="0"/>
-              <a:t>介紹幾種在</a:t>
+              <a:t>以下介紹幾種在</a:t>
             </a:r>
             <a:r>
               <a:rPr lang="en-US" altLang="zh-TW" dirty="0"/>
@@ -12231,17 +12227,7 @@
                   <a:srgbClr val="0070C0"/>
                 </a:solidFill>
               </a:rPr>
-              <a:t>EXCEL</a:t>
-            </a:r>
-          </a:p>
-          <a:p>
-            <a:r>
-              <a:rPr lang="en-US" altLang="zh-TW" dirty="0">
-                <a:solidFill>
-                  <a:srgbClr val="0070C0"/>
-                </a:solidFill>
-              </a:rPr>
-              <a:t>CSV</a:t>
+              <a:t>EXCEL &amp; CSV</a:t>
             </a:r>
           </a:p>
           <a:p>
@@ -12556,8 +12542,13 @@
             </a:r>
             <a:r>
               <a:rPr lang="zh-TW" altLang="en-US" dirty="0"/>
-              <a:t>函式才能達成。可讀性及擴充性都不是很理想。要做到視窗控鍵的互動也需要自定義事件函數。執行起來同樣的麻煩。</a:t>
-            </a:r>
+              <a:t>函式才能達成。可讀性及擴充性都不是很理想。要做到視窗控鍵的互動也需要自定義事件函數。執行起來同樣的</a:t>
+            </a:r>
+            <a:r>
+              <a:rPr lang="zh-TW" altLang="en-US"/>
+              <a:t>麻煩。</a:t>
+            </a:r>
+            <a:endParaRPr lang="zh-TW" altLang="en-US" dirty="0"/>
           </a:p>
         </p:txBody>
       </p:sp>
@@ -13171,17 +13162,16 @@
           <a:bodyPr/>
           <a:lstStyle/>
           <a:p>
-            <a:r>
-              <a:rPr lang="zh-TW" altLang="en-US" dirty="0"/>
-              <a:t>如果以</a:t>
-            </a:r>
+            <a:pPr marL="0" indent="0">
+              <a:buNone/>
+            </a:pPr>
             <a:r>
               <a:rPr lang="en-US" altLang="zh-TW" dirty="0"/>
               <a:t>ACT</a:t>
             </a:r>
             <a:r>
               <a:rPr lang="zh-TW" altLang="en-US" dirty="0"/>
-              <a:t>技術包裝程式碼，</a:t>
+              <a:t>可以支援幾種簡單的控鍵，如輸入欄位，下拉式選單或是標籤等等。在安裝之後並啟動之後，</a:t>
             </a:r>
             <a:r>
               <a:rPr lang="en-US" altLang="zh-TW" dirty="0"/>
@@ -13189,7 +13179,7 @@
             </a:r>
             <a:r>
               <a:rPr lang="zh-TW" altLang="en-US" dirty="0"/>
-              <a:t>可以定義幾種簡單的控鍵。</a:t>
+              <a:t>視窗會顯示在主畫面右側，並持續保持開啟的狀態，</a:t>
             </a:r>
             <a:r>
               <a:rPr lang="en-US" altLang="zh-TW" dirty="0"/>
@@ -13197,7 +13187,7 @@
             </a:r>
             <a:r>
               <a:rPr lang="zh-TW" altLang="en-US" dirty="0"/>
-              <a:t>可以整合在主畫面右邊的視窗，並持續保持開啟的狀態，操作上相對簡便。也同時支援</a:t>
+              <a:t>操作上相對簡便也同時支援</a:t>
             </a:r>
             <a:r>
               <a:rPr lang="en-US" altLang="zh-TW" dirty="0" err="1"/>
@@ -13213,15 +13203,15 @@
             </a:r>
             <a:r>
               <a:rPr lang="zh-TW" altLang="en-US" dirty="0"/>
-              <a:t>。缺點是這屬於</a:t>
+              <a:t>。缺點是</a:t>
             </a:r>
             <a:r>
               <a:rPr lang="en-US" altLang="zh-TW" dirty="0"/>
-              <a:t>AEDT</a:t>
+              <a:t>ACT</a:t>
             </a:r>
             <a:r>
               <a:rPr lang="zh-TW" altLang="en-US" dirty="0"/>
-              <a:t>獨有的工具，沒有太多範例可以參考。發生問題網路上也找不到相關解答。</a:t>
+              <a:t>屬於獨有的工具，沒有太多範例可以參考。除官方文件，網路上也找不到太多的相關資料，需仰賴使用者自行摸索。</a:t>
             </a:r>
           </a:p>
         </p:txBody>

--- a/上課教材/Week5.pptx
+++ b/上課教材/Week5.pptx
@@ -16,8 +16,11 @@
     <p:sldId id="323" r:id="rId10"/>
     <p:sldId id="324" r:id="rId11"/>
     <p:sldId id="327" r:id="rId12"/>
-    <p:sldId id="328" r:id="rId13"/>
-    <p:sldId id="259" r:id="rId14"/>
+    <p:sldId id="329" r:id="rId13"/>
+    <p:sldId id="331" r:id="rId14"/>
+    <p:sldId id="330" r:id="rId15"/>
+    <p:sldId id="328" r:id="rId16"/>
+    <p:sldId id="259" r:id="rId17"/>
   </p:sldIdLst>
   <p:sldSz cx="12192000" cy="6858000"/>
   <p:notesSz cx="6858000" cy="9144000"/>
@@ -127,13 +130,132 @@
 <file path=ppt/revisionInfo.xml><?xml version="1.0" encoding="utf-8"?>
 <p1510:revInfo xmlns:a="http://schemas.openxmlformats.org/drawingml/2006/main" xmlns:r="http://schemas.openxmlformats.org/officeDocument/2006/relationships" xmlns:p1510="http://schemas.microsoft.com/office/powerpoint/2015/10/main">
   <p1510:revLst>
-    <p1510:client id="{A2F4D413-9D68-4A8C-9D49-8D8D17D6E9EA}" v="179" dt="2020-06-10T00:18:23.983"/>
+    <p1510:client id="{A2F4D413-9D68-4A8C-9D49-8D8D17D6E9EA}" v="213" dt="2020-06-14T09:05:44.881"/>
   </p1510:revLst>
 </p1510:revInfo>
 </file>
 
 <file path=ppt/changesInfos/changesInfo1.xml><?xml version="1.0" encoding="utf-8"?>
 <pc:chgInfo xmlns:a="http://schemas.openxmlformats.org/drawingml/2006/main" xmlns:r="http://schemas.openxmlformats.org/officeDocument/2006/relationships" xmlns:ac="http://schemas.microsoft.com/office/drawing/2013/main/command" xmlns:pc="http://schemas.microsoft.com/office/powerpoint/2013/main/command">
+  <pc:docChgLst>
+    <pc:chgData name="Ming-Chih" userId="f1ba3ba5-e185-404b-b55f-b2be90e2bdc2" providerId="ADAL" clId="{A2F4D413-9D68-4A8C-9D49-8D8D17D6E9EA}"/>
+    <pc:docChg chg="modSld">
+      <pc:chgData name="Ming-Chih" userId="f1ba3ba5-e185-404b-b55f-b2be90e2bdc2" providerId="ADAL" clId="{A2F4D413-9D68-4A8C-9D49-8D8D17D6E9EA}" dt="2020-06-14T09:05:44.881" v="27"/>
+      <pc:docMkLst>
+        <pc:docMk/>
+      </pc:docMkLst>
+      <pc:sldChg chg="addSp modSp">
+        <pc:chgData name="Ming-Chih" userId="f1ba3ba5-e185-404b-b55f-b2be90e2bdc2" providerId="ADAL" clId="{A2F4D413-9D68-4A8C-9D49-8D8D17D6E9EA}" dt="2020-06-14T09:05:44.881" v="27"/>
+        <pc:sldMkLst>
+          <pc:docMk/>
+          <pc:sldMk cId="986520319" sldId="330"/>
+        </pc:sldMkLst>
+        <pc:spChg chg="mod">
+          <ac:chgData name="Ming-Chih" userId="f1ba3ba5-e185-404b-b55f-b2be90e2bdc2" providerId="ADAL" clId="{A2F4D413-9D68-4A8C-9D49-8D8D17D6E9EA}" dt="2020-06-14T09:05:18.278" v="26" actId="207"/>
+          <ac:spMkLst>
+            <pc:docMk/>
+            <pc:sldMk cId="986520319" sldId="330"/>
+            <ac:spMk id="10" creationId="{FEEF7D4A-B3A0-45DD-805A-962C453FF56D}"/>
+          </ac:spMkLst>
+        </pc:spChg>
+        <pc:spChg chg="add mod">
+          <ac:chgData name="Ming-Chih" userId="f1ba3ba5-e185-404b-b55f-b2be90e2bdc2" providerId="ADAL" clId="{A2F4D413-9D68-4A8C-9D49-8D8D17D6E9EA}" dt="2020-06-14T09:05:44.881" v="27"/>
+          <ac:spMkLst>
+            <pc:docMk/>
+            <pc:sldMk cId="986520319" sldId="330"/>
+            <ac:spMk id="11" creationId="{179D7B07-91EC-46B4-99CD-2FB34CF881E3}"/>
+          </ac:spMkLst>
+        </pc:spChg>
+        <pc:picChg chg="add mod">
+          <ac:chgData name="Ming-Chih" userId="f1ba3ba5-e185-404b-b55f-b2be90e2bdc2" providerId="ADAL" clId="{A2F4D413-9D68-4A8C-9D49-8D8D17D6E9EA}" dt="2020-06-14T09:01:53.116" v="24"/>
+          <ac:picMkLst>
+            <pc:docMk/>
+            <pc:sldMk cId="986520319" sldId="330"/>
+            <ac:picMk id="5" creationId="{431E7B7C-FBF0-4B7A-91B8-79D629468927}"/>
+          </ac:picMkLst>
+        </pc:picChg>
+        <pc:picChg chg="add">
+          <ac:chgData name="Ming-Chih" userId="f1ba3ba5-e185-404b-b55f-b2be90e2bdc2" providerId="ADAL" clId="{A2F4D413-9D68-4A8C-9D49-8D8D17D6E9EA}" dt="2020-06-14T09:02:47.064" v="25"/>
+          <ac:picMkLst>
+            <pc:docMk/>
+            <pc:sldMk cId="986520319" sldId="330"/>
+            <ac:picMk id="6" creationId="{1FF29761-28F0-4961-913D-F42DF79116CC}"/>
+          </ac:picMkLst>
+        </pc:picChg>
+      </pc:sldChg>
+      <pc:sldChg chg="addSp delSp modSp">
+        <pc:chgData name="Ming-Chih" userId="f1ba3ba5-e185-404b-b55f-b2be90e2bdc2" providerId="ADAL" clId="{A2F4D413-9D68-4A8C-9D49-8D8D17D6E9EA}" dt="2020-06-14T09:01:17.125" v="23"/>
+        <pc:sldMkLst>
+          <pc:docMk/>
+          <pc:sldMk cId="4238303372" sldId="331"/>
+        </pc:sldMkLst>
+        <pc:spChg chg="mod">
+          <ac:chgData name="Ming-Chih" userId="f1ba3ba5-e185-404b-b55f-b2be90e2bdc2" providerId="ADAL" clId="{A2F4D413-9D68-4A8C-9D49-8D8D17D6E9EA}" dt="2020-06-14T08:48:44.912" v="0"/>
+          <ac:spMkLst>
+            <pc:docMk/>
+            <pc:sldMk cId="4238303372" sldId="331"/>
+            <ac:spMk id="2" creationId="{5ADF2264-2A85-4E21-B115-9FCC4F1B7F8C}"/>
+          </ac:spMkLst>
+        </pc:spChg>
+        <pc:spChg chg="mod">
+          <ac:chgData name="Ming-Chih" userId="f1ba3ba5-e185-404b-b55f-b2be90e2bdc2" providerId="ADAL" clId="{A2F4D413-9D68-4A8C-9D49-8D8D17D6E9EA}" dt="2020-06-14T08:50:17.613" v="15"/>
+          <ac:spMkLst>
+            <pc:docMk/>
+            <pc:sldMk cId="4238303372" sldId="331"/>
+            <ac:spMk id="3" creationId="{4B26E378-E5EC-4D03-8857-B210B02EEED7}"/>
+          </ac:spMkLst>
+        </pc:spChg>
+        <pc:spChg chg="add del mod">
+          <ac:chgData name="Ming-Chih" userId="f1ba3ba5-e185-404b-b55f-b2be90e2bdc2" providerId="ADAL" clId="{A2F4D413-9D68-4A8C-9D49-8D8D17D6E9EA}" dt="2020-06-14T08:58:07.516" v="22" actId="767"/>
+          <ac:spMkLst>
+            <pc:docMk/>
+            <pc:sldMk cId="4238303372" sldId="331"/>
+            <ac:spMk id="7" creationId="{69D315BD-EB08-4797-9581-B69AFF2D1DA5}"/>
+          </ac:spMkLst>
+        </pc:spChg>
+        <pc:picChg chg="add">
+          <ac:chgData name="Ming-Chih" userId="f1ba3ba5-e185-404b-b55f-b2be90e2bdc2" providerId="ADAL" clId="{A2F4D413-9D68-4A8C-9D49-8D8D17D6E9EA}" dt="2020-06-14T08:49:00.993" v="1"/>
+          <ac:picMkLst>
+            <pc:docMk/>
+            <pc:sldMk cId="4238303372" sldId="331"/>
+            <ac:picMk id="4" creationId="{DC6150BF-3087-4689-B844-55AC2F6509CA}"/>
+          </ac:picMkLst>
+        </pc:picChg>
+        <pc:picChg chg="add">
+          <ac:chgData name="Ming-Chih" userId="f1ba3ba5-e185-404b-b55f-b2be90e2bdc2" providerId="ADAL" clId="{A2F4D413-9D68-4A8C-9D49-8D8D17D6E9EA}" dt="2020-06-14T08:56:23.896" v="17"/>
+          <ac:picMkLst>
+            <pc:docMk/>
+            <pc:sldMk cId="4238303372" sldId="331"/>
+            <ac:picMk id="5" creationId="{37921697-6D7E-4D0E-84C9-52864D71910A}"/>
+          </ac:picMkLst>
+        </pc:picChg>
+        <pc:picChg chg="add">
+          <ac:chgData name="Ming-Chih" userId="f1ba3ba5-e185-404b-b55f-b2be90e2bdc2" providerId="ADAL" clId="{A2F4D413-9D68-4A8C-9D49-8D8D17D6E9EA}" dt="2020-06-14T08:57:01.734" v="18"/>
+          <ac:picMkLst>
+            <pc:docMk/>
+            <pc:sldMk cId="4238303372" sldId="331"/>
+            <ac:picMk id="6" creationId="{E7EED9B4-9CA6-48AD-8D67-C89F314F349D}"/>
+          </ac:picMkLst>
+        </pc:picChg>
+        <pc:picChg chg="add">
+          <ac:chgData name="Ming-Chih" userId="f1ba3ba5-e185-404b-b55f-b2be90e2bdc2" providerId="ADAL" clId="{A2F4D413-9D68-4A8C-9D49-8D8D17D6E9EA}" dt="2020-06-14T09:01:17.125" v="23"/>
+          <ac:picMkLst>
+            <pc:docMk/>
+            <pc:sldMk cId="4238303372" sldId="331"/>
+            <ac:picMk id="8" creationId="{1A884E49-7746-4D96-AC78-53FCCFBFB26F}"/>
+          </ac:picMkLst>
+        </pc:picChg>
+        <pc:picChg chg="add del mod">
+          <ac:chgData name="Ming-Chih" userId="f1ba3ba5-e185-404b-b55f-b2be90e2bdc2" providerId="ADAL" clId="{A2F4D413-9D68-4A8C-9D49-8D8D17D6E9EA}" dt="2020-06-14T08:56:23.514" v="16" actId="478"/>
+          <ac:picMkLst>
+            <pc:docMk/>
+            <pc:sldMk cId="4238303372" sldId="331"/>
+            <ac:picMk id="2050" creationId="{735C98F0-14F7-4198-877E-5DAFC955B66E}"/>
+          </ac:picMkLst>
+        </pc:picChg>
+      </pc:sldChg>
+    </pc:docChg>
+  </pc:docChgLst>
   <pc:docChgLst>
     <pc:chgData name="Ming-Chih Lin" userId="f1ba3ba5-e185-404b-b55f-b2be90e2bdc2" providerId="ADAL" clId="{794224D3-789D-47BB-A0D2-62C663EDB1CA}"/>
     <pc:docChg chg="undo custSel addSld delSld modSld sldOrd">
@@ -6333,7 +6455,7 @@
           <a:p>
             <a:fld id="{FA1E3ED8-1BB4-4BD2-AB23-359644E070C2}" type="datetimeFigureOut">
               <a:rPr lang="zh-TW" altLang="en-US" smtClean="0"/>
-              <a:t>2020/6/10</a:t>
+              <a:t>2020/6/14</a:t>
             </a:fld>
             <a:endParaRPr lang="zh-TW" altLang="en-US"/>
           </a:p>
@@ -11738,6 +11860,656 @@
           <a:chExt cx="0" cy="0"/>
         </a:xfrm>
       </p:grpSpPr>
+      <p:sp>
+        <p:nvSpPr>
+          <p:cNvPr id="5" name="內容版面配置區 4">
+            <a:extLst>
+              <a:ext uri="{FF2B5EF4-FFF2-40B4-BE49-F238E27FC236}">
+                <a16:creationId xmlns:a16="http://schemas.microsoft.com/office/drawing/2014/main" id="{69F9253E-0882-437A-A89C-E8AF14754BED}"/>
+              </a:ext>
+            </a:extLst>
+          </p:cNvPr>
+          <p:cNvSpPr>
+            <a:spLocks noGrp="1"/>
+          </p:cNvSpPr>
+          <p:nvPr>
+            <p:ph idx="1"/>
+          </p:nvPr>
+        </p:nvSpPr>
+        <p:spPr/>
+        <p:txBody>
+          <a:bodyPr>
+            <a:normAutofit/>
+          </a:bodyPr>
+          <a:lstStyle/>
+          <a:p>
+            <a:pPr marL="0" indent="0">
+              <a:buNone/>
+            </a:pPr>
+            <a:r>
+              <a:rPr lang="zh-TW" altLang="en-US" dirty="0"/>
+              <a:t>傳統的介面設計是由程式碼搭出來的。也就是透過函式呼叫來宣告視窗，按鈕，選單等控鍵，也包括了大小，位置，顏色等屬性。除了介面設計，觸發函式的定義及響應也需要編寫函式碼。因此就算是一個簡單的操作介面也動輒超過數百行代碼，不只可讀性差，也很難除錯及擴充。</a:t>
+            </a:r>
+          </a:p>
+          <a:p>
+            <a:endParaRPr lang="zh-TW" altLang="en-US" dirty="0"/>
+          </a:p>
+          <a:p>
+            <a:pPr marL="0" indent="0">
+              <a:buNone/>
+            </a:pPr>
+            <a:r>
+              <a:rPr lang="zh-TW" altLang="en-US" dirty="0"/>
+              <a:t>新的操作介面框架則是將外觀設計與觸發函數定義在</a:t>
+            </a:r>
+            <a:r>
+              <a:rPr lang="en-US" altLang="zh-TW" dirty="0" err="1"/>
+              <a:t>xaml</a:t>
+            </a:r>
+            <a:r>
+              <a:rPr lang="zh-TW" altLang="en-US" dirty="0"/>
+              <a:t>檔當中，這讓設計的語法大幅的精簡。一般的介面設計師可以在不需要編程的狀況底下完成介面的外觀設計，著重美觀及流暢的使用者體驗。至於函數響應的部分則仍然由程式工程師來完成，像是查詢或是運算等等。拆分讓整個程式碼大幅的簡化，不會混在一起導致難以閱讀。</a:t>
+            </a:r>
+          </a:p>
+          <a:p>
+            <a:endParaRPr lang="zh-TW" altLang="en-US" dirty="0"/>
+          </a:p>
+          <a:p>
+            <a:endParaRPr lang="zh-TW" altLang="en-US" dirty="0"/>
+          </a:p>
+        </p:txBody>
+      </p:sp>
+      <p:sp>
+        <p:nvSpPr>
+          <p:cNvPr id="4" name="標題 3">
+            <a:extLst>
+              <a:ext uri="{FF2B5EF4-FFF2-40B4-BE49-F238E27FC236}">
+                <a16:creationId xmlns:a16="http://schemas.microsoft.com/office/drawing/2014/main" id="{2A6410FD-0E15-4EB9-82D6-768F0FDB8715}"/>
+              </a:ext>
+            </a:extLst>
+          </p:cNvPr>
+          <p:cNvSpPr>
+            <a:spLocks noGrp="1"/>
+          </p:cNvSpPr>
+          <p:nvPr>
+            <p:ph type="title"/>
+          </p:nvPr>
+        </p:nvSpPr>
+        <p:spPr/>
+        <p:txBody>
+          <a:bodyPr/>
+          <a:lstStyle/>
+          <a:p>
+            <a:r>
+              <a:rPr lang="en-US" altLang="zh-TW" dirty="0" err="1"/>
+              <a:t>Wpf</a:t>
+            </a:r>
+            <a:r>
+              <a:rPr lang="zh-TW" altLang="en-US" dirty="0"/>
+              <a:t>的操作介面框架</a:t>
+            </a:r>
+            <a:br>
+              <a:rPr lang="zh-TW" altLang="en-US" dirty="0"/>
+            </a:br>
+            <a:endParaRPr lang="zh-TW" altLang="en-US" dirty="0"/>
+          </a:p>
+        </p:txBody>
+      </p:sp>
+    </p:spTree>
+    <p:extLst>
+      <p:ext uri="{BB962C8B-B14F-4D97-AF65-F5344CB8AC3E}">
+        <p14:creationId xmlns:p14="http://schemas.microsoft.com/office/powerpoint/2010/main" val="2952525292"/>
+      </p:ext>
+    </p:extLst>
+  </p:cSld>
+  <p:clrMapOvr>
+    <a:masterClrMapping/>
+  </p:clrMapOvr>
+  <mc:AlternateContent xmlns:mc="http://schemas.openxmlformats.org/markup-compatibility/2006" xmlns:p14="http://schemas.microsoft.com/office/powerpoint/2010/main">
+    <mc:Choice Requires="p14">
+      <p:transition p14:dur="250">
+        <p:fade/>
+      </p:transition>
+    </mc:Choice>
+    <mc:Fallback xmlns="">
+      <p:transition>
+        <p:fade/>
+      </p:transition>
+    </mc:Fallback>
+  </mc:AlternateContent>
+</p:sld>
+</file>
+
+<file path=ppt/slides/slide13.xml><?xml version="1.0" encoding="utf-8"?>
+<p:sld xmlns:a="http://schemas.openxmlformats.org/drawingml/2006/main" xmlns:r="http://schemas.openxmlformats.org/officeDocument/2006/relationships" xmlns:p="http://schemas.openxmlformats.org/presentationml/2006/main">
+  <p:cSld>
+    <p:spTree>
+      <p:nvGrpSpPr>
+        <p:cNvPr id="1" name=""/>
+        <p:cNvGrpSpPr/>
+        <p:nvPr/>
+      </p:nvGrpSpPr>
+      <p:grpSpPr>
+        <a:xfrm>
+          <a:off x="0" y="0"/>
+          <a:ext cx="0" cy="0"/>
+          <a:chOff x="0" y="0"/>
+          <a:chExt cx="0" cy="0"/>
+        </a:xfrm>
+      </p:grpSpPr>
+      <p:sp>
+        <p:nvSpPr>
+          <p:cNvPr id="2" name="內容版面配置區 1">
+            <a:extLst>
+              <a:ext uri="{FF2B5EF4-FFF2-40B4-BE49-F238E27FC236}">
+                <a16:creationId xmlns:a16="http://schemas.microsoft.com/office/drawing/2014/main" id="{5ADF2264-2A85-4E21-B115-9FCC4F1B7F8C}"/>
+              </a:ext>
+            </a:extLst>
+          </p:cNvPr>
+          <p:cNvSpPr>
+            <a:spLocks noGrp="1"/>
+          </p:cNvSpPr>
+          <p:nvPr>
+            <p:ph idx="1"/>
+          </p:nvPr>
+        </p:nvSpPr>
+        <p:spPr>
+          <a:xfrm>
+            <a:off x="609600" y="1371600"/>
+            <a:ext cx="6636589" cy="4762471"/>
+          </a:xfrm>
+        </p:spPr>
+        <p:txBody>
+          <a:bodyPr/>
+          <a:lstStyle/>
+          <a:p>
+            <a:r>
+              <a:rPr lang="zh-TW" altLang="en-US" dirty="0"/>
+              <a:t>對於自動化程式設計來說，一般介面比較單純，程式設計師可以用現成“即視即所得”的工具拖放來產生</a:t>
+            </a:r>
+            <a:r>
+              <a:rPr lang="en-US" altLang="zh-TW" dirty="0" err="1"/>
+              <a:t>xaml</a:t>
+            </a:r>
+            <a:r>
+              <a:rPr lang="zh-TW" altLang="en-US" dirty="0"/>
+              <a:t>碼，並同時生成觸發函數的宣告及響應的框架。在測試無誤後再行編寫響應函數的實質功能。操作介面設計設計的工作也因而大幅簡化。</a:t>
+            </a:r>
+          </a:p>
+          <a:p>
+            <a:endParaRPr lang="zh-TW" altLang="en-US" dirty="0"/>
+          </a:p>
+        </p:txBody>
+      </p:sp>
+      <p:sp>
+        <p:nvSpPr>
+          <p:cNvPr id="3" name="標題 2">
+            <a:extLst>
+              <a:ext uri="{FF2B5EF4-FFF2-40B4-BE49-F238E27FC236}">
+                <a16:creationId xmlns:a16="http://schemas.microsoft.com/office/drawing/2014/main" id="{4B26E378-E5EC-4D03-8857-B210B02EEED7}"/>
+              </a:ext>
+            </a:extLst>
+          </p:cNvPr>
+          <p:cNvSpPr>
+            <a:spLocks noGrp="1"/>
+          </p:cNvSpPr>
+          <p:nvPr>
+            <p:ph type="title"/>
+          </p:nvPr>
+        </p:nvSpPr>
+        <p:spPr/>
+        <p:txBody>
+          <a:bodyPr/>
+          <a:lstStyle/>
+          <a:p>
+            <a:r>
+              <a:rPr lang="en-US" altLang="zh-TW" dirty="0"/>
+              <a:t>XAML</a:t>
+            </a:r>
+            <a:r>
+              <a:rPr lang="zh-TW" altLang="en-US" dirty="0"/>
+              <a:t>代碼及對應之操作介面</a:t>
+            </a:r>
+          </a:p>
+        </p:txBody>
+      </p:sp>
+      <p:pic>
+        <p:nvPicPr>
+          <p:cNvPr id="6" name="圖片 5">
+            <a:extLst>
+              <a:ext uri="{FF2B5EF4-FFF2-40B4-BE49-F238E27FC236}">
+                <a16:creationId xmlns:a16="http://schemas.microsoft.com/office/drawing/2014/main" id="{E7EED9B4-9CA6-48AD-8D67-C89F314F349D}"/>
+              </a:ext>
+            </a:extLst>
+          </p:cNvPr>
+          <p:cNvPicPr>
+            <a:picLocks noChangeAspect="1"/>
+          </p:cNvPicPr>
+          <p:nvPr/>
+        </p:nvPicPr>
+        <p:blipFill>
+          <a:blip r:embed="rId2"/>
+          <a:stretch>
+            <a:fillRect/>
+          </a:stretch>
+        </p:blipFill>
+        <p:spPr>
+          <a:xfrm>
+            <a:off x="8009941" y="632218"/>
+            <a:ext cx="2728196" cy="2796782"/>
+          </a:xfrm>
+          <a:prstGeom prst="rect">
+            <a:avLst/>
+          </a:prstGeom>
+        </p:spPr>
+      </p:pic>
+      <p:pic>
+        <p:nvPicPr>
+          <p:cNvPr id="8" name="圖片 7">
+            <a:extLst>
+              <a:ext uri="{FF2B5EF4-FFF2-40B4-BE49-F238E27FC236}">
+                <a16:creationId xmlns:a16="http://schemas.microsoft.com/office/drawing/2014/main" id="{1A884E49-7746-4D96-AC78-53FCCFBFB26F}"/>
+              </a:ext>
+            </a:extLst>
+          </p:cNvPr>
+          <p:cNvPicPr>
+            <a:picLocks noChangeAspect="1"/>
+          </p:cNvPicPr>
+          <p:nvPr/>
+        </p:nvPicPr>
+        <p:blipFill>
+          <a:blip r:embed="rId3"/>
+          <a:stretch>
+            <a:fillRect/>
+          </a:stretch>
+        </p:blipFill>
+        <p:spPr>
+          <a:xfrm>
+            <a:off x="1104181" y="3752835"/>
+            <a:ext cx="10030771" cy="2330770"/>
+          </a:xfrm>
+          <a:prstGeom prst="rect">
+            <a:avLst/>
+          </a:prstGeom>
+        </p:spPr>
+      </p:pic>
+    </p:spTree>
+    <p:extLst>
+      <p:ext uri="{BB962C8B-B14F-4D97-AF65-F5344CB8AC3E}">
+        <p14:creationId xmlns:p14="http://schemas.microsoft.com/office/powerpoint/2010/main" val="4238303372"/>
+      </p:ext>
+    </p:extLst>
+  </p:cSld>
+  <p:clrMapOvr>
+    <a:masterClrMapping/>
+  </p:clrMapOvr>
+  <mc:AlternateContent xmlns:mc="http://schemas.openxmlformats.org/markup-compatibility/2006" xmlns:p14="http://schemas.microsoft.com/office/powerpoint/2010/main">
+    <mc:Choice Requires="p14">
+      <p:transition p14:dur="250">
+        <p:fade/>
+      </p:transition>
+    </mc:Choice>
+    <mc:Fallback xmlns="">
+      <p:transition>
+        <p:fade/>
+      </p:transition>
+    </mc:Fallback>
+  </mc:AlternateContent>
+</p:sld>
+</file>
+
+<file path=ppt/slides/slide14.xml><?xml version="1.0" encoding="utf-8"?>
+<p:sld xmlns:a="http://schemas.openxmlformats.org/drawingml/2006/main" xmlns:r="http://schemas.openxmlformats.org/officeDocument/2006/relationships" xmlns:p="http://schemas.openxmlformats.org/presentationml/2006/main">
+  <p:cSld>
+    <p:spTree>
+      <p:nvGrpSpPr>
+        <p:cNvPr id="1" name=""/>
+        <p:cNvGrpSpPr/>
+        <p:nvPr/>
+      </p:nvGrpSpPr>
+      <p:grpSpPr>
+        <a:xfrm>
+          <a:off x="0" y="0"/>
+          <a:ext cx="0" cy="0"/>
+          <a:chOff x="0" y="0"/>
+          <a:chExt cx="0" cy="0"/>
+        </a:xfrm>
+      </p:grpSpPr>
+      <p:sp>
+        <p:nvSpPr>
+          <p:cNvPr id="2" name="內容版面配置區 1">
+            <a:extLst>
+              <a:ext uri="{FF2B5EF4-FFF2-40B4-BE49-F238E27FC236}">
+                <a16:creationId xmlns:a16="http://schemas.microsoft.com/office/drawing/2014/main" id="{163C3FA8-D71A-465B-9C3C-0549BED03922}"/>
+              </a:ext>
+            </a:extLst>
+          </p:cNvPr>
+          <p:cNvSpPr>
+            <a:spLocks noGrp="1"/>
+          </p:cNvSpPr>
+          <p:nvPr>
+            <p:ph idx="1"/>
+          </p:nvPr>
+        </p:nvSpPr>
+        <p:spPr/>
+        <p:txBody>
+          <a:bodyPr/>
+          <a:lstStyle/>
+          <a:p>
+            <a:pPr marL="0" indent="0">
+              <a:buNone/>
+            </a:pPr>
+            <a:r>
+              <a:rPr lang="zh-TW" altLang="en-US" dirty="0"/>
+              <a:t>當按下按鈕或是在輸入欄位填入一個字元，都可以觸發對應的函數。也就是函式會去執行對應的工作，比方開啟對話框或是輸出建議字串。在操作介面上的任何動作都可以觸發一個事先定義好的函式。一個介面可以定義的觸發事件可能高達上百上千個。我們只要選擇需要反應的去編寫響應函數即可。簡單介面對介面的響應甚至可以在</a:t>
+            </a:r>
+            <a:r>
+              <a:rPr lang="en-US" altLang="zh-TW" dirty="0" err="1"/>
+              <a:t>xaml</a:t>
+            </a:r>
+            <a:r>
+              <a:rPr lang="zh-TW" altLang="en-US" dirty="0"/>
+              <a:t>當中就可以宣告，不需另外編寫函式。</a:t>
+            </a:r>
+          </a:p>
+          <a:p>
+            <a:endParaRPr lang="zh-TW" altLang="en-US" dirty="0"/>
+          </a:p>
+        </p:txBody>
+      </p:sp>
+      <p:sp>
+        <p:nvSpPr>
+          <p:cNvPr id="3" name="標題 2">
+            <a:extLst>
+              <a:ext uri="{FF2B5EF4-FFF2-40B4-BE49-F238E27FC236}">
+                <a16:creationId xmlns:a16="http://schemas.microsoft.com/office/drawing/2014/main" id="{109E5B65-9F76-4DD1-8BC7-A237FFFDB7C4}"/>
+              </a:ext>
+            </a:extLst>
+          </p:cNvPr>
+          <p:cNvSpPr>
+            <a:spLocks noGrp="1"/>
+          </p:cNvSpPr>
+          <p:nvPr>
+            <p:ph type="title"/>
+          </p:nvPr>
+        </p:nvSpPr>
+        <p:spPr/>
+        <p:txBody>
+          <a:bodyPr/>
+          <a:lstStyle/>
+          <a:p>
+            <a:r>
+              <a:rPr lang="zh-TW" altLang="en-US" dirty="0"/>
+              <a:t>何謂觸發及響應</a:t>
+            </a:r>
+            <a:br>
+              <a:rPr lang="zh-TW" altLang="en-US" dirty="0"/>
+            </a:br>
+            <a:endParaRPr lang="zh-TW" altLang="en-US" dirty="0"/>
+          </a:p>
+        </p:txBody>
+      </p:sp>
+      <p:pic>
+        <p:nvPicPr>
+          <p:cNvPr id="5" name="圖片 4">
+            <a:extLst>
+              <a:ext uri="{FF2B5EF4-FFF2-40B4-BE49-F238E27FC236}">
+                <a16:creationId xmlns:a16="http://schemas.microsoft.com/office/drawing/2014/main" id="{431E7B7C-FBF0-4B7A-91B8-79D629468927}"/>
+              </a:ext>
+            </a:extLst>
+          </p:cNvPr>
+          <p:cNvPicPr>
+            <a:picLocks noChangeAspect="1"/>
+          </p:cNvPicPr>
+          <p:nvPr/>
+        </p:nvPicPr>
+        <p:blipFill>
+          <a:blip r:embed="rId2"/>
+          <a:stretch>
+            <a:fillRect/>
+          </a:stretch>
+        </p:blipFill>
+        <p:spPr>
+          <a:xfrm>
+            <a:off x="434200" y="3752835"/>
+            <a:ext cx="6866622" cy="1595542"/>
+          </a:xfrm>
+          <a:prstGeom prst="rect">
+            <a:avLst/>
+          </a:prstGeom>
+        </p:spPr>
+      </p:pic>
+      <p:pic>
+        <p:nvPicPr>
+          <p:cNvPr id="6" name="圖片 5">
+            <a:extLst>
+              <a:ext uri="{FF2B5EF4-FFF2-40B4-BE49-F238E27FC236}">
+                <a16:creationId xmlns:a16="http://schemas.microsoft.com/office/drawing/2014/main" id="{1FF29761-28F0-4961-913D-F42DF79116CC}"/>
+              </a:ext>
+            </a:extLst>
+          </p:cNvPr>
+          <p:cNvPicPr>
+            <a:picLocks noChangeAspect="1"/>
+          </p:cNvPicPr>
+          <p:nvPr/>
+        </p:nvPicPr>
+        <p:blipFill>
+          <a:blip r:embed="rId3"/>
+          <a:stretch>
+            <a:fillRect/>
+          </a:stretch>
+        </p:blipFill>
+        <p:spPr>
+          <a:xfrm>
+            <a:off x="7517908" y="3236481"/>
+            <a:ext cx="4239892" cy="2897590"/>
+          </a:xfrm>
+          <a:prstGeom prst="rect">
+            <a:avLst/>
+          </a:prstGeom>
+        </p:spPr>
+      </p:pic>
+      <p:sp>
+        <p:nvSpPr>
+          <p:cNvPr id="9" name="箭號: 彎曲 8">
+            <a:extLst>
+              <a:ext uri="{FF2B5EF4-FFF2-40B4-BE49-F238E27FC236}">
+                <a16:creationId xmlns:a16="http://schemas.microsoft.com/office/drawing/2014/main" id="{0BB92A0A-0E24-49EE-A61E-9F249201DB47}"/>
+              </a:ext>
+            </a:extLst>
+          </p:cNvPr>
+          <p:cNvSpPr/>
+          <p:nvPr/>
+        </p:nvSpPr>
+        <p:spPr>
+          <a:xfrm flipV="1">
+            <a:off x="4505152" y="5025390"/>
+            <a:ext cx="3693968" cy="560027"/>
+          </a:xfrm>
+          <a:prstGeom prst="bentArrow">
+            <a:avLst>
+              <a:gd name="adj1" fmla="val 25000"/>
+              <a:gd name="adj2" fmla="val 38093"/>
+              <a:gd name="adj3" fmla="val 50000"/>
+              <a:gd name="adj4" fmla="val 43750"/>
+            </a:avLst>
+          </a:prstGeom>
+        </p:spPr>
+        <p:style>
+          <a:lnRef idx="2">
+            <a:schemeClr val="accent1">
+              <a:shade val="50000"/>
+            </a:schemeClr>
+          </a:lnRef>
+          <a:fillRef idx="1">
+            <a:schemeClr val="accent1"/>
+          </a:fillRef>
+          <a:effectRef idx="0">
+            <a:schemeClr val="accent1"/>
+          </a:effectRef>
+          <a:fontRef idx="minor">
+            <a:schemeClr val="lt1"/>
+          </a:fontRef>
+        </p:style>
+        <p:txBody>
+          <a:bodyPr rtlCol="0" anchor="ctr"/>
+          <a:lstStyle/>
+          <a:p>
+            <a:pPr algn="ctr"/>
+            <a:endParaRPr lang="zh-TW" altLang="en-US">
+              <a:solidFill>
+                <a:schemeClr val="tx1"/>
+              </a:solidFill>
+            </a:endParaRPr>
+          </a:p>
+        </p:txBody>
+      </p:sp>
+      <p:sp>
+        <p:nvSpPr>
+          <p:cNvPr id="10" name="矩形 9">
+            <a:extLst>
+              <a:ext uri="{FF2B5EF4-FFF2-40B4-BE49-F238E27FC236}">
+                <a16:creationId xmlns:a16="http://schemas.microsoft.com/office/drawing/2014/main" id="{FEEF7D4A-B3A0-45DD-805A-962C453FF56D}"/>
+              </a:ext>
+            </a:extLst>
+          </p:cNvPr>
+          <p:cNvSpPr/>
+          <p:nvPr/>
+        </p:nvSpPr>
+        <p:spPr>
+          <a:xfrm>
+            <a:off x="3920697" y="4838700"/>
+            <a:ext cx="1398063" cy="186691"/>
+          </a:xfrm>
+          <a:prstGeom prst="rect">
+            <a:avLst/>
+          </a:prstGeom>
+          <a:noFill/>
+          <a:ln>
+            <a:solidFill>
+              <a:srgbClr val="FF0000"/>
+            </a:solidFill>
+          </a:ln>
+        </p:spPr>
+        <p:style>
+          <a:lnRef idx="2">
+            <a:schemeClr val="accent1">
+              <a:shade val="50000"/>
+            </a:schemeClr>
+          </a:lnRef>
+          <a:fillRef idx="1">
+            <a:schemeClr val="accent1"/>
+          </a:fillRef>
+          <a:effectRef idx="0">
+            <a:schemeClr val="accent1"/>
+          </a:effectRef>
+          <a:fontRef idx="minor">
+            <a:schemeClr val="lt1"/>
+          </a:fontRef>
+        </p:style>
+        <p:txBody>
+          <a:bodyPr rtlCol="0" anchor="ctr"/>
+          <a:lstStyle/>
+          <a:p>
+            <a:pPr algn="ctr"/>
+            <a:endParaRPr lang="zh-TW" altLang="en-US"/>
+          </a:p>
+        </p:txBody>
+      </p:sp>
+      <p:sp>
+        <p:nvSpPr>
+          <p:cNvPr id="11" name="矩形 10">
+            <a:extLst>
+              <a:ext uri="{FF2B5EF4-FFF2-40B4-BE49-F238E27FC236}">
+                <a16:creationId xmlns:a16="http://schemas.microsoft.com/office/drawing/2014/main" id="{179D7B07-91EC-46B4-99CD-2FB34CF881E3}"/>
+              </a:ext>
+            </a:extLst>
+          </p:cNvPr>
+          <p:cNvSpPr/>
+          <p:nvPr/>
+        </p:nvSpPr>
+        <p:spPr>
+          <a:xfrm>
+            <a:off x="8199120" y="5102352"/>
+            <a:ext cx="2323639" cy="483065"/>
+          </a:xfrm>
+          <a:prstGeom prst="rect">
+            <a:avLst/>
+          </a:prstGeom>
+          <a:noFill/>
+          <a:ln>
+            <a:solidFill>
+              <a:srgbClr val="FF0000"/>
+            </a:solidFill>
+          </a:ln>
+        </p:spPr>
+        <p:style>
+          <a:lnRef idx="2">
+            <a:schemeClr val="accent1">
+              <a:shade val="50000"/>
+            </a:schemeClr>
+          </a:lnRef>
+          <a:fillRef idx="1">
+            <a:schemeClr val="accent1"/>
+          </a:fillRef>
+          <a:effectRef idx="0">
+            <a:schemeClr val="accent1"/>
+          </a:effectRef>
+          <a:fontRef idx="minor">
+            <a:schemeClr val="lt1"/>
+          </a:fontRef>
+        </p:style>
+        <p:txBody>
+          <a:bodyPr rtlCol="0" anchor="ctr"/>
+          <a:lstStyle/>
+          <a:p>
+            <a:pPr algn="ctr"/>
+            <a:endParaRPr lang="zh-TW" altLang="en-US"/>
+          </a:p>
+        </p:txBody>
+      </p:sp>
+    </p:spTree>
+    <p:extLst>
+      <p:ext uri="{BB962C8B-B14F-4D97-AF65-F5344CB8AC3E}">
+        <p14:creationId xmlns:p14="http://schemas.microsoft.com/office/powerpoint/2010/main" val="986520319"/>
+      </p:ext>
+    </p:extLst>
+  </p:cSld>
+  <p:clrMapOvr>
+    <a:masterClrMapping/>
+  </p:clrMapOvr>
+  <mc:AlternateContent xmlns:mc="http://schemas.openxmlformats.org/markup-compatibility/2006" xmlns:p14="http://schemas.microsoft.com/office/powerpoint/2010/main">
+    <mc:Choice Requires="p14">
+      <p:transition p14:dur="250">
+        <p:fade/>
+      </p:transition>
+    </mc:Choice>
+    <mc:Fallback xmlns="">
+      <p:transition>
+        <p:fade/>
+      </p:transition>
+    </mc:Fallback>
+  </mc:AlternateContent>
+</p:sld>
+</file>
+
+<file path=ppt/slides/slide15.xml><?xml version="1.0" encoding="utf-8"?>
+<p:sld xmlns:a="http://schemas.openxmlformats.org/drawingml/2006/main" xmlns:r="http://schemas.openxmlformats.org/officeDocument/2006/relationships" xmlns:p="http://schemas.openxmlformats.org/presentationml/2006/main">
+  <p:cSld>
+    <p:spTree>
+      <p:nvGrpSpPr>
+        <p:cNvPr id="1" name=""/>
+        <p:cNvGrpSpPr/>
+        <p:nvPr/>
+      </p:nvGrpSpPr>
+      <p:grpSpPr>
+        <a:xfrm>
+          <a:off x="0" y="0"/>
+          <a:ext cx="0" cy="0"/>
+          <a:chOff x="0" y="0"/>
+          <a:chExt cx="0" cy="0"/>
+        </a:xfrm>
+      </p:grpSpPr>
       <p:pic>
         <p:nvPicPr>
           <p:cNvPr id="5" name="圖片 4">
@@ -11793,7 +12565,7 @@
 </p:sld>
 </file>
 
-<file path=ppt/slides/slide13.xml><?xml version="1.0" encoding="utf-8"?>
+<file path=ppt/slides/slide16.xml><?xml version="1.0" encoding="utf-8"?>
 <p:sld xmlns:a="http://schemas.openxmlformats.org/drawingml/2006/main" xmlns:r="http://schemas.openxmlformats.org/officeDocument/2006/relationships" xmlns:p="http://schemas.openxmlformats.org/presentationml/2006/main">
   <p:cSld>
     <p:spTree>

--- a/上課教材/Week5.pptx
+++ b/上課教材/Week5.pptx
@@ -16,11 +16,15 @@
     <p:sldId id="323" r:id="rId10"/>
     <p:sldId id="324" r:id="rId11"/>
     <p:sldId id="327" r:id="rId12"/>
-    <p:sldId id="329" r:id="rId13"/>
-    <p:sldId id="331" r:id="rId14"/>
-    <p:sldId id="330" r:id="rId15"/>
-    <p:sldId id="328" r:id="rId16"/>
-    <p:sldId id="259" r:id="rId17"/>
+    <p:sldId id="328" r:id="rId13"/>
+    <p:sldId id="329" r:id="rId14"/>
+    <p:sldId id="331" r:id="rId15"/>
+    <p:sldId id="330" r:id="rId16"/>
+    <p:sldId id="334" r:id="rId17"/>
+    <p:sldId id="335" r:id="rId18"/>
+    <p:sldId id="332" r:id="rId19"/>
+    <p:sldId id="333" r:id="rId20"/>
+    <p:sldId id="259" r:id="rId21"/>
   </p:sldIdLst>
   <p:sldSz cx="12192000" cy="6858000"/>
   <p:notesSz cx="6858000" cy="9144000"/>
@@ -138,6 +142,1016 @@
 <file path=ppt/changesInfos/changesInfo1.xml><?xml version="1.0" encoding="utf-8"?>
 <pc:chgInfo xmlns:a="http://schemas.openxmlformats.org/drawingml/2006/main" xmlns:r="http://schemas.openxmlformats.org/officeDocument/2006/relationships" xmlns:ac="http://schemas.microsoft.com/office/drawing/2013/main/command" xmlns:pc="http://schemas.microsoft.com/office/powerpoint/2013/main/command">
   <pc:docChgLst>
+    <pc:chgData name="Ming-Chih Lin" userId="f1ba3ba5-e185-404b-b55f-b2be90e2bdc2" providerId="ADAL" clId="{F1FA031A-4D31-4AEE-8DCB-44C85EA436EB}"/>
+    <pc:docChg chg="undo custSel addSld delSld modSld sldOrd">
+      <pc:chgData name="Ming-Chih Lin" userId="f1ba3ba5-e185-404b-b55f-b2be90e2bdc2" providerId="ADAL" clId="{F1FA031A-4D31-4AEE-8DCB-44C85EA436EB}" dt="2020-06-02T00:07:33.244" v="1133" actId="47"/>
+      <pc:docMkLst>
+        <pc:docMk/>
+      </pc:docMkLst>
+      <pc:sldChg chg="del">
+        <pc:chgData name="Ming-Chih Lin" userId="f1ba3ba5-e185-404b-b55f-b2be90e2bdc2" providerId="ADAL" clId="{F1FA031A-4D31-4AEE-8DCB-44C85EA436EB}" dt="2020-06-01T23:15:08.393" v="370" actId="47"/>
+        <pc:sldMkLst>
+          <pc:docMk/>
+          <pc:sldMk cId="1698449368" sldId="256"/>
+        </pc:sldMkLst>
+      </pc:sldChg>
+      <pc:sldChg chg="modSp mod">
+        <pc:chgData name="Ming-Chih Lin" userId="f1ba3ba5-e185-404b-b55f-b2be90e2bdc2" providerId="ADAL" clId="{F1FA031A-4D31-4AEE-8DCB-44C85EA436EB}" dt="2020-06-01T23:08:41.309" v="3" actId="20577"/>
+        <pc:sldMkLst>
+          <pc:docMk/>
+          <pc:sldMk cId="3437513085" sldId="257"/>
+        </pc:sldMkLst>
+        <pc:spChg chg="mod">
+          <ac:chgData name="Ming-Chih Lin" userId="f1ba3ba5-e185-404b-b55f-b2be90e2bdc2" providerId="ADAL" clId="{F1FA031A-4D31-4AEE-8DCB-44C85EA436EB}" dt="2020-06-01T23:08:41.309" v="3" actId="20577"/>
+          <ac:spMkLst>
+            <pc:docMk/>
+            <pc:sldMk cId="3437513085" sldId="257"/>
+            <ac:spMk id="2" creationId="{F00E360D-5F36-459A-8321-D0EA4C8C73FE}"/>
+          </ac:spMkLst>
+        </pc:spChg>
+      </pc:sldChg>
+      <pc:sldChg chg="del">
+        <pc:chgData name="Ming-Chih Lin" userId="f1ba3ba5-e185-404b-b55f-b2be90e2bdc2" providerId="ADAL" clId="{F1FA031A-4D31-4AEE-8DCB-44C85EA436EB}" dt="2020-06-01T23:15:08.393" v="370" actId="47"/>
+        <pc:sldMkLst>
+          <pc:docMk/>
+          <pc:sldMk cId="1322618313" sldId="258"/>
+        </pc:sldMkLst>
+      </pc:sldChg>
+      <pc:sldChg chg="del">
+        <pc:chgData name="Ming-Chih Lin" userId="f1ba3ba5-e185-404b-b55f-b2be90e2bdc2" providerId="ADAL" clId="{F1FA031A-4D31-4AEE-8DCB-44C85EA436EB}" dt="2020-06-01T23:15:08.393" v="370" actId="47"/>
+        <pc:sldMkLst>
+          <pc:docMk/>
+          <pc:sldMk cId="1086438915" sldId="260"/>
+        </pc:sldMkLst>
+      </pc:sldChg>
+      <pc:sldChg chg="del">
+        <pc:chgData name="Ming-Chih Lin" userId="f1ba3ba5-e185-404b-b55f-b2be90e2bdc2" providerId="ADAL" clId="{F1FA031A-4D31-4AEE-8DCB-44C85EA436EB}" dt="2020-06-01T23:15:08.393" v="370" actId="47"/>
+        <pc:sldMkLst>
+          <pc:docMk/>
+          <pc:sldMk cId="3291901244" sldId="261"/>
+        </pc:sldMkLst>
+      </pc:sldChg>
+      <pc:sldChg chg="del">
+        <pc:chgData name="Ming-Chih Lin" userId="f1ba3ba5-e185-404b-b55f-b2be90e2bdc2" providerId="ADAL" clId="{F1FA031A-4D31-4AEE-8DCB-44C85EA436EB}" dt="2020-06-01T23:15:08.393" v="370" actId="47"/>
+        <pc:sldMkLst>
+          <pc:docMk/>
+          <pc:sldMk cId="947049355" sldId="262"/>
+        </pc:sldMkLst>
+      </pc:sldChg>
+      <pc:sldChg chg="del">
+        <pc:chgData name="Ming-Chih Lin" userId="f1ba3ba5-e185-404b-b55f-b2be90e2bdc2" providerId="ADAL" clId="{F1FA031A-4D31-4AEE-8DCB-44C85EA436EB}" dt="2020-06-01T23:15:08.393" v="370" actId="47"/>
+        <pc:sldMkLst>
+          <pc:docMk/>
+          <pc:sldMk cId="3427989766" sldId="263"/>
+        </pc:sldMkLst>
+      </pc:sldChg>
+      <pc:sldChg chg="del">
+        <pc:chgData name="Ming-Chih Lin" userId="f1ba3ba5-e185-404b-b55f-b2be90e2bdc2" providerId="ADAL" clId="{F1FA031A-4D31-4AEE-8DCB-44C85EA436EB}" dt="2020-06-01T23:15:08.393" v="370" actId="47"/>
+        <pc:sldMkLst>
+          <pc:docMk/>
+          <pc:sldMk cId="2336614475" sldId="264"/>
+        </pc:sldMkLst>
+      </pc:sldChg>
+      <pc:sldChg chg="del">
+        <pc:chgData name="Ming-Chih Lin" userId="f1ba3ba5-e185-404b-b55f-b2be90e2bdc2" providerId="ADAL" clId="{F1FA031A-4D31-4AEE-8DCB-44C85EA436EB}" dt="2020-06-01T23:15:08.393" v="370" actId="47"/>
+        <pc:sldMkLst>
+          <pc:docMk/>
+          <pc:sldMk cId="679909818" sldId="265"/>
+        </pc:sldMkLst>
+      </pc:sldChg>
+      <pc:sldChg chg="del">
+        <pc:chgData name="Ming-Chih Lin" userId="f1ba3ba5-e185-404b-b55f-b2be90e2bdc2" providerId="ADAL" clId="{F1FA031A-4D31-4AEE-8DCB-44C85EA436EB}" dt="2020-06-01T23:16:29.231" v="438" actId="47"/>
+        <pc:sldMkLst>
+          <pc:docMk/>
+          <pc:sldMk cId="1717474662" sldId="266"/>
+        </pc:sldMkLst>
+      </pc:sldChg>
+      <pc:sldChg chg="del">
+        <pc:chgData name="Ming-Chih Lin" userId="f1ba3ba5-e185-404b-b55f-b2be90e2bdc2" providerId="ADAL" clId="{F1FA031A-4D31-4AEE-8DCB-44C85EA436EB}" dt="2020-06-01T23:16:29.231" v="438" actId="47"/>
+        <pc:sldMkLst>
+          <pc:docMk/>
+          <pc:sldMk cId="751778690" sldId="267"/>
+        </pc:sldMkLst>
+      </pc:sldChg>
+      <pc:sldChg chg="del">
+        <pc:chgData name="Ming-Chih Lin" userId="f1ba3ba5-e185-404b-b55f-b2be90e2bdc2" providerId="ADAL" clId="{F1FA031A-4D31-4AEE-8DCB-44C85EA436EB}" dt="2020-06-01T23:15:08.393" v="370" actId="47"/>
+        <pc:sldMkLst>
+          <pc:docMk/>
+          <pc:sldMk cId="1480965944" sldId="268"/>
+        </pc:sldMkLst>
+      </pc:sldChg>
+      <pc:sldChg chg="del">
+        <pc:chgData name="Ming-Chih Lin" userId="f1ba3ba5-e185-404b-b55f-b2be90e2bdc2" providerId="ADAL" clId="{F1FA031A-4D31-4AEE-8DCB-44C85EA436EB}" dt="2020-06-01T23:15:08.393" v="370" actId="47"/>
+        <pc:sldMkLst>
+          <pc:docMk/>
+          <pc:sldMk cId="2517686270" sldId="269"/>
+        </pc:sldMkLst>
+      </pc:sldChg>
+      <pc:sldChg chg="del">
+        <pc:chgData name="Ming-Chih Lin" userId="f1ba3ba5-e185-404b-b55f-b2be90e2bdc2" providerId="ADAL" clId="{F1FA031A-4D31-4AEE-8DCB-44C85EA436EB}" dt="2020-06-01T23:15:08.393" v="370" actId="47"/>
+        <pc:sldMkLst>
+          <pc:docMk/>
+          <pc:sldMk cId="1580561292" sldId="270"/>
+        </pc:sldMkLst>
+      </pc:sldChg>
+      <pc:sldChg chg="del">
+        <pc:chgData name="Ming-Chih Lin" userId="f1ba3ba5-e185-404b-b55f-b2be90e2bdc2" providerId="ADAL" clId="{F1FA031A-4D31-4AEE-8DCB-44C85EA436EB}" dt="2020-06-01T23:15:08.393" v="370" actId="47"/>
+        <pc:sldMkLst>
+          <pc:docMk/>
+          <pc:sldMk cId="2984231426" sldId="271"/>
+        </pc:sldMkLst>
+      </pc:sldChg>
+      <pc:sldChg chg="modSp mod">
+        <pc:chgData name="Ming-Chih Lin" userId="f1ba3ba5-e185-404b-b55f-b2be90e2bdc2" providerId="ADAL" clId="{F1FA031A-4D31-4AEE-8DCB-44C85EA436EB}" dt="2020-06-01T23:15:24.433" v="386"/>
+        <pc:sldMkLst>
+          <pc:docMk/>
+          <pc:sldMk cId="2189207556" sldId="272"/>
+        </pc:sldMkLst>
+        <pc:spChg chg="mod">
+          <ac:chgData name="Ming-Chih Lin" userId="f1ba3ba5-e185-404b-b55f-b2be90e2bdc2" providerId="ADAL" clId="{F1FA031A-4D31-4AEE-8DCB-44C85EA436EB}" dt="2020-06-01T23:15:24.433" v="386"/>
+          <ac:spMkLst>
+            <pc:docMk/>
+            <pc:sldMk cId="2189207556" sldId="272"/>
+            <ac:spMk id="4" creationId="{2FA54F75-D405-4104-B6BB-EA44A23A109A}"/>
+          </ac:spMkLst>
+        </pc:spChg>
+      </pc:sldChg>
+      <pc:sldChg chg="del">
+        <pc:chgData name="Ming-Chih Lin" userId="f1ba3ba5-e185-404b-b55f-b2be90e2bdc2" providerId="ADAL" clId="{F1FA031A-4D31-4AEE-8DCB-44C85EA436EB}" dt="2020-06-01T23:15:08.393" v="370" actId="47"/>
+        <pc:sldMkLst>
+          <pc:docMk/>
+          <pc:sldMk cId="2963169921" sldId="273"/>
+        </pc:sldMkLst>
+      </pc:sldChg>
+      <pc:sldChg chg="del">
+        <pc:chgData name="Ming-Chih Lin" userId="f1ba3ba5-e185-404b-b55f-b2be90e2bdc2" providerId="ADAL" clId="{F1FA031A-4D31-4AEE-8DCB-44C85EA436EB}" dt="2020-06-01T23:15:08.393" v="370" actId="47"/>
+        <pc:sldMkLst>
+          <pc:docMk/>
+          <pc:sldMk cId="252655923" sldId="275"/>
+        </pc:sldMkLst>
+      </pc:sldChg>
+      <pc:sldChg chg="del">
+        <pc:chgData name="Ming-Chih Lin" userId="f1ba3ba5-e185-404b-b55f-b2be90e2bdc2" providerId="ADAL" clId="{F1FA031A-4D31-4AEE-8DCB-44C85EA436EB}" dt="2020-06-01T23:15:08.393" v="370" actId="47"/>
+        <pc:sldMkLst>
+          <pc:docMk/>
+          <pc:sldMk cId="666544265" sldId="281"/>
+        </pc:sldMkLst>
+      </pc:sldChg>
+      <pc:sldChg chg="del">
+        <pc:chgData name="Ming-Chih Lin" userId="f1ba3ba5-e185-404b-b55f-b2be90e2bdc2" providerId="ADAL" clId="{F1FA031A-4D31-4AEE-8DCB-44C85EA436EB}" dt="2020-06-01T23:15:08.393" v="370" actId="47"/>
+        <pc:sldMkLst>
+          <pc:docMk/>
+          <pc:sldMk cId="3344907558" sldId="282"/>
+        </pc:sldMkLst>
+      </pc:sldChg>
+      <pc:sldChg chg="del">
+        <pc:chgData name="Ming-Chih Lin" userId="f1ba3ba5-e185-404b-b55f-b2be90e2bdc2" providerId="ADAL" clId="{F1FA031A-4D31-4AEE-8DCB-44C85EA436EB}" dt="2020-06-01T23:16:29.231" v="438" actId="47"/>
+        <pc:sldMkLst>
+          <pc:docMk/>
+          <pc:sldMk cId="4282441724" sldId="283"/>
+        </pc:sldMkLst>
+      </pc:sldChg>
+      <pc:sldChg chg="del">
+        <pc:chgData name="Ming-Chih Lin" userId="f1ba3ba5-e185-404b-b55f-b2be90e2bdc2" providerId="ADAL" clId="{F1FA031A-4D31-4AEE-8DCB-44C85EA436EB}" dt="2020-06-01T23:15:08.393" v="370" actId="47"/>
+        <pc:sldMkLst>
+          <pc:docMk/>
+          <pc:sldMk cId="2651586421" sldId="284"/>
+        </pc:sldMkLst>
+      </pc:sldChg>
+      <pc:sldChg chg="del">
+        <pc:chgData name="Ming-Chih Lin" userId="f1ba3ba5-e185-404b-b55f-b2be90e2bdc2" providerId="ADAL" clId="{F1FA031A-4D31-4AEE-8DCB-44C85EA436EB}" dt="2020-06-01T23:15:08.393" v="370" actId="47"/>
+        <pc:sldMkLst>
+          <pc:docMk/>
+          <pc:sldMk cId="3195449515" sldId="285"/>
+        </pc:sldMkLst>
+      </pc:sldChg>
+      <pc:sldChg chg="del">
+        <pc:chgData name="Ming-Chih Lin" userId="f1ba3ba5-e185-404b-b55f-b2be90e2bdc2" providerId="ADAL" clId="{F1FA031A-4D31-4AEE-8DCB-44C85EA436EB}" dt="2020-06-01T23:16:29.231" v="438" actId="47"/>
+        <pc:sldMkLst>
+          <pc:docMk/>
+          <pc:sldMk cId="1489283586" sldId="286"/>
+        </pc:sldMkLst>
+      </pc:sldChg>
+      <pc:sldChg chg="del">
+        <pc:chgData name="Ming-Chih Lin" userId="f1ba3ba5-e185-404b-b55f-b2be90e2bdc2" providerId="ADAL" clId="{F1FA031A-4D31-4AEE-8DCB-44C85EA436EB}" dt="2020-06-01T23:12:04.010" v="173" actId="47"/>
+        <pc:sldMkLst>
+          <pc:docMk/>
+          <pc:sldMk cId="2068811213" sldId="287"/>
+        </pc:sldMkLst>
+      </pc:sldChg>
+      <pc:sldChg chg="modSp mod">
+        <pc:chgData name="Ming-Chih Lin" userId="f1ba3ba5-e185-404b-b55f-b2be90e2bdc2" providerId="ADAL" clId="{F1FA031A-4D31-4AEE-8DCB-44C85EA436EB}" dt="2020-06-01T23:13:24.905" v="277"/>
+        <pc:sldMkLst>
+          <pc:docMk/>
+          <pc:sldMk cId="2773999239" sldId="288"/>
+        </pc:sldMkLst>
+        <pc:spChg chg="mod">
+          <ac:chgData name="Ming-Chih Lin" userId="f1ba3ba5-e185-404b-b55f-b2be90e2bdc2" providerId="ADAL" clId="{F1FA031A-4D31-4AEE-8DCB-44C85EA436EB}" dt="2020-06-01T23:13:24.905" v="277"/>
+          <ac:spMkLst>
+            <pc:docMk/>
+            <pc:sldMk cId="2773999239" sldId="288"/>
+            <ac:spMk id="5" creationId="{D9BE9DE2-8245-4CD7-8644-BCDBABA8D1A8}"/>
+          </ac:spMkLst>
+        </pc:spChg>
+      </pc:sldChg>
+      <pc:sldChg chg="modSp mod">
+        <pc:chgData name="Ming-Chih Lin" userId="f1ba3ba5-e185-404b-b55f-b2be90e2bdc2" providerId="ADAL" clId="{F1FA031A-4D31-4AEE-8DCB-44C85EA436EB}" dt="2020-06-01T23:11:56.151" v="172"/>
+        <pc:sldMkLst>
+          <pc:docMk/>
+          <pc:sldMk cId="1061609012" sldId="289"/>
+        </pc:sldMkLst>
+        <pc:spChg chg="mod">
+          <ac:chgData name="Ming-Chih Lin" userId="f1ba3ba5-e185-404b-b55f-b2be90e2bdc2" providerId="ADAL" clId="{F1FA031A-4D31-4AEE-8DCB-44C85EA436EB}" dt="2020-06-01T23:11:56.151" v="172"/>
+          <ac:spMkLst>
+            <pc:docMk/>
+            <pc:sldMk cId="1061609012" sldId="289"/>
+            <ac:spMk id="4" creationId="{A96425F9-195D-4693-9E6E-3A6A87237F5E}"/>
+          </ac:spMkLst>
+        </pc:spChg>
+      </pc:sldChg>
+      <pc:sldChg chg="modSp mod">
+        <pc:chgData name="Ming-Chih Lin" userId="f1ba3ba5-e185-404b-b55f-b2be90e2bdc2" providerId="ADAL" clId="{F1FA031A-4D31-4AEE-8DCB-44C85EA436EB}" dt="2020-06-01T23:22:46.379" v="630"/>
+        <pc:sldMkLst>
+          <pc:docMk/>
+          <pc:sldMk cId="1663756997" sldId="290"/>
+        </pc:sldMkLst>
+        <pc:spChg chg="mod">
+          <ac:chgData name="Ming-Chih Lin" userId="f1ba3ba5-e185-404b-b55f-b2be90e2bdc2" providerId="ADAL" clId="{F1FA031A-4D31-4AEE-8DCB-44C85EA436EB}" dt="2020-06-01T23:22:46.379" v="630"/>
+          <ac:spMkLst>
+            <pc:docMk/>
+            <pc:sldMk cId="1663756997" sldId="290"/>
+            <ac:spMk id="3" creationId="{FDA2CCF4-8156-43AA-A2A5-BCE09F7AF6E8}"/>
+          </ac:spMkLst>
+        </pc:spChg>
+      </pc:sldChg>
+      <pc:sldChg chg="del">
+        <pc:chgData name="Ming-Chih Lin" userId="f1ba3ba5-e185-404b-b55f-b2be90e2bdc2" providerId="ADAL" clId="{F1FA031A-4D31-4AEE-8DCB-44C85EA436EB}" dt="2020-06-01T23:16:29.231" v="438" actId="47"/>
+        <pc:sldMkLst>
+          <pc:docMk/>
+          <pc:sldMk cId="4146132641" sldId="291"/>
+        </pc:sldMkLst>
+      </pc:sldChg>
+      <pc:sldChg chg="del">
+        <pc:chgData name="Ming-Chih Lin" userId="f1ba3ba5-e185-404b-b55f-b2be90e2bdc2" providerId="ADAL" clId="{F1FA031A-4D31-4AEE-8DCB-44C85EA436EB}" dt="2020-06-01T23:16:29.231" v="438" actId="47"/>
+        <pc:sldMkLst>
+          <pc:docMk/>
+          <pc:sldMk cId="2609797397" sldId="292"/>
+        </pc:sldMkLst>
+      </pc:sldChg>
+      <pc:sldChg chg="del">
+        <pc:chgData name="Ming-Chih Lin" userId="f1ba3ba5-e185-404b-b55f-b2be90e2bdc2" providerId="ADAL" clId="{F1FA031A-4D31-4AEE-8DCB-44C85EA436EB}" dt="2020-06-01T23:16:29.231" v="438" actId="47"/>
+        <pc:sldMkLst>
+          <pc:docMk/>
+          <pc:sldMk cId="289535632" sldId="293"/>
+        </pc:sldMkLst>
+      </pc:sldChg>
+      <pc:sldChg chg="del">
+        <pc:chgData name="Ming-Chih Lin" userId="f1ba3ba5-e185-404b-b55f-b2be90e2bdc2" providerId="ADAL" clId="{F1FA031A-4D31-4AEE-8DCB-44C85EA436EB}" dt="2020-06-01T23:15:08.393" v="370" actId="47"/>
+        <pc:sldMkLst>
+          <pc:docMk/>
+          <pc:sldMk cId="64240318" sldId="294"/>
+        </pc:sldMkLst>
+      </pc:sldChg>
+      <pc:sldChg chg="del">
+        <pc:chgData name="Ming-Chih Lin" userId="f1ba3ba5-e185-404b-b55f-b2be90e2bdc2" providerId="ADAL" clId="{F1FA031A-4D31-4AEE-8DCB-44C85EA436EB}" dt="2020-06-01T23:15:08.393" v="370" actId="47"/>
+        <pc:sldMkLst>
+          <pc:docMk/>
+          <pc:sldMk cId="3800941536" sldId="295"/>
+        </pc:sldMkLst>
+      </pc:sldChg>
+      <pc:sldChg chg="del">
+        <pc:chgData name="Ming-Chih Lin" userId="f1ba3ba5-e185-404b-b55f-b2be90e2bdc2" providerId="ADAL" clId="{F1FA031A-4D31-4AEE-8DCB-44C85EA436EB}" dt="2020-06-01T23:15:08.393" v="370" actId="47"/>
+        <pc:sldMkLst>
+          <pc:docMk/>
+          <pc:sldMk cId="71803066" sldId="296"/>
+        </pc:sldMkLst>
+      </pc:sldChg>
+      <pc:sldChg chg="del">
+        <pc:chgData name="Ming-Chih Lin" userId="f1ba3ba5-e185-404b-b55f-b2be90e2bdc2" providerId="ADAL" clId="{F1FA031A-4D31-4AEE-8DCB-44C85EA436EB}" dt="2020-06-01T23:15:08.393" v="370" actId="47"/>
+        <pc:sldMkLst>
+          <pc:docMk/>
+          <pc:sldMk cId="3823943526" sldId="297"/>
+        </pc:sldMkLst>
+      </pc:sldChg>
+      <pc:sldChg chg="modSp new mod">
+        <pc:chgData name="Ming-Chih Lin" userId="f1ba3ba5-e185-404b-b55f-b2be90e2bdc2" providerId="ADAL" clId="{F1FA031A-4D31-4AEE-8DCB-44C85EA436EB}" dt="2020-06-01T23:09:56.216" v="75"/>
+        <pc:sldMkLst>
+          <pc:docMk/>
+          <pc:sldMk cId="888648973" sldId="298"/>
+        </pc:sldMkLst>
+        <pc:spChg chg="mod">
+          <ac:chgData name="Ming-Chih Lin" userId="f1ba3ba5-e185-404b-b55f-b2be90e2bdc2" providerId="ADAL" clId="{F1FA031A-4D31-4AEE-8DCB-44C85EA436EB}" dt="2020-06-01T23:09:56.216" v="75"/>
+          <ac:spMkLst>
+            <pc:docMk/>
+            <pc:sldMk cId="888648973" sldId="298"/>
+            <ac:spMk id="2" creationId="{A8BA54D6-C8F9-4AAC-8CAA-D399FA342724}"/>
+          </ac:spMkLst>
+        </pc:spChg>
+      </pc:sldChg>
+      <pc:sldChg chg="modSp add mod">
+        <pc:chgData name="Ming-Chih Lin" userId="f1ba3ba5-e185-404b-b55f-b2be90e2bdc2" providerId="ADAL" clId="{F1FA031A-4D31-4AEE-8DCB-44C85EA436EB}" dt="2020-06-01T23:14:32.055" v="369"/>
+        <pc:sldMkLst>
+          <pc:docMk/>
+          <pc:sldMk cId="101432508" sldId="299"/>
+        </pc:sldMkLst>
+        <pc:spChg chg="mod">
+          <ac:chgData name="Ming-Chih Lin" userId="f1ba3ba5-e185-404b-b55f-b2be90e2bdc2" providerId="ADAL" clId="{F1FA031A-4D31-4AEE-8DCB-44C85EA436EB}" dt="2020-06-01T23:14:32.055" v="369"/>
+          <ac:spMkLst>
+            <pc:docMk/>
+            <pc:sldMk cId="101432508" sldId="299"/>
+            <ac:spMk id="3" creationId="{FDA2CCF4-8156-43AA-A2A5-BCE09F7AF6E8}"/>
+          </ac:spMkLst>
+        </pc:spChg>
+      </pc:sldChg>
+      <pc:sldChg chg="addSp delSp modSp new mod modClrScheme chgLayout">
+        <pc:chgData name="Ming-Chih Lin" userId="f1ba3ba5-e185-404b-b55f-b2be90e2bdc2" providerId="ADAL" clId="{F1FA031A-4D31-4AEE-8DCB-44C85EA436EB}" dt="2020-06-01T23:18:37.024" v="538"/>
+        <pc:sldMkLst>
+          <pc:docMk/>
+          <pc:sldMk cId="1415465906" sldId="300"/>
+        </pc:sldMkLst>
+        <pc:spChg chg="del mod ord">
+          <ac:chgData name="Ming-Chih Lin" userId="f1ba3ba5-e185-404b-b55f-b2be90e2bdc2" providerId="ADAL" clId="{F1FA031A-4D31-4AEE-8DCB-44C85EA436EB}" dt="2020-06-01T23:15:32.824" v="388" actId="700"/>
+          <ac:spMkLst>
+            <pc:docMk/>
+            <pc:sldMk cId="1415465906" sldId="300"/>
+            <ac:spMk id="2" creationId="{2A4DBE0D-A8A4-4F12-858B-E8F5C1DC52BA}"/>
+          </ac:spMkLst>
+        </pc:spChg>
+        <pc:spChg chg="del">
+          <ac:chgData name="Ming-Chih Lin" userId="f1ba3ba5-e185-404b-b55f-b2be90e2bdc2" providerId="ADAL" clId="{F1FA031A-4D31-4AEE-8DCB-44C85EA436EB}" dt="2020-06-01T23:15:32.824" v="388" actId="700"/>
+          <ac:spMkLst>
+            <pc:docMk/>
+            <pc:sldMk cId="1415465906" sldId="300"/>
+            <ac:spMk id="3" creationId="{AFC4772C-804D-474C-89D9-7ADC6AAA7865}"/>
+          </ac:spMkLst>
+        </pc:spChg>
+        <pc:spChg chg="add mod ord">
+          <ac:chgData name="Ming-Chih Lin" userId="f1ba3ba5-e185-404b-b55f-b2be90e2bdc2" providerId="ADAL" clId="{F1FA031A-4D31-4AEE-8DCB-44C85EA436EB}" dt="2020-06-01T23:18:37.024" v="538"/>
+          <ac:spMkLst>
+            <pc:docMk/>
+            <pc:sldMk cId="1415465906" sldId="300"/>
+            <ac:spMk id="4" creationId="{42223639-7737-4ADF-9CCC-84644374FFB5}"/>
+          </ac:spMkLst>
+        </pc:spChg>
+        <pc:spChg chg="add mod ord">
+          <ac:chgData name="Ming-Chih Lin" userId="f1ba3ba5-e185-404b-b55f-b2be90e2bdc2" providerId="ADAL" clId="{F1FA031A-4D31-4AEE-8DCB-44C85EA436EB}" dt="2020-06-01T23:15:32.824" v="388" actId="700"/>
+          <ac:spMkLst>
+            <pc:docMk/>
+            <pc:sldMk cId="1415465906" sldId="300"/>
+            <ac:spMk id="5" creationId="{B37260B8-3B0D-40A3-8B25-1D9D532C9BED}"/>
+          </ac:spMkLst>
+        </pc:spChg>
+      </pc:sldChg>
+      <pc:sldChg chg="modSp add mod">
+        <pc:chgData name="Ming-Chih Lin" userId="f1ba3ba5-e185-404b-b55f-b2be90e2bdc2" providerId="ADAL" clId="{F1FA031A-4D31-4AEE-8DCB-44C85EA436EB}" dt="2020-06-01T23:26:30.522" v="688" actId="20577"/>
+        <pc:sldMkLst>
+          <pc:docMk/>
+          <pc:sldMk cId="1171545912" sldId="301"/>
+        </pc:sldMkLst>
+        <pc:spChg chg="mod">
+          <ac:chgData name="Ming-Chih Lin" userId="f1ba3ba5-e185-404b-b55f-b2be90e2bdc2" providerId="ADAL" clId="{F1FA031A-4D31-4AEE-8DCB-44C85EA436EB}" dt="2020-06-01T23:19:32.230" v="541"/>
+          <ac:spMkLst>
+            <pc:docMk/>
+            <pc:sldMk cId="1171545912" sldId="301"/>
+            <ac:spMk id="4" creationId="{42223639-7737-4ADF-9CCC-84644374FFB5}"/>
+          </ac:spMkLst>
+        </pc:spChg>
+        <pc:spChg chg="mod">
+          <ac:chgData name="Ming-Chih Lin" userId="f1ba3ba5-e185-404b-b55f-b2be90e2bdc2" providerId="ADAL" clId="{F1FA031A-4D31-4AEE-8DCB-44C85EA436EB}" dt="2020-06-01T23:26:30.522" v="688" actId="20577"/>
+          <ac:spMkLst>
+            <pc:docMk/>
+            <pc:sldMk cId="1171545912" sldId="301"/>
+            <ac:spMk id="5" creationId="{B37260B8-3B0D-40A3-8B25-1D9D532C9BED}"/>
+          </ac:spMkLst>
+        </pc:spChg>
+      </pc:sldChg>
+      <pc:sldChg chg="modSp add mod">
+        <pc:chgData name="Ming-Chih Lin" userId="f1ba3ba5-e185-404b-b55f-b2be90e2bdc2" providerId="ADAL" clId="{F1FA031A-4D31-4AEE-8DCB-44C85EA436EB}" dt="2020-06-01T23:27:59.481" v="710" actId="20577"/>
+        <pc:sldMkLst>
+          <pc:docMk/>
+          <pc:sldMk cId="2002684050" sldId="302"/>
+        </pc:sldMkLst>
+        <pc:spChg chg="mod">
+          <ac:chgData name="Ming-Chih Lin" userId="f1ba3ba5-e185-404b-b55f-b2be90e2bdc2" providerId="ADAL" clId="{F1FA031A-4D31-4AEE-8DCB-44C85EA436EB}" dt="2020-06-01T23:27:59.481" v="710" actId="20577"/>
+          <ac:spMkLst>
+            <pc:docMk/>
+            <pc:sldMk cId="2002684050" sldId="302"/>
+            <ac:spMk id="4" creationId="{42223639-7737-4ADF-9CCC-84644374FFB5}"/>
+          </ac:spMkLst>
+        </pc:spChg>
+        <pc:spChg chg="mod">
+          <ac:chgData name="Ming-Chih Lin" userId="f1ba3ba5-e185-404b-b55f-b2be90e2bdc2" providerId="ADAL" clId="{F1FA031A-4D31-4AEE-8DCB-44C85EA436EB}" dt="2020-06-01T23:21:42.958" v="586" actId="21"/>
+          <ac:spMkLst>
+            <pc:docMk/>
+            <pc:sldMk cId="2002684050" sldId="302"/>
+            <ac:spMk id="5" creationId="{B37260B8-3B0D-40A3-8B25-1D9D532C9BED}"/>
+          </ac:spMkLst>
+        </pc:spChg>
+      </pc:sldChg>
+      <pc:sldChg chg="addSp delSp modSp add del mod ord">
+        <pc:chgData name="Ming-Chih Lin" userId="f1ba3ba5-e185-404b-b55f-b2be90e2bdc2" providerId="ADAL" clId="{F1FA031A-4D31-4AEE-8DCB-44C85EA436EB}" dt="2020-06-01T23:27:56.183" v="708" actId="47"/>
+        <pc:sldMkLst>
+          <pc:docMk/>
+          <pc:sldMk cId="4107279448" sldId="303"/>
+        </pc:sldMkLst>
+        <pc:spChg chg="add del mod">
+          <ac:chgData name="Ming-Chih Lin" userId="f1ba3ba5-e185-404b-b55f-b2be90e2bdc2" providerId="ADAL" clId="{F1FA031A-4D31-4AEE-8DCB-44C85EA436EB}" dt="2020-06-01T23:23:56.344" v="655"/>
+          <ac:spMkLst>
+            <pc:docMk/>
+            <pc:sldMk cId="4107279448" sldId="303"/>
+            <ac:spMk id="2" creationId="{A47E8DDF-F70A-4E2D-8C01-9E501A43A6F7}"/>
+          </ac:spMkLst>
+        </pc:spChg>
+        <pc:spChg chg="mod">
+          <ac:chgData name="Ming-Chih Lin" userId="f1ba3ba5-e185-404b-b55f-b2be90e2bdc2" providerId="ADAL" clId="{F1FA031A-4D31-4AEE-8DCB-44C85EA436EB}" dt="2020-06-01T23:26:57.506" v="696" actId="20577"/>
+          <ac:spMkLst>
+            <pc:docMk/>
+            <pc:sldMk cId="4107279448" sldId="303"/>
+            <ac:spMk id="4" creationId="{42223639-7737-4ADF-9CCC-84644374FFB5}"/>
+          </ac:spMkLst>
+        </pc:spChg>
+      </pc:sldChg>
+      <pc:sldChg chg="modSp add mod">
+        <pc:chgData name="Ming-Chih Lin" userId="f1ba3ba5-e185-404b-b55f-b2be90e2bdc2" providerId="ADAL" clId="{F1FA031A-4D31-4AEE-8DCB-44C85EA436EB}" dt="2020-06-01T23:28:13.818" v="713" actId="6549"/>
+        <pc:sldMkLst>
+          <pc:docMk/>
+          <pc:sldMk cId="3346354504" sldId="304"/>
+        </pc:sldMkLst>
+        <pc:spChg chg="mod">
+          <ac:chgData name="Ming-Chih Lin" userId="f1ba3ba5-e185-404b-b55f-b2be90e2bdc2" providerId="ADAL" clId="{F1FA031A-4D31-4AEE-8DCB-44C85EA436EB}" dt="2020-06-01T23:28:13.818" v="713" actId="6549"/>
+          <ac:spMkLst>
+            <pc:docMk/>
+            <pc:sldMk cId="3346354504" sldId="304"/>
+            <ac:spMk id="4" creationId="{42223639-7737-4ADF-9CCC-84644374FFB5}"/>
+          </ac:spMkLst>
+        </pc:spChg>
+      </pc:sldChg>
+      <pc:sldChg chg="modSp add mod">
+        <pc:chgData name="Ming-Chih Lin" userId="f1ba3ba5-e185-404b-b55f-b2be90e2bdc2" providerId="ADAL" clId="{F1FA031A-4D31-4AEE-8DCB-44C85EA436EB}" dt="2020-06-01T23:28:27.201" v="714"/>
+        <pc:sldMkLst>
+          <pc:docMk/>
+          <pc:sldMk cId="1699586139" sldId="305"/>
+        </pc:sldMkLst>
+        <pc:spChg chg="mod">
+          <ac:chgData name="Ming-Chih Lin" userId="f1ba3ba5-e185-404b-b55f-b2be90e2bdc2" providerId="ADAL" clId="{F1FA031A-4D31-4AEE-8DCB-44C85EA436EB}" dt="2020-06-01T23:28:27.201" v="714"/>
+          <ac:spMkLst>
+            <pc:docMk/>
+            <pc:sldMk cId="1699586139" sldId="305"/>
+            <ac:spMk id="4" creationId="{42223639-7737-4ADF-9CCC-84644374FFB5}"/>
+          </ac:spMkLst>
+        </pc:spChg>
+      </pc:sldChg>
+      <pc:sldChg chg="modSp add mod">
+        <pc:chgData name="Ming-Chih Lin" userId="f1ba3ba5-e185-404b-b55f-b2be90e2bdc2" providerId="ADAL" clId="{F1FA031A-4D31-4AEE-8DCB-44C85EA436EB}" dt="2020-06-01T23:27:17.368" v="703" actId="20577"/>
+        <pc:sldMkLst>
+          <pc:docMk/>
+          <pc:sldMk cId="1220209127" sldId="306"/>
+        </pc:sldMkLst>
+        <pc:spChg chg="mod">
+          <ac:chgData name="Ming-Chih Lin" userId="f1ba3ba5-e185-404b-b55f-b2be90e2bdc2" providerId="ADAL" clId="{F1FA031A-4D31-4AEE-8DCB-44C85EA436EB}" dt="2020-06-01T23:27:17.368" v="703" actId="20577"/>
+          <ac:spMkLst>
+            <pc:docMk/>
+            <pc:sldMk cId="1220209127" sldId="306"/>
+            <ac:spMk id="4" creationId="{42223639-7737-4ADF-9CCC-84644374FFB5}"/>
+          </ac:spMkLst>
+        </pc:spChg>
+      </pc:sldChg>
+      <pc:sldChg chg="modSp add mod">
+        <pc:chgData name="Ming-Chih Lin" userId="f1ba3ba5-e185-404b-b55f-b2be90e2bdc2" providerId="ADAL" clId="{F1FA031A-4D31-4AEE-8DCB-44C85EA436EB}" dt="2020-06-01T23:28:43.758" v="715"/>
+        <pc:sldMkLst>
+          <pc:docMk/>
+          <pc:sldMk cId="236770104" sldId="307"/>
+        </pc:sldMkLst>
+        <pc:spChg chg="mod">
+          <ac:chgData name="Ming-Chih Lin" userId="f1ba3ba5-e185-404b-b55f-b2be90e2bdc2" providerId="ADAL" clId="{F1FA031A-4D31-4AEE-8DCB-44C85EA436EB}" dt="2020-06-01T23:28:43.758" v="715"/>
+          <ac:spMkLst>
+            <pc:docMk/>
+            <pc:sldMk cId="236770104" sldId="307"/>
+            <ac:spMk id="4" creationId="{42223639-7737-4ADF-9CCC-84644374FFB5}"/>
+          </ac:spMkLst>
+        </pc:spChg>
+      </pc:sldChg>
+      <pc:sldChg chg="modSp new del mod">
+        <pc:chgData name="Ming-Chih Lin" userId="f1ba3ba5-e185-404b-b55f-b2be90e2bdc2" providerId="ADAL" clId="{F1FA031A-4D31-4AEE-8DCB-44C85EA436EB}" dt="2020-06-01T23:41:30.159" v="1000" actId="47"/>
+        <pc:sldMkLst>
+          <pc:docMk/>
+          <pc:sldMk cId="3757030699" sldId="308"/>
+        </pc:sldMkLst>
+        <pc:spChg chg="mod">
+          <ac:chgData name="Ming-Chih Lin" userId="f1ba3ba5-e185-404b-b55f-b2be90e2bdc2" providerId="ADAL" clId="{F1FA031A-4D31-4AEE-8DCB-44C85EA436EB}" dt="2020-06-01T23:40:38.630" v="999"/>
+          <ac:spMkLst>
+            <pc:docMk/>
+            <pc:sldMk cId="3757030699" sldId="308"/>
+            <ac:spMk id="2" creationId="{9EAB2091-9337-42B7-AC34-E09D04AC6790}"/>
+          </ac:spMkLst>
+        </pc:spChg>
+        <pc:spChg chg="mod">
+          <ac:chgData name="Ming-Chih Lin" userId="f1ba3ba5-e185-404b-b55f-b2be90e2bdc2" providerId="ADAL" clId="{F1FA031A-4D31-4AEE-8DCB-44C85EA436EB}" dt="2020-06-01T23:31:21.972" v="779"/>
+          <ac:spMkLst>
+            <pc:docMk/>
+            <pc:sldMk cId="3757030699" sldId="308"/>
+            <ac:spMk id="3" creationId="{E7C3D928-2CE9-4266-A577-F5AA1DFC7CE3}"/>
+          </ac:spMkLst>
+        </pc:spChg>
+      </pc:sldChg>
+      <pc:sldChg chg="modSp add mod">
+        <pc:chgData name="Ming-Chih Lin" userId="f1ba3ba5-e185-404b-b55f-b2be90e2bdc2" providerId="ADAL" clId="{F1FA031A-4D31-4AEE-8DCB-44C85EA436EB}" dt="2020-06-01T23:16:11.863" v="435"/>
+        <pc:sldMkLst>
+          <pc:docMk/>
+          <pc:sldMk cId="2022201700" sldId="309"/>
+        </pc:sldMkLst>
+        <pc:spChg chg="mod">
+          <ac:chgData name="Ming-Chih Lin" userId="f1ba3ba5-e185-404b-b55f-b2be90e2bdc2" providerId="ADAL" clId="{F1FA031A-4D31-4AEE-8DCB-44C85EA436EB}" dt="2020-06-01T23:16:11.863" v="435"/>
+          <ac:spMkLst>
+            <pc:docMk/>
+            <pc:sldMk cId="2022201700" sldId="309"/>
+            <ac:spMk id="4" creationId="{2FA54F75-D405-4104-B6BB-EA44A23A109A}"/>
+          </ac:spMkLst>
+        </pc:spChg>
+      </pc:sldChg>
+      <pc:sldChg chg="addSp delSp modSp add mod ord">
+        <pc:chgData name="Ming-Chih Lin" userId="f1ba3ba5-e185-404b-b55f-b2be90e2bdc2" providerId="ADAL" clId="{F1FA031A-4D31-4AEE-8DCB-44C85EA436EB}" dt="2020-06-02T00:07:30.065" v="1132" actId="1076"/>
+        <pc:sldMkLst>
+          <pc:docMk/>
+          <pc:sldMk cId="1680955994" sldId="310"/>
+        </pc:sldMkLst>
+        <pc:spChg chg="del mod">
+          <ac:chgData name="Ming-Chih Lin" userId="f1ba3ba5-e185-404b-b55f-b2be90e2bdc2" providerId="ADAL" clId="{F1FA031A-4D31-4AEE-8DCB-44C85EA436EB}" dt="2020-06-01T23:46:50.152" v="1041" actId="478"/>
+          <ac:spMkLst>
+            <pc:docMk/>
+            <pc:sldMk cId="1680955994" sldId="310"/>
+            <ac:spMk id="2" creationId="{9EAB2091-9337-42B7-AC34-E09D04AC6790}"/>
+          </ac:spMkLst>
+        </pc:spChg>
+        <pc:spChg chg="mod">
+          <ac:chgData name="Ming-Chih Lin" userId="f1ba3ba5-e185-404b-b55f-b2be90e2bdc2" providerId="ADAL" clId="{F1FA031A-4D31-4AEE-8DCB-44C85EA436EB}" dt="2020-06-01T23:48:46.017" v="1050"/>
+          <ac:spMkLst>
+            <pc:docMk/>
+            <pc:sldMk cId="1680955994" sldId="310"/>
+            <ac:spMk id="3" creationId="{E7C3D928-2CE9-4266-A577-F5AA1DFC7CE3}"/>
+          </ac:spMkLst>
+        </pc:spChg>
+        <pc:spChg chg="add del mod">
+          <ac:chgData name="Ming-Chih Lin" userId="f1ba3ba5-e185-404b-b55f-b2be90e2bdc2" providerId="ADAL" clId="{F1FA031A-4D31-4AEE-8DCB-44C85EA436EB}" dt="2020-06-01T23:46:24.822" v="1040"/>
+          <ac:spMkLst>
+            <pc:docMk/>
+            <pc:sldMk cId="1680955994" sldId="310"/>
+            <ac:spMk id="4" creationId="{DFA67099-C7C6-4EF8-9522-C5EF93E8AFF6}"/>
+          </ac:spMkLst>
+        </pc:spChg>
+        <pc:spChg chg="add del mod">
+          <ac:chgData name="Ming-Chih Lin" userId="f1ba3ba5-e185-404b-b55f-b2be90e2bdc2" providerId="ADAL" clId="{F1FA031A-4D31-4AEE-8DCB-44C85EA436EB}" dt="2020-06-01T23:48:44.122" v="1049" actId="478"/>
+          <ac:spMkLst>
+            <pc:docMk/>
+            <pc:sldMk cId="1680955994" sldId="310"/>
+            <ac:spMk id="6" creationId="{C6523A91-946D-454F-9415-87B2845420E5}"/>
+          </ac:spMkLst>
+        </pc:spChg>
+        <pc:picChg chg="add del mod">
+          <ac:chgData name="Ming-Chih Lin" userId="f1ba3ba5-e185-404b-b55f-b2be90e2bdc2" providerId="ADAL" clId="{F1FA031A-4D31-4AEE-8DCB-44C85EA436EB}" dt="2020-06-02T00:07:21.630" v="1129" actId="478"/>
+          <ac:picMkLst>
+            <pc:docMk/>
+            <pc:sldMk cId="1680955994" sldId="310"/>
+            <ac:picMk id="7" creationId="{04167772-23D8-46EF-86E8-9F55289031D5}"/>
+          </ac:picMkLst>
+        </pc:picChg>
+        <pc:picChg chg="add del">
+          <ac:chgData name="Ming-Chih Lin" userId="f1ba3ba5-e185-404b-b55f-b2be90e2bdc2" providerId="ADAL" clId="{F1FA031A-4D31-4AEE-8DCB-44C85EA436EB}" dt="2020-06-02T00:05:20.886" v="1055"/>
+          <ac:picMkLst>
+            <pc:docMk/>
+            <pc:sldMk cId="1680955994" sldId="310"/>
+            <ac:picMk id="8" creationId="{86E0C46E-16C0-4B9D-98F5-753D5EB5E5C0}"/>
+          </ac:picMkLst>
+        </pc:picChg>
+        <pc:picChg chg="add mod">
+          <ac:chgData name="Ming-Chih Lin" userId="f1ba3ba5-e185-404b-b55f-b2be90e2bdc2" providerId="ADAL" clId="{F1FA031A-4D31-4AEE-8DCB-44C85EA436EB}" dt="2020-06-02T00:07:30.065" v="1132" actId="1076"/>
+          <ac:picMkLst>
+            <pc:docMk/>
+            <pc:sldMk cId="1680955994" sldId="310"/>
+            <ac:picMk id="9" creationId="{A8797093-BD72-4872-BB27-2A60EE738B76}"/>
+          </ac:picMkLst>
+        </pc:picChg>
+      </pc:sldChg>
+      <pc:sldChg chg="modSp add del mod">
+        <pc:chgData name="Ming-Chih Lin" userId="f1ba3ba5-e185-404b-b55f-b2be90e2bdc2" providerId="ADAL" clId="{F1FA031A-4D31-4AEE-8DCB-44C85EA436EB}" dt="2020-06-01T23:41:30.159" v="1000" actId="47"/>
+        <pc:sldMkLst>
+          <pc:docMk/>
+          <pc:sldMk cId="3863980547" sldId="311"/>
+        </pc:sldMkLst>
+        <pc:spChg chg="mod">
+          <ac:chgData name="Ming-Chih Lin" userId="f1ba3ba5-e185-404b-b55f-b2be90e2bdc2" providerId="ADAL" clId="{F1FA031A-4D31-4AEE-8DCB-44C85EA436EB}" dt="2020-06-01T23:34:25.883" v="974" actId="20577"/>
+          <ac:spMkLst>
+            <pc:docMk/>
+            <pc:sldMk cId="3863980547" sldId="311"/>
+            <ac:spMk id="3" creationId="{E7C3D928-2CE9-4266-A577-F5AA1DFC7CE3}"/>
+          </ac:spMkLst>
+        </pc:spChg>
+      </pc:sldChg>
+      <pc:sldChg chg="addSp delSp modSp new mod modClrScheme chgLayout">
+        <pc:chgData name="Ming-Chih Lin" userId="f1ba3ba5-e185-404b-b55f-b2be90e2bdc2" providerId="ADAL" clId="{F1FA031A-4D31-4AEE-8DCB-44C85EA436EB}" dt="2020-06-02T00:07:11.358" v="1128" actId="20577"/>
+        <pc:sldMkLst>
+          <pc:docMk/>
+          <pc:sldMk cId="1266417032" sldId="312"/>
+        </pc:sldMkLst>
+        <pc:spChg chg="del">
+          <ac:chgData name="Ming-Chih Lin" userId="f1ba3ba5-e185-404b-b55f-b2be90e2bdc2" providerId="ADAL" clId="{F1FA031A-4D31-4AEE-8DCB-44C85EA436EB}" dt="2020-06-01T23:16:35.525" v="440" actId="700"/>
+          <ac:spMkLst>
+            <pc:docMk/>
+            <pc:sldMk cId="1266417032" sldId="312"/>
+            <ac:spMk id="2" creationId="{A62D4AC1-C50C-4058-B2A5-D69AA87B4258}"/>
+          </ac:spMkLst>
+        </pc:spChg>
+        <pc:spChg chg="del">
+          <ac:chgData name="Ming-Chih Lin" userId="f1ba3ba5-e185-404b-b55f-b2be90e2bdc2" providerId="ADAL" clId="{F1FA031A-4D31-4AEE-8DCB-44C85EA436EB}" dt="2020-06-01T23:16:35.525" v="440" actId="700"/>
+          <ac:spMkLst>
+            <pc:docMk/>
+            <pc:sldMk cId="1266417032" sldId="312"/>
+            <ac:spMk id="3" creationId="{24369F45-8D56-4C99-9BA5-CE752D1914AC}"/>
+          </ac:spMkLst>
+        </pc:spChg>
+        <pc:spChg chg="add mod ord">
+          <ac:chgData name="Ming-Chih Lin" userId="f1ba3ba5-e185-404b-b55f-b2be90e2bdc2" providerId="ADAL" clId="{F1FA031A-4D31-4AEE-8DCB-44C85EA436EB}" dt="2020-06-02T00:05:56.161" v="1059" actId="700"/>
+          <ac:spMkLst>
+            <pc:docMk/>
+            <pc:sldMk cId="1266417032" sldId="312"/>
+            <ac:spMk id="4" creationId="{1854605A-57A1-476A-82F9-537D284E62C2}"/>
+          </ac:spMkLst>
+        </pc:spChg>
+        <pc:spChg chg="add mod ord">
+          <ac:chgData name="Ming-Chih Lin" userId="f1ba3ba5-e185-404b-b55f-b2be90e2bdc2" providerId="ADAL" clId="{F1FA031A-4D31-4AEE-8DCB-44C85EA436EB}" dt="2020-06-02T00:07:11.358" v="1128" actId="20577"/>
+          <ac:spMkLst>
+            <pc:docMk/>
+            <pc:sldMk cId="1266417032" sldId="312"/>
+            <ac:spMk id="5" creationId="{221EB24A-D4DB-45CB-BE7B-D41F7B493329}"/>
+          </ac:spMkLst>
+        </pc:spChg>
+      </pc:sldChg>
+      <pc:sldChg chg="modSp add mod">
+        <pc:chgData name="Ming-Chih Lin" userId="f1ba3ba5-e185-404b-b55f-b2be90e2bdc2" providerId="ADAL" clId="{F1FA031A-4D31-4AEE-8DCB-44C85EA436EB}" dt="2020-06-01T23:29:05.962" v="718" actId="20577"/>
+        <pc:sldMkLst>
+          <pc:docMk/>
+          <pc:sldMk cId="1608459360" sldId="313"/>
+        </pc:sldMkLst>
+        <pc:spChg chg="mod">
+          <ac:chgData name="Ming-Chih Lin" userId="f1ba3ba5-e185-404b-b55f-b2be90e2bdc2" providerId="ADAL" clId="{F1FA031A-4D31-4AEE-8DCB-44C85EA436EB}" dt="2020-06-01T23:29:05.962" v="718" actId="20577"/>
+          <ac:spMkLst>
+            <pc:docMk/>
+            <pc:sldMk cId="1608459360" sldId="313"/>
+            <ac:spMk id="4" creationId="{42223639-7737-4ADF-9CCC-84644374FFB5}"/>
+          </ac:spMkLst>
+        </pc:spChg>
+      </pc:sldChg>
+      <pc:sldChg chg="add del">
+        <pc:chgData name="Ming-Chih Lin" userId="f1ba3ba5-e185-404b-b55f-b2be90e2bdc2" providerId="ADAL" clId="{F1FA031A-4D31-4AEE-8DCB-44C85EA436EB}" dt="2020-06-01T23:30:27.215" v="721" actId="47"/>
+        <pc:sldMkLst>
+          <pc:docMk/>
+          <pc:sldMk cId="3592365506" sldId="314"/>
+        </pc:sldMkLst>
+      </pc:sldChg>
+      <pc:sldChg chg="modSp new mod">
+        <pc:chgData name="Ming-Chih Lin" userId="f1ba3ba5-e185-404b-b55f-b2be90e2bdc2" providerId="ADAL" clId="{F1FA031A-4D31-4AEE-8DCB-44C85EA436EB}" dt="2020-06-01T23:30:49.844" v="761"/>
+        <pc:sldMkLst>
+          <pc:docMk/>
+          <pc:sldMk cId="3053501639" sldId="315"/>
+        </pc:sldMkLst>
+        <pc:spChg chg="mod">
+          <ac:chgData name="Ming-Chih Lin" userId="f1ba3ba5-e185-404b-b55f-b2be90e2bdc2" providerId="ADAL" clId="{F1FA031A-4D31-4AEE-8DCB-44C85EA436EB}" dt="2020-06-01T23:30:49.844" v="761"/>
+          <ac:spMkLst>
+            <pc:docMk/>
+            <pc:sldMk cId="3053501639" sldId="315"/>
+            <ac:spMk id="3" creationId="{2DC53AD1-5967-4F57-9A42-A7D2F1A9323D}"/>
+          </ac:spMkLst>
+        </pc:spChg>
+      </pc:sldChg>
+      <pc:sldChg chg="modSp add del mod">
+        <pc:chgData name="Ming-Chih Lin" userId="f1ba3ba5-e185-404b-b55f-b2be90e2bdc2" providerId="ADAL" clId="{F1FA031A-4D31-4AEE-8DCB-44C85EA436EB}" dt="2020-06-01T23:41:30.159" v="1000" actId="47"/>
+        <pc:sldMkLst>
+          <pc:docMk/>
+          <pc:sldMk cId="612939432" sldId="316"/>
+        </pc:sldMkLst>
+        <pc:spChg chg="mod">
+          <ac:chgData name="Ming-Chih Lin" userId="f1ba3ba5-e185-404b-b55f-b2be90e2bdc2" providerId="ADAL" clId="{F1FA031A-4D31-4AEE-8DCB-44C85EA436EB}" dt="2020-06-01T23:32:42.102" v="850" actId="20577"/>
+          <ac:spMkLst>
+            <pc:docMk/>
+            <pc:sldMk cId="612939432" sldId="316"/>
+            <ac:spMk id="3" creationId="{E7C3D928-2CE9-4266-A577-F5AA1DFC7CE3}"/>
+          </ac:spMkLst>
+        </pc:spChg>
+      </pc:sldChg>
+      <pc:sldChg chg="addSp delSp modSp new add del mod">
+        <pc:chgData name="Ming-Chih Lin" userId="f1ba3ba5-e185-404b-b55f-b2be90e2bdc2" providerId="ADAL" clId="{F1FA031A-4D31-4AEE-8DCB-44C85EA436EB}" dt="2020-06-02T00:07:33.244" v="1133" actId="47"/>
+        <pc:sldMkLst>
+          <pc:docMk/>
+          <pc:sldMk cId="1830674388" sldId="316"/>
+        </pc:sldMkLst>
+        <pc:picChg chg="add del mod">
+          <ac:chgData name="Ming-Chih Lin" userId="f1ba3ba5-e185-404b-b55f-b2be90e2bdc2" providerId="ADAL" clId="{F1FA031A-4D31-4AEE-8DCB-44C85EA436EB}" dt="2020-06-02T00:07:23.378" v="1130" actId="21"/>
+          <ac:picMkLst>
+            <pc:docMk/>
+            <pc:sldMk cId="1830674388" sldId="316"/>
+            <ac:picMk id="4" creationId="{3482E1DE-C7E8-4B64-A3F8-917B68200E56}"/>
+          </ac:picMkLst>
+        </pc:picChg>
+      </pc:sldChg>
+      <pc:sldChg chg="modSp add del mod">
+        <pc:chgData name="Ming-Chih Lin" userId="f1ba3ba5-e185-404b-b55f-b2be90e2bdc2" providerId="ADAL" clId="{F1FA031A-4D31-4AEE-8DCB-44C85EA436EB}" dt="2020-06-01T23:41:30.159" v="1000" actId="47"/>
+        <pc:sldMkLst>
+          <pc:docMk/>
+          <pc:sldMk cId="1022163412" sldId="317"/>
+        </pc:sldMkLst>
+        <pc:spChg chg="mod">
+          <ac:chgData name="Ming-Chih Lin" userId="f1ba3ba5-e185-404b-b55f-b2be90e2bdc2" providerId="ADAL" clId="{F1FA031A-4D31-4AEE-8DCB-44C85EA436EB}" dt="2020-06-01T23:32:53.706" v="863" actId="20577"/>
+          <ac:spMkLst>
+            <pc:docMk/>
+            <pc:sldMk cId="1022163412" sldId="317"/>
+            <ac:spMk id="3" creationId="{E7C3D928-2CE9-4266-A577-F5AA1DFC7CE3}"/>
+          </ac:spMkLst>
+        </pc:spChg>
+      </pc:sldChg>
+      <pc:sldChg chg="modSp add del mod">
+        <pc:chgData name="Ming-Chih Lin" userId="f1ba3ba5-e185-404b-b55f-b2be90e2bdc2" providerId="ADAL" clId="{F1FA031A-4D31-4AEE-8DCB-44C85EA436EB}" dt="2020-06-01T23:41:30.159" v="1000" actId="47"/>
+        <pc:sldMkLst>
+          <pc:docMk/>
+          <pc:sldMk cId="4171406706" sldId="318"/>
+        </pc:sldMkLst>
+        <pc:spChg chg="mod">
+          <ac:chgData name="Ming-Chih Lin" userId="f1ba3ba5-e185-404b-b55f-b2be90e2bdc2" providerId="ADAL" clId="{F1FA031A-4D31-4AEE-8DCB-44C85EA436EB}" dt="2020-06-01T23:32:59.354" v="873" actId="20577"/>
+          <ac:spMkLst>
+            <pc:docMk/>
+            <pc:sldMk cId="4171406706" sldId="318"/>
+            <ac:spMk id="3" creationId="{E7C3D928-2CE9-4266-A577-F5AA1DFC7CE3}"/>
+          </ac:spMkLst>
+        </pc:spChg>
+      </pc:sldChg>
+      <pc:sldChg chg="modSp add del mod ord">
+        <pc:chgData name="Ming-Chih Lin" userId="f1ba3ba5-e185-404b-b55f-b2be90e2bdc2" providerId="ADAL" clId="{F1FA031A-4D31-4AEE-8DCB-44C85EA436EB}" dt="2020-06-01T23:41:30.159" v="1000" actId="47"/>
+        <pc:sldMkLst>
+          <pc:docMk/>
+          <pc:sldMk cId="3934403956" sldId="319"/>
+        </pc:sldMkLst>
+        <pc:spChg chg="mod">
+          <ac:chgData name="Ming-Chih Lin" userId="f1ba3ba5-e185-404b-b55f-b2be90e2bdc2" providerId="ADAL" clId="{F1FA031A-4D31-4AEE-8DCB-44C85EA436EB}" dt="2020-06-01T23:33:40.850" v="940" actId="20577"/>
+          <ac:spMkLst>
+            <pc:docMk/>
+            <pc:sldMk cId="3934403956" sldId="319"/>
+            <ac:spMk id="3" creationId="{E7C3D928-2CE9-4266-A577-F5AA1DFC7CE3}"/>
+          </ac:spMkLst>
+        </pc:spChg>
+      </pc:sldChg>
+      <pc:sldChg chg="modSp add del mod ord">
+        <pc:chgData name="Ming-Chih Lin" userId="f1ba3ba5-e185-404b-b55f-b2be90e2bdc2" providerId="ADAL" clId="{F1FA031A-4D31-4AEE-8DCB-44C85EA436EB}" dt="2020-06-01T23:41:30.159" v="1000" actId="47"/>
+        <pc:sldMkLst>
+          <pc:docMk/>
+          <pc:sldMk cId="816830408" sldId="320"/>
+        </pc:sldMkLst>
+        <pc:spChg chg="mod">
+          <ac:chgData name="Ming-Chih Lin" userId="f1ba3ba5-e185-404b-b55f-b2be90e2bdc2" providerId="ADAL" clId="{F1FA031A-4D31-4AEE-8DCB-44C85EA436EB}" dt="2020-06-01T23:33:58.268" v="959"/>
+          <ac:spMkLst>
+            <pc:docMk/>
+            <pc:sldMk cId="816830408" sldId="320"/>
+            <ac:spMk id="3" creationId="{E7C3D928-2CE9-4266-A577-F5AA1DFC7CE3}"/>
+          </ac:spMkLst>
+        </pc:spChg>
+      </pc:sldChg>
+      <pc:sldChg chg="modSp new del mod">
+        <pc:chgData name="Ming-Chih Lin" userId="f1ba3ba5-e185-404b-b55f-b2be90e2bdc2" providerId="ADAL" clId="{F1FA031A-4D31-4AEE-8DCB-44C85EA436EB}" dt="2020-06-01T23:41:30.159" v="1000" actId="47"/>
+        <pc:sldMkLst>
+          <pc:docMk/>
+          <pc:sldMk cId="137822786" sldId="321"/>
+        </pc:sldMkLst>
+        <pc:spChg chg="mod">
+          <ac:chgData name="Ming-Chih Lin" userId="f1ba3ba5-e185-404b-b55f-b2be90e2bdc2" providerId="ADAL" clId="{F1FA031A-4D31-4AEE-8DCB-44C85EA436EB}" dt="2020-06-01T23:34:47.171" v="993"/>
+          <ac:spMkLst>
+            <pc:docMk/>
+            <pc:sldMk cId="137822786" sldId="321"/>
+            <ac:spMk id="3" creationId="{89E19C31-D323-4099-B1F9-A39ED7CC546B}"/>
+          </ac:spMkLst>
+        </pc:spChg>
+      </pc:sldChg>
+    </pc:docChg>
+  </pc:docChgLst>
+  <pc:docChgLst>
+    <pc:chgData name="Ming-Chih Lin" userId="f1ba3ba5-e185-404b-b55f-b2be90e2bdc2" providerId="ADAL" clId="{98E402EA-33D0-F641-AF53-006C6173E080}"/>
+    <pc:docChg chg="undo custSel modSld">
+      <pc:chgData name="Ming-Chih Lin" userId="f1ba3ba5-e185-404b-b55f-b2be90e2bdc2" providerId="ADAL" clId="{98E402EA-33D0-F641-AF53-006C6173E080}" dt="2020-06-01T06:51:37.326" v="2" actId="1076"/>
+      <pc:docMkLst>
+        <pc:docMk/>
+      </pc:docMkLst>
+      <pc:sldChg chg="modSp">
+        <pc:chgData name="Ming-Chih Lin" userId="f1ba3ba5-e185-404b-b55f-b2be90e2bdc2" providerId="ADAL" clId="{98E402EA-33D0-F641-AF53-006C6173E080}" dt="2020-06-01T06:51:37.326" v="2" actId="1076"/>
+        <pc:sldMkLst>
+          <pc:docMk/>
+          <pc:sldMk cId="679909818" sldId="265"/>
+        </pc:sldMkLst>
+        <pc:spChg chg="mod">
+          <ac:chgData name="Ming-Chih Lin" userId="f1ba3ba5-e185-404b-b55f-b2be90e2bdc2" providerId="ADAL" clId="{98E402EA-33D0-F641-AF53-006C6173E080}" dt="2020-06-01T06:51:37.326" v="2" actId="1076"/>
+          <ac:spMkLst>
+            <pc:docMk/>
+            <pc:sldMk cId="679909818" sldId="265"/>
+            <ac:spMk id="2" creationId="{5F3943C5-BE9F-4BF4-A111-F83F5931DA07}"/>
+          </ac:spMkLst>
+        </pc:spChg>
+      </pc:sldChg>
+    </pc:docChg>
+  </pc:docChgLst>
+  <pc:docChgLst>
+    <pc:chgData name="Ming-Chih Lin" userId="f1ba3ba5-e185-404b-b55f-b2be90e2bdc2" providerId="ADAL" clId="{73C49393-00F6-48C7-99DB-5262FA837701}"/>
+    <pc:docChg chg="custSel addSld delSld modSld">
+      <pc:chgData name="Ming-Chih Lin" userId="f1ba3ba5-e185-404b-b55f-b2be90e2bdc2" providerId="ADAL" clId="{73C49393-00F6-48C7-99DB-5262FA837701}" dt="2020-06-02T00:14:48.542" v="90"/>
+      <pc:docMkLst>
+        <pc:docMk/>
+      </pc:docMkLst>
+      <pc:sldChg chg="addSp delSp modSp mod">
+        <pc:chgData name="Ming-Chih Lin" userId="f1ba3ba5-e185-404b-b55f-b2be90e2bdc2" providerId="ADAL" clId="{73C49393-00F6-48C7-99DB-5262FA837701}" dt="2020-06-02T00:09:55.262" v="3" actId="14100"/>
+        <pc:sldMkLst>
+          <pc:docMk/>
+          <pc:sldMk cId="3437513085" sldId="257"/>
+        </pc:sldMkLst>
+        <pc:spChg chg="mod">
+          <ac:chgData name="Ming-Chih Lin" userId="f1ba3ba5-e185-404b-b55f-b2be90e2bdc2" providerId="ADAL" clId="{73C49393-00F6-48C7-99DB-5262FA837701}" dt="2020-06-02T00:09:55.262" v="3" actId="14100"/>
+          <ac:spMkLst>
+            <pc:docMk/>
+            <pc:sldMk cId="3437513085" sldId="257"/>
+            <ac:spMk id="2" creationId="{F00E360D-5F36-459A-8321-D0EA4C8C73FE}"/>
+          </ac:spMkLst>
+        </pc:spChg>
+        <pc:graphicFrameChg chg="add del mod">
+          <ac:chgData name="Ming-Chih Lin" userId="f1ba3ba5-e185-404b-b55f-b2be90e2bdc2" providerId="ADAL" clId="{73C49393-00F6-48C7-99DB-5262FA837701}" dt="2020-06-02T00:09:49.623" v="1"/>
+          <ac:graphicFrameMkLst>
+            <pc:docMk/>
+            <pc:sldMk cId="3437513085" sldId="257"/>
+            <ac:graphicFrameMk id="4" creationId="{5049B3AE-5EA2-4052-9B86-DD46687ECD81}"/>
+          </ac:graphicFrameMkLst>
+        </pc:graphicFrameChg>
+      </pc:sldChg>
+      <pc:sldChg chg="del">
+        <pc:chgData name="Ming-Chih Lin" userId="f1ba3ba5-e185-404b-b55f-b2be90e2bdc2" providerId="ADAL" clId="{73C49393-00F6-48C7-99DB-5262FA837701}" dt="2020-06-02T00:11:20.397" v="13" actId="47"/>
+        <pc:sldMkLst>
+          <pc:docMk/>
+          <pc:sldMk cId="2773999239" sldId="288"/>
+        </pc:sldMkLst>
+      </pc:sldChg>
+      <pc:sldChg chg="del">
+        <pc:chgData name="Ming-Chih Lin" userId="f1ba3ba5-e185-404b-b55f-b2be90e2bdc2" providerId="ADAL" clId="{73C49393-00F6-48C7-99DB-5262FA837701}" dt="2020-06-02T00:11:20.397" v="13" actId="47"/>
+        <pc:sldMkLst>
+          <pc:docMk/>
+          <pc:sldMk cId="1061609012" sldId="289"/>
+        </pc:sldMkLst>
+      </pc:sldChg>
+      <pc:sldChg chg="del">
+        <pc:chgData name="Ming-Chih Lin" userId="f1ba3ba5-e185-404b-b55f-b2be90e2bdc2" providerId="ADAL" clId="{73C49393-00F6-48C7-99DB-5262FA837701}" dt="2020-06-02T00:11:20.397" v="13" actId="47"/>
+        <pc:sldMkLst>
+          <pc:docMk/>
+          <pc:sldMk cId="1663756997" sldId="290"/>
+        </pc:sldMkLst>
+      </pc:sldChg>
+      <pc:sldChg chg="del">
+        <pc:chgData name="Ming-Chih Lin" userId="f1ba3ba5-e185-404b-b55f-b2be90e2bdc2" providerId="ADAL" clId="{73C49393-00F6-48C7-99DB-5262FA837701}" dt="2020-06-02T00:10:19.448" v="5" actId="47"/>
+        <pc:sldMkLst>
+          <pc:docMk/>
+          <pc:sldMk cId="888648973" sldId="298"/>
+        </pc:sldMkLst>
+      </pc:sldChg>
+      <pc:sldChg chg="del">
+        <pc:chgData name="Ming-Chih Lin" userId="f1ba3ba5-e185-404b-b55f-b2be90e2bdc2" providerId="ADAL" clId="{73C49393-00F6-48C7-99DB-5262FA837701}" dt="2020-06-02T00:11:20.397" v="13" actId="47"/>
+        <pc:sldMkLst>
+          <pc:docMk/>
+          <pc:sldMk cId="101432508" sldId="299"/>
+        </pc:sldMkLst>
+      </pc:sldChg>
+      <pc:sldChg chg="del">
+        <pc:chgData name="Ming-Chih Lin" userId="f1ba3ba5-e185-404b-b55f-b2be90e2bdc2" providerId="ADAL" clId="{73C49393-00F6-48C7-99DB-5262FA837701}" dt="2020-06-02T00:12:16.208" v="16" actId="47"/>
+        <pc:sldMkLst>
+          <pc:docMk/>
+          <pc:sldMk cId="1415465906" sldId="300"/>
+        </pc:sldMkLst>
+      </pc:sldChg>
+      <pc:sldChg chg="del">
+        <pc:chgData name="Ming-Chih Lin" userId="f1ba3ba5-e185-404b-b55f-b2be90e2bdc2" providerId="ADAL" clId="{73C49393-00F6-48C7-99DB-5262FA837701}" dt="2020-06-02T00:12:16.208" v="16" actId="47"/>
+        <pc:sldMkLst>
+          <pc:docMk/>
+          <pc:sldMk cId="1171545912" sldId="301"/>
+        </pc:sldMkLst>
+      </pc:sldChg>
+      <pc:sldChg chg="del">
+        <pc:chgData name="Ming-Chih Lin" userId="f1ba3ba5-e185-404b-b55f-b2be90e2bdc2" providerId="ADAL" clId="{73C49393-00F6-48C7-99DB-5262FA837701}" dt="2020-06-02T00:12:16.208" v="16" actId="47"/>
+        <pc:sldMkLst>
+          <pc:docMk/>
+          <pc:sldMk cId="2002684050" sldId="302"/>
+        </pc:sldMkLst>
+      </pc:sldChg>
+      <pc:sldChg chg="del">
+        <pc:chgData name="Ming-Chih Lin" userId="f1ba3ba5-e185-404b-b55f-b2be90e2bdc2" providerId="ADAL" clId="{73C49393-00F6-48C7-99DB-5262FA837701}" dt="2020-06-02T00:12:16.208" v="16" actId="47"/>
+        <pc:sldMkLst>
+          <pc:docMk/>
+          <pc:sldMk cId="3346354504" sldId="304"/>
+        </pc:sldMkLst>
+      </pc:sldChg>
+      <pc:sldChg chg="del">
+        <pc:chgData name="Ming-Chih Lin" userId="f1ba3ba5-e185-404b-b55f-b2be90e2bdc2" providerId="ADAL" clId="{73C49393-00F6-48C7-99DB-5262FA837701}" dt="2020-06-02T00:12:16.208" v="16" actId="47"/>
+        <pc:sldMkLst>
+          <pc:docMk/>
+          <pc:sldMk cId="1699586139" sldId="305"/>
+        </pc:sldMkLst>
+      </pc:sldChg>
+      <pc:sldChg chg="del">
+        <pc:chgData name="Ming-Chih Lin" userId="f1ba3ba5-e185-404b-b55f-b2be90e2bdc2" providerId="ADAL" clId="{73C49393-00F6-48C7-99DB-5262FA837701}" dt="2020-06-02T00:12:16.208" v="16" actId="47"/>
+        <pc:sldMkLst>
+          <pc:docMk/>
+          <pc:sldMk cId="1220209127" sldId="306"/>
+        </pc:sldMkLst>
+      </pc:sldChg>
+      <pc:sldChg chg="del">
+        <pc:chgData name="Ming-Chih Lin" userId="f1ba3ba5-e185-404b-b55f-b2be90e2bdc2" providerId="ADAL" clId="{73C49393-00F6-48C7-99DB-5262FA837701}" dt="2020-06-02T00:12:16.208" v="16" actId="47"/>
+        <pc:sldMkLst>
+          <pc:docMk/>
+          <pc:sldMk cId="236770104" sldId="307"/>
+        </pc:sldMkLst>
+      </pc:sldChg>
+      <pc:sldChg chg="del">
+        <pc:chgData name="Ming-Chih Lin" userId="f1ba3ba5-e185-404b-b55f-b2be90e2bdc2" providerId="ADAL" clId="{73C49393-00F6-48C7-99DB-5262FA837701}" dt="2020-06-02T00:11:59.394" v="14" actId="47"/>
+        <pc:sldMkLst>
+          <pc:docMk/>
+          <pc:sldMk cId="2022201700" sldId="309"/>
+        </pc:sldMkLst>
+      </pc:sldChg>
+      <pc:sldChg chg="del">
+        <pc:chgData name="Ming-Chih Lin" userId="f1ba3ba5-e185-404b-b55f-b2be90e2bdc2" providerId="ADAL" clId="{73C49393-00F6-48C7-99DB-5262FA837701}" dt="2020-06-02T00:11:59.980" v="15" actId="47"/>
+        <pc:sldMkLst>
+          <pc:docMk/>
+          <pc:sldMk cId="1680955994" sldId="310"/>
+        </pc:sldMkLst>
+      </pc:sldChg>
+      <pc:sldChg chg="del">
+        <pc:chgData name="Ming-Chih Lin" userId="f1ba3ba5-e185-404b-b55f-b2be90e2bdc2" providerId="ADAL" clId="{73C49393-00F6-48C7-99DB-5262FA837701}" dt="2020-06-02T00:12:16.208" v="16" actId="47"/>
+        <pc:sldMkLst>
+          <pc:docMk/>
+          <pc:sldMk cId="1608459360" sldId="313"/>
+        </pc:sldMkLst>
+      </pc:sldChg>
+      <pc:sldChg chg="del">
+        <pc:chgData name="Ming-Chih Lin" userId="f1ba3ba5-e185-404b-b55f-b2be90e2bdc2" providerId="ADAL" clId="{73C49393-00F6-48C7-99DB-5262FA837701}" dt="2020-06-02T00:12:16.208" v="16" actId="47"/>
+        <pc:sldMkLst>
+          <pc:docMk/>
+          <pc:sldMk cId="3053501639" sldId="315"/>
+        </pc:sldMkLst>
+      </pc:sldChg>
+      <pc:sldChg chg="add">
+        <pc:chgData name="Ming-Chih Lin" userId="f1ba3ba5-e185-404b-b55f-b2be90e2bdc2" providerId="ADAL" clId="{73C49393-00F6-48C7-99DB-5262FA837701}" dt="2020-06-02T00:10:18.221" v="4"/>
+        <pc:sldMkLst>
+          <pc:docMk/>
+          <pc:sldMk cId="19629556" sldId="316"/>
+        </pc:sldMkLst>
+      </pc:sldChg>
+      <pc:sldChg chg="addSp delSp modSp add mod">
+        <pc:chgData name="Ming-Chih Lin" userId="f1ba3ba5-e185-404b-b55f-b2be90e2bdc2" providerId="ADAL" clId="{73C49393-00F6-48C7-99DB-5262FA837701}" dt="2020-06-02T00:11:09.974" v="12" actId="1076"/>
+        <pc:sldMkLst>
+          <pc:docMk/>
+          <pc:sldMk cId="497064445" sldId="317"/>
+        </pc:sldMkLst>
+        <pc:picChg chg="add mod">
+          <ac:chgData name="Ming-Chih Lin" userId="f1ba3ba5-e185-404b-b55f-b2be90e2bdc2" providerId="ADAL" clId="{73C49393-00F6-48C7-99DB-5262FA837701}" dt="2020-06-02T00:11:09.974" v="12" actId="1076"/>
+          <ac:picMkLst>
+            <pc:docMk/>
+            <pc:sldMk cId="497064445" sldId="317"/>
+            <ac:picMk id="2" creationId="{24B42EE7-EE76-400D-B513-614BD7A34C4E}"/>
+          </ac:picMkLst>
+        </pc:picChg>
+        <pc:picChg chg="del">
+          <ac:chgData name="Ming-Chih Lin" userId="f1ba3ba5-e185-404b-b55f-b2be90e2bdc2" providerId="ADAL" clId="{73C49393-00F6-48C7-99DB-5262FA837701}" dt="2020-06-02T00:11:00.632" v="6" actId="478"/>
+          <ac:picMkLst>
+            <pc:docMk/>
+            <pc:sldMk cId="497064445" sldId="317"/>
+            <ac:picMk id="9" creationId="{A8797093-BD72-4872-BB27-2A60EE738B76}"/>
+          </ac:picMkLst>
+        </pc:picChg>
+      </pc:sldChg>
+      <pc:sldChg chg="delSp modSp add mod">
+        <pc:chgData name="Ming-Chih Lin" userId="f1ba3ba5-e185-404b-b55f-b2be90e2bdc2" providerId="ADAL" clId="{73C49393-00F6-48C7-99DB-5262FA837701}" dt="2020-06-02T00:14:48.542" v="90"/>
+        <pc:sldMkLst>
+          <pc:docMk/>
+          <pc:sldMk cId="1705629521" sldId="318"/>
+        </pc:sldMkLst>
+        <pc:spChg chg="mod">
+          <ac:chgData name="Ming-Chih Lin" userId="f1ba3ba5-e185-404b-b55f-b2be90e2bdc2" providerId="ADAL" clId="{73C49393-00F6-48C7-99DB-5262FA837701}" dt="2020-06-02T00:14:48.542" v="90"/>
+          <ac:spMkLst>
+            <pc:docMk/>
+            <pc:sldMk cId="1705629521" sldId="318"/>
+            <ac:spMk id="3" creationId="{E7C3D928-2CE9-4266-A577-F5AA1DFC7CE3}"/>
+          </ac:spMkLst>
+        </pc:spChg>
+        <pc:picChg chg="del">
+          <ac:chgData name="Ming-Chih Lin" userId="f1ba3ba5-e185-404b-b55f-b2be90e2bdc2" providerId="ADAL" clId="{73C49393-00F6-48C7-99DB-5262FA837701}" dt="2020-06-02T00:13:26.758" v="34" actId="478"/>
+          <ac:picMkLst>
+            <pc:docMk/>
+            <pc:sldMk cId="1705629521" sldId="318"/>
+            <ac:picMk id="2" creationId="{24B42EE7-EE76-400D-B513-614BD7A34C4E}"/>
+          </ac:picMkLst>
+        </pc:picChg>
+      </pc:sldChg>
+    </pc:docChg>
+  </pc:docChgLst>
+  <pc:docChgLst>
     <pc:chgData name="Ming-Chih" userId="f1ba3ba5-e185-404b-b55f-b2be90e2bdc2" providerId="ADAL" clId="{A2F4D413-9D68-4A8C-9D49-8D8D17D6E9EA}"/>
     <pc:docChg chg="modSld">
       <pc:chgData name="Ming-Chih" userId="f1ba3ba5-e185-404b-b55f-b2be90e2bdc2" providerId="ADAL" clId="{A2F4D413-9D68-4A8C-9D49-8D8D17D6E9EA}" dt="2020-06-14T09:05:44.881" v="27"/>
@@ -251,6 +1265,454 @@
             <pc:docMk/>
             <pc:sldMk cId="4238303372" sldId="331"/>
             <ac:picMk id="2050" creationId="{735C98F0-14F7-4198-877E-5DAFC955B66E}"/>
+          </ac:picMkLst>
+        </pc:picChg>
+      </pc:sldChg>
+    </pc:docChg>
+  </pc:docChgLst>
+  <pc:docChgLst>
+    <pc:chgData name="Ming-Chih Lin" userId="f1ba3ba5-e185-404b-b55f-b2be90e2bdc2" providerId="ADAL" clId="{A2F4D413-9D68-4A8C-9D49-8D8D17D6E9EA}"/>
+    <pc:docChg chg="undo custSel addSld delSld modSld">
+      <pc:chgData name="Ming-Chih Lin" userId="f1ba3ba5-e185-404b-b55f-b2be90e2bdc2" providerId="ADAL" clId="{A2F4D413-9D68-4A8C-9D49-8D8D17D6E9EA}" dt="2020-06-10T00:20:30.216" v="932" actId="20577"/>
+      <pc:docMkLst>
+        <pc:docMk/>
+      </pc:docMkLst>
+      <pc:sldChg chg="modSp mod">
+        <pc:chgData name="Ming-Chih Lin" userId="f1ba3ba5-e185-404b-b55f-b2be90e2bdc2" providerId="ADAL" clId="{A2F4D413-9D68-4A8C-9D49-8D8D17D6E9EA}" dt="2020-06-02T02:27:49.039" v="364"/>
+        <pc:sldMkLst>
+          <pc:docMk/>
+          <pc:sldMk cId="3437513085" sldId="257"/>
+        </pc:sldMkLst>
+        <pc:spChg chg="mod">
+          <ac:chgData name="Ming-Chih Lin" userId="f1ba3ba5-e185-404b-b55f-b2be90e2bdc2" providerId="ADAL" clId="{A2F4D413-9D68-4A8C-9D49-8D8D17D6E9EA}" dt="2020-06-02T02:27:49.039" v="364"/>
+          <ac:spMkLst>
+            <pc:docMk/>
+            <pc:sldMk cId="3437513085" sldId="257"/>
+            <ac:spMk id="2" creationId="{F00E360D-5F36-459A-8321-D0EA4C8C73FE}"/>
+          </ac:spMkLst>
+        </pc:spChg>
+      </pc:sldChg>
+      <pc:sldChg chg="modSp">
+        <pc:chgData name="Ming-Chih Lin" userId="f1ba3ba5-e185-404b-b55f-b2be90e2bdc2" providerId="ADAL" clId="{A2F4D413-9D68-4A8C-9D49-8D8D17D6E9EA}" dt="2020-06-09T00:07:48.742" v="569"/>
+        <pc:sldMkLst>
+          <pc:docMk/>
+          <pc:sldMk cId="929909194" sldId="259"/>
+        </pc:sldMkLst>
+        <pc:spChg chg="mod">
+          <ac:chgData name="Ming-Chih Lin" userId="f1ba3ba5-e185-404b-b55f-b2be90e2bdc2" providerId="ADAL" clId="{A2F4D413-9D68-4A8C-9D49-8D8D17D6E9EA}" dt="2020-06-09T00:07:48.742" v="569"/>
+          <ac:spMkLst>
+            <pc:docMk/>
+            <pc:sldMk cId="929909194" sldId="259"/>
+            <ac:spMk id="4" creationId="{2FA54F75-D405-4104-B6BB-EA44A23A109A}"/>
+          </ac:spMkLst>
+        </pc:spChg>
+      </pc:sldChg>
+      <pc:sldChg chg="del">
+        <pc:chgData name="Ming-Chih Lin" userId="f1ba3ba5-e185-404b-b55f-b2be90e2bdc2" providerId="ADAL" clId="{A2F4D413-9D68-4A8C-9D49-8D8D17D6E9EA}" dt="2020-06-02T00:27:07.254" v="22" actId="47"/>
+        <pc:sldMkLst>
+          <pc:docMk/>
+          <pc:sldMk cId="2189207556" sldId="272"/>
+        </pc:sldMkLst>
+      </pc:sldChg>
+      <pc:sldChg chg="modSp del mod">
+        <pc:chgData name="Ming-Chih Lin" userId="f1ba3ba5-e185-404b-b55f-b2be90e2bdc2" providerId="ADAL" clId="{A2F4D413-9D68-4A8C-9D49-8D8D17D6E9EA}" dt="2020-06-09T00:07:51.820" v="570" actId="47"/>
+        <pc:sldMkLst>
+          <pc:docMk/>
+          <pc:sldMk cId="1266417032" sldId="312"/>
+        </pc:sldMkLst>
+        <pc:spChg chg="mod">
+          <ac:chgData name="Ming-Chih Lin" userId="f1ba3ba5-e185-404b-b55f-b2be90e2bdc2" providerId="ADAL" clId="{A2F4D413-9D68-4A8C-9D49-8D8D17D6E9EA}" dt="2020-06-09T00:07:40.356" v="568"/>
+          <ac:spMkLst>
+            <pc:docMk/>
+            <pc:sldMk cId="1266417032" sldId="312"/>
+            <ac:spMk id="4" creationId="{1854605A-57A1-476A-82F9-537D284E62C2}"/>
+          </ac:spMkLst>
+        </pc:spChg>
+      </pc:sldChg>
+      <pc:sldChg chg="addSp delSp modSp mod">
+        <pc:chgData name="Ming-Chih Lin" userId="f1ba3ba5-e185-404b-b55f-b2be90e2bdc2" providerId="ADAL" clId="{A2F4D413-9D68-4A8C-9D49-8D8D17D6E9EA}" dt="2020-06-03T23:21:19.367" v="366"/>
+        <pc:sldMkLst>
+          <pc:docMk/>
+          <pc:sldMk cId="19629556" sldId="316"/>
+        </pc:sldMkLst>
+        <pc:spChg chg="add del mod">
+          <ac:chgData name="Ming-Chih Lin" userId="f1ba3ba5-e185-404b-b55f-b2be90e2bdc2" providerId="ADAL" clId="{A2F4D413-9D68-4A8C-9D49-8D8D17D6E9EA}" dt="2020-06-03T23:21:19.367" v="366"/>
+          <ac:spMkLst>
+            <pc:docMk/>
+            <pc:sldMk cId="19629556" sldId="316"/>
+            <ac:spMk id="2" creationId="{074084E3-9F0F-403C-AEC4-6E26CC89E30E}"/>
+          </ac:spMkLst>
+        </pc:spChg>
+        <pc:spChg chg="mod">
+          <ac:chgData name="Ming-Chih Lin" userId="f1ba3ba5-e185-404b-b55f-b2be90e2bdc2" providerId="ADAL" clId="{A2F4D413-9D68-4A8C-9D49-8D8D17D6E9EA}" dt="2020-06-02T00:46:14.698" v="98" actId="20577"/>
+          <ac:spMkLst>
+            <pc:docMk/>
+            <pc:sldMk cId="19629556" sldId="316"/>
+            <ac:spMk id="4" creationId="{2FA54F75-D405-4104-B6BB-EA44A23A109A}"/>
+          </ac:spMkLst>
+        </pc:spChg>
+      </pc:sldChg>
+      <pc:sldChg chg="addSp delSp modSp mod chgLayout">
+        <pc:chgData name="Ming-Chih Lin" userId="f1ba3ba5-e185-404b-b55f-b2be90e2bdc2" providerId="ADAL" clId="{A2F4D413-9D68-4A8C-9D49-8D8D17D6E9EA}" dt="2020-06-09T23:42:41.972" v="574" actId="20577"/>
+        <pc:sldMkLst>
+          <pc:docMk/>
+          <pc:sldMk cId="497064445" sldId="317"/>
+        </pc:sldMkLst>
+        <pc:spChg chg="add mod ord">
+          <ac:chgData name="Ming-Chih Lin" userId="f1ba3ba5-e185-404b-b55f-b2be90e2bdc2" providerId="ADAL" clId="{A2F4D413-9D68-4A8C-9D49-8D8D17D6E9EA}" dt="2020-06-09T23:42:41.972" v="574" actId="20577"/>
+          <ac:spMkLst>
+            <pc:docMk/>
+            <pc:sldMk cId="497064445" sldId="317"/>
+            <ac:spMk id="2" creationId="{C6EC18F1-B727-4F93-82E1-0B4E9D62E007}"/>
+          </ac:spMkLst>
+        </pc:spChg>
+        <pc:spChg chg="mod ord">
+          <ac:chgData name="Ming-Chih Lin" userId="f1ba3ba5-e185-404b-b55f-b2be90e2bdc2" providerId="ADAL" clId="{A2F4D413-9D68-4A8C-9D49-8D8D17D6E9EA}" dt="2020-06-02T00:46:39.243" v="141"/>
+          <ac:spMkLst>
+            <pc:docMk/>
+            <pc:sldMk cId="497064445" sldId="317"/>
+            <ac:spMk id="3" creationId="{E7C3D928-2CE9-4266-A577-F5AA1DFC7CE3}"/>
+          </ac:spMkLst>
+        </pc:spChg>
+        <pc:spChg chg="del">
+          <ac:chgData name="Ming-Chih Lin" userId="f1ba3ba5-e185-404b-b55f-b2be90e2bdc2" providerId="ADAL" clId="{A2F4D413-9D68-4A8C-9D49-8D8D17D6E9EA}" dt="2020-06-02T00:26:41.610" v="1" actId="478"/>
+          <ac:spMkLst>
+            <pc:docMk/>
+            <pc:sldMk cId="497064445" sldId="317"/>
+            <ac:spMk id="4" creationId="{FBC0A41D-585A-4773-9922-1FC0601CBFD6}"/>
+          </ac:spMkLst>
+        </pc:spChg>
+        <pc:spChg chg="del">
+          <ac:chgData name="Ming-Chih Lin" userId="f1ba3ba5-e185-404b-b55f-b2be90e2bdc2" providerId="ADAL" clId="{A2F4D413-9D68-4A8C-9D49-8D8D17D6E9EA}" dt="2020-06-02T00:26:42.606" v="2" actId="478"/>
+          <ac:spMkLst>
+            <pc:docMk/>
+            <pc:sldMk cId="497064445" sldId="317"/>
+            <ac:spMk id="5" creationId="{24954B47-98FC-417E-9FE5-CB4B5835EA5D}"/>
+          </ac:spMkLst>
+        </pc:spChg>
+        <pc:picChg chg="del">
+          <ac:chgData name="Ming-Chih Lin" userId="f1ba3ba5-e185-404b-b55f-b2be90e2bdc2" providerId="ADAL" clId="{A2F4D413-9D68-4A8C-9D49-8D8D17D6E9EA}" dt="2020-06-02T00:26:40.141" v="0" actId="478"/>
+          <ac:picMkLst>
+            <pc:docMk/>
+            <pc:sldMk cId="497064445" sldId="317"/>
+            <ac:picMk id="2" creationId="{24B42EE7-EE76-400D-B513-614BD7A34C4E}"/>
+          </ac:picMkLst>
+        </pc:picChg>
+      </pc:sldChg>
+      <pc:sldChg chg="addSp modSp mod chgLayout">
+        <pc:chgData name="Ming-Chih Lin" userId="f1ba3ba5-e185-404b-b55f-b2be90e2bdc2" providerId="ADAL" clId="{A2F4D413-9D68-4A8C-9D49-8D8D17D6E9EA}" dt="2020-06-08T01:13:15.282" v="468" actId="1076"/>
+        <pc:sldMkLst>
+          <pc:docMk/>
+          <pc:sldMk cId="1705629521" sldId="318"/>
+        </pc:sldMkLst>
+        <pc:spChg chg="add mod ord">
+          <ac:chgData name="Ming-Chih Lin" userId="f1ba3ba5-e185-404b-b55f-b2be90e2bdc2" providerId="ADAL" clId="{A2F4D413-9D68-4A8C-9D49-8D8D17D6E9EA}" dt="2020-06-08T01:13:08.784" v="462" actId="14100"/>
+          <ac:spMkLst>
+            <pc:docMk/>
+            <pc:sldMk cId="1705629521" sldId="318"/>
+            <ac:spMk id="2" creationId="{087AAD99-9230-492D-AF59-3E5D0D2387F3}"/>
+          </ac:spMkLst>
+        </pc:spChg>
+        <pc:spChg chg="mod ord">
+          <ac:chgData name="Ming-Chih Lin" userId="f1ba3ba5-e185-404b-b55f-b2be90e2bdc2" providerId="ADAL" clId="{A2F4D413-9D68-4A8C-9D49-8D8D17D6E9EA}" dt="2020-06-02T00:47:05.587" v="154"/>
+          <ac:spMkLst>
+            <pc:docMk/>
+            <pc:sldMk cId="1705629521" sldId="318"/>
+            <ac:spMk id="3" creationId="{E7C3D928-2CE9-4266-A577-F5AA1DFC7CE3}"/>
+          </ac:spMkLst>
+        </pc:spChg>
+        <pc:picChg chg="add mod">
+          <ac:chgData name="Ming-Chih Lin" userId="f1ba3ba5-e185-404b-b55f-b2be90e2bdc2" providerId="ADAL" clId="{A2F4D413-9D68-4A8C-9D49-8D8D17D6E9EA}" dt="2020-06-08T01:13:15.282" v="468" actId="1076"/>
+          <ac:picMkLst>
+            <pc:docMk/>
+            <pc:sldMk cId="1705629521" sldId="318"/>
+            <ac:picMk id="4" creationId="{CF183AA3-D78A-48ED-BD9B-13CF0C45B6C1}"/>
+          </ac:picMkLst>
+        </pc:picChg>
+      </pc:sldChg>
+      <pc:sldChg chg="addSp modSp new mod">
+        <pc:chgData name="Ming-Chih Lin" userId="f1ba3ba5-e185-404b-b55f-b2be90e2bdc2" providerId="ADAL" clId="{A2F4D413-9D68-4A8C-9D49-8D8D17D6E9EA}" dt="2020-06-10T00:20:30.216" v="932" actId="20577"/>
+        <pc:sldMkLst>
+          <pc:docMk/>
+          <pc:sldMk cId="3998885543" sldId="319"/>
+        </pc:sldMkLst>
+        <pc:spChg chg="mod">
+          <ac:chgData name="Ming-Chih Lin" userId="f1ba3ba5-e185-404b-b55f-b2be90e2bdc2" providerId="ADAL" clId="{A2F4D413-9D68-4A8C-9D49-8D8D17D6E9EA}" dt="2020-06-10T00:20:30.216" v="932" actId="20577"/>
+          <ac:spMkLst>
+            <pc:docMk/>
+            <pc:sldMk cId="3998885543" sldId="319"/>
+            <ac:spMk id="2" creationId="{A59C3745-8BBA-4B0D-94D1-714F7F3134D9}"/>
+          </ac:spMkLst>
+        </pc:spChg>
+        <pc:spChg chg="mod">
+          <ac:chgData name="Ming-Chih Lin" userId="f1ba3ba5-e185-404b-b55f-b2be90e2bdc2" providerId="ADAL" clId="{A2F4D413-9D68-4A8C-9D49-8D8D17D6E9EA}" dt="2020-06-02T00:47:19.655" v="169" actId="20577"/>
+          <ac:spMkLst>
+            <pc:docMk/>
+            <pc:sldMk cId="3998885543" sldId="319"/>
+            <ac:spMk id="3" creationId="{CCC4C687-E55C-4A4A-95F8-B91A294097A0}"/>
+          </ac:spMkLst>
+        </pc:spChg>
+        <pc:picChg chg="add mod">
+          <ac:chgData name="Ming-Chih Lin" userId="f1ba3ba5-e185-404b-b55f-b2be90e2bdc2" providerId="ADAL" clId="{A2F4D413-9D68-4A8C-9D49-8D8D17D6E9EA}" dt="2020-06-08T01:12:18.306" v="461" actId="1076"/>
+          <ac:picMkLst>
+            <pc:docMk/>
+            <pc:sldMk cId="3998885543" sldId="319"/>
+            <ac:picMk id="1026" creationId="{824159C6-DBEF-45A9-B522-0DDBCAEB2736}"/>
+          </ac:picMkLst>
+        </pc:picChg>
+      </pc:sldChg>
+      <pc:sldChg chg="addSp modSp add mod">
+        <pc:chgData name="Ming-Chih Lin" userId="f1ba3ba5-e185-404b-b55f-b2be90e2bdc2" providerId="ADAL" clId="{A2F4D413-9D68-4A8C-9D49-8D8D17D6E9EA}" dt="2020-06-08T01:13:46.944" v="472" actId="1076"/>
+        <pc:sldMkLst>
+          <pc:docMk/>
+          <pc:sldMk cId="457455733" sldId="320"/>
+        </pc:sldMkLst>
+        <pc:spChg chg="mod">
+          <ac:chgData name="Ming-Chih Lin" userId="f1ba3ba5-e185-404b-b55f-b2be90e2bdc2" providerId="ADAL" clId="{A2F4D413-9D68-4A8C-9D49-8D8D17D6E9EA}" dt="2020-06-08T01:13:24.138" v="469" actId="14100"/>
+          <ac:spMkLst>
+            <pc:docMk/>
+            <pc:sldMk cId="457455733" sldId="320"/>
+            <ac:spMk id="2" creationId="{A59C3745-8BBA-4B0D-94D1-714F7F3134D9}"/>
+          </ac:spMkLst>
+        </pc:spChg>
+        <pc:spChg chg="mod">
+          <ac:chgData name="Ming-Chih Lin" userId="f1ba3ba5-e185-404b-b55f-b2be90e2bdc2" providerId="ADAL" clId="{A2F4D413-9D68-4A8C-9D49-8D8D17D6E9EA}" dt="2020-06-02T00:47:29.311" v="174" actId="20577"/>
+          <ac:spMkLst>
+            <pc:docMk/>
+            <pc:sldMk cId="457455733" sldId="320"/>
+            <ac:spMk id="3" creationId="{CCC4C687-E55C-4A4A-95F8-B91A294097A0}"/>
+          </ac:spMkLst>
+        </pc:spChg>
+        <pc:picChg chg="add mod">
+          <ac:chgData name="Ming-Chih Lin" userId="f1ba3ba5-e185-404b-b55f-b2be90e2bdc2" providerId="ADAL" clId="{A2F4D413-9D68-4A8C-9D49-8D8D17D6E9EA}" dt="2020-06-08T01:13:46.944" v="472" actId="1076"/>
+          <ac:picMkLst>
+            <pc:docMk/>
+            <pc:sldMk cId="457455733" sldId="320"/>
+            <ac:picMk id="4" creationId="{C85B90C3-A922-45FC-B8CC-4F2763DC71F7}"/>
+          </ac:picMkLst>
+        </pc:picChg>
+      </pc:sldChg>
+      <pc:sldChg chg="addSp modSp add mod">
+        <pc:chgData name="Ming-Chih Lin" userId="f1ba3ba5-e185-404b-b55f-b2be90e2bdc2" providerId="ADAL" clId="{A2F4D413-9D68-4A8C-9D49-8D8D17D6E9EA}" dt="2020-06-08T01:14:54.249" v="481" actId="1076"/>
+        <pc:sldMkLst>
+          <pc:docMk/>
+          <pc:sldMk cId="828158650" sldId="321"/>
+        </pc:sldMkLst>
+        <pc:spChg chg="mod">
+          <ac:chgData name="Ming-Chih Lin" userId="f1ba3ba5-e185-404b-b55f-b2be90e2bdc2" providerId="ADAL" clId="{A2F4D413-9D68-4A8C-9D49-8D8D17D6E9EA}" dt="2020-06-08T01:14:41.983" v="479" actId="20577"/>
+          <ac:spMkLst>
+            <pc:docMk/>
+            <pc:sldMk cId="828158650" sldId="321"/>
+            <ac:spMk id="2" creationId="{A59C3745-8BBA-4B0D-94D1-714F7F3134D9}"/>
+          </ac:spMkLst>
+        </pc:spChg>
+        <pc:spChg chg="mod">
+          <ac:chgData name="Ming-Chih Lin" userId="f1ba3ba5-e185-404b-b55f-b2be90e2bdc2" providerId="ADAL" clId="{A2F4D413-9D68-4A8C-9D49-8D8D17D6E9EA}" dt="2020-06-02T00:50:17.642" v="286"/>
+          <ac:spMkLst>
+            <pc:docMk/>
+            <pc:sldMk cId="828158650" sldId="321"/>
+            <ac:spMk id="3" creationId="{CCC4C687-E55C-4A4A-95F8-B91A294097A0}"/>
+          </ac:spMkLst>
+        </pc:spChg>
+        <pc:picChg chg="add mod">
+          <ac:chgData name="Ming-Chih Lin" userId="f1ba3ba5-e185-404b-b55f-b2be90e2bdc2" providerId="ADAL" clId="{A2F4D413-9D68-4A8C-9D49-8D8D17D6E9EA}" dt="2020-06-08T01:14:54.249" v="481" actId="1076"/>
+          <ac:picMkLst>
+            <pc:docMk/>
+            <pc:sldMk cId="828158650" sldId="321"/>
+            <ac:picMk id="2050" creationId="{2773A1AF-8F04-428F-903E-7C483E44ABA3}"/>
+          </ac:picMkLst>
+        </pc:picChg>
+      </pc:sldChg>
+      <pc:sldChg chg="addSp delSp modSp add del mod">
+        <pc:chgData name="Ming-Chih Lin" userId="f1ba3ba5-e185-404b-b55f-b2be90e2bdc2" providerId="ADAL" clId="{A2F4D413-9D68-4A8C-9D49-8D8D17D6E9EA}" dt="2020-06-02T00:50:08.836" v="271" actId="47"/>
+        <pc:sldMkLst>
+          <pc:docMk/>
+          <pc:sldMk cId="923487966" sldId="322"/>
+        </pc:sldMkLst>
+        <pc:spChg chg="mod">
+          <ac:chgData name="Ming-Chih Lin" userId="f1ba3ba5-e185-404b-b55f-b2be90e2bdc2" providerId="ADAL" clId="{A2F4D413-9D68-4A8C-9D49-8D8D17D6E9EA}" dt="2020-06-02T00:50:03.351" v="268" actId="21"/>
+          <ac:spMkLst>
+            <pc:docMk/>
+            <pc:sldMk cId="923487966" sldId="322"/>
+            <ac:spMk id="2" creationId="{A59C3745-8BBA-4B0D-94D1-714F7F3134D9}"/>
+          </ac:spMkLst>
+        </pc:spChg>
+        <pc:spChg chg="mod">
+          <ac:chgData name="Ming-Chih Lin" userId="f1ba3ba5-e185-404b-b55f-b2be90e2bdc2" providerId="ADAL" clId="{A2F4D413-9D68-4A8C-9D49-8D8D17D6E9EA}" dt="2020-06-02T00:47:50.280" v="185" actId="20577"/>
+          <ac:spMkLst>
+            <pc:docMk/>
+            <pc:sldMk cId="923487966" sldId="322"/>
+            <ac:spMk id="3" creationId="{CCC4C687-E55C-4A4A-95F8-B91A294097A0}"/>
+          </ac:spMkLst>
+        </pc:spChg>
+        <pc:spChg chg="add del mod">
+          <ac:chgData name="Ming-Chih Lin" userId="f1ba3ba5-e185-404b-b55f-b2be90e2bdc2" providerId="ADAL" clId="{A2F4D413-9D68-4A8C-9D49-8D8D17D6E9EA}" dt="2020-06-02T00:45:26.670" v="65"/>
+          <ac:spMkLst>
+            <pc:docMk/>
+            <pc:sldMk cId="923487966" sldId="322"/>
+            <ac:spMk id="4" creationId="{F9C3FB66-CEC5-4253-8563-E70931E29481}"/>
+          </ac:spMkLst>
+        </pc:spChg>
+      </pc:sldChg>
+      <pc:sldChg chg="addSp modSp add mod">
+        <pc:chgData name="Ming-Chih Lin" userId="f1ba3ba5-e185-404b-b55f-b2be90e2bdc2" providerId="ADAL" clId="{A2F4D413-9D68-4A8C-9D49-8D8D17D6E9EA}" dt="2020-06-10T00:18:23.982" v="925"/>
+        <pc:sldMkLst>
+          <pc:docMk/>
+          <pc:sldMk cId="900285283" sldId="323"/>
+        </pc:sldMkLst>
+        <pc:spChg chg="mod">
+          <ac:chgData name="Ming-Chih Lin" userId="f1ba3ba5-e185-404b-b55f-b2be90e2bdc2" providerId="ADAL" clId="{A2F4D413-9D68-4A8C-9D49-8D8D17D6E9EA}" dt="2020-06-10T00:18:23.982" v="925"/>
+          <ac:spMkLst>
+            <pc:docMk/>
+            <pc:sldMk cId="900285283" sldId="323"/>
+            <ac:spMk id="2" creationId="{A59C3745-8BBA-4B0D-94D1-714F7F3134D9}"/>
+          </ac:spMkLst>
+        </pc:spChg>
+        <pc:spChg chg="mod">
+          <ac:chgData name="Ming-Chih Lin" userId="f1ba3ba5-e185-404b-b55f-b2be90e2bdc2" providerId="ADAL" clId="{A2F4D413-9D68-4A8C-9D49-8D8D17D6E9EA}" dt="2020-06-02T00:48:49.455" v="205" actId="20577"/>
+          <ac:spMkLst>
+            <pc:docMk/>
+            <pc:sldMk cId="900285283" sldId="323"/>
+            <ac:spMk id="3" creationId="{CCC4C687-E55C-4A4A-95F8-B91A294097A0}"/>
+          </ac:spMkLst>
+        </pc:spChg>
+        <pc:picChg chg="add mod">
+          <ac:chgData name="Ming-Chih Lin" userId="f1ba3ba5-e185-404b-b55f-b2be90e2bdc2" providerId="ADAL" clId="{A2F4D413-9D68-4A8C-9D49-8D8D17D6E9EA}" dt="2020-06-08T01:16:06.819" v="486" actId="1076"/>
+          <ac:picMkLst>
+            <pc:docMk/>
+            <pc:sldMk cId="900285283" sldId="323"/>
+            <ac:picMk id="4" creationId="{D26499DB-F4B8-4AAB-BEB3-25D1E5A892D9}"/>
+          </ac:picMkLst>
+        </pc:picChg>
+      </pc:sldChg>
+      <pc:sldChg chg="modSp new mod">
+        <pc:chgData name="Ming-Chih Lin" userId="f1ba3ba5-e185-404b-b55f-b2be90e2bdc2" providerId="ADAL" clId="{A2F4D413-9D68-4A8C-9D49-8D8D17D6E9EA}" dt="2020-06-08T01:17:24.202" v="523" actId="5793"/>
+        <pc:sldMkLst>
+          <pc:docMk/>
+          <pc:sldMk cId="2237597951" sldId="324"/>
+        </pc:sldMkLst>
+        <pc:spChg chg="mod">
+          <ac:chgData name="Ming-Chih Lin" userId="f1ba3ba5-e185-404b-b55f-b2be90e2bdc2" providerId="ADAL" clId="{A2F4D413-9D68-4A8C-9D49-8D8D17D6E9EA}" dt="2020-06-08T01:17:24.202" v="523" actId="5793"/>
+          <ac:spMkLst>
+            <pc:docMk/>
+            <pc:sldMk cId="2237597951" sldId="324"/>
+            <ac:spMk id="2" creationId="{63D60E59-8295-4FBC-8527-18F3AB6DF926}"/>
+          </ac:spMkLst>
+        </pc:spChg>
+        <pc:spChg chg="mod">
+          <ac:chgData name="Ming-Chih Lin" userId="f1ba3ba5-e185-404b-b55f-b2be90e2bdc2" providerId="ADAL" clId="{A2F4D413-9D68-4A8C-9D49-8D8D17D6E9EA}" dt="2020-06-02T00:49:25.264" v="267" actId="20577"/>
+          <ac:spMkLst>
+            <pc:docMk/>
+            <pc:sldMk cId="2237597951" sldId="324"/>
+            <ac:spMk id="3" creationId="{01E9C74F-6A6E-4A8E-9D6F-EFD1E01ED27F}"/>
+          </ac:spMkLst>
+        </pc:spChg>
+      </pc:sldChg>
+      <pc:sldChg chg="addSp delSp modSp new mod modClrScheme chgLayout">
+        <pc:chgData name="Ming-Chih Lin" userId="f1ba3ba5-e185-404b-b55f-b2be90e2bdc2" providerId="ADAL" clId="{A2F4D413-9D68-4A8C-9D49-8D8D17D6E9EA}" dt="2020-06-08T01:16:54.283" v="515"/>
+        <pc:sldMkLst>
+          <pc:docMk/>
+          <pc:sldMk cId="3588305012" sldId="325"/>
+        </pc:sldMkLst>
+        <pc:spChg chg="del mod ord">
+          <ac:chgData name="Ming-Chih Lin" userId="f1ba3ba5-e185-404b-b55f-b2be90e2bdc2" providerId="ADAL" clId="{A2F4D413-9D68-4A8C-9D49-8D8D17D6E9EA}" dt="2020-06-03T23:21:25.875" v="368" actId="700"/>
+          <ac:spMkLst>
+            <pc:docMk/>
+            <pc:sldMk cId="3588305012" sldId="325"/>
+            <ac:spMk id="2" creationId="{4644C209-B9B9-4D6D-96BE-4DBA0B40B443}"/>
+          </ac:spMkLst>
+        </pc:spChg>
+        <pc:spChg chg="del">
+          <ac:chgData name="Ming-Chih Lin" userId="f1ba3ba5-e185-404b-b55f-b2be90e2bdc2" providerId="ADAL" clId="{A2F4D413-9D68-4A8C-9D49-8D8D17D6E9EA}" dt="2020-06-03T23:21:25.875" v="368" actId="700"/>
+          <ac:spMkLst>
+            <pc:docMk/>
+            <pc:sldMk cId="3588305012" sldId="325"/>
+            <ac:spMk id="3" creationId="{0D8DE11D-38A0-4BB3-B744-224FEE937DD5}"/>
+          </ac:spMkLst>
+        </pc:spChg>
+        <pc:spChg chg="add mod ord">
+          <ac:chgData name="Ming-Chih Lin" userId="f1ba3ba5-e185-404b-b55f-b2be90e2bdc2" providerId="ADAL" clId="{A2F4D413-9D68-4A8C-9D49-8D8D17D6E9EA}" dt="2020-06-08T01:16:54.283" v="515"/>
+          <ac:spMkLst>
+            <pc:docMk/>
+            <pc:sldMk cId="3588305012" sldId="325"/>
+            <ac:spMk id="4" creationId="{05900390-4521-4DD0-A0B9-842658028B24}"/>
+          </ac:spMkLst>
+        </pc:spChg>
+        <pc:spChg chg="add mod ord">
+          <ac:chgData name="Ming-Chih Lin" userId="f1ba3ba5-e185-404b-b55f-b2be90e2bdc2" providerId="ADAL" clId="{A2F4D413-9D68-4A8C-9D49-8D8D17D6E9EA}" dt="2020-06-03T23:22:24.983" v="388" actId="5793"/>
+          <ac:spMkLst>
+            <pc:docMk/>
+            <pc:sldMk cId="3588305012" sldId="325"/>
+            <ac:spMk id="5" creationId="{65328A84-7038-434A-A756-092BE988ADB7}"/>
+          </ac:spMkLst>
+        </pc:spChg>
+      </pc:sldChg>
+      <pc:sldChg chg="modSp new del mod">
+        <pc:chgData name="Ming-Chih Lin" userId="f1ba3ba5-e185-404b-b55f-b2be90e2bdc2" providerId="ADAL" clId="{A2F4D413-9D68-4A8C-9D49-8D8D17D6E9EA}" dt="2020-06-08T01:17:11.967" v="519" actId="47"/>
+        <pc:sldMkLst>
+          <pc:docMk/>
+          <pc:sldMk cId="3609392111" sldId="326"/>
+        </pc:sldMkLst>
+        <pc:spChg chg="mod">
+          <ac:chgData name="Ming-Chih Lin" userId="f1ba3ba5-e185-404b-b55f-b2be90e2bdc2" providerId="ADAL" clId="{A2F4D413-9D68-4A8C-9D49-8D8D17D6E9EA}" dt="2020-06-08T01:17:09.820" v="518" actId="21"/>
+          <ac:spMkLst>
+            <pc:docMk/>
+            <pc:sldMk cId="3609392111" sldId="326"/>
+            <ac:spMk id="2" creationId="{E9C001BF-EBE2-4C4F-AC91-5B627973CADD}"/>
+          </ac:spMkLst>
+        </pc:spChg>
+      </pc:sldChg>
+      <pc:sldChg chg="modSp add mod">
+        <pc:chgData name="Ming-Chih Lin" userId="f1ba3ba5-e185-404b-b55f-b2be90e2bdc2" providerId="ADAL" clId="{A2F4D413-9D68-4A8C-9D49-8D8D17D6E9EA}" dt="2020-06-08T01:07:13.214" v="446" actId="20577"/>
+        <pc:sldMkLst>
+          <pc:docMk/>
+          <pc:sldMk cId="2181700493" sldId="327"/>
+        </pc:sldMkLst>
+        <pc:spChg chg="mod">
+          <ac:chgData name="Ming-Chih Lin" userId="f1ba3ba5-e185-404b-b55f-b2be90e2bdc2" providerId="ADAL" clId="{A2F4D413-9D68-4A8C-9D49-8D8D17D6E9EA}" dt="2020-06-08T01:07:13.214" v="446" actId="20577"/>
+          <ac:spMkLst>
+            <pc:docMk/>
+            <pc:sldMk cId="2181700493" sldId="327"/>
+            <ac:spMk id="4" creationId="{2FA54F75-D405-4104-B6BB-EA44A23A109A}"/>
+          </ac:spMkLst>
+        </pc:spChg>
+      </pc:sldChg>
+      <pc:sldChg chg="addSp delSp modSp new mod modClrScheme chgLayout">
+        <pc:chgData name="Ming-Chih Lin" userId="f1ba3ba5-e185-404b-b55f-b2be90e2bdc2" providerId="ADAL" clId="{A2F4D413-9D68-4A8C-9D49-8D8D17D6E9EA}" dt="2020-06-08T01:18:16.549" v="528" actId="1076"/>
+        <pc:sldMkLst>
+          <pc:docMk/>
+          <pc:sldMk cId="1721662836" sldId="328"/>
+        </pc:sldMkLst>
+        <pc:spChg chg="del">
+          <ac:chgData name="Ming-Chih Lin" userId="f1ba3ba5-e185-404b-b55f-b2be90e2bdc2" providerId="ADAL" clId="{A2F4D413-9D68-4A8C-9D49-8D8D17D6E9EA}" dt="2020-06-08T01:10:15.629" v="448" actId="700"/>
+          <ac:spMkLst>
+            <pc:docMk/>
+            <pc:sldMk cId="1721662836" sldId="328"/>
+            <ac:spMk id="2" creationId="{C2EC1FAC-B915-4E8B-8538-82169E7B2241}"/>
+          </ac:spMkLst>
+        </pc:spChg>
+        <pc:spChg chg="del">
+          <ac:chgData name="Ming-Chih Lin" userId="f1ba3ba5-e185-404b-b55f-b2be90e2bdc2" providerId="ADAL" clId="{A2F4D413-9D68-4A8C-9D49-8D8D17D6E9EA}" dt="2020-06-08T01:10:15.629" v="448" actId="700"/>
+          <ac:spMkLst>
+            <pc:docMk/>
+            <pc:sldMk cId="1721662836" sldId="328"/>
+            <ac:spMk id="3" creationId="{956B8D67-1CBD-49F6-A7E7-52FAFE56BA4D}"/>
+          </ac:spMkLst>
+        </pc:spChg>
+        <pc:spChg chg="add del mod">
+          <ac:chgData name="Ming-Chih Lin" userId="f1ba3ba5-e185-404b-b55f-b2be90e2bdc2" providerId="ADAL" clId="{A2F4D413-9D68-4A8C-9D49-8D8D17D6E9EA}" dt="2020-06-08T01:18:12.059" v="526" actId="478"/>
+          <ac:spMkLst>
+            <pc:docMk/>
+            <pc:sldMk cId="1721662836" sldId="328"/>
+            <ac:spMk id="4" creationId="{FC7A961F-ED08-40F1-9580-D98DE490D9FE}"/>
+          </ac:spMkLst>
+        </pc:spChg>
+        <pc:picChg chg="add mod">
+          <ac:chgData name="Ming-Chih Lin" userId="f1ba3ba5-e185-404b-b55f-b2be90e2bdc2" providerId="ADAL" clId="{A2F4D413-9D68-4A8C-9D49-8D8D17D6E9EA}" dt="2020-06-08T01:18:16.549" v="528" actId="1076"/>
+          <ac:picMkLst>
+            <pc:docMk/>
+            <pc:sldMk cId="1721662836" sldId="328"/>
+            <ac:picMk id="5" creationId="{1CEC4D29-8869-4612-93DF-6D1EDE350EAF}"/>
           </ac:picMkLst>
         </pc:picChg>
       </pc:sldChg>
@@ -1331,1267 +2793,6 @@
     </pc:docChg>
   </pc:docChgLst>
   <pc:docChgLst>
-    <pc:chgData name="Ming-Chih Lin" userId="f1ba3ba5-e185-404b-b55f-b2be90e2bdc2" providerId="ADAL" clId="{98E402EA-33D0-F641-AF53-006C6173E080}"/>
-    <pc:docChg chg="undo custSel modSld">
-      <pc:chgData name="Ming-Chih Lin" userId="f1ba3ba5-e185-404b-b55f-b2be90e2bdc2" providerId="ADAL" clId="{98E402EA-33D0-F641-AF53-006C6173E080}" dt="2020-06-01T06:51:37.326" v="2" actId="1076"/>
-      <pc:docMkLst>
-        <pc:docMk/>
-      </pc:docMkLst>
-      <pc:sldChg chg="modSp">
-        <pc:chgData name="Ming-Chih Lin" userId="f1ba3ba5-e185-404b-b55f-b2be90e2bdc2" providerId="ADAL" clId="{98E402EA-33D0-F641-AF53-006C6173E080}" dt="2020-06-01T06:51:37.326" v="2" actId="1076"/>
-        <pc:sldMkLst>
-          <pc:docMk/>
-          <pc:sldMk cId="679909818" sldId="265"/>
-        </pc:sldMkLst>
-        <pc:spChg chg="mod">
-          <ac:chgData name="Ming-Chih Lin" userId="f1ba3ba5-e185-404b-b55f-b2be90e2bdc2" providerId="ADAL" clId="{98E402EA-33D0-F641-AF53-006C6173E080}" dt="2020-06-01T06:51:37.326" v="2" actId="1076"/>
-          <ac:spMkLst>
-            <pc:docMk/>
-            <pc:sldMk cId="679909818" sldId="265"/>
-            <ac:spMk id="2" creationId="{5F3943C5-BE9F-4BF4-A111-F83F5931DA07}"/>
-          </ac:spMkLst>
-        </pc:spChg>
-      </pc:sldChg>
-    </pc:docChg>
-  </pc:docChgLst>
-  <pc:docChgLst>
-    <pc:chgData name="Ming-Chih Lin" userId="f1ba3ba5-e185-404b-b55f-b2be90e2bdc2" providerId="ADAL" clId="{A2F4D413-9D68-4A8C-9D49-8D8D17D6E9EA}"/>
-    <pc:docChg chg="undo custSel addSld delSld modSld">
-      <pc:chgData name="Ming-Chih Lin" userId="f1ba3ba5-e185-404b-b55f-b2be90e2bdc2" providerId="ADAL" clId="{A2F4D413-9D68-4A8C-9D49-8D8D17D6E9EA}" dt="2020-06-10T00:20:30.216" v="932" actId="20577"/>
-      <pc:docMkLst>
-        <pc:docMk/>
-      </pc:docMkLst>
-      <pc:sldChg chg="modSp mod">
-        <pc:chgData name="Ming-Chih Lin" userId="f1ba3ba5-e185-404b-b55f-b2be90e2bdc2" providerId="ADAL" clId="{A2F4D413-9D68-4A8C-9D49-8D8D17D6E9EA}" dt="2020-06-02T02:27:49.039" v="364"/>
-        <pc:sldMkLst>
-          <pc:docMk/>
-          <pc:sldMk cId="3437513085" sldId="257"/>
-        </pc:sldMkLst>
-        <pc:spChg chg="mod">
-          <ac:chgData name="Ming-Chih Lin" userId="f1ba3ba5-e185-404b-b55f-b2be90e2bdc2" providerId="ADAL" clId="{A2F4D413-9D68-4A8C-9D49-8D8D17D6E9EA}" dt="2020-06-02T02:27:49.039" v="364"/>
-          <ac:spMkLst>
-            <pc:docMk/>
-            <pc:sldMk cId="3437513085" sldId="257"/>
-            <ac:spMk id="2" creationId="{F00E360D-5F36-459A-8321-D0EA4C8C73FE}"/>
-          </ac:spMkLst>
-        </pc:spChg>
-      </pc:sldChg>
-      <pc:sldChg chg="modSp">
-        <pc:chgData name="Ming-Chih Lin" userId="f1ba3ba5-e185-404b-b55f-b2be90e2bdc2" providerId="ADAL" clId="{A2F4D413-9D68-4A8C-9D49-8D8D17D6E9EA}" dt="2020-06-09T00:07:48.742" v="569"/>
-        <pc:sldMkLst>
-          <pc:docMk/>
-          <pc:sldMk cId="929909194" sldId="259"/>
-        </pc:sldMkLst>
-        <pc:spChg chg="mod">
-          <ac:chgData name="Ming-Chih Lin" userId="f1ba3ba5-e185-404b-b55f-b2be90e2bdc2" providerId="ADAL" clId="{A2F4D413-9D68-4A8C-9D49-8D8D17D6E9EA}" dt="2020-06-09T00:07:48.742" v="569"/>
-          <ac:spMkLst>
-            <pc:docMk/>
-            <pc:sldMk cId="929909194" sldId="259"/>
-            <ac:spMk id="4" creationId="{2FA54F75-D405-4104-B6BB-EA44A23A109A}"/>
-          </ac:spMkLst>
-        </pc:spChg>
-      </pc:sldChg>
-      <pc:sldChg chg="del">
-        <pc:chgData name="Ming-Chih Lin" userId="f1ba3ba5-e185-404b-b55f-b2be90e2bdc2" providerId="ADAL" clId="{A2F4D413-9D68-4A8C-9D49-8D8D17D6E9EA}" dt="2020-06-02T00:27:07.254" v="22" actId="47"/>
-        <pc:sldMkLst>
-          <pc:docMk/>
-          <pc:sldMk cId="2189207556" sldId="272"/>
-        </pc:sldMkLst>
-      </pc:sldChg>
-      <pc:sldChg chg="modSp del mod">
-        <pc:chgData name="Ming-Chih Lin" userId="f1ba3ba5-e185-404b-b55f-b2be90e2bdc2" providerId="ADAL" clId="{A2F4D413-9D68-4A8C-9D49-8D8D17D6E9EA}" dt="2020-06-09T00:07:51.820" v="570" actId="47"/>
-        <pc:sldMkLst>
-          <pc:docMk/>
-          <pc:sldMk cId="1266417032" sldId="312"/>
-        </pc:sldMkLst>
-        <pc:spChg chg="mod">
-          <ac:chgData name="Ming-Chih Lin" userId="f1ba3ba5-e185-404b-b55f-b2be90e2bdc2" providerId="ADAL" clId="{A2F4D413-9D68-4A8C-9D49-8D8D17D6E9EA}" dt="2020-06-09T00:07:40.356" v="568"/>
-          <ac:spMkLst>
-            <pc:docMk/>
-            <pc:sldMk cId="1266417032" sldId="312"/>
-            <ac:spMk id="4" creationId="{1854605A-57A1-476A-82F9-537D284E62C2}"/>
-          </ac:spMkLst>
-        </pc:spChg>
-      </pc:sldChg>
-      <pc:sldChg chg="addSp delSp modSp mod">
-        <pc:chgData name="Ming-Chih Lin" userId="f1ba3ba5-e185-404b-b55f-b2be90e2bdc2" providerId="ADAL" clId="{A2F4D413-9D68-4A8C-9D49-8D8D17D6E9EA}" dt="2020-06-03T23:21:19.367" v="366"/>
-        <pc:sldMkLst>
-          <pc:docMk/>
-          <pc:sldMk cId="19629556" sldId="316"/>
-        </pc:sldMkLst>
-        <pc:spChg chg="add del mod">
-          <ac:chgData name="Ming-Chih Lin" userId="f1ba3ba5-e185-404b-b55f-b2be90e2bdc2" providerId="ADAL" clId="{A2F4D413-9D68-4A8C-9D49-8D8D17D6E9EA}" dt="2020-06-03T23:21:19.367" v="366"/>
-          <ac:spMkLst>
-            <pc:docMk/>
-            <pc:sldMk cId="19629556" sldId="316"/>
-            <ac:spMk id="2" creationId="{074084E3-9F0F-403C-AEC4-6E26CC89E30E}"/>
-          </ac:spMkLst>
-        </pc:spChg>
-        <pc:spChg chg="mod">
-          <ac:chgData name="Ming-Chih Lin" userId="f1ba3ba5-e185-404b-b55f-b2be90e2bdc2" providerId="ADAL" clId="{A2F4D413-9D68-4A8C-9D49-8D8D17D6E9EA}" dt="2020-06-02T00:46:14.698" v="98" actId="20577"/>
-          <ac:spMkLst>
-            <pc:docMk/>
-            <pc:sldMk cId="19629556" sldId="316"/>
-            <ac:spMk id="4" creationId="{2FA54F75-D405-4104-B6BB-EA44A23A109A}"/>
-          </ac:spMkLst>
-        </pc:spChg>
-      </pc:sldChg>
-      <pc:sldChg chg="addSp delSp modSp mod chgLayout">
-        <pc:chgData name="Ming-Chih Lin" userId="f1ba3ba5-e185-404b-b55f-b2be90e2bdc2" providerId="ADAL" clId="{A2F4D413-9D68-4A8C-9D49-8D8D17D6E9EA}" dt="2020-06-09T23:42:41.972" v="574" actId="20577"/>
-        <pc:sldMkLst>
-          <pc:docMk/>
-          <pc:sldMk cId="497064445" sldId="317"/>
-        </pc:sldMkLst>
-        <pc:spChg chg="add mod ord">
-          <ac:chgData name="Ming-Chih Lin" userId="f1ba3ba5-e185-404b-b55f-b2be90e2bdc2" providerId="ADAL" clId="{A2F4D413-9D68-4A8C-9D49-8D8D17D6E9EA}" dt="2020-06-09T23:42:41.972" v="574" actId="20577"/>
-          <ac:spMkLst>
-            <pc:docMk/>
-            <pc:sldMk cId="497064445" sldId="317"/>
-            <ac:spMk id="2" creationId="{C6EC18F1-B727-4F93-82E1-0B4E9D62E007}"/>
-          </ac:spMkLst>
-        </pc:spChg>
-        <pc:spChg chg="mod ord">
-          <ac:chgData name="Ming-Chih Lin" userId="f1ba3ba5-e185-404b-b55f-b2be90e2bdc2" providerId="ADAL" clId="{A2F4D413-9D68-4A8C-9D49-8D8D17D6E9EA}" dt="2020-06-02T00:46:39.243" v="141"/>
-          <ac:spMkLst>
-            <pc:docMk/>
-            <pc:sldMk cId="497064445" sldId="317"/>
-            <ac:spMk id="3" creationId="{E7C3D928-2CE9-4266-A577-F5AA1DFC7CE3}"/>
-          </ac:spMkLst>
-        </pc:spChg>
-        <pc:spChg chg="del">
-          <ac:chgData name="Ming-Chih Lin" userId="f1ba3ba5-e185-404b-b55f-b2be90e2bdc2" providerId="ADAL" clId="{A2F4D413-9D68-4A8C-9D49-8D8D17D6E9EA}" dt="2020-06-02T00:26:41.610" v="1" actId="478"/>
-          <ac:spMkLst>
-            <pc:docMk/>
-            <pc:sldMk cId="497064445" sldId="317"/>
-            <ac:spMk id="4" creationId="{FBC0A41D-585A-4773-9922-1FC0601CBFD6}"/>
-          </ac:spMkLst>
-        </pc:spChg>
-        <pc:spChg chg="del">
-          <ac:chgData name="Ming-Chih Lin" userId="f1ba3ba5-e185-404b-b55f-b2be90e2bdc2" providerId="ADAL" clId="{A2F4D413-9D68-4A8C-9D49-8D8D17D6E9EA}" dt="2020-06-02T00:26:42.606" v="2" actId="478"/>
-          <ac:spMkLst>
-            <pc:docMk/>
-            <pc:sldMk cId="497064445" sldId="317"/>
-            <ac:spMk id="5" creationId="{24954B47-98FC-417E-9FE5-CB4B5835EA5D}"/>
-          </ac:spMkLst>
-        </pc:spChg>
-        <pc:picChg chg="del">
-          <ac:chgData name="Ming-Chih Lin" userId="f1ba3ba5-e185-404b-b55f-b2be90e2bdc2" providerId="ADAL" clId="{A2F4D413-9D68-4A8C-9D49-8D8D17D6E9EA}" dt="2020-06-02T00:26:40.141" v="0" actId="478"/>
-          <ac:picMkLst>
-            <pc:docMk/>
-            <pc:sldMk cId="497064445" sldId="317"/>
-            <ac:picMk id="2" creationId="{24B42EE7-EE76-400D-B513-614BD7A34C4E}"/>
-          </ac:picMkLst>
-        </pc:picChg>
-      </pc:sldChg>
-      <pc:sldChg chg="addSp modSp mod chgLayout">
-        <pc:chgData name="Ming-Chih Lin" userId="f1ba3ba5-e185-404b-b55f-b2be90e2bdc2" providerId="ADAL" clId="{A2F4D413-9D68-4A8C-9D49-8D8D17D6E9EA}" dt="2020-06-08T01:13:15.282" v="468" actId="1076"/>
-        <pc:sldMkLst>
-          <pc:docMk/>
-          <pc:sldMk cId="1705629521" sldId="318"/>
-        </pc:sldMkLst>
-        <pc:spChg chg="add mod ord">
-          <ac:chgData name="Ming-Chih Lin" userId="f1ba3ba5-e185-404b-b55f-b2be90e2bdc2" providerId="ADAL" clId="{A2F4D413-9D68-4A8C-9D49-8D8D17D6E9EA}" dt="2020-06-08T01:13:08.784" v="462" actId="14100"/>
-          <ac:spMkLst>
-            <pc:docMk/>
-            <pc:sldMk cId="1705629521" sldId="318"/>
-            <ac:spMk id="2" creationId="{087AAD99-9230-492D-AF59-3E5D0D2387F3}"/>
-          </ac:spMkLst>
-        </pc:spChg>
-        <pc:spChg chg="mod ord">
-          <ac:chgData name="Ming-Chih Lin" userId="f1ba3ba5-e185-404b-b55f-b2be90e2bdc2" providerId="ADAL" clId="{A2F4D413-9D68-4A8C-9D49-8D8D17D6E9EA}" dt="2020-06-02T00:47:05.587" v="154"/>
-          <ac:spMkLst>
-            <pc:docMk/>
-            <pc:sldMk cId="1705629521" sldId="318"/>
-            <ac:spMk id="3" creationId="{E7C3D928-2CE9-4266-A577-F5AA1DFC7CE3}"/>
-          </ac:spMkLst>
-        </pc:spChg>
-        <pc:picChg chg="add mod">
-          <ac:chgData name="Ming-Chih Lin" userId="f1ba3ba5-e185-404b-b55f-b2be90e2bdc2" providerId="ADAL" clId="{A2F4D413-9D68-4A8C-9D49-8D8D17D6E9EA}" dt="2020-06-08T01:13:15.282" v="468" actId="1076"/>
-          <ac:picMkLst>
-            <pc:docMk/>
-            <pc:sldMk cId="1705629521" sldId="318"/>
-            <ac:picMk id="4" creationId="{CF183AA3-D78A-48ED-BD9B-13CF0C45B6C1}"/>
-          </ac:picMkLst>
-        </pc:picChg>
-      </pc:sldChg>
-      <pc:sldChg chg="addSp modSp new mod">
-        <pc:chgData name="Ming-Chih Lin" userId="f1ba3ba5-e185-404b-b55f-b2be90e2bdc2" providerId="ADAL" clId="{A2F4D413-9D68-4A8C-9D49-8D8D17D6E9EA}" dt="2020-06-10T00:20:30.216" v="932" actId="20577"/>
-        <pc:sldMkLst>
-          <pc:docMk/>
-          <pc:sldMk cId="3998885543" sldId="319"/>
-        </pc:sldMkLst>
-        <pc:spChg chg="mod">
-          <ac:chgData name="Ming-Chih Lin" userId="f1ba3ba5-e185-404b-b55f-b2be90e2bdc2" providerId="ADAL" clId="{A2F4D413-9D68-4A8C-9D49-8D8D17D6E9EA}" dt="2020-06-10T00:20:30.216" v="932" actId="20577"/>
-          <ac:spMkLst>
-            <pc:docMk/>
-            <pc:sldMk cId="3998885543" sldId="319"/>
-            <ac:spMk id="2" creationId="{A59C3745-8BBA-4B0D-94D1-714F7F3134D9}"/>
-          </ac:spMkLst>
-        </pc:spChg>
-        <pc:spChg chg="mod">
-          <ac:chgData name="Ming-Chih Lin" userId="f1ba3ba5-e185-404b-b55f-b2be90e2bdc2" providerId="ADAL" clId="{A2F4D413-9D68-4A8C-9D49-8D8D17D6E9EA}" dt="2020-06-02T00:47:19.655" v="169" actId="20577"/>
-          <ac:spMkLst>
-            <pc:docMk/>
-            <pc:sldMk cId="3998885543" sldId="319"/>
-            <ac:spMk id="3" creationId="{CCC4C687-E55C-4A4A-95F8-B91A294097A0}"/>
-          </ac:spMkLst>
-        </pc:spChg>
-        <pc:picChg chg="add mod">
-          <ac:chgData name="Ming-Chih Lin" userId="f1ba3ba5-e185-404b-b55f-b2be90e2bdc2" providerId="ADAL" clId="{A2F4D413-9D68-4A8C-9D49-8D8D17D6E9EA}" dt="2020-06-08T01:12:18.306" v="461" actId="1076"/>
-          <ac:picMkLst>
-            <pc:docMk/>
-            <pc:sldMk cId="3998885543" sldId="319"/>
-            <ac:picMk id="1026" creationId="{824159C6-DBEF-45A9-B522-0DDBCAEB2736}"/>
-          </ac:picMkLst>
-        </pc:picChg>
-      </pc:sldChg>
-      <pc:sldChg chg="addSp modSp add mod">
-        <pc:chgData name="Ming-Chih Lin" userId="f1ba3ba5-e185-404b-b55f-b2be90e2bdc2" providerId="ADAL" clId="{A2F4D413-9D68-4A8C-9D49-8D8D17D6E9EA}" dt="2020-06-08T01:13:46.944" v="472" actId="1076"/>
-        <pc:sldMkLst>
-          <pc:docMk/>
-          <pc:sldMk cId="457455733" sldId="320"/>
-        </pc:sldMkLst>
-        <pc:spChg chg="mod">
-          <ac:chgData name="Ming-Chih Lin" userId="f1ba3ba5-e185-404b-b55f-b2be90e2bdc2" providerId="ADAL" clId="{A2F4D413-9D68-4A8C-9D49-8D8D17D6E9EA}" dt="2020-06-08T01:13:24.138" v="469" actId="14100"/>
-          <ac:spMkLst>
-            <pc:docMk/>
-            <pc:sldMk cId="457455733" sldId="320"/>
-            <ac:spMk id="2" creationId="{A59C3745-8BBA-4B0D-94D1-714F7F3134D9}"/>
-          </ac:spMkLst>
-        </pc:spChg>
-        <pc:spChg chg="mod">
-          <ac:chgData name="Ming-Chih Lin" userId="f1ba3ba5-e185-404b-b55f-b2be90e2bdc2" providerId="ADAL" clId="{A2F4D413-9D68-4A8C-9D49-8D8D17D6E9EA}" dt="2020-06-02T00:47:29.311" v="174" actId="20577"/>
-          <ac:spMkLst>
-            <pc:docMk/>
-            <pc:sldMk cId="457455733" sldId="320"/>
-            <ac:spMk id="3" creationId="{CCC4C687-E55C-4A4A-95F8-B91A294097A0}"/>
-          </ac:spMkLst>
-        </pc:spChg>
-        <pc:picChg chg="add mod">
-          <ac:chgData name="Ming-Chih Lin" userId="f1ba3ba5-e185-404b-b55f-b2be90e2bdc2" providerId="ADAL" clId="{A2F4D413-9D68-4A8C-9D49-8D8D17D6E9EA}" dt="2020-06-08T01:13:46.944" v="472" actId="1076"/>
-          <ac:picMkLst>
-            <pc:docMk/>
-            <pc:sldMk cId="457455733" sldId="320"/>
-            <ac:picMk id="4" creationId="{C85B90C3-A922-45FC-B8CC-4F2763DC71F7}"/>
-          </ac:picMkLst>
-        </pc:picChg>
-      </pc:sldChg>
-      <pc:sldChg chg="addSp modSp add mod">
-        <pc:chgData name="Ming-Chih Lin" userId="f1ba3ba5-e185-404b-b55f-b2be90e2bdc2" providerId="ADAL" clId="{A2F4D413-9D68-4A8C-9D49-8D8D17D6E9EA}" dt="2020-06-08T01:14:54.249" v="481" actId="1076"/>
-        <pc:sldMkLst>
-          <pc:docMk/>
-          <pc:sldMk cId="828158650" sldId="321"/>
-        </pc:sldMkLst>
-        <pc:spChg chg="mod">
-          <ac:chgData name="Ming-Chih Lin" userId="f1ba3ba5-e185-404b-b55f-b2be90e2bdc2" providerId="ADAL" clId="{A2F4D413-9D68-4A8C-9D49-8D8D17D6E9EA}" dt="2020-06-08T01:14:41.983" v="479" actId="20577"/>
-          <ac:spMkLst>
-            <pc:docMk/>
-            <pc:sldMk cId="828158650" sldId="321"/>
-            <ac:spMk id="2" creationId="{A59C3745-8BBA-4B0D-94D1-714F7F3134D9}"/>
-          </ac:spMkLst>
-        </pc:spChg>
-        <pc:spChg chg="mod">
-          <ac:chgData name="Ming-Chih Lin" userId="f1ba3ba5-e185-404b-b55f-b2be90e2bdc2" providerId="ADAL" clId="{A2F4D413-9D68-4A8C-9D49-8D8D17D6E9EA}" dt="2020-06-02T00:50:17.642" v="286"/>
-          <ac:spMkLst>
-            <pc:docMk/>
-            <pc:sldMk cId="828158650" sldId="321"/>
-            <ac:spMk id="3" creationId="{CCC4C687-E55C-4A4A-95F8-B91A294097A0}"/>
-          </ac:spMkLst>
-        </pc:spChg>
-        <pc:picChg chg="add mod">
-          <ac:chgData name="Ming-Chih Lin" userId="f1ba3ba5-e185-404b-b55f-b2be90e2bdc2" providerId="ADAL" clId="{A2F4D413-9D68-4A8C-9D49-8D8D17D6E9EA}" dt="2020-06-08T01:14:54.249" v="481" actId="1076"/>
-          <ac:picMkLst>
-            <pc:docMk/>
-            <pc:sldMk cId="828158650" sldId="321"/>
-            <ac:picMk id="2050" creationId="{2773A1AF-8F04-428F-903E-7C483E44ABA3}"/>
-          </ac:picMkLst>
-        </pc:picChg>
-      </pc:sldChg>
-      <pc:sldChg chg="addSp delSp modSp add del mod">
-        <pc:chgData name="Ming-Chih Lin" userId="f1ba3ba5-e185-404b-b55f-b2be90e2bdc2" providerId="ADAL" clId="{A2F4D413-9D68-4A8C-9D49-8D8D17D6E9EA}" dt="2020-06-02T00:50:08.836" v="271" actId="47"/>
-        <pc:sldMkLst>
-          <pc:docMk/>
-          <pc:sldMk cId="923487966" sldId="322"/>
-        </pc:sldMkLst>
-        <pc:spChg chg="mod">
-          <ac:chgData name="Ming-Chih Lin" userId="f1ba3ba5-e185-404b-b55f-b2be90e2bdc2" providerId="ADAL" clId="{A2F4D413-9D68-4A8C-9D49-8D8D17D6E9EA}" dt="2020-06-02T00:50:03.351" v="268" actId="21"/>
-          <ac:spMkLst>
-            <pc:docMk/>
-            <pc:sldMk cId="923487966" sldId="322"/>
-            <ac:spMk id="2" creationId="{A59C3745-8BBA-4B0D-94D1-714F7F3134D9}"/>
-          </ac:spMkLst>
-        </pc:spChg>
-        <pc:spChg chg="mod">
-          <ac:chgData name="Ming-Chih Lin" userId="f1ba3ba5-e185-404b-b55f-b2be90e2bdc2" providerId="ADAL" clId="{A2F4D413-9D68-4A8C-9D49-8D8D17D6E9EA}" dt="2020-06-02T00:47:50.280" v="185" actId="20577"/>
-          <ac:spMkLst>
-            <pc:docMk/>
-            <pc:sldMk cId="923487966" sldId="322"/>
-            <ac:spMk id="3" creationId="{CCC4C687-E55C-4A4A-95F8-B91A294097A0}"/>
-          </ac:spMkLst>
-        </pc:spChg>
-        <pc:spChg chg="add del mod">
-          <ac:chgData name="Ming-Chih Lin" userId="f1ba3ba5-e185-404b-b55f-b2be90e2bdc2" providerId="ADAL" clId="{A2F4D413-9D68-4A8C-9D49-8D8D17D6E9EA}" dt="2020-06-02T00:45:26.670" v="65"/>
-          <ac:spMkLst>
-            <pc:docMk/>
-            <pc:sldMk cId="923487966" sldId="322"/>
-            <ac:spMk id="4" creationId="{F9C3FB66-CEC5-4253-8563-E70931E29481}"/>
-          </ac:spMkLst>
-        </pc:spChg>
-      </pc:sldChg>
-      <pc:sldChg chg="addSp modSp add mod">
-        <pc:chgData name="Ming-Chih Lin" userId="f1ba3ba5-e185-404b-b55f-b2be90e2bdc2" providerId="ADAL" clId="{A2F4D413-9D68-4A8C-9D49-8D8D17D6E9EA}" dt="2020-06-10T00:18:23.982" v="925"/>
-        <pc:sldMkLst>
-          <pc:docMk/>
-          <pc:sldMk cId="900285283" sldId="323"/>
-        </pc:sldMkLst>
-        <pc:spChg chg="mod">
-          <ac:chgData name="Ming-Chih Lin" userId="f1ba3ba5-e185-404b-b55f-b2be90e2bdc2" providerId="ADAL" clId="{A2F4D413-9D68-4A8C-9D49-8D8D17D6E9EA}" dt="2020-06-10T00:18:23.982" v="925"/>
-          <ac:spMkLst>
-            <pc:docMk/>
-            <pc:sldMk cId="900285283" sldId="323"/>
-            <ac:spMk id="2" creationId="{A59C3745-8BBA-4B0D-94D1-714F7F3134D9}"/>
-          </ac:spMkLst>
-        </pc:spChg>
-        <pc:spChg chg="mod">
-          <ac:chgData name="Ming-Chih Lin" userId="f1ba3ba5-e185-404b-b55f-b2be90e2bdc2" providerId="ADAL" clId="{A2F4D413-9D68-4A8C-9D49-8D8D17D6E9EA}" dt="2020-06-02T00:48:49.455" v="205" actId="20577"/>
-          <ac:spMkLst>
-            <pc:docMk/>
-            <pc:sldMk cId="900285283" sldId="323"/>
-            <ac:spMk id="3" creationId="{CCC4C687-E55C-4A4A-95F8-B91A294097A0}"/>
-          </ac:spMkLst>
-        </pc:spChg>
-        <pc:picChg chg="add mod">
-          <ac:chgData name="Ming-Chih Lin" userId="f1ba3ba5-e185-404b-b55f-b2be90e2bdc2" providerId="ADAL" clId="{A2F4D413-9D68-4A8C-9D49-8D8D17D6E9EA}" dt="2020-06-08T01:16:06.819" v="486" actId="1076"/>
-          <ac:picMkLst>
-            <pc:docMk/>
-            <pc:sldMk cId="900285283" sldId="323"/>
-            <ac:picMk id="4" creationId="{D26499DB-F4B8-4AAB-BEB3-25D1E5A892D9}"/>
-          </ac:picMkLst>
-        </pc:picChg>
-      </pc:sldChg>
-      <pc:sldChg chg="modSp new mod">
-        <pc:chgData name="Ming-Chih Lin" userId="f1ba3ba5-e185-404b-b55f-b2be90e2bdc2" providerId="ADAL" clId="{A2F4D413-9D68-4A8C-9D49-8D8D17D6E9EA}" dt="2020-06-08T01:17:24.202" v="523" actId="5793"/>
-        <pc:sldMkLst>
-          <pc:docMk/>
-          <pc:sldMk cId="2237597951" sldId="324"/>
-        </pc:sldMkLst>
-        <pc:spChg chg="mod">
-          <ac:chgData name="Ming-Chih Lin" userId="f1ba3ba5-e185-404b-b55f-b2be90e2bdc2" providerId="ADAL" clId="{A2F4D413-9D68-4A8C-9D49-8D8D17D6E9EA}" dt="2020-06-08T01:17:24.202" v="523" actId="5793"/>
-          <ac:spMkLst>
-            <pc:docMk/>
-            <pc:sldMk cId="2237597951" sldId="324"/>
-            <ac:spMk id="2" creationId="{63D60E59-8295-4FBC-8527-18F3AB6DF926}"/>
-          </ac:spMkLst>
-        </pc:spChg>
-        <pc:spChg chg="mod">
-          <ac:chgData name="Ming-Chih Lin" userId="f1ba3ba5-e185-404b-b55f-b2be90e2bdc2" providerId="ADAL" clId="{A2F4D413-9D68-4A8C-9D49-8D8D17D6E9EA}" dt="2020-06-02T00:49:25.264" v="267" actId="20577"/>
-          <ac:spMkLst>
-            <pc:docMk/>
-            <pc:sldMk cId="2237597951" sldId="324"/>
-            <ac:spMk id="3" creationId="{01E9C74F-6A6E-4A8E-9D6F-EFD1E01ED27F}"/>
-          </ac:spMkLst>
-        </pc:spChg>
-      </pc:sldChg>
-      <pc:sldChg chg="addSp delSp modSp new mod modClrScheme chgLayout">
-        <pc:chgData name="Ming-Chih Lin" userId="f1ba3ba5-e185-404b-b55f-b2be90e2bdc2" providerId="ADAL" clId="{A2F4D413-9D68-4A8C-9D49-8D8D17D6E9EA}" dt="2020-06-08T01:16:54.283" v="515"/>
-        <pc:sldMkLst>
-          <pc:docMk/>
-          <pc:sldMk cId="3588305012" sldId="325"/>
-        </pc:sldMkLst>
-        <pc:spChg chg="del mod ord">
-          <ac:chgData name="Ming-Chih Lin" userId="f1ba3ba5-e185-404b-b55f-b2be90e2bdc2" providerId="ADAL" clId="{A2F4D413-9D68-4A8C-9D49-8D8D17D6E9EA}" dt="2020-06-03T23:21:25.875" v="368" actId="700"/>
-          <ac:spMkLst>
-            <pc:docMk/>
-            <pc:sldMk cId="3588305012" sldId="325"/>
-            <ac:spMk id="2" creationId="{4644C209-B9B9-4D6D-96BE-4DBA0B40B443}"/>
-          </ac:spMkLst>
-        </pc:spChg>
-        <pc:spChg chg="del">
-          <ac:chgData name="Ming-Chih Lin" userId="f1ba3ba5-e185-404b-b55f-b2be90e2bdc2" providerId="ADAL" clId="{A2F4D413-9D68-4A8C-9D49-8D8D17D6E9EA}" dt="2020-06-03T23:21:25.875" v="368" actId="700"/>
-          <ac:spMkLst>
-            <pc:docMk/>
-            <pc:sldMk cId="3588305012" sldId="325"/>
-            <ac:spMk id="3" creationId="{0D8DE11D-38A0-4BB3-B744-224FEE937DD5}"/>
-          </ac:spMkLst>
-        </pc:spChg>
-        <pc:spChg chg="add mod ord">
-          <ac:chgData name="Ming-Chih Lin" userId="f1ba3ba5-e185-404b-b55f-b2be90e2bdc2" providerId="ADAL" clId="{A2F4D413-9D68-4A8C-9D49-8D8D17D6E9EA}" dt="2020-06-08T01:16:54.283" v="515"/>
-          <ac:spMkLst>
-            <pc:docMk/>
-            <pc:sldMk cId="3588305012" sldId="325"/>
-            <ac:spMk id="4" creationId="{05900390-4521-4DD0-A0B9-842658028B24}"/>
-          </ac:spMkLst>
-        </pc:spChg>
-        <pc:spChg chg="add mod ord">
-          <ac:chgData name="Ming-Chih Lin" userId="f1ba3ba5-e185-404b-b55f-b2be90e2bdc2" providerId="ADAL" clId="{A2F4D413-9D68-4A8C-9D49-8D8D17D6E9EA}" dt="2020-06-03T23:22:24.983" v="388" actId="5793"/>
-          <ac:spMkLst>
-            <pc:docMk/>
-            <pc:sldMk cId="3588305012" sldId="325"/>
-            <ac:spMk id="5" creationId="{65328A84-7038-434A-A756-092BE988ADB7}"/>
-          </ac:spMkLst>
-        </pc:spChg>
-      </pc:sldChg>
-      <pc:sldChg chg="modSp new del mod">
-        <pc:chgData name="Ming-Chih Lin" userId="f1ba3ba5-e185-404b-b55f-b2be90e2bdc2" providerId="ADAL" clId="{A2F4D413-9D68-4A8C-9D49-8D8D17D6E9EA}" dt="2020-06-08T01:17:11.967" v="519" actId="47"/>
-        <pc:sldMkLst>
-          <pc:docMk/>
-          <pc:sldMk cId="3609392111" sldId="326"/>
-        </pc:sldMkLst>
-        <pc:spChg chg="mod">
-          <ac:chgData name="Ming-Chih Lin" userId="f1ba3ba5-e185-404b-b55f-b2be90e2bdc2" providerId="ADAL" clId="{A2F4D413-9D68-4A8C-9D49-8D8D17D6E9EA}" dt="2020-06-08T01:17:09.820" v="518" actId="21"/>
-          <ac:spMkLst>
-            <pc:docMk/>
-            <pc:sldMk cId="3609392111" sldId="326"/>
-            <ac:spMk id="2" creationId="{E9C001BF-EBE2-4C4F-AC91-5B627973CADD}"/>
-          </ac:spMkLst>
-        </pc:spChg>
-      </pc:sldChg>
-      <pc:sldChg chg="modSp add mod">
-        <pc:chgData name="Ming-Chih Lin" userId="f1ba3ba5-e185-404b-b55f-b2be90e2bdc2" providerId="ADAL" clId="{A2F4D413-9D68-4A8C-9D49-8D8D17D6E9EA}" dt="2020-06-08T01:07:13.214" v="446" actId="20577"/>
-        <pc:sldMkLst>
-          <pc:docMk/>
-          <pc:sldMk cId="2181700493" sldId="327"/>
-        </pc:sldMkLst>
-        <pc:spChg chg="mod">
-          <ac:chgData name="Ming-Chih Lin" userId="f1ba3ba5-e185-404b-b55f-b2be90e2bdc2" providerId="ADAL" clId="{A2F4D413-9D68-4A8C-9D49-8D8D17D6E9EA}" dt="2020-06-08T01:07:13.214" v="446" actId="20577"/>
-          <ac:spMkLst>
-            <pc:docMk/>
-            <pc:sldMk cId="2181700493" sldId="327"/>
-            <ac:spMk id="4" creationId="{2FA54F75-D405-4104-B6BB-EA44A23A109A}"/>
-          </ac:spMkLst>
-        </pc:spChg>
-      </pc:sldChg>
-      <pc:sldChg chg="addSp delSp modSp new mod modClrScheme chgLayout">
-        <pc:chgData name="Ming-Chih Lin" userId="f1ba3ba5-e185-404b-b55f-b2be90e2bdc2" providerId="ADAL" clId="{A2F4D413-9D68-4A8C-9D49-8D8D17D6E9EA}" dt="2020-06-08T01:18:16.549" v="528" actId="1076"/>
-        <pc:sldMkLst>
-          <pc:docMk/>
-          <pc:sldMk cId="1721662836" sldId="328"/>
-        </pc:sldMkLst>
-        <pc:spChg chg="del">
-          <ac:chgData name="Ming-Chih Lin" userId="f1ba3ba5-e185-404b-b55f-b2be90e2bdc2" providerId="ADAL" clId="{A2F4D413-9D68-4A8C-9D49-8D8D17D6E9EA}" dt="2020-06-08T01:10:15.629" v="448" actId="700"/>
-          <ac:spMkLst>
-            <pc:docMk/>
-            <pc:sldMk cId="1721662836" sldId="328"/>
-            <ac:spMk id="2" creationId="{C2EC1FAC-B915-4E8B-8538-82169E7B2241}"/>
-          </ac:spMkLst>
-        </pc:spChg>
-        <pc:spChg chg="del">
-          <ac:chgData name="Ming-Chih Lin" userId="f1ba3ba5-e185-404b-b55f-b2be90e2bdc2" providerId="ADAL" clId="{A2F4D413-9D68-4A8C-9D49-8D8D17D6E9EA}" dt="2020-06-08T01:10:15.629" v="448" actId="700"/>
-          <ac:spMkLst>
-            <pc:docMk/>
-            <pc:sldMk cId="1721662836" sldId="328"/>
-            <ac:spMk id="3" creationId="{956B8D67-1CBD-49F6-A7E7-52FAFE56BA4D}"/>
-          </ac:spMkLst>
-        </pc:spChg>
-        <pc:spChg chg="add del mod">
-          <ac:chgData name="Ming-Chih Lin" userId="f1ba3ba5-e185-404b-b55f-b2be90e2bdc2" providerId="ADAL" clId="{A2F4D413-9D68-4A8C-9D49-8D8D17D6E9EA}" dt="2020-06-08T01:18:12.059" v="526" actId="478"/>
-          <ac:spMkLst>
-            <pc:docMk/>
-            <pc:sldMk cId="1721662836" sldId="328"/>
-            <ac:spMk id="4" creationId="{FC7A961F-ED08-40F1-9580-D98DE490D9FE}"/>
-          </ac:spMkLst>
-        </pc:spChg>
-        <pc:picChg chg="add mod">
-          <ac:chgData name="Ming-Chih Lin" userId="f1ba3ba5-e185-404b-b55f-b2be90e2bdc2" providerId="ADAL" clId="{A2F4D413-9D68-4A8C-9D49-8D8D17D6E9EA}" dt="2020-06-08T01:18:16.549" v="528" actId="1076"/>
-          <ac:picMkLst>
-            <pc:docMk/>
-            <pc:sldMk cId="1721662836" sldId="328"/>
-            <ac:picMk id="5" creationId="{1CEC4D29-8869-4612-93DF-6D1EDE350EAF}"/>
-          </ac:picMkLst>
-        </pc:picChg>
-      </pc:sldChg>
-    </pc:docChg>
-  </pc:docChgLst>
-  <pc:docChgLst>
-    <pc:chgData name="Ming-Chih Lin" userId="f1ba3ba5-e185-404b-b55f-b2be90e2bdc2" providerId="ADAL" clId="{F1FA031A-4D31-4AEE-8DCB-44C85EA436EB}"/>
-    <pc:docChg chg="undo custSel addSld delSld modSld sldOrd">
-      <pc:chgData name="Ming-Chih Lin" userId="f1ba3ba5-e185-404b-b55f-b2be90e2bdc2" providerId="ADAL" clId="{F1FA031A-4D31-4AEE-8DCB-44C85EA436EB}" dt="2020-06-02T00:07:33.244" v="1133" actId="47"/>
-      <pc:docMkLst>
-        <pc:docMk/>
-      </pc:docMkLst>
-      <pc:sldChg chg="del">
-        <pc:chgData name="Ming-Chih Lin" userId="f1ba3ba5-e185-404b-b55f-b2be90e2bdc2" providerId="ADAL" clId="{F1FA031A-4D31-4AEE-8DCB-44C85EA436EB}" dt="2020-06-01T23:15:08.393" v="370" actId="47"/>
-        <pc:sldMkLst>
-          <pc:docMk/>
-          <pc:sldMk cId="1698449368" sldId="256"/>
-        </pc:sldMkLst>
-      </pc:sldChg>
-      <pc:sldChg chg="modSp mod">
-        <pc:chgData name="Ming-Chih Lin" userId="f1ba3ba5-e185-404b-b55f-b2be90e2bdc2" providerId="ADAL" clId="{F1FA031A-4D31-4AEE-8DCB-44C85EA436EB}" dt="2020-06-01T23:08:41.309" v="3" actId="20577"/>
-        <pc:sldMkLst>
-          <pc:docMk/>
-          <pc:sldMk cId="3437513085" sldId="257"/>
-        </pc:sldMkLst>
-        <pc:spChg chg="mod">
-          <ac:chgData name="Ming-Chih Lin" userId="f1ba3ba5-e185-404b-b55f-b2be90e2bdc2" providerId="ADAL" clId="{F1FA031A-4D31-4AEE-8DCB-44C85EA436EB}" dt="2020-06-01T23:08:41.309" v="3" actId="20577"/>
-          <ac:spMkLst>
-            <pc:docMk/>
-            <pc:sldMk cId="3437513085" sldId="257"/>
-            <ac:spMk id="2" creationId="{F00E360D-5F36-459A-8321-D0EA4C8C73FE}"/>
-          </ac:spMkLst>
-        </pc:spChg>
-      </pc:sldChg>
-      <pc:sldChg chg="del">
-        <pc:chgData name="Ming-Chih Lin" userId="f1ba3ba5-e185-404b-b55f-b2be90e2bdc2" providerId="ADAL" clId="{F1FA031A-4D31-4AEE-8DCB-44C85EA436EB}" dt="2020-06-01T23:15:08.393" v="370" actId="47"/>
-        <pc:sldMkLst>
-          <pc:docMk/>
-          <pc:sldMk cId="1322618313" sldId="258"/>
-        </pc:sldMkLst>
-      </pc:sldChg>
-      <pc:sldChg chg="del">
-        <pc:chgData name="Ming-Chih Lin" userId="f1ba3ba5-e185-404b-b55f-b2be90e2bdc2" providerId="ADAL" clId="{F1FA031A-4D31-4AEE-8DCB-44C85EA436EB}" dt="2020-06-01T23:15:08.393" v="370" actId="47"/>
-        <pc:sldMkLst>
-          <pc:docMk/>
-          <pc:sldMk cId="1086438915" sldId="260"/>
-        </pc:sldMkLst>
-      </pc:sldChg>
-      <pc:sldChg chg="del">
-        <pc:chgData name="Ming-Chih Lin" userId="f1ba3ba5-e185-404b-b55f-b2be90e2bdc2" providerId="ADAL" clId="{F1FA031A-4D31-4AEE-8DCB-44C85EA436EB}" dt="2020-06-01T23:15:08.393" v="370" actId="47"/>
-        <pc:sldMkLst>
-          <pc:docMk/>
-          <pc:sldMk cId="3291901244" sldId="261"/>
-        </pc:sldMkLst>
-      </pc:sldChg>
-      <pc:sldChg chg="del">
-        <pc:chgData name="Ming-Chih Lin" userId="f1ba3ba5-e185-404b-b55f-b2be90e2bdc2" providerId="ADAL" clId="{F1FA031A-4D31-4AEE-8DCB-44C85EA436EB}" dt="2020-06-01T23:15:08.393" v="370" actId="47"/>
-        <pc:sldMkLst>
-          <pc:docMk/>
-          <pc:sldMk cId="947049355" sldId="262"/>
-        </pc:sldMkLst>
-      </pc:sldChg>
-      <pc:sldChg chg="del">
-        <pc:chgData name="Ming-Chih Lin" userId="f1ba3ba5-e185-404b-b55f-b2be90e2bdc2" providerId="ADAL" clId="{F1FA031A-4D31-4AEE-8DCB-44C85EA436EB}" dt="2020-06-01T23:15:08.393" v="370" actId="47"/>
-        <pc:sldMkLst>
-          <pc:docMk/>
-          <pc:sldMk cId="3427989766" sldId="263"/>
-        </pc:sldMkLst>
-      </pc:sldChg>
-      <pc:sldChg chg="del">
-        <pc:chgData name="Ming-Chih Lin" userId="f1ba3ba5-e185-404b-b55f-b2be90e2bdc2" providerId="ADAL" clId="{F1FA031A-4D31-4AEE-8DCB-44C85EA436EB}" dt="2020-06-01T23:15:08.393" v="370" actId="47"/>
-        <pc:sldMkLst>
-          <pc:docMk/>
-          <pc:sldMk cId="2336614475" sldId="264"/>
-        </pc:sldMkLst>
-      </pc:sldChg>
-      <pc:sldChg chg="del">
-        <pc:chgData name="Ming-Chih Lin" userId="f1ba3ba5-e185-404b-b55f-b2be90e2bdc2" providerId="ADAL" clId="{F1FA031A-4D31-4AEE-8DCB-44C85EA436EB}" dt="2020-06-01T23:15:08.393" v="370" actId="47"/>
-        <pc:sldMkLst>
-          <pc:docMk/>
-          <pc:sldMk cId="679909818" sldId="265"/>
-        </pc:sldMkLst>
-      </pc:sldChg>
-      <pc:sldChg chg="del">
-        <pc:chgData name="Ming-Chih Lin" userId="f1ba3ba5-e185-404b-b55f-b2be90e2bdc2" providerId="ADAL" clId="{F1FA031A-4D31-4AEE-8DCB-44C85EA436EB}" dt="2020-06-01T23:16:29.231" v="438" actId="47"/>
-        <pc:sldMkLst>
-          <pc:docMk/>
-          <pc:sldMk cId="1717474662" sldId="266"/>
-        </pc:sldMkLst>
-      </pc:sldChg>
-      <pc:sldChg chg="del">
-        <pc:chgData name="Ming-Chih Lin" userId="f1ba3ba5-e185-404b-b55f-b2be90e2bdc2" providerId="ADAL" clId="{F1FA031A-4D31-4AEE-8DCB-44C85EA436EB}" dt="2020-06-01T23:16:29.231" v="438" actId="47"/>
-        <pc:sldMkLst>
-          <pc:docMk/>
-          <pc:sldMk cId="751778690" sldId="267"/>
-        </pc:sldMkLst>
-      </pc:sldChg>
-      <pc:sldChg chg="del">
-        <pc:chgData name="Ming-Chih Lin" userId="f1ba3ba5-e185-404b-b55f-b2be90e2bdc2" providerId="ADAL" clId="{F1FA031A-4D31-4AEE-8DCB-44C85EA436EB}" dt="2020-06-01T23:15:08.393" v="370" actId="47"/>
-        <pc:sldMkLst>
-          <pc:docMk/>
-          <pc:sldMk cId="1480965944" sldId="268"/>
-        </pc:sldMkLst>
-      </pc:sldChg>
-      <pc:sldChg chg="del">
-        <pc:chgData name="Ming-Chih Lin" userId="f1ba3ba5-e185-404b-b55f-b2be90e2bdc2" providerId="ADAL" clId="{F1FA031A-4D31-4AEE-8DCB-44C85EA436EB}" dt="2020-06-01T23:15:08.393" v="370" actId="47"/>
-        <pc:sldMkLst>
-          <pc:docMk/>
-          <pc:sldMk cId="2517686270" sldId="269"/>
-        </pc:sldMkLst>
-      </pc:sldChg>
-      <pc:sldChg chg="del">
-        <pc:chgData name="Ming-Chih Lin" userId="f1ba3ba5-e185-404b-b55f-b2be90e2bdc2" providerId="ADAL" clId="{F1FA031A-4D31-4AEE-8DCB-44C85EA436EB}" dt="2020-06-01T23:15:08.393" v="370" actId="47"/>
-        <pc:sldMkLst>
-          <pc:docMk/>
-          <pc:sldMk cId="1580561292" sldId="270"/>
-        </pc:sldMkLst>
-      </pc:sldChg>
-      <pc:sldChg chg="del">
-        <pc:chgData name="Ming-Chih Lin" userId="f1ba3ba5-e185-404b-b55f-b2be90e2bdc2" providerId="ADAL" clId="{F1FA031A-4D31-4AEE-8DCB-44C85EA436EB}" dt="2020-06-01T23:15:08.393" v="370" actId="47"/>
-        <pc:sldMkLst>
-          <pc:docMk/>
-          <pc:sldMk cId="2984231426" sldId="271"/>
-        </pc:sldMkLst>
-      </pc:sldChg>
-      <pc:sldChg chg="modSp mod">
-        <pc:chgData name="Ming-Chih Lin" userId="f1ba3ba5-e185-404b-b55f-b2be90e2bdc2" providerId="ADAL" clId="{F1FA031A-4D31-4AEE-8DCB-44C85EA436EB}" dt="2020-06-01T23:15:24.433" v="386"/>
-        <pc:sldMkLst>
-          <pc:docMk/>
-          <pc:sldMk cId="2189207556" sldId="272"/>
-        </pc:sldMkLst>
-        <pc:spChg chg="mod">
-          <ac:chgData name="Ming-Chih Lin" userId="f1ba3ba5-e185-404b-b55f-b2be90e2bdc2" providerId="ADAL" clId="{F1FA031A-4D31-4AEE-8DCB-44C85EA436EB}" dt="2020-06-01T23:15:24.433" v="386"/>
-          <ac:spMkLst>
-            <pc:docMk/>
-            <pc:sldMk cId="2189207556" sldId="272"/>
-            <ac:spMk id="4" creationId="{2FA54F75-D405-4104-B6BB-EA44A23A109A}"/>
-          </ac:spMkLst>
-        </pc:spChg>
-      </pc:sldChg>
-      <pc:sldChg chg="del">
-        <pc:chgData name="Ming-Chih Lin" userId="f1ba3ba5-e185-404b-b55f-b2be90e2bdc2" providerId="ADAL" clId="{F1FA031A-4D31-4AEE-8DCB-44C85EA436EB}" dt="2020-06-01T23:15:08.393" v="370" actId="47"/>
-        <pc:sldMkLst>
-          <pc:docMk/>
-          <pc:sldMk cId="2963169921" sldId="273"/>
-        </pc:sldMkLst>
-      </pc:sldChg>
-      <pc:sldChg chg="del">
-        <pc:chgData name="Ming-Chih Lin" userId="f1ba3ba5-e185-404b-b55f-b2be90e2bdc2" providerId="ADAL" clId="{F1FA031A-4D31-4AEE-8DCB-44C85EA436EB}" dt="2020-06-01T23:15:08.393" v="370" actId="47"/>
-        <pc:sldMkLst>
-          <pc:docMk/>
-          <pc:sldMk cId="252655923" sldId="275"/>
-        </pc:sldMkLst>
-      </pc:sldChg>
-      <pc:sldChg chg="del">
-        <pc:chgData name="Ming-Chih Lin" userId="f1ba3ba5-e185-404b-b55f-b2be90e2bdc2" providerId="ADAL" clId="{F1FA031A-4D31-4AEE-8DCB-44C85EA436EB}" dt="2020-06-01T23:15:08.393" v="370" actId="47"/>
-        <pc:sldMkLst>
-          <pc:docMk/>
-          <pc:sldMk cId="666544265" sldId="281"/>
-        </pc:sldMkLst>
-      </pc:sldChg>
-      <pc:sldChg chg="del">
-        <pc:chgData name="Ming-Chih Lin" userId="f1ba3ba5-e185-404b-b55f-b2be90e2bdc2" providerId="ADAL" clId="{F1FA031A-4D31-4AEE-8DCB-44C85EA436EB}" dt="2020-06-01T23:15:08.393" v="370" actId="47"/>
-        <pc:sldMkLst>
-          <pc:docMk/>
-          <pc:sldMk cId="3344907558" sldId="282"/>
-        </pc:sldMkLst>
-      </pc:sldChg>
-      <pc:sldChg chg="del">
-        <pc:chgData name="Ming-Chih Lin" userId="f1ba3ba5-e185-404b-b55f-b2be90e2bdc2" providerId="ADAL" clId="{F1FA031A-4D31-4AEE-8DCB-44C85EA436EB}" dt="2020-06-01T23:16:29.231" v="438" actId="47"/>
-        <pc:sldMkLst>
-          <pc:docMk/>
-          <pc:sldMk cId="4282441724" sldId="283"/>
-        </pc:sldMkLst>
-      </pc:sldChg>
-      <pc:sldChg chg="del">
-        <pc:chgData name="Ming-Chih Lin" userId="f1ba3ba5-e185-404b-b55f-b2be90e2bdc2" providerId="ADAL" clId="{F1FA031A-4D31-4AEE-8DCB-44C85EA436EB}" dt="2020-06-01T23:15:08.393" v="370" actId="47"/>
-        <pc:sldMkLst>
-          <pc:docMk/>
-          <pc:sldMk cId="2651586421" sldId="284"/>
-        </pc:sldMkLst>
-      </pc:sldChg>
-      <pc:sldChg chg="del">
-        <pc:chgData name="Ming-Chih Lin" userId="f1ba3ba5-e185-404b-b55f-b2be90e2bdc2" providerId="ADAL" clId="{F1FA031A-4D31-4AEE-8DCB-44C85EA436EB}" dt="2020-06-01T23:15:08.393" v="370" actId="47"/>
-        <pc:sldMkLst>
-          <pc:docMk/>
-          <pc:sldMk cId="3195449515" sldId="285"/>
-        </pc:sldMkLst>
-      </pc:sldChg>
-      <pc:sldChg chg="del">
-        <pc:chgData name="Ming-Chih Lin" userId="f1ba3ba5-e185-404b-b55f-b2be90e2bdc2" providerId="ADAL" clId="{F1FA031A-4D31-4AEE-8DCB-44C85EA436EB}" dt="2020-06-01T23:16:29.231" v="438" actId="47"/>
-        <pc:sldMkLst>
-          <pc:docMk/>
-          <pc:sldMk cId="1489283586" sldId="286"/>
-        </pc:sldMkLst>
-      </pc:sldChg>
-      <pc:sldChg chg="del">
-        <pc:chgData name="Ming-Chih Lin" userId="f1ba3ba5-e185-404b-b55f-b2be90e2bdc2" providerId="ADAL" clId="{F1FA031A-4D31-4AEE-8DCB-44C85EA436EB}" dt="2020-06-01T23:12:04.010" v="173" actId="47"/>
-        <pc:sldMkLst>
-          <pc:docMk/>
-          <pc:sldMk cId="2068811213" sldId="287"/>
-        </pc:sldMkLst>
-      </pc:sldChg>
-      <pc:sldChg chg="modSp mod">
-        <pc:chgData name="Ming-Chih Lin" userId="f1ba3ba5-e185-404b-b55f-b2be90e2bdc2" providerId="ADAL" clId="{F1FA031A-4D31-4AEE-8DCB-44C85EA436EB}" dt="2020-06-01T23:13:24.905" v="277"/>
-        <pc:sldMkLst>
-          <pc:docMk/>
-          <pc:sldMk cId="2773999239" sldId="288"/>
-        </pc:sldMkLst>
-        <pc:spChg chg="mod">
-          <ac:chgData name="Ming-Chih Lin" userId="f1ba3ba5-e185-404b-b55f-b2be90e2bdc2" providerId="ADAL" clId="{F1FA031A-4D31-4AEE-8DCB-44C85EA436EB}" dt="2020-06-01T23:13:24.905" v="277"/>
-          <ac:spMkLst>
-            <pc:docMk/>
-            <pc:sldMk cId="2773999239" sldId="288"/>
-            <ac:spMk id="5" creationId="{D9BE9DE2-8245-4CD7-8644-BCDBABA8D1A8}"/>
-          </ac:spMkLst>
-        </pc:spChg>
-      </pc:sldChg>
-      <pc:sldChg chg="modSp mod">
-        <pc:chgData name="Ming-Chih Lin" userId="f1ba3ba5-e185-404b-b55f-b2be90e2bdc2" providerId="ADAL" clId="{F1FA031A-4D31-4AEE-8DCB-44C85EA436EB}" dt="2020-06-01T23:11:56.151" v="172"/>
-        <pc:sldMkLst>
-          <pc:docMk/>
-          <pc:sldMk cId="1061609012" sldId="289"/>
-        </pc:sldMkLst>
-        <pc:spChg chg="mod">
-          <ac:chgData name="Ming-Chih Lin" userId="f1ba3ba5-e185-404b-b55f-b2be90e2bdc2" providerId="ADAL" clId="{F1FA031A-4D31-4AEE-8DCB-44C85EA436EB}" dt="2020-06-01T23:11:56.151" v="172"/>
-          <ac:spMkLst>
-            <pc:docMk/>
-            <pc:sldMk cId="1061609012" sldId="289"/>
-            <ac:spMk id="4" creationId="{A96425F9-195D-4693-9E6E-3A6A87237F5E}"/>
-          </ac:spMkLst>
-        </pc:spChg>
-      </pc:sldChg>
-      <pc:sldChg chg="modSp mod">
-        <pc:chgData name="Ming-Chih Lin" userId="f1ba3ba5-e185-404b-b55f-b2be90e2bdc2" providerId="ADAL" clId="{F1FA031A-4D31-4AEE-8DCB-44C85EA436EB}" dt="2020-06-01T23:22:46.379" v="630"/>
-        <pc:sldMkLst>
-          <pc:docMk/>
-          <pc:sldMk cId="1663756997" sldId="290"/>
-        </pc:sldMkLst>
-        <pc:spChg chg="mod">
-          <ac:chgData name="Ming-Chih Lin" userId="f1ba3ba5-e185-404b-b55f-b2be90e2bdc2" providerId="ADAL" clId="{F1FA031A-4D31-4AEE-8DCB-44C85EA436EB}" dt="2020-06-01T23:22:46.379" v="630"/>
-          <ac:spMkLst>
-            <pc:docMk/>
-            <pc:sldMk cId="1663756997" sldId="290"/>
-            <ac:spMk id="3" creationId="{FDA2CCF4-8156-43AA-A2A5-BCE09F7AF6E8}"/>
-          </ac:spMkLst>
-        </pc:spChg>
-      </pc:sldChg>
-      <pc:sldChg chg="del">
-        <pc:chgData name="Ming-Chih Lin" userId="f1ba3ba5-e185-404b-b55f-b2be90e2bdc2" providerId="ADAL" clId="{F1FA031A-4D31-4AEE-8DCB-44C85EA436EB}" dt="2020-06-01T23:16:29.231" v="438" actId="47"/>
-        <pc:sldMkLst>
-          <pc:docMk/>
-          <pc:sldMk cId="4146132641" sldId="291"/>
-        </pc:sldMkLst>
-      </pc:sldChg>
-      <pc:sldChg chg="del">
-        <pc:chgData name="Ming-Chih Lin" userId="f1ba3ba5-e185-404b-b55f-b2be90e2bdc2" providerId="ADAL" clId="{F1FA031A-4D31-4AEE-8DCB-44C85EA436EB}" dt="2020-06-01T23:16:29.231" v="438" actId="47"/>
-        <pc:sldMkLst>
-          <pc:docMk/>
-          <pc:sldMk cId="2609797397" sldId="292"/>
-        </pc:sldMkLst>
-      </pc:sldChg>
-      <pc:sldChg chg="del">
-        <pc:chgData name="Ming-Chih Lin" userId="f1ba3ba5-e185-404b-b55f-b2be90e2bdc2" providerId="ADAL" clId="{F1FA031A-4D31-4AEE-8DCB-44C85EA436EB}" dt="2020-06-01T23:16:29.231" v="438" actId="47"/>
-        <pc:sldMkLst>
-          <pc:docMk/>
-          <pc:sldMk cId="289535632" sldId="293"/>
-        </pc:sldMkLst>
-      </pc:sldChg>
-      <pc:sldChg chg="del">
-        <pc:chgData name="Ming-Chih Lin" userId="f1ba3ba5-e185-404b-b55f-b2be90e2bdc2" providerId="ADAL" clId="{F1FA031A-4D31-4AEE-8DCB-44C85EA436EB}" dt="2020-06-01T23:15:08.393" v="370" actId="47"/>
-        <pc:sldMkLst>
-          <pc:docMk/>
-          <pc:sldMk cId="64240318" sldId="294"/>
-        </pc:sldMkLst>
-      </pc:sldChg>
-      <pc:sldChg chg="del">
-        <pc:chgData name="Ming-Chih Lin" userId="f1ba3ba5-e185-404b-b55f-b2be90e2bdc2" providerId="ADAL" clId="{F1FA031A-4D31-4AEE-8DCB-44C85EA436EB}" dt="2020-06-01T23:15:08.393" v="370" actId="47"/>
-        <pc:sldMkLst>
-          <pc:docMk/>
-          <pc:sldMk cId="3800941536" sldId="295"/>
-        </pc:sldMkLst>
-      </pc:sldChg>
-      <pc:sldChg chg="del">
-        <pc:chgData name="Ming-Chih Lin" userId="f1ba3ba5-e185-404b-b55f-b2be90e2bdc2" providerId="ADAL" clId="{F1FA031A-4D31-4AEE-8DCB-44C85EA436EB}" dt="2020-06-01T23:15:08.393" v="370" actId="47"/>
-        <pc:sldMkLst>
-          <pc:docMk/>
-          <pc:sldMk cId="71803066" sldId="296"/>
-        </pc:sldMkLst>
-      </pc:sldChg>
-      <pc:sldChg chg="del">
-        <pc:chgData name="Ming-Chih Lin" userId="f1ba3ba5-e185-404b-b55f-b2be90e2bdc2" providerId="ADAL" clId="{F1FA031A-4D31-4AEE-8DCB-44C85EA436EB}" dt="2020-06-01T23:15:08.393" v="370" actId="47"/>
-        <pc:sldMkLst>
-          <pc:docMk/>
-          <pc:sldMk cId="3823943526" sldId="297"/>
-        </pc:sldMkLst>
-      </pc:sldChg>
-      <pc:sldChg chg="modSp new mod">
-        <pc:chgData name="Ming-Chih Lin" userId="f1ba3ba5-e185-404b-b55f-b2be90e2bdc2" providerId="ADAL" clId="{F1FA031A-4D31-4AEE-8DCB-44C85EA436EB}" dt="2020-06-01T23:09:56.216" v="75"/>
-        <pc:sldMkLst>
-          <pc:docMk/>
-          <pc:sldMk cId="888648973" sldId="298"/>
-        </pc:sldMkLst>
-        <pc:spChg chg="mod">
-          <ac:chgData name="Ming-Chih Lin" userId="f1ba3ba5-e185-404b-b55f-b2be90e2bdc2" providerId="ADAL" clId="{F1FA031A-4D31-4AEE-8DCB-44C85EA436EB}" dt="2020-06-01T23:09:56.216" v="75"/>
-          <ac:spMkLst>
-            <pc:docMk/>
-            <pc:sldMk cId="888648973" sldId="298"/>
-            <ac:spMk id="2" creationId="{A8BA54D6-C8F9-4AAC-8CAA-D399FA342724}"/>
-          </ac:spMkLst>
-        </pc:spChg>
-      </pc:sldChg>
-      <pc:sldChg chg="modSp add mod">
-        <pc:chgData name="Ming-Chih Lin" userId="f1ba3ba5-e185-404b-b55f-b2be90e2bdc2" providerId="ADAL" clId="{F1FA031A-4D31-4AEE-8DCB-44C85EA436EB}" dt="2020-06-01T23:14:32.055" v="369"/>
-        <pc:sldMkLst>
-          <pc:docMk/>
-          <pc:sldMk cId="101432508" sldId="299"/>
-        </pc:sldMkLst>
-        <pc:spChg chg="mod">
-          <ac:chgData name="Ming-Chih Lin" userId="f1ba3ba5-e185-404b-b55f-b2be90e2bdc2" providerId="ADAL" clId="{F1FA031A-4D31-4AEE-8DCB-44C85EA436EB}" dt="2020-06-01T23:14:32.055" v="369"/>
-          <ac:spMkLst>
-            <pc:docMk/>
-            <pc:sldMk cId="101432508" sldId="299"/>
-            <ac:spMk id="3" creationId="{FDA2CCF4-8156-43AA-A2A5-BCE09F7AF6E8}"/>
-          </ac:spMkLst>
-        </pc:spChg>
-      </pc:sldChg>
-      <pc:sldChg chg="addSp delSp modSp new mod modClrScheme chgLayout">
-        <pc:chgData name="Ming-Chih Lin" userId="f1ba3ba5-e185-404b-b55f-b2be90e2bdc2" providerId="ADAL" clId="{F1FA031A-4D31-4AEE-8DCB-44C85EA436EB}" dt="2020-06-01T23:18:37.024" v="538"/>
-        <pc:sldMkLst>
-          <pc:docMk/>
-          <pc:sldMk cId="1415465906" sldId="300"/>
-        </pc:sldMkLst>
-        <pc:spChg chg="del mod ord">
-          <ac:chgData name="Ming-Chih Lin" userId="f1ba3ba5-e185-404b-b55f-b2be90e2bdc2" providerId="ADAL" clId="{F1FA031A-4D31-4AEE-8DCB-44C85EA436EB}" dt="2020-06-01T23:15:32.824" v="388" actId="700"/>
-          <ac:spMkLst>
-            <pc:docMk/>
-            <pc:sldMk cId="1415465906" sldId="300"/>
-            <ac:spMk id="2" creationId="{2A4DBE0D-A8A4-4F12-858B-E8F5C1DC52BA}"/>
-          </ac:spMkLst>
-        </pc:spChg>
-        <pc:spChg chg="del">
-          <ac:chgData name="Ming-Chih Lin" userId="f1ba3ba5-e185-404b-b55f-b2be90e2bdc2" providerId="ADAL" clId="{F1FA031A-4D31-4AEE-8DCB-44C85EA436EB}" dt="2020-06-01T23:15:32.824" v="388" actId="700"/>
-          <ac:spMkLst>
-            <pc:docMk/>
-            <pc:sldMk cId="1415465906" sldId="300"/>
-            <ac:spMk id="3" creationId="{AFC4772C-804D-474C-89D9-7ADC6AAA7865}"/>
-          </ac:spMkLst>
-        </pc:spChg>
-        <pc:spChg chg="add mod ord">
-          <ac:chgData name="Ming-Chih Lin" userId="f1ba3ba5-e185-404b-b55f-b2be90e2bdc2" providerId="ADAL" clId="{F1FA031A-4D31-4AEE-8DCB-44C85EA436EB}" dt="2020-06-01T23:18:37.024" v="538"/>
-          <ac:spMkLst>
-            <pc:docMk/>
-            <pc:sldMk cId="1415465906" sldId="300"/>
-            <ac:spMk id="4" creationId="{42223639-7737-4ADF-9CCC-84644374FFB5}"/>
-          </ac:spMkLst>
-        </pc:spChg>
-        <pc:spChg chg="add mod ord">
-          <ac:chgData name="Ming-Chih Lin" userId="f1ba3ba5-e185-404b-b55f-b2be90e2bdc2" providerId="ADAL" clId="{F1FA031A-4D31-4AEE-8DCB-44C85EA436EB}" dt="2020-06-01T23:15:32.824" v="388" actId="700"/>
-          <ac:spMkLst>
-            <pc:docMk/>
-            <pc:sldMk cId="1415465906" sldId="300"/>
-            <ac:spMk id="5" creationId="{B37260B8-3B0D-40A3-8B25-1D9D532C9BED}"/>
-          </ac:spMkLst>
-        </pc:spChg>
-      </pc:sldChg>
-      <pc:sldChg chg="modSp add mod">
-        <pc:chgData name="Ming-Chih Lin" userId="f1ba3ba5-e185-404b-b55f-b2be90e2bdc2" providerId="ADAL" clId="{F1FA031A-4D31-4AEE-8DCB-44C85EA436EB}" dt="2020-06-01T23:26:30.522" v="688" actId="20577"/>
-        <pc:sldMkLst>
-          <pc:docMk/>
-          <pc:sldMk cId="1171545912" sldId="301"/>
-        </pc:sldMkLst>
-        <pc:spChg chg="mod">
-          <ac:chgData name="Ming-Chih Lin" userId="f1ba3ba5-e185-404b-b55f-b2be90e2bdc2" providerId="ADAL" clId="{F1FA031A-4D31-4AEE-8DCB-44C85EA436EB}" dt="2020-06-01T23:19:32.230" v="541"/>
-          <ac:spMkLst>
-            <pc:docMk/>
-            <pc:sldMk cId="1171545912" sldId="301"/>
-            <ac:spMk id="4" creationId="{42223639-7737-4ADF-9CCC-84644374FFB5}"/>
-          </ac:spMkLst>
-        </pc:spChg>
-        <pc:spChg chg="mod">
-          <ac:chgData name="Ming-Chih Lin" userId="f1ba3ba5-e185-404b-b55f-b2be90e2bdc2" providerId="ADAL" clId="{F1FA031A-4D31-4AEE-8DCB-44C85EA436EB}" dt="2020-06-01T23:26:30.522" v="688" actId="20577"/>
-          <ac:spMkLst>
-            <pc:docMk/>
-            <pc:sldMk cId="1171545912" sldId="301"/>
-            <ac:spMk id="5" creationId="{B37260B8-3B0D-40A3-8B25-1D9D532C9BED}"/>
-          </ac:spMkLst>
-        </pc:spChg>
-      </pc:sldChg>
-      <pc:sldChg chg="modSp add mod">
-        <pc:chgData name="Ming-Chih Lin" userId="f1ba3ba5-e185-404b-b55f-b2be90e2bdc2" providerId="ADAL" clId="{F1FA031A-4D31-4AEE-8DCB-44C85EA436EB}" dt="2020-06-01T23:27:59.481" v="710" actId="20577"/>
-        <pc:sldMkLst>
-          <pc:docMk/>
-          <pc:sldMk cId="2002684050" sldId="302"/>
-        </pc:sldMkLst>
-        <pc:spChg chg="mod">
-          <ac:chgData name="Ming-Chih Lin" userId="f1ba3ba5-e185-404b-b55f-b2be90e2bdc2" providerId="ADAL" clId="{F1FA031A-4D31-4AEE-8DCB-44C85EA436EB}" dt="2020-06-01T23:27:59.481" v="710" actId="20577"/>
-          <ac:spMkLst>
-            <pc:docMk/>
-            <pc:sldMk cId="2002684050" sldId="302"/>
-            <ac:spMk id="4" creationId="{42223639-7737-4ADF-9CCC-84644374FFB5}"/>
-          </ac:spMkLst>
-        </pc:spChg>
-        <pc:spChg chg="mod">
-          <ac:chgData name="Ming-Chih Lin" userId="f1ba3ba5-e185-404b-b55f-b2be90e2bdc2" providerId="ADAL" clId="{F1FA031A-4D31-4AEE-8DCB-44C85EA436EB}" dt="2020-06-01T23:21:42.958" v="586" actId="21"/>
-          <ac:spMkLst>
-            <pc:docMk/>
-            <pc:sldMk cId="2002684050" sldId="302"/>
-            <ac:spMk id="5" creationId="{B37260B8-3B0D-40A3-8B25-1D9D532C9BED}"/>
-          </ac:spMkLst>
-        </pc:spChg>
-      </pc:sldChg>
-      <pc:sldChg chg="addSp delSp modSp add del mod ord">
-        <pc:chgData name="Ming-Chih Lin" userId="f1ba3ba5-e185-404b-b55f-b2be90e2bdc2" providerId="ADAL" clId="{F1FA031A-4D31-4AEE-8DCB-44C85EA436EB}" dt="2020-06-01T23:27:56.183" v="708" actId="47"/>
-        <pc:sldMkLst>
-          <pc:docMk/>
-          <pc:sldMk cId="4107279448" sldId="303"/>
-        </pc:sldMkLst>
-        <pc:spChg chg="add del mod">
-          <ac:chgData name="Ming-Chih Lin" userId="f1ba3ba5-e185-404b-b55f-b2be90e2bdc2" providerId="ADAL" clId="{F1FA031A-4D31-4AEE-8DCB-44C85EA436EB}" dt="2020-06-01T23:23:56.344" v="655"/>
-          <ac:spMkLst>
-            <pc:docMk/>
-            <pc:sldMk cId="4107279448" sldId="303"/>
-            <ac:spMk id="2" creationId="{A47E8DDF-F70A-4E2D-8C01-9E501A43A6F7}"/>
-          </ac:spMkLst>
-        </pc:spChg>
-        <pc:spChg chg="mod">
-          <ac:chgData name="Ming-Chih Lin" userId="f1ba3ba5-e185-404b-b55f-b2be90e2bdc2" providerId="ADAL" clId="{F1FA031A-4D31-4AEE-8DCB-44C85EA436EB}" dt="2020-06-01T23:26:57.506" v="696" actId="20577"/>
-          <ac:spMkLst>
-            <pc:docMk/>
-            <pc:sldMk cId="4107279448" sldId="303"/>
-            <ac:spMk id="4" creationId="{42223639-7737-4ADF-9CCC-84644374FFB5}"/>
-          </ac:spMkLst>
-        </pc:spChg>
-      </pc:sldChg>
-      <pc:sldChg chg="modSp add mod">
-        <pc:chgData name="Ming-Chih Lin" userId="f1ba3ba5-e185-404b-b55f-b2be90e2bdc2" providerId="ADAL" clId="{F1FA031A-4D31-4AEE-8DCB-44C85EA436EB}" dt="2020-06-01T23:28:13.818" v="713" actId="6549"/>
-        <pc:sldMkLst>
-          <pc:docMk/>
-          <pc:sldMk cId="3346354504" sldId="304"/>
-        </pc:sldMkLst>
-        <pc:spChg chg="mod">
-          <ac:chgData name="Ming-Chih Lin" userId="f1ba3ba5-e185-404b-b55f-b2be90e2bdc2" providerId="ADAL" clId="{F1FA031A-4D31-4AEE-8DCB-44C85EA436EB}" dt="2020-06-01T23:28:13.818" v="713" actId="6549"/>
-          <ac:spMkLst>
-            <pc:docMk/>
-            <pc:sldMk cId="3346354504" sldId="304"/>
-            <ac:spMk id="4" creationId="{42223639-7737-4ADF-9CCC-84644374FFB5}"/>
-          </ac:spMkLst>
-        </pc:spChg>
-      </pc:sldChg>
-      <pc:sldChg chg="modSp add mod">
-        <pc:chgData name="Ming-Chih Lin" userId="f1ba3ba5-e185-404b-b55f-b2be90e2bdc2" providerId="ADAL" clId="{F1FA031A-4D31-4AEE-8DCB-44C85EA436EB}" dt="2020-06-01T23:28:27.201" v="714"/>
-        <pc:sldMkLst>
-          <pc:docMk/>
-          <pc:sldMk cId="1699586139" sldId="305"/>
-        </pc:sldMkLst>
-        <pc:spChg chg="mod">
-          <ac:chgData name="Ming-Chih Lin" userId="f1ba3ba5-e185-404b-b55f-b2be90e2bdc2" providerId="ADAL" clId="{F1FA031A-4D31-4AEE-8DCB-44C85EA436EB}" dt="2020-06-01T23:28:27.201" v="714"/>
-          <ac:spMkLst>
-            <pc:docMk/>
-            <pc:sldMk cId="1699586139" sldId="305"/>
-            <ac:spMk id="4" creationId="{42223639-7737-4ADF-9CCC-84644374FFB5}"/>
-          </ac:spMkLst>
-        </pc:spChg>
-      </pc:sldChg>
-      <pc:sldChg chg="modSp add mod">
-        <pc:chgData name="Ming-Chih Lin" userId="f1ba3ba5-e185-404b-b55f-b2be90e2bdc2" providerId="ADAL" clId="{F1FA031A-4D31-4AEE-8DCB-44C85EA436EB}" dt="2020-06-01T23:27:17.368" v="703" actId="20577"/>
-        <pc:sldMkLst>
-          <pc:docMk/>
-          <pc:sldMk cId="1220209127" sldId="306"/>
-        </pc:sldMkLst>
-        <pc:spChg chg="mod">
-          <ac:chgData name="Ming-Chih Lin" userId="f1ba3ba5-e185-404b-b55f-b2be90e2bdc2" providerId="ADAL" clId="{F1FA031A-4D31-4AEE-8DCB-44C85EA436EB}" dt="2020-06-01T23:27:17.368" v="703" actId="20577"/>
-          <ac:spMkLst>
-            <pc:docMk/>
-            <pc:sldMk cId="1220209127" sldId="306"/>
-            <ac:spMk id="4" creationId="{42223639-7737-4ADF-9CCC-84644374FFB5}"/>
-          </ac:spMkLst>
-        </pc:spChg>
-      </pc:sldChg>
-      <pc:sldChg chg="modSp add mod">
-        <pc:chgData name="Ming-Chih Lin" userId="f1ba3ba5-e185-404b-b55f-b2be90e2bdc2" providerId="ADAL" clId="{F1FA031A-4D31-4AEE-8DCB-44C85EA436EB}" dt="2020-06-01T23:28:43.758" v="715"/>
-        <pc:sldMkLst>
-          <pc:docMk/>
-          <pc:sldMk cId="236770104" sldId="307"/>
-        </pc:sldMkLst>
-        <pc:spChg chg="mod">
-          <ac:chgData name="Ming-Chih Lin" userId="f1ba3ba5-e185-404b-b55f-b2be90e2bdc2" providerId="ADAL" clId="{F1FA031A-4D31-4AEE-8DCB-44C85EA436EB}" dt="2020-06-01T23:28:43.758" v="715"/>
-          <ac:spMkLst>
-            <pc:docMk/>
-            <pc:sldMk cId="236770104" sldId="307"/>
-            <ac:spMk id="4" creationId="{42223639-7737-4ADF-9CCC-84644374FFB5}"/>
-          </ac:spMkLst>
-        </pc:spChg>
-      </pc:sldChg>
-      <pc:sldChg chg="modSp new del mod">
-        <pc:chgData name="Ming-Chih Lin" userId="f1ba3ba5-e185-404b-b55f-b2be90e2bdc2" providerId="ADAL" clId="{F1FA031A-4D31-4AEE-8DCB-44C85EA436EB}" dt="2020-06-01T23:41:30.159" v="1000" actId="47"/>
-        <pc:sldMkLst>
-          <pc:docMk/>
-          <pc:sldMk cId="3757030699" sldId="308"/>
-        </pc:sldMkLst>
-        <pc:spChg chg="mod">
-          <ac:chgData name="Ming-Chih Lin" userId="f1ba3ba5-e185-404b-b55f-b2be90e2bdc2" providerId="ADAL" clId="{F1FA031A-4D31-4AEE-8DCB-44C85EA436EB}" dt="2020-06-01T23:40:38.630" v="999"/>
-          <ac:spMkLst>
-            <pc:docMk/>
-            <pc:sldMk cId="3757030699" sldId="308"/>
-            <ac:spMk id="2" creationId="{9EAB2091-9337-42B7-AC34-E09D04AC6790}"/>
-          </ac:spMkLst>
-        </pc:spChg>
-        <pc:spChg chg="mod">
-          <ac:chgData name="Ming-Chih Lin" userId="f1ba3ba5-e185-404b-b55f-b2be90e2bdc2" providerId="ADAL" clId="{F1FA031A-4D31-4AEE-8DCB-44C85EA436EB}" dt="2020-06-01T23:31:21.972" v="779"/>
-          <ac:spMkLst>
-            <pc:docMk/>
-            <pc:sldMk cId="3757030699" sldId="308"/>
-            <ac:spMk id="3" creationId="{E7C3D928-2CE9-4266-A577-F5AA1DFC7CE3}"/>
-          </ac:spMkLst>
-        </pc:spChg>
-      </pc:sldChg>
-      <pc:sldChg chg="modSp add mod">
-        <pc:chgData name="Ming-Chih Lin" userId="f1ba3ba5-e185-404b-b55f-b2be90e2bdc2" providerId="ADAL" clId="{F1FA031A-4D31-4AEE-8DCB-44C85EA436EB}" dt="2020-06-01T23:16:11.863" v="435"/>
-        <pc:sldMkLst>
-          <pc:docMk/>
-          <pc:sldMk cId="2022201700" sldId="309"/>
-        </pc:sldMkLst>
-        <pc:spChg chg="mod">
-          <ac:chgData name="Ming-Chih Lin" userId="f1ba3ba5-e185-404b-b55f-b2be90e2bdc2" providerId="ADAL" clId="{F1FA031A-4D31-4AEE-8DCB-44C85EA436EB}" dt="2020-06-01T23:16:11.863" v="435"/>
-          <ac:spMkLst>
-            <pc:docMk/>
-            <pc:sldMk cId="2022201700" sldId="309"/>
-            <ac:spMk id="4" creationId="{2FA54F75-D405-4104-B6BB-EA44A23A109A}"/>
-          </ac:spMkLst>
-        </pc:spChg>
-      </pc:sldChg>
-      <pc:sldChg chg="addSp delSp modSp add mod ord">
-        <pc:chgData name="Ming-Chih Lin" userId="f1ba3ba5-e185-404b-b55f-b2be90e2bdc2" providerId="ADAL" clId="{F1FA031A-4D31-4AEE-8DCB-44C85EA436EB}" dt="2020-06-02T00:07:30.065" v="1132" actId="1076"/>
-        <pc:sldMkLst>
-          <pc:docMk/>
-          <pc:sldMk cId="1680955994" sldId="310"/>
-        </pc:sldMkLst>
-        <pc:spChg chg="del mod">
-          <ac:chgData name="Ming-Chih Lin" userId="f1ba3ba5-e185-404b-b55f-b2be90e2bdc2" providerId="ADAL" clId="{F1FA031A-4D31-4AEE-8DCB-44C85EA436EB}" dt="2020-06-01T23:46:50.152" v="1041" actId="478"/>
-          <ac:spMkLst>
-            <pc:docMk/>
-            <pc:sldMk cId="1680955994" sldId="310"/>
-            <ac:spMk id="2" creationId="{9EAB2091-9337-42B7-AC34-E09D04AC6790}"/>
-          </ac:spMkLst>
-        </pc:spChg>
-        <pc:spChg chg="mod">
-          <ac:chgData name="Ming-Chih Lin" userId="f1ba3ba5-e185-404b-b55f-b2be90e2bdc2" providerId="ADAL" clId="{F1FA031A-4D31-4AEE-8DCB-44C85EA436EB}" dt="2020-06-01T23:48:46.017" v="1050"/>
-          <ac:spMkLst>
-            <pc:docMk/>
-            <pc:sldMk cId="1680955994" sldId="310"/>
-            <ac:spMk id="3" creationId="{E7C3D928-2CE9-4266-A577-F5AA1DFC7CE3}"/>
-          </ac:spMkLst>
-        </pc:spChg>
-        <pc:spChg chg="add del mod">
-          <ac:chgData name="Ming-Chih Lin" userId="f1ba3ba5-e185-404b-b55f-b2be90e2bdc2" providerId="ADAL" clId="{F1FA031A-4D31-4AEE-8DCB-44C85EA436EB}" dt="2020-06-01T23:46:24.822" v="1040"/>
-          <ac:spMkLst>
-            <pc:docMk/>
-            <pc:sldMk cId="1680955994" sldId="310"/>
-            <ac:spMk id="4" creationId="{DFA67099-C7C6-4EF8-9522-C5EF93E8AFF6}"/>
-          </ac:spMkLst>
-        </pc:spChg>
-        <pc:spChg chg="add del mod">
-          <ac:chgData name="Ming-Chih Lin" userId="f1ba3ba5-e185-404b-b55f-b2be90e2bdc2" providerId="ADAL" clId="{F1FA031A-4D31-4AEE-8DCB-44C85EA436EB}" dt="2020-06-01T23:48:44.122" v="1049" actId="478"/>
-          <ac:spMkLst>
-            <pc:docMk/>
-            <pc:sldMk cId="1680955994" sldId="310"/>
-            <ac:spMk id="6" creationId="{C6523A91-946D-454F-9415-87B2845420E5}"/>
-          </ac:spMkLst>
-        </pc:spChg>
-        <pc:picChg chg="add del mod">
-          <ac:chgData name="Ming-Chih Lin" userId="f1ba3ba5-e185-404b-b55f-b2be90e2bdc2" providerId="ADAL" clId="{F1FA031A-4D31-4AEE-8DCB-44C85EA436EB}" dt="2020-06-02T00:07:21.630" v="1129" actId="478"/>
-          <ac:picMkLst>
-            <pc:docMk/>
-            <pc:sldMk cId="1680955994" sldId="310"/>
-            <ac:picMk id="7" creationId="{04167772-23D8-46EF-86E8-9F55289031D5}"/>
-          </ac:picMkLst>
-        </pc:picChg>
-        <pc:picChg chg="add del">
-          <ac:chgData name="Ming-Chih Lin" userId="f1ba3ba5-e185-404b-b55f-b2be90e2bdc2" providerId="ADAL" clId="{F1FA031A-4D31-4AEE-8DCB-44C85EA436EB}" dt="2020-06-02T00:05:20.886" v="1055"/>
-          <ac:picMkLst>
-            <pc:docMk/>
-            <pc:sldMk cId="1680955994" sldId="310"/>
-            <ac:picMk id="8" creationId="{86E0C46E-16C0-4B9D-98F5-753D5EB5E5C0}"/>
-          </ac:picMkLst>
-        </pc:picChg>
-        <pc:picChg chg="add mod">
-          <ac:chgData name="Ming-Chih Lin" userId="f1ba3ba5-e185-404b-b55f-b2be90e2bdc2" providerId="ADAL" clId="{F1FA031A-4D31-4AEE-8DCB-44C85EA436EB}" dt="2020-06-02T00:07:30.065" v="1132" actId="1076"/>
-          <ac:picMkLst>
-            <pc:docMk/>
-            <pc:sldMk cId="1680955994" sldId="310"/>
-            <ac:picMk id="9" creationId="{A8797093-BD72-4872-BB27-2A60EE738B76}"/>
-          </ac:picMkLst>
-        </pc:picChg>
-      </pc:sldChg>
-      <pc:sldChg chg="modSp add del mod">
-        <pc:chgData name="Ming-Chih Lin" userId="f1ba3ba5-e185-404b-b55f-b2be90e2bdc2" providerId="ADAL" clId="{F1FA031A-4D31-4AEE-8DCB-44C85EA436EB}" dt="2020-06-01T23:41:30.159" v="1000" actId="47"/>
-        <pc:sldMkLst>
-          <pc:docMk/>
-          <pc:sldMk cId="3863980547" sldId="311"/>
-        </pc:sldMkLst>
-        <pc:spChg chg="mod">
-          <ac:chgData name="Ming-Chih Lin" userId="f1ba3ba5-e185-404b-b55f-b2be90e2bdc2" providerId="ADAL" clId="{F1FA031A-4D31-4AEE-8DCB-44C85EA436EB}" dt="2020-06-01T23:34:25.883" v="974" actId="20577"/>
-          <ac:spMkLst>
-            <pc:docMk/>
-            <pc:sldMk cId="3863980547" sldId="311"/>
-            <ac:spMk id="3" creationId="{E7C3D928-2CE9-4266-A577-F5AA1DFC7CE3}"/>
-          </ac:spMkLst>
-        </pc:spChg>
-      </pc:sldChg>
-      <pc:sldChg chg="addSp delSp modSp new mod modClrScheme chgLayout">
-        <pc:chgData name="Ming-Chih Lin" userId="f1ba3ba5-e185-404b-b55f-b2be90e2bdc2" providerId="ADAL" clId="{F1FA031A-4D31-4AEE-8DCB-44C85EA436EB}" dt="2020-06-02T00:07:11.358" v="1128" actId="20577"/>
-        <pc:sldMkLst>
-          <pc:docMk/>
-          <pc:sldMk cId="1266417032" sldId="312"/>
-        </pc:sldMkLst>
-        <pc:spChg chg="del">
-          <ac:chgData name="Ming-Chih Lin" userId="f1ba3ba5-e185-404b-b55f-b2be90e2bdc2" providerId="ADAL" clId="{F1FA031A-4D31-4AEE-8DCB-44C85EA436EB}" dt="2020-06-01T23:16:35.525" v="440" actId="700"/>
-          <ac:spMkLst>
-            <pc:docMk/>
-            <pc:sldMk cId="1266417032" sldId="312"/>
-            <ac:spMk id="2" creationId="{A62D4AC1-C50C-4058-B2A5-D69AA87B4258}"/>
-          </ac:spMkLst>
-        </pc:spChg>
-        <pc:spChg chg="del">
-          <ac:chgData name="Ming-Chih Lin" userId="f1ba3ba5-e185-404b-b55f-b2be90e2bdc2" providerId="ADAL" clId="{F1FA031A-4D31-4AEE-8DCB-44C85EA436EB}" dt="2020-06-01T23:16:35.525" v="440" actId="700"/>
-          <ac:spMkLst>
-            <pc:docMk/>
-            <pc:sldMk cId="1266417032" sldId="312"/>
-            <ac:spMk id="3" creationId="{24369F45-8D56-4C99-9BA5-CE752D1914AC}"/>
-          </ac:spMkLst>
-        </pc:spChg>
-        <pc:spChg chg="add mod ord">
-          <ac:chgData name="Ming-Chih Lin" userId="f1ba3ba5-e185-404b-b55f-b2be90e2bdc2" providerId="ADAL" clId="{F1FA031A-4D31-4AEE-8DCB-44C85EA436EB}" dt="2020-06-02T00:05:56.161" v="1059" actId="700"/>
-          <ac:spMkLst>
-            <pc:docMk/>
-            <pc:sldMk cId="1266417032" sldId="312"/>
-            <ac:spMk id="4" creationId="{1854605A-57A1-476A-82F9-537D284E62C2}"/>
-          </ac:spMkLst>
-        </pc:spChg>
-        <pc:spChg chg="add mod ord">
-          <ac:chgData name="Ming-Chih Lin" userId="f1ba3ba5-e185-404b-b55f-b2be90e2bdc2" providerId="ADAL" clId="{F1FA031A-4D31-4AEE-8DCB-44C85EA436EB}" dt="2020-06-02T00:07:11.358" v="1128" actId="20577"/>
-          <ac:spMkLst>
-            <pc:docMk/>
-            <pc:sldMk cId="1266417032" sldId="312"/>
-            <ac:spMk id="5" creationId="{221EB24A-D4DB-45CB-BE7B-D41F7B493329}"/>
-          </ac:spMkLst>
-        </pc:spChg>
-      </pc:sldChg>
-      <pc:sldChg chg="modSp add mod">
-        <pc:chgData name="Ming-Chih Lin" userId="f1ba3ba5-e185-404b-b55f-b2be90e2bdc2" providerId="ADAL" clId="{F1FA031A-4D31-4AEE-8DCB-44C85EA436EB}" dt="2020-06-01T23:29:05.962" v="718" actId="20577"/>
-        <pc:sldMkLst>
-          <pc:docMk/>
-          <pc:sldMk cId="1608459360" sldId="313"/>
-        </pc:sldMkLst>
-        <pc:spChg chg="mod">
-          <ac:chgData name="Ming-Chih Lin" userId="f1ba3ba5-e185-404b-b55f-b2be90e2bdc2" providerId="ADAL" clId="{F1FA031A-4D31-4AEE-8DCB-44C85EA436EB}" dt="2020-06-01T23:29:05.962" v="718" actId="20577"/>
-          <ac:spMkLst>
-            <pc:docMk/>
-            <pc:sldMk cId="1608459360" sldId="313"/>
-            <ac:spMk id="4" creationId="{42223639-7737-4ADF-9CCC-84644374FFB5}"/>
-          </ac:spMkLst>
-        </pc:spChg>
-      </pc:sldChg>
-      <pc:sldChg chg="add del">
-        <pc:chgData name="Ming-Chih Lin" userId="f1ba3ba5-e185-404b-b55f-b2be90e2bdc2" providerId="ADAL" clId="{F1FA031A-4D31-4AEE-8DCB-44C85EA436EB}" dt="2020-06-01T23:30:27.215" v="721" actId="47"/>
-        <pc:sldMkLst>
-          <pc:docMk/>
-          <pc:sldMk cId="3592365506" sldId="314"/>
-        </pc:sldMkLst>
-      </pc:sldChg>
-      <pc:sldChg chg="modSp new mod">
-        <pc:chgData name="Ming-Chih Lin" userId="f1ba3ba5-e185-404b-b55f-b2be90e2bdc2" providerId="ADAL" clId="{F1FA031A-4D31-4AEE-8DCB-44C85EA436EB}" dt="2020-06-01T23:30:49.844" v="761"/>
-        <pc:sldMkLst>
-          <pc:docMk/>
-          <pc:sldMk cId="3053501639" sldId="315"/>
-        </pc:sldMkLst>
-        <pc:spChg chg="mod">
-          <ac:chgData name="Ming-Chih Lin" userId="f1ba3ba5-e185-404b-b55f-b2be90e2bdc2" providerId="ADAL" clId="{F1FA031A-4D31-4AEE-8DCB-44C85EA436EB}" dt="2020-06-01T23:30:49.844" v="761"/>
-          <ac:spMkLst>
-            <pc:docMk/>
-            <pc:sldMk cId="3053501639" sldId="315"/>
-            <ac:spMk id="3" creationId="{2DC53AD1-5967-4F57-9A42-A7D2F1A9323D}"/>
-          </ac:spMkLst>
-        </pc:spChg>
-      </pc:sldChg>
-      <pc:sldChg chg="modSp add del mod">
-        <pc:chgData name="Ming-Chih Lin" userId="f1ba3ba5-e185-404b-b55f-b2be90e2bdc2" providerId="ADAL" clId="{F1FA031A-4D31-4AEE-8DCB-44C85EA436EB}" dt="2020-06-01T23:41:30.159" v="1000" actId="47"/>
-        <pc:sldMkLst>
-          <pc:docMk/>
-          <pc:sldMk cId="612939432" sldId="316"/>
-        </pc:sldMkLst>
-        <pc:spChg chg="mod">
-          <ac:chgData name="Ming-Chih Lin" userId="f1ba3ba5-e185-404b-b55f-b2be90e2bdc2" providerId="ADAL" clId="{F1FA031A-4D31-4AEE-8DCB-44C85EA436EB}" dt="2020-06-01T23:32:42.102" v="850" actId="20577"/>
-          <ac:spMkLst>
-            <pc:docMk/>
-            <pc:sldMk cId="612939432" sldId="316"/>
-            <ac:spMk id="3" creationId="{E7C3D928-2CE9-4266-A577-F5AA1DFC7CE3}"/>
-          </ac:spMkLst>
-        </pc:spChg>
-      </pc:sldChg>
-      <pc:sldChg chg="addSp delSp modSp new add del mod">
-        <pc:chgData name="Ming-Chih Lin" userId="f1ba3ba5-e185-404b-b55f-b2be90e2bdc2" providerId="ADAL" clId="{F1FA031A-4D31-4AEE-8DCB-44C85EA436EB}" dt="2020-06-02T00:07:33.244" v="1133" actId="47"/>
-        <pc:sldMkLst>
-          <pc:docMk/>
-          <pc:sldMk cId="1830674388" sldId="316"/>
-        </pc:sldMkLst>
-        <pc:picChg chg="add del mod">
-          <ac:chgData name="Ming-Chih Lin" userId="f1ba3ba5-e185-404b-b55f-b2be90e2bdc2" providerId="ADAL" clId="{F1FA031A-4D31-4AEE-8DCB-44C85EA436EB}" dt="2020-06-02T00:07:23.378" v="1130" actId="21"/>
-          <ac:picMkLst>
-            <pc:docMk/>
-            <pc:sldMk cId="1830674388" sldId="316"/>
-            <ac:picMk id="4" creationId="{3482E1DE-C7E8-4B64-A3F8-917B68200E56}"/>
-          </ac:picMkLst>
-        </pc:picChg>
-      </pc:sldChg>
-      <pc:sldChg chg="modSp add del mod">
-        <pc:chgData name="Ming-Chih Lin" userId="f1ba3ba5-e185-404b-b55f-b2be90e2bdc2" providerId="ADAL" clId="{F1FA031A-4D31-4AEE-8DCB-44C85EA436EB}" dt="2020-06-01T23:41:30.159" v="1000" actId="47"/>
-        <pc:sldMkLst>
-          <pc:docMk/>
-          <pc:sldMk cId="1022163412" sldId="317"/>
-        </pc:sldMkLst>
-        <pc:spChg chg="mod">
-          <ac:chgData name="Ming-Chih Lin" userId="f1ba3ba5-e185-404b-b55f-b2be90e2bdc2" providerId="ADAL" clId="{F1FA031A-4D31-4AEE-8DCB-44C85EA436EB}" dt="2020-06-01T23:32:53.706" v="863" actId="20577"/>
-          <ac:spMkLst>
-            <pc:docMk/>
-            <pc:sldMk cId="1022163412" sldId="317"/>
-            <ac:spMk id="3" creationId="{E7C3D928-2CE9-4266-A577-F5AA1DFC7CE3}"/>
-          </ac:spMkLst>
-        </pc:spChg>
-      </pc:sldChg>
-      <pc:sldChg chg="modSp add del mod">
-        <pc:chgData name="Ming-Chih Lin" userId="f1ba3ba5-e185-404b-b55f-b2be90e2bdc2" providerId="ADAL" clId="{F1FA031A-4D31-4AEE-8DCB-44C85EA436EB}" dt="2020-06-01T23:41:30.159" v="1000" actId="47"/>
-        <pc:sldMkLst>
-          <pc:docMk/>
-          <pc:sldMk cId="4171406706" sldId="318"/>
-        </pc:sldMkLst>
-        <pc:spChg chg="mod">
-          <ac:chgData name="Ming-Chih Lin" userId="f1ba3ba5-e185-404b-b55f-b2be90e2bdc2" providerId="ADAL" clId="{F1FA031A-4D31-4AEE-8DCB-44C85EA436EB}" dt="2020-06-01T23:32:59.354" v="873" actId="20577"/>
-          <ac:spMkLst>
-            <pc:docMk/>
-            <pc:sldMk cId="4171406706" sldId="318"/>
-            <ac:spMk id="3" creationId="{E7C3D928-2CE9-4266-A577-F5AA1DFC7CE3}"/>
-          </ac:spMkLst>
-        </pc:spChg>
-      </pc:sldChg>
-      <pc:sldChg chg="modSp add del mod ord">
-        <pc:chgData name="Ming-Chih Lin" userId="f1ba3ba5-e185-404b-b55f-b2be90e2bdc2" providerId="ADAL" clId="{F1FA031A-4D31-4AEE-8DCB-44C85EA436EB}" dt="2020-06-01T23:41:30.159" v="1000" actId="47"/>
-        <pc:sldMkLst>
-          <pc:docMk/>
-          <pc:sldMk cId="3934403956" sldId="319"/>
-        </pc:sldMkLst>
-        <pc:spChg chg="mod">
-          <ac:chgData name="Ming-Chih Lin" userId="f1ba3ba5-e185-404b-b55f-b2be90e2bdc2" providerId="ADAL" clId="{F1FA031A-4D31-4AEE-8DCB-44C85EA436EB}" dt="2020-06-01T23:33:40.850" v="940" actId="20577"/>
-          <ac:spMkLst>
-            <pc:docMk/>
-            <pc:sldMk cId="3934403956" sldId="319"/>
-            <ac:spMk id="3" creationId="{E7C3D928-2CE9-4266-A577-F5AA1DFC7CE3}"/>
-          </ac:spMkLst>
-        </pc:spChg>
-      </pc:sldChg>
-      <pc:sldChg chg="modSp add del mod ord">
-        <pc:chgData name="Ming-Chih Lin" userId="f1ba3ba5-e185-404b-b55f-b2be90e2bdc2" providerId="ADAL" clId="{F1FA031A-4D31-4AEE-8DCB-44C85EA436EB}" dt="2020-06-01T23:41:30.159" v="1000" actId="47"/>
-        <pc:sldMkLst>
-          <pc:docMk/>
-          <pc:sldMk cId="816830408" sldId="320"/>
-        </pc:sldMkLst>
-        <pc:spChg chg="mod">
-          <ac:chgData name="Ming-Chih Lin" userId="f1ba3ba5-e185-404b-b55f-b2be90e2bdc2" providerId="ADAL" clId="{F1FA031A-4D31-4AEE-8DCB-44C85EA436EB}" dt="2020-06-01T23:33:58.268" v="959"/>
-          <ac:spMkLst>
-            <pc:docMk/>
-            <pc:sldMk cId="816830408" sldId="320"/>
-            <ac:spMk id="3" creationId="{E7C3D928-2CE9-4266-A577-F5AA1DFC7CE3}"/>
-          </ac:spMkLst>
-        </pc:spChg>
-      </pc:sldChg>
-      <pc:sldChg chg="modSp new del mod">
-        <pc:chgData name="Ming-Chih Lin" userId="f1ba3ba5-e185-404b-b55f-b2be90e2bdc2" providerId="ADAL" clId="{F1FA031A-4D31-4AEE-8DCB-44C85EA436EB}" dt="2020-06-01T23:41:30.159" v="1000" actId="47"/>
-        <pc:sldMkLst>
-          <pc:docMk/>
-          <pc:sldMk cId="137822786" sldId="321"/>
-        </pc:sldMkLst>
-        <pc:spChg chg="mod">
-          <ac:chgData name="Ming-Chih Lin" userId="f1ba3ba5-e185-404b-b55f-b2be90e2bdc2" providerId="ADAL" clId="{F1FA031A-4D31-4AEE-8DCB-44C85EA436EB}" dt="2020-06-01T23:34:47.171" v="993"/>
-          <ac:spMkLst>
-            <pc:docMk/>
-            <pc:sldMk cId="137822786" sldId="321"/>
-            <ac:spMk id="3" creationId="{89E19C31-D323-4099-B1F9-A39ED7CC546B}"/>
-          </ac:spMkLst>
-        </pc:spChg>
-      </pc:sldChg>
-    </pc:docChg>
-  </pc:docChgLst>
-  <pc:docChgLst>
     <pc:chgData name="Ming-Chih Lin" userId="f1ba3ba5-e185-404b-b55f-b2be90e2bdc2" providerId="ADAL" clId="{091A637F-8D54-4E54-83E0-103516D33677}"/>
     <pc:docChg chg="modSld">
       <pc:chgData name="Ming-Chih Lin" userId="f1ba3ba5-e185-404b-b55f-b2be90e2bdc2" providerId="ADAL" clId="{091A637F-8D54-4E54-83E0-103516D33677}" dt="2020-06-02T00:22:26.420" v="18" actId="207"/>
@@ -2643,203 +2844,6 @@
             <ac:spMk id="5" creationId="{24954B47-98FC-417E-9FE5-CB4B5835EA5D}"/>
           </ac:spMkLst>
         </pc:spChg>
-      </pc:sldChg>
-    </pc:docChg>
-  </pc:docChgLst>
-  <pc:docChgLst>
-    <pc:chgData name="Ming-Chih Lin" userId="f1ba3ba5-e185-404b-b55f-b2be90e2bdc2" providerId="ADAL" clId="{73C49393-00F6-48C7-99DB-5262FA837701}"/>
-    <pc:docChg chg="custSel addSld delSld modSld">
-      <pc:chgData name="Ming-Chih Lin" userId="f1ba3ba5-e185-404b-b55f-b2be90e2bdc2" providerId="ADAL" clId="{73C49393-00F6-48C7-99DB-5262FA837701}" dt="2020-06-02T00:14:48.542" v="90"/>
-      <pc:docMkLst>
-        <pc:docMk/>
-      </pc:docMkLst>
-      <pc:sldChg chg="addSp delSp modSp mod">
-        <pc:chgData name="Ming-Chih Lin" userId="f1ba3ba5-e185-404b-b55f-b2be90e2bdc2" providerId="ADAL" clId="{73C49393-00F6-48C7-99DB-5262FA837701}" dt="2020-06-02T00:09:55.262" v="3" actId="14100"/>
-        <pc:sldMkLst>
-          <pc:docMk/>
-          <pc:sldMk cId="3437513085" sldId="257"/>
-        </pc:sldMkLst>
-        <pc:spChg chg="mod">
-          <ac:chgData name="Ming-Chih Lin" userId="f1ba3ba5-e185-404b-b55f-b2be90e2bdc2" providerId="ADAL" clId="{73C49393-00F6-48C7-99DB-5262FA837701}" dt="2020-06-02T00:09:55.262" v="3" actId="14100"/>
-          <ac:spMkLst>
-            <pc:docMk/>
-            <pc:sldMk cId="3437513085" sldId="257"/>
-            <ac:spMk id="2" creationId="{F00E360D-5F36-459A-8321-D0EA4C8C73FE}"/>
-          </ac:spMkLst>
-        </pc:spChg>
-        <pc:graphicFrameChg chg="add del mod">
-          <ac:chgData name="Ming-Chih Lin" userId="f1ba3ba5-e185-404b-b55f-b2be90e2bdc2" providerId="ADAL" clId="{73C49393-00F6-48C7-99DB-5262FA837701}" dt="2020-06-02T00:09:49.623" v="1"/>
-          <ac:graphicFrameMkLst>
-            <pc:docMk/>
-            <pc:sldMk cId="3437513085" sldId="257"/>
-            <ac:graphicFrameMk id="4" creationId="{5049B3AE-5EA2-4052-9B86-DD46687ECD81}"/>
-          </ac:graphicFrameMkLst>
-        </pc:graphicFrameChg>
-      </pc:sldChg>
-      <pc:sldChg chg="del">
-        <pc:chgData name="Ming-Chih Lin" userId="f1ba3ba5-e185-404b-b55f-b2be90e2bdc2" providerId="ADAL" clId="{73C49393-00F6-48C7-99DB-5262FA837701}" dt="2020-06-02T00:11:20.397" v="13" actId="47"/>
-        <pc:sldMkLst>
-          <pc:docMk/>
-          <pc:sldMk cId="2773999239" sldId="288"/>
-        </pc:sldMkLst>
-      </pc:sldChg>
-      <pc:sldChg chg="del">
-        <pc:chgData name="Ming-Chih Lin" userId="f1ba3ba5-e185-404b-b55f-b2be90e2bdc2" providerId="ADAL" clId="{73C49393-00F6-48C7-99DB-5262FA837701}" dt="2020-06-02T00:11:20.397" v="13" actId="47"/>
-        <pc:sldMkLst>
-          <pc:docMk/>
-          <pc:sldMk cId="1061609012" sldId="289"/>
-        </pc:sldMkLst>
-      </pc:sldChg>
-      <pc:sldChg chg="del">
-        <pc:chgData name="Ming-Chih Lin" userId="f1ba3ba5-e185-404b-b55f-b2be90e2bdc2" providerId="ADAL" clId="{73C49393-00F6-48C7-99DB-5262FA837701}" dt="2020-06-02T00:11:20.397" v="13" actId="47"/>
-        <pc:sldMkLst>
-          <pc:docMk/>
-          <pc:sldMk cId="1663756997" sldId="290"/>
-        </pc:sldMkLst>
-      </pc:sldChg>
-      <pc:sldChg chg="del">
-        <pc:chgData name="Ming-Chih Lin" userId="f1ba3ba5-e185-404b-b55f-b2be90e2bdc2" providerId="ADAL" clId="{73C49393-00F6-48C7-99DB-5262FA837701}" dt="2020-06-02T00:10:19.448" v="5" actId="47"/>
-        <pc:sldMkLst>
-          <pc:docMk/>
-          <pc:sldMk cId="888648973" sldId="298"/>
-        </pc:sldMkLst>
-      </pc:sldChg>
-      <pc:sldChg chg="del">
-        <pc:chgData name="Ming-Chih Lin" userId="f1ba3ba5-e185-404b-b55f-b2be90e2bdc2" providerId="ADAL" clId="{73C49393-00F6-48C7-99DB-5262FA837701}" dt="2020-06-02T00:11:20.397" v="13" actId="47"/>
-        <pc:sldMkLst>
-          <pc:docMk/>
-          <pc:sldMk cId="101432508" sldId="299"/>
-        </pc:sldMkLst>
-      </pc:sldChg>
-      <pc:sldChg chg="del">
-        <pc:chgData name="Ming-Chih Lin" userId="f1ba3ba5-e185-404b-b55f-b2be90e2bdc2" providerId="ADAL" clId="{73C49393-00F6-48C7-99DB-5262FA837701}" dt="2020-06-02T00:12:16.208" v="16" actId="47"/>
-        <pc:sldMkLst>
-          <pc:docMk/>
-          <pc:sldMk cId="1415465906" sldId="300"/>
-        </pc:sldMkLst>
-      </pc:sldChg>
-      <pc:sldChg chg="del">
-        <pc:chgData name="Ming-Chih Lin" userId="f1ba3ba5-e185-404b-b55f-b2be90e2bdc2" providerId="ADAL" clId="{73C49393-00F6-48C7-99DB-5262FA837701}" dt="2020-06-02T00:12:16.208" v="16" actId="47"/>
-        <pc:sldMkLst>
-          <pc:docMk/>
-          <pc:sldMk cId="1171545912" sldId="301"/>
-        </pc:sldMkLst>
-      </pc:sldChg>
-      <pc:sldChg chg="del">
-        <pc:chgData name="Ming-Chih Lin" userId="f1ba3ba5-e185-404b-b55f-b2be90e2bdc2" providerId="ADAL" clId="{73C49393-00F6-48C7-99DB-5262FA837701}" dt="2020-06-02T00:12:16.208" v="16" actId="47"/>
-        <pc:sldMkLst>
-          <pc:docMk/>
-          <pc:sldMk cId="2002684050" sldId="302"/>
-        </pc:sldMkLst>
-      </pc:sldChg>
-      <pc:sldChg chg="del">
-        <pc:chgData name="Ming-Chih Lin" userId="f1ba3ba5-e185-404b-b55f-b2be90e2bdc2" providerId="ADAL" clId="{73C49393-00F6-48C7-99DB-5262FA837701}" dt="2020-06-02T00:12:16.208" v="16" actId="47"/>
-        <pc:sldMkLst>
-          <pc:docMk/>
-          <pc:sldMk cId="3346354504" sldId="304"/>
-        </pc:sldMkLst>
-      </pc:sldChg>
-      <pc:sldChg chg="del">
-        <pc:chgData name="Ming-Chih Lin" userId="f1ba3ba5-e185-404b-b55f-b2be90e2bdc2" providerId="ADAL" clId="{73C49393-00F6-48C7-99DB-5262FA837701}" dt="2020-06-02T00:12:16.208" v="16" actId="47"/>
-        <pc:sldMkLst>
-          <pc:docMk/>
-          <pc:sldMk cId="1699586139" sldId="305"/>
-        </pc:sldMkLst>
-      </pc:sldChg>
-      <pc:sldChg chg="del">
-        <pc:chgData name="Ming-Chih Lin" userId="f1ba3ba5-e185-404b-b55f-b2be90e2bdc2" providerId="ADAL" clId="{73C49393-00F6-48C7-99DB-5262FA837701}" dt="2020-06-02T00:12:16.208" v="16" actId="47"/>
-        <pc:sldMkLst>
-          <pc:docMk/>
-          <pc:sldMk cId="1220209127" sldId="306"/>
-        </pc:sldMkLst>
-      </pc:sldChg>
-      <pc:sldChg chg="del">
-        <pc:chgData name="Ming-Chih Lin" userId="f1ba3ba5-e185-404b-b55f-b2be90e2bdc2" providerId="ADAL" clId="{73C49393-00F6-48C7-99DB-5262FA837701}" dt="2020-06-02T00:12:16.208" v="16" actId="47"/>
-        <pc:sldMkLst>
-          <pc:docMk/>
-          <pc:sldMk cId="236770104" sldId="307"/>
-        </pc:sldMkLst>
-      </pc:sldChg>
-      <pc:sldChg chg="del">
-        <pc:chgData name="Ming-Chih Lin" userId="f1ba3ba5-e185-404b-b55f-b2be90e2bdc2" providerId="ADAL" clId="{73C49393-00F6-48C7-99DB-5262FA837701}" dt="2020-06-02T00:11:59.394" v="14" actId="47"/>
-        <pc:sldMkLst>
-          <pc:docMk/>
-          <pc:sldMk cId="2022201700" sldId="309"/>
-        </pc:sldMkLst>
-      </pc:sldChg>
-      <pc:sldChg chg="del">
-        <pc:chgData name="Ming-Chih Lin" userId="f1ba3ba5-e185-404b-b55f-b2be90e2bdc2" providerId="ADAL" clId="{73C49393-00F6-48C7-99DB-5262FA837701}" dt="2020-06-02T00:11:59.980" v="15" actId="47"/>
-        <pc:sldMkLst>
-          <pc:docMk/>
-          <pc:sldMk cId="1680955994" sldId="310"/>
-        </pc:sldMkLst>
-      </pc:sldChg>
-      <pc:sldChg chg="del">
-        <pc:chgData name="Ming-Chih Lin" userId="f1ba3ba5-e185-404b-b55f-b2be90e2bdc2" providerId="ADAL" clId="{73C49393-00F6-48C7-99DB-5262FA837701}" dt="2020-06-02T00:12:16.208" v="16" actId="47"/>
-        <pc:sldMkLst>
-          <pc:docMk/>
-          <pc:sldMk cId="1608459360" sldId="313"/>
-        </pc:sldMkLst>
-      </pc:sldChg>
-      <pc:sldChg chg="del">
-        <pc:chgData name="Ming-Chih Lin" userId="f1ba3ba5-e185-404b-b55f-b2be90e2bdc2" providerId="ADAL" clId="{73C49393-00F6-48C7-99DB-5262FA837701}" dt="2020-06-02T00:12:16.208" v="16" actId="47"/>
-        <pc:sldMkLst>
-          <pc:docMk/>
-          <pc:sldMk cId="3053501639" sldId="315"/>
-        </pc:sldMkLst>
-      </pc:sldChg>
-      <pc:sldChg chg="add">
-        <pc:chgData name="Ming-Chih Lin" userId="f1ba3ba5-e185-404b-b55f-b2be90e2bdc2" providerId="ADAL" clId="{73C49393-00F6-48C7-99DB-5262FA837701}" dt="2020-06-02T00:10:18.221" v="4"/>
-        <pc:sldMkLst>
-          <pc:docMk/>
-          <pc:sldMk cId="19629556" sldId="316"/>
-        </pc:sldMkLst>
-      </pc:sldChg>
-      <pc:sldChg chg="addSp delSp modSp add mod">
-        <pc:chgData name="Ming-Chih Lin" userId="f1ba3ba5-e185-404b-b55f-b2be90e2bdc2" providerId="ADAL" clId="{73C49393-00F6-48C7-99DB-5262FA837701}" dt="2020-06-02T00:11:09.974" v="12" actId="1076"/>
-        <pc:sldMkLst>
-          <pc:docMk/>
-          <pc:sldMk cId="497064445" sldId="317"/>
-        </pc:sldMkLst>
-        <pc:picChg chg="add mod">
-          <ac:chgData name="Ming-Chih Lin" userId="f1ba3ba5-e185-404b-b55f-b2be90e2bdc2" providerId="ADAL" clId="{73C49393-00F6-48C7-99DB-5262FA837701}" dt="2020-06-02T00:11:09.974" v="12" actId="1076"/>
-          <ac:picMkLst>
-            <pc:docMk/>
-            <pc:sldMk cId="497064445" sldId="317"/>
-            <ac:picMk id="2" creationId="{24B42EE7-EE76-400D-B513-614BD7A34C4E}"/>
-          </ac:picMkLst>
-        </pc:picChg>
-        <pc:picChg chg="del">
-          <ac:chgData name="Ming-Chih Lin" userId="f1ba3ba5-e185-404b-b55f-b2be90e2bdc2" providerId="ADAL" clId="{73C49393-00F6-48C7-99DB-5262FA837701}" dt="2020-06-02T00:11:00.632" v="6" actId="478"/>
-          <ac:picMkLst>
-            <pc:docMk/>
-            <pc:sldMk cId="497064445" sldId="317"/>
-            <ac:picMk id="9" creationId="{A8797093-BD72-4872-BB27-2A60EE738B76}"/>
-          </ac:picMkLst>
-        </pc:picChg>
-      </pc:sldChg>
-      <pc:sldChg chg="delSp modSp add mod">
-        <pc:chgData name="Ming-Chih Lin" userId="f1ba3ba5-e185-404b-b55f-b2be90e2bdc2" providerId="ADAL" clId="{73C49393-00F6-48C7-99DB-5262FA837701}" dt="2020-06-02T00:14:48.542" v="90"/>
-        <pc:sldMkLst>
-          <pc:docMk/>
-          <pc:sldMk cId="1705629521" sldId="318"/>
-        </pc:sldMkLst>
-        <pc:spChg chg="mod">
-          <ac:chgData name="Ming-Chih Lin" userId="f1ba3ba5-e185-404b-b55f-b2be90e2bdc2" providerId="ADAL" clId="{73C49393-00F6-48C7-99DB-5262FA837701}" dt="2020-06-02T00:14:48.542" v="90"/>
-          <ac:spMkLst>
-            <pc:docMk/>
-            <pc:sldMk cId="1705629521" sldId="318"/>
-            <ac:spMk id="3" creationId="{E7C3D928-2CE9-4266-A577-F5AA1DFC7CE3}"/>
-          </ac:spMkLst>
-        </pc:spChg>
-        <pc:picChg chg="del">
-          <ac:chgData name="Ming-Chih Lin" userId="f1ba3ba5-e185-404b-b55f-b2be90e2bdc2" providerId="ADAL" clId="{73C49393-00F6-48C7-99DB-5262FA837701}" dt="2020-06-02T00:13:26.758" v="34" actId="478"/>
-          <ac:picMkLst>
-            <pc:docMk/>
-            <pc:sldMk cId="1705629521" sldId="318"/>
-            <ac:picMk id="2" creationId="{24B42EE7-EE76-400D-B513-614BD7A34C4E}"/>
-          </ac:picMkLst>
-        </pc:picChg>
       </pc:sldChg>
     </pc:docChg>
   </pc:docChgLst>
@@ -6455,7 +6459,7 @@
           <a:p>
             <a:fld id="{FA1E3ED8-1BB4-4BD2-AB23-359644E070C2}" type="datetimeFigureOut">
               <a:rPr lang="zh-TW" altLang="en-US" smtClean="0"/>
-              <a:t>2020/6/14</a:t>
+              <a:t>2020/6/19</a:t>
             </a:fld>
             <a:endParaRPr lang="zh-TW" altLang="en-US"/>
           </a:p>
@@ -11860,6 +11864,118 @@
           <a:chExt cx="0" cy="0"/>
         </a:xfrm>
       </p:grpSpPr>
+      <p:pic>
+        <p:nvPicPr>
+          <p:cNvPr id="5" name="圖片 4">
+            <a:extLst>
+              <a:ext uri="{FF2B5EF4-FFF2-40B4-BE49-F238E27FC236}">
+                <a16:creationId xmlns:a16="http://schemas.microsoft.com/office/drawing/2014/main" id="{1CEC4D29-8869-4612-93DF-6D1EDE350EAF}"/>
+              </a:ext>
+            </a:extLst>
+          </p:cNvPr>
+          <p:cNvPicPr>
+            <a:picLocks noChangeAspect="1"/>
+          </p:cNvPicPr>
+          <p:nvPr/>
+        </p:nvPicPr>
+        <p:blipFill>
+          <a:blip r:embed="rId2"/>
+          <a:stretch>
+            <a:fillRect/>
+          </a:stretch>
+        </p:blipFill>
+        <p:spPr>
+          <a:xfrm>
+            <a:off x="2487760" y="1087182"/>
+            <a:ext cx="7216479" cy="4683636"/>
+          </a:xfrm>
+          <a:prstGeom prst="rect">
+            <a:avLst/>
+          </a:prstGeom>
+        </p:spPr>
+      </p:pic>
+      <p:sp>
+        <p:nvSpPr>
+          <p:cNvPr id="2" name="標題 1">
+            <a:extLst>
+              <a:ext uri="{FF2B5EF4-FFF2-40B4-BE49-F238E27FC236}">
+                <a16:creationId xmlns:a16="http://schemas.microsoft.com/office/drawing/2014/main" id="{246CB15C-4F7B-46A7-A649-6EA17AF09BF2}"/>
+              </a:ext>
+            </a:extLst>
+          </p:cNvPr>
+          <p:cNvSpPr>
+            <a:spLocks noGrp="1"/>
+          </p:cNvSpPr>
+          <p:nvPr>
+            <p:ph type="title"/>
+          </p:nvPr>
+        </p:nvSpPr>
+        <p:spPr/>
+        <p:txBody>
+          <a:bodyPr/>
+          <a:lstStyle/>
+          <a:p>
+            <a:r>
+              <a:rPr lang="en-US" altLang="zh-TW" dirty="0"/>
+              <a:t>Visual Studio</a:t>
+            </a:r>
+            <a:r>
+              <a:rPr lang="zh-TW" altLang="en-US" dirty="0"/>
+              <a:t> </a:t>
+            </a:r>
+            <a:r>
+              <a:rPr lang="en-US" altLang="zh-TW" dirty="0"/>
+              <a:t>IDE</a:t>
+            </a:r>
+            <a:r>
+              <a:rPr lang="zh-TW" altLang="en-US" dirty="0"/>
+              <a:t>介面</a:t>
+            </a:r>
+          </a:p>
+        </p:txBody>
+      </p:sp>
+    </p:spTree>
+    <p:extLst>
+      <p:ext uri="{BB962C8B-B14F-4D97-AF65-F5344CB8AC3E}">
+        <p14:creationId xmlns:p14="http://schemas.microsoft.com/office/powerpoint/2010/main" val="1721662836"/>
+      </p:ext>
+    </p:extLst>
+  </p:cSld>
+  <p:clrMapOvr>
+    <a:masterClrMapping/>
+  </p:clrMapOvr>
+  <mc:AlternateContent xmlns:mc="http://schemas.openxmlformats.org/markup-compatibility/2006" xmlns:p14="http://schemas.microsoft.com/office/powerpoint/2010/main">
+    <mc:Choice Requires="p14">
+      <p:transition p14:dur="250">
+        <p:fade/>
+      </p:transition>
+    </mc:Choice>
+    <mc:Fallback xmlns="">
+      <p:transition>
+        <p:fade/>
+      </p:transition>
+    </mc:Fallback>
+  </mc:AlternateContent>
+</p:sld>
+</file>
+
+<file path=ppt/slides/slide13.xml><?xml version="1.0" encoding="utf-8"?>
+<p:sld xmlns:a="http://schemas.openxmlformats.org/drawingml/2006/main" xmlns:r="http://schemas.openxmlformats.org/officeDocument/2006/relationships" xmlns:p="http://schemas.openxmlformats.org/presentationml/2006/main">
+  <p:cSld>
+    <p:spTree>
+      <p:nvGrpSpPr>
+        <p:cNvPr id="1" name=""/>
+        <p:cNvGrpSpPr/>
+        <p:nvPr/>
+      </p:nvGrpSpPr>
+      <p:grpSpPr>
+        <a:xfrm>
+          <a:off x="0" y="0"/>
+          <a:ext cx="0" cy="0"/>
+          <a:chOff x="0" y="0"/>
+          <a:chExt cx="0" cy="0"/>
+        </a:xfrm>
+      </p:grpSpPr>
       <p:sp>
         <p:nvSpPr>
           <p:cNvPr id="5" name="內容版面配置區 4">
@@ -11980,7 +12096,7 @@
 </p:sld>
 </file>
 
-<file path=ppt/slides/slide13.xml><?xml version="1.0" encoding="utf-8"?>
+<file path=ppt/slides/slide14.xml><?xml version="1.0" encoding="utf-8"?>
 <p:sld xmlns:a="http://schemas.openxmlformats.org/drawingml/2006/main" xmlns:r="http://schemas.openxmlformats.org/officeDocument/2006/relationships" xmlns:p="http://schemas.openxmlformats.org/presentationml/2006/main">
   <p:cSld>
     <p:spTree>
@@ -12158,7 +12274,7 @@
 </p:sld>
 </file>
 
-<file path=ppt/slides/slide14.xml><?xml version="1.0" encoding="utf-8"?>
+<file path=ppt/slides/slide15.xml><?xml version="1.0" encoding="utf-8"?>
 <p:sld xmlns:a="http://schemas.openxmlformats.org/drawingml/2006/main" xmlns:r="http://schemas.openxmlformats.org/officeDocument/2006/relationships" xmlns:p="http://schemas.openxmlformats.org/presentationml/2006/main">
   <p:cSld>
     <p:spTree>
@@ -12472,78 +12588,6 @@
     <p:extLst>
       <p:ext uri="{BB962C8B-B14F-4D97-AF65-F5344CB8AC3E}">
         <p14:creationId xmlns:p14="http://schemas.microsoft.com/office/powerpoint/2010/main" val="986520319"/>
-      </p:ext>
-    </p:extLst>
-  </p:cSld>
-  <p:clrMapOvr>
-    <a:masterClrMapping/>
-  </p:clrMapOvr>
-  <mc:AlternateContent xmlns:mc="http://schemas.openxmlformats.org/markup-compatibility/2006" xmlns:p14="http://schemas.microsoft.com/office/powerpoint/2010/main">
-    <mc:Choice Requires="p14">
-      <p:transition p14:dur="250">
-        <p:fade/>
-      </p:transition>
-    </mc:Choice>
-    <mc:Fallback xmlns="">
-      <p:transition>
-        <p:fade/>
-      </p:transition>
-    </mc:Fallback>
-  </mc:AlternateContent>
-</p:sld>
-</file>
-
-<file path=ppt/slides/slide15.xml><?xml version="1.0" encoding="utf-8"?>
-<p:sld xmlns:a="http://schemas.openxmlformats.org/drawingml/2006/main" xmlns:r="http://schemas.openxmlformats.org/officeDocument/2006/relationships" xmlns:p="http://schemas.openxmlformats.org/presentationml/2006/main">
-  <p:cSld>
-    <p:spTree>
-      <p:nvGrpSpPr>
-        <p:cNvPr id="1" name=""/>
-        <p:cNvGrpSpPr/>
-        <p:nvPr/>
-      </p:nvGrpSpPr>
-      <p:grpSpPr>
-        <a:xfrm>
-          <a:off x="0" y="0"/>
-          <a:ext cx="0" cy="0"/>
-          <a:chOff x="0" y="0"/>
-          <a:chExt cx="0" cy="0"/>
-        </a:xfrm>
-      </p:grpSpPr>
-      <p:pic>
-        <p:nvPicPr>
-          <p:cNvPr id="5" name="圖片 4">
-            <a:extLst>
-              <a:ext uri="{FF2B5EF4-FFF2-40B4-BE49-F238E27FC236}">
-                <a16:creationId xmlns:a16="http://schemas.microsoft.com/office/drawing/2014/main" id="{1CEC4D29-8869-4612-93DF-6D1EDE350EAF}"/>
-              </a:ext>
-            </a:extLst>
-          </p:cNvPr>
-          <p:cNvPicPr>
-            <a:picLocks noChangeAspect="1"/>
-          </p:cNvPicPr>
-          <p:nvPr/>
-        </p:nvPicPr>
-        <p:blipFill>
-          <a:blip r:embed="rId2"/>
-          <a:stretch>
-            <a:fillRect/>
-          </a:stretch>
-        </p:blipFill>
-        <p:spPr>
-          <a:xfrm>
-            <a:off x="2154682" y="657656"/>
-            <a:ext cx="7882635" cy="5115984"/>
-          </a:xfrm>
-          <a:prstGeom prst="rect">
-            <a:avLst/>
-          </a:prstGeom>
-        </p:spPr>
-      </p:pic>
-    </p:spTree>
-    <p:extLst>
-      <p:ext uri="{BB962C8B-B14F-4D97-AF65-F5344CB8AC3E}">
-        <p14:creationId xmlns:p14="http://schemas.microsoft.com/office/powerpoint/2010/main" val="1721662836"/>
       </p:ext>
     </p:extLst>
   </p:cSld>
@@ -12605,8 +12649,13 @@
           <a:p>
             <a:r>
               <a:rPr lang="zh-TW" altLang="en-US" dirty="0"/>
-              <a:t>專案問題解析</a:t>
-            </a:r>
+              <a:t>範例解說</a:t>
+            </a:r>
+            <a:r>
+              <a:rPr lang="zh-TW" altLang="en-US"/>
+              <a:t>：使用屬性欄位</a:t>
+            </a:r>
+            <a:endParaRPr lang="zh-TW" altLang="en-US" dirty="0"/>
           </a:p>
         </p:txBody>
       </p:sp>
@@ -12638,7 +12687,241 @@
     </p:spTree>
     <p:extLst>
       <p:ext uri="{BB962C8B-B14F-4D97-AF65-F5344CB8AC3E}">
-        <p14:creationId xmlns:p14="http://schemas.microsoft.com/office/powerpoint/2010/main" val="929909194"/>
+        <p14:creationId xmlns:p14="http://schemas.microsoft.com/office/powerpoint/2010/main" val="2602390566"/>
+      </p:ext>
+    </p:extLst>
+  </p:cSld>
+  <p:clrMapOvr>
+    <a:masterClrMapping/>
+  </p:clrMapOvr>
+  <mc:AlternateContent xmlns:mc="http://schemas.openxmlformats.org/markup-compatibility/2006" xmlns:p14="http://schemas.microsoft.com/office/powerpoint/2010/main">
+    <mc:Choice Requires="p14">
+      <p:transition p14:dur="250">
+        <p:fade/>
+      </p:transition>
+    </mc:Choice>
+    <mc:Fallback xmlns="">
+      <p:transition>
+        <p:fade/>
+      </p:transition>
+    </mc:Fallback>
+  </mc:AlternateContent>
+</p:sld>
+</file>
+
+<file path=ppt/slides/slide17.xml><?xml version="1.0" encoding="utf-8"?>
+<p:sld xmlns:a="http://schemas.openxmlformats.org/drawingml/2006/main" xmlns:r="http://schemas.openxmlformats.org/officeDocument/2006/relationships" xmlns:p="http://schemas.openxmlformats.org/presentationml/2006/main">
+  <p:cSld>
+    <p:spTree>
+      <p:nvGrpSpPr>
+        <p:cNvPr id="1" name=""/>
+        <p:cNvGrpSpPr/>
+        <p:nvPr/>
+      </p:nvGrpSpPr>
+      <p:grpSpPr>
+        <a:xfrm>
+          <a:off x="0" y="0"/>
+          <a:ext cx="0" cy="0"/>
+          <a:chOff x="0" y="0"/>
+          <a:chExt cx="0" cy="0"/>
+        </a:xfrm>
+      </p:grpSpPr>
+      <p:sp>
+        <p:nvSpPr>
+          <p:cNvPr id="4" name="標題 3">
+            <a:extLst>
+              <a:ext uri="{FF2B5EF4-FFF2-40B4-BE49-F238E27FC236}">
+                <a16:creationId xmlns:a16="http://schemas.microsoft.com/office/drawing/2014/main" id="{D50B217F-DBBD-46E8-8FA5-A000753D48A3}"/>
+              </a:ext>
+            </a:extLst>
+          </p:cNvPr>
+          <p:cNvSpPr>
+            <a:spLocks noGrp="1"/>
+          </p:cNvSpPr>
+          <p:nvPr>
+            <p:ph type="title"/>
+          </p:nvPr>
+        </p:nvSpPr>
+        <p:spPr/>
+        <p:txBody>
+          <a:bodyPr/>
+          <a:lstStyle/>
+          <a:p>
+            <a:endParaRPr lang="zh-TW" altLang="en-US"/>
+          </a:p>
+        </p:txBody>
+      </p:sp>
+    </p:spTree>
+    <p:extLst>
+      <p:ext uri="{BB962C8B-B14F-4D97-AF65-F5344CB8AC3E}">
+        <p14:creationId xmlns:p14="http://schemas.microsoft.com/office/powerpoint/2010/main" val="3848154747"/>
+      </p:ext>
+    </p:extLst>
+  </p:cSld>
+  <p:clrMapOvr>
+    <a:masterClrMapping/>
+  </p:clrMapOvr>
+  <mc:AlternateContent xmlns:mc="http://schemas.openxmlformats.org/markup-compatibility/2006" xmlns:p14="http://schemas.microsoft.com/office/powerpoint/2010/main">
+    <mc:Choice Requires="p14">
+      <p:transition p14:dur="250">
+        <p:fade/>
+      </p:transition>
+    </mc:Choice>
+    <mc:Fallback xmlns="">
+      <p:transition>
+        <p:fade/>
+      </p:transition>
+    </mc:Fallback>
+  </mc:AlternateContent>
+</p:sld>
+</file>
+
+<file path=ppt/slides/slide18.xml><?xml version="1.0" encoding="utf-8"?>
+<p:sld xmlns:a="http://schemas.openxmlformats.org/drawingml/2006/main" xmlns:r="http://schemas.openxmlformats.org/officeDocument/2006/relationships" xmlns:p="http://schemas.openxmlformats.org/presentationml/2006/main">
+  <p:cSld>
+    <p:spTree>
+      <p:nvGrpSpPr>
+        <p:cNvPr id="1" name=""/>
+        <p:cNvGrpSpPr/>
+        <p:nvPr/>
+      </p:nvGrpSpPr>
+      <p:grpSpPr>
+        <a:xfrm>
+          <a:off x="0" y="0"/>
+          <a:ext cx="0" cy="0"/>
+          <a:chOff x="0" y="0"/>
+          <a:chExt cx="0" cy="0"/>
+        </a:xfrm>
+      </p:grpSpPr>
+      <p:sp>
+        <p:nvSpPr>
+          <p:cNvPr id="4" name="文字版面配置區 3">
+            <a:extLst>
+              <a:ext uri="{FF2B5EF4-FFF2-40B4-BE49-F238E27FC236}">
+                <a16:creationId xmlns:a16="http://schemas.microsoft.com/office/drawing/2014/main" id="{2FA54F75-D405-4104-B6BB-EA44A23A109A}"/>
+              </a:ext>
+            </a:extLst>
+          </p:cNvPr>
+          <p:cNvSpPr>
+            <a:spLocks noGrp="1"/>
+          </p:cNvSpPr>
+          <p:nvPr>
+            <p:ph type="body" sz="quarter" idx="10"/>
+          </p:nvPr>
+        </p:nvSpPr>
+        <p:spPr/>
+        <p:txBody>
+          <a:bodyPr/>
+          <a:lstStyle/>
+          <a:p>
+            <a:r>
+              <a:rPr lang="zh-TW" altLang="en-US" dirty="0"/>
+              <a:t>範例解說：使用</a:t>
+            </a:r>
+            <a:r>
+              <a:rPr lang="en-US" altLang="zh-TW" dirty="0"/>
+              <a:t>EXCEL</a:t>
+            </a:r>
+            <a:endParaRPr lang="zh-TW" altLang="en-US" dirty="0"/>
+          </a:p>
+        </p:txBody>
+      </p:sp>
+      <p:sp>
+        <p:nvSpPr>
+          <p:cNvPr id="5" name="文字版面配置區 4">
+            <a:extLst>
+              <a:ext uri="{FF2B5EF4-FFF2-40B4-BE49-F238E27FC236}">
+                <a16:creationId xmlns:a16="http://schemas.microsoft.com/office/drawing/2014/main" id="{CEE2A55E-C73D-43FF-AA36-95C0FF95B7B1}"/>
+              </a:ext>
+            </a:extLst>
+          </p:cNvPr>
+          <p:cNvSpPr>
+            <a:spLocks noGrp="1"/>
+          </p:cNvSpPr>
+          <p:nvPr>
+            <p:ph type="body" sz="quarter" idx="12"/>
+          </p:nvPr>
+        </p:nvSpPr>
+        <p:spPr/>
+        <p:txBody>
+          <a:bodyPr/>
+          <a:lstStyle/>
+          <a:p>
+            <a:endParaRPr lang="zh-TW" altLang="en-US"/>
+          </a:p>
+        </p:txBody>
+      </p:sp>
+    </p:spTree>
+    <p:extLst>
+      <p:ext uri="{BB962C8B-B14F-4D97-AF65-F5344CB8AC3E}">
+        <p14:creationId xmlns:p14="http://schemas.microsoft.com/office/powerpoint/2010/main" val="2663778265"/>
+      </p:ext>
+    </p:extLst>
+  </p:cSld>
+  <p:clrMapOvr>
+    <a:masterClrMapping/>
+  </p:clrMapOvr>
+  <mc:AlternateContent xmlns:mc="http://schemas.openxmlformats.org/markup-compatibility/2006" xmlns:p14="http://schemas.microsoft.com/office/powerpoint/2010/main">
+    <mc:Choice Requires="p14">
+      <p:transition p14:dur="250">
+        <p:fade/>
+      </p:transition>
+    </mc:Choice>
+    <mc:Fallback xmlns="">
+      <p:transition>
+        <p:fade/>
+      </p:transition>
+    </mc:Fallback>
+  </mc:AlternateContent>
+</p:sld>
+</file>
+
+<file path=ppt/slides/slide19.xml><?xml version="1.0" encoding="utf-8"?>
+<p:sld xmlns:a="http://schemas.openxmlformats.org/drawingml/2006/main" xmlns:r="http://schemas.openxmlformats.org/officeDocument/2006/relationships" xmlns:p="http://schemas.openxmlformats.org/presentationml/2006/main">
+  <p:cSld>
+    <p:spTree>
+      <p:nvGrpSpPr>
+        <p:cNvPr id="1" name=""/>
+        <p:cNvGrpSpPr/>
+        <p:nvPr/>
+      </p:nvGrpSpPr>
+      <p:grpSpPr>
+        <a:xfrm>
+          <a:off x="0" y="0"/>
+          <a:ext cx="0" cy="0"/>
+          <a:chOff x="0" y="0"/>
+          <a:chExt cx="0" cy="0"/>
+        </a:xfrm>
+      </p:grpSpPr>
+      <p:sp>
+        <p:nvSpPr>
+          <p:cNvPr id="4" name="標題 3">
+            <a:extLst>
+              <a:ext uri="{FF2B5EF4-FFF2-40B4-BE49-F238E27FC236}">
+                <a16:creationId xmlns:a16="http://schemas.microsoft.com/office/drawing/2014/main" id="{D50B217F-DBBD-46E8-8FA5-A000753D48A3}"/>
+              </a:ext>
+            </a:extLst>
+          </p:cNvPr>
+          <p:cNvSpPr>
+            <a:spLocks noGrp="1"/>
+          </p:cNvSpPr>
+          <p:nvPr>
+            <p:ph type="title"/>
+          </p:nvPr>
+        </p:nvSpPr>
+        <p:spPr/>
+        <p:txBody>
+          <a:bodyPr/>
+          <a:lstStyle/>
+          <a:p>
+            <a:endParaRPr lang="zh-TW" altLang="en-US"/>
+          </a:p>
+        </p:txBody>
+      </p:sp>
+    </p:spTree>
+    <p:extLst>
+      <p:ext uri="{BB962C8B-B14F-4D97-AF65-F5344CB8AC3E}">
+        <p14:creationId xmlns:p14="http://schemas.microsoft.com/office/powerpoint/2010/main" val="1058442580"/>
       </p:ext>
     </p:extLst>
   </p:cSld>
@@ -12759,6 +13042,101 @@
 </p:sld>
 </file>
 
+<file path=ppt/slides/slide20.xml><?xml version="1.0" encoding="utf-8"?>
+<p:sld xmlns:a="http://schemas.openxmlformats.org/drawingml/2006/main" xmlns:r="http://schemas.openxmlformats.org/officeDocument/2006/relationships" xmlns:p="http://schemas.openxmlformats.org/presentationml/2006/main">
+  <p:cSld>
+    <p:spTree>
+      <p:nvGrpSpPr>
+        <p:cNvPr id="1" name=""/>
+        <p:cNvGrpSpPr/>
+        <p:nvPr/>
+      </p:nvGrpSpPr>
+      <p:grpSpPr>
+        <a:xfrm>
+          <a:off x="0" y="0"/>
+          <a:ext cx="0" cy="0"/>
+          <a:chOff x="0" y="0"/>
+          <a:chExt cx="0" cy="0"/>
+        </a:xfrm>
+      </p:grpSpPr>
+      <p:sp>
+        <p:nvSpPr>
+          <p:cNvPr id="4" name="文字版面配置區 3">
+            <a:extLst>
+              <a:ext uri="{FF2B5EF4-FFF2-40B4-BE49-F238E27FC236}">
+                <a16:creationId xmlns:a16="http://schemas.microsoft.com/office/drawing/2014/main" id="{2FA54F75-D405-4104-B6BB-EA44A23A109A}"/>
+              </a:ext>
+            </a:extLst>
+          </p:cNvPr>
+          <p:cNvSpPr>
+            <a:spLocks noGrp="1"/>
+          </p:cNvSpPr>
+          <p:nvPr>
+            <p:ph type="body" sz="quarter" idx="10"/>
+          </p:nvPr>
+        </p:nvSpPr>
+        <p:spPr/>
+        <p:txBody>
+          <a:bodyPr/>
+          <a:lstStyle/>
+          <a:p>
+            <a:r>
+              <a:rPr lang="zh-TW" altLang="en-US" dirty="0"/>
+              <a:t>專案問題解析</a:t>
+            </a:r>
+          </a:p>
+        </p:txBody>
+      </p:sp>
+      <p:sp>
+        <p:nvSpPr>
+          <p:cNvPr id="5" name="文字版面配置區 4">
+            <a:extLst>
+              <a:ext uri="{FF2B5EF4-FFF2-40B4-BE49-F238E27FC236}">
+                <a16:creationId xmlns:a16="http://schemas.microsoft.com/office/drawing/2014/main" id="{CEE2A55E-C73D-43FF-AA36-95C0FF95B7B1}"/>
+              </a:ext>
+            </a:extLst>
+          </p:cNvPr>
+          <p:cNvSpPr>
+            <a:spLocks noGrp="1"/>
+          </p:cNvSpPr>
+          <p:nvPr>
+            <p:ph type="body" sz="quarter" idx="12"/>
+          </p:nvPr>
+        </p:nvSpPr>
+        <p:spPr/>
+        <p:txBody>
+          <a:bodyPr/>
+          <a:lstStyle/>
+          <a:p>
+            <a:endParaRPr lang="zh-TW" altLang="en-US"/>
+          </a:p>
+        </p:txBody>
+      </p:sp>
+    </p:spTree>
+    <p:extLst>
+      <p:ext uri="{BB962C8B-B14F-4D97-AF65-F5344CB8AC3E}">
+        <p14:creationId xmlns:p14="http://schemas.microsoft.com/office/powerpoint/2010/main" val="929909194"/>
+      </p:ext>
+    </p:extLst>
+  </p:cSld>
+  <p:clrMapOvr>
+    <a:masterClrMapping/>
+  </p:clrMapOvr>
+  <mc:AlternateContent xmlns:mc="http://schemas.openxmlformats.org/markup-compatibility/2006" xmlns:p14="http://schemas.microsoft.com/office/powerpoint/2010/main">
+    <mc:Choice Requires="p14">
+      <p:transition p14:dur="250">
+        <p:fade/>
+      </p:transition>
+    </mc:Choice>
+    <mc:Fallback xmlns="">
+      <p:transition>
+        <p:fade/>
+      </p:transition>
+    </mc:Fallback>
+  </mc:AlternateContent>
+</p:sld>
+</file>
+
 <file path=ppt/slides/slide3.xml><?xml version="1.0" encoding="utf-8"?>
 <p:sld xmlns:a="http://schemas.openxmlformats.org/drawingml/2006/main" xmlns:r="http://schemas.openxmlformats.org/officeDocument/2006/relationships" xmlns:p="http://schemas.openxmlformats.org/presentationml/2006/main">
   <p:cSld>
@@ -12810,35 +13188,35 @@
           </a:p>
           <a:p>
             <a:r>
-              <a:rPr lang="zh-TW" altLang="en-US" dirty="0"/>
+              <a:rPr lang="zh-TW" altLang="en-US" b="1" dirty="0"/>
               <a:t>簡潔的畫面</a:t>
             </a:r>
-            <a:endParaRPr lang="en-US" altLang="zh-TW" dirty="0"/>
-          </a:p>
-          <a:p>
-            <a:r>
-              <a:rPr lang="zh-TW" altLang="en-US" dirty="0"/>
+            <a:endParaRPr lang="en-US" altLang="zh-TW" b="1" dirty="0"/>
+          </a:p>
+          <a:p>
+            <a:r>
+              <a:rPr lang="zh-TW" altLang="en-US" b="1" dirty="0"/>
               <a:t>清楚的說明</a:t>
             </a:r>
-            <a:endParaRPr lang="en-US" altLang="zh-TW" dirty="0"/>
-          </a:p>
-          <a:p>
-            <a:r>
-              <a:rPr lang="zh-TW" altLang="en-US" dirty="0"/>
+            <a:endParaRPr lang="en-US" altLang="zh-TW" b="1" dirty="0"/>
+          </a:p>
+          <a:p>
+            <a:r>
+              <a:rPr lang="zh-TW" altLang="en-US" b="1" dirty="0"/>
               <a:t>正確的互動</a:t>
             </a:r>
-            <a:endParaRPr lang="en-US" altLang="zh-TW" dirty="0"/>
-          </a:p>
-          <a:p>
-            <a:r>
-              <a:rPr lang="zh-TW" altLang="en-US" dirty="0"/>
+            <a:endParaRPr lang="en-US" altLang="zh-TW" b="1" dirty="0"/>
+          </a:p>
+          <a:p>
+            <a:r>
+              <a:rPr lang="zh-TW" altLang="en-US" b="1" dirty="0"/>
               <a:t>當輸入值超出範圍時必須提醒使用者</a:t>
             </a:r>
-            <a:endParaRPr lang="en-US" altLang="zh-TW" dirty="0"/>
-          </a:p>
-          <a:p>
-            <a:r>
-              <a:rPr lang="zh-TW" altLang="en-US" dirty="0"/>
+            <a:endParaRPr lang="en-US" altLang="zh-TW" b="1" dirty="0"/>
+          </a:p>
+          <a:p>
+            <a:r>
+              <a:rPr lang="zh-TW" altLang="en-US" b="1" dirty="0"/>
               <a:t>當執行時間較長，須提供進度指示</a:t>
             </a:r>
           </a:p>
@@ -12954,68 +13332,36 @@
           </a:p>
           <a:p>
             <a:r>
-              <a:rPr lang="zh-TW" altLang="en-US" dirty="0">
-                <a:solidFill>
-                  <a:srgbClr val="0070C0"/>
-                </a:solidFill>
-              </a:rPr>
+              <a:rPr lang="zh-TW" altLang="en-US" b="1" dirty="0"/>
               <a:t>屬性設定視窗</a:t>
             </a:r>
-            <a:endParaRPr lang="en-US" altLang="zh-TW" dirty="0">
-              <a:solidFill>
-                <a:srgbClr val="0070C0"/>
-              </a:solidFill>
-            </a:endParaRPr>
-          </a:p>
-          <a:p>
-            <a:r>
-              <a:rPr lang="en-US" altLang="zh-TW" dirty="0" err="1">
-                <a:solidFill>
-                  <a:srgbClr val="0070C0"/>
-                </a:solidFill>
-              </a:rPr>
+            <a:endParaRPr lang="en-US" altLang="zh-TW" b="1" dirty="0"/>
+          </a:p>
+          <a:p>
+            <a:r>
+              <a:rPr lang="en-US" altLang="zh-TW" b="1" dirty="0" err="1"/>
               <a:t>Tkinter</a:t>
             </a:r>
-            <a:endParaRPr lang="en-US" altLang="zh-TW" dirty="0">
-              <a:solidFill>
-                <a:srgbClr val="0070C0"/>
-              </a:solidFill>
-            </a:endParaRPr>
-          </a:p>
-          <a:p>
-            <a:r>
-              <a:rPr lang="en-US" altLang="zh-TW" dirty="0">
-                <a:solidFill>
-                  <a:srgbClr val="0070C0"/>
-                </a:solidFill>
-              </a:rPr>
+            <a:endParaRPr lang="en-US" altLang="zh-TW" b="1" dirty="0"/>
+          </a:p>
+          <a:p>
+            <a:r>
+              <a:rPr lang="en-US" altLang="zh-TW" b="1" dirty="0"/>
               <a:t>WPF</a:t>
             </a:r>
           </a:p>
           <a:p>
             <a:r>
-              <a:rPr lang="en-US" altLang="zh-TW" dirty="0">
-                <a:solidFill>
-                  <a:srgbClr val="0070C0"/>
-                </a:solidFill>
-              </a:rPr>
+              <a:rPr lang="en-US" altLang="zh-TW" b="1" dirty="0"/>
               <a:t>EXCEL &amp; CSV</a:t>
             </a:r>
           </a:p>
           <a:p>
             <a:r>
-              <a:rPr lang="en-US" altLang="zh-TW" dirty="0">
-                <a:solidFill>
-                  <a:srgbClr val="0070C0"/>
-                </a:solidFill>
-              </a:rPr>
+              <a:rPr lang="en-US" altLang="zh-TW" b="1" dirty="0"/>
               <a:t>ACT</a:t>
             </a:r>
-            <a:endParaRPr lang="zh-TW" altLang="en-US" dirty="0">
-              <a:solidFill>
-                <a:srgbClr val="0070C0"/>
-              </a:solidFill>
-            </a:endParaRPr>
+            <a:endParaRPr lang="zh-TW" altLang="en-US" b="1" dirty="0"/>
           </a:p>
         </p:txBody>
       </p:sp>
@@ -13128,12 +13474,17 @@
           </a:xfrm>
         </p:spPr>
         <p:txBody>
-          <a:bodyPr/>
+          <a:bodyPr>
+            <a:normAutofit/>
+          </a:bodyPr>
           <a:lstStyle/>
           <a:p>
+            <a:pPr marL="0" indent="0">
+              <a:buNone/>
+            </a:pPr>
             <a:r>
               <a:rPr lang="zh-TW" altLang="en-US" dirty="0"/>
-              <a:t>透過屬性設定變量。這個方法讓使用者可以在屬性視窗設定變量，程式再去屬性視窗讀取數值執行運算。這個方法適用於</a:t>
+              <a:t>這個方法讓使用者可以在屬性視窗設定變量，程式再去屬性視窗讀取數值執行運算。這個方法適用於</a:t>
             </a:r>
             <a:r>
               <a:rPr lang="en-US" altLang="zh-TW" dirty="0"/>
@@ -13149,7 +13500,23 @@
             </a:r>
             <a:r>
               <a:rPr lang="zh-TW" altLang="en-US" dirty="0"/>
-              <a:t>。好處是不需要另外設計操作介面代碼，缺點是只有輸入欄位，缺乏下拉選單或是滑桿等比較進階的控鍵可以使用。在第一次執行時程式必須加入屬性，提示使用者屬性已被加入並結束程式。只有在屬性已經存在的條件底下程式才會執行工作。屬性的命名必須具備獨特性，避免與使用者自定義變量衝突，造成程式不正常運作。建議可以加入前後底線來做區分。</a:t>
+              <a:t>。好處是不需要另外設計操作介面代碼，缺點是只有輸入欄位，缺乏下拉選單或是滑桿等比較進階的控鍵可以使用。</a:t>
+            </a:r>
+            <a:endParaRPr lang="en-US" altLang="zh-TW" dirty="0"/>
+          </a:p>
+          <a:p>
+            <a:pPr marL="0" indent="0">
+              <a:buNone/>
+            </a:pPr>
+            <a:endParaRPr lang="en-US" altLang="zh-TW" dirty="0"/>
+          </a:p>
+          <a:p>
+            <a:pPr marL="0" indent="0">
+              <a:buNone/>
+            </a:pPr>
+            <a:r>
+              <a:rPr lang="zh-TW" altLang="en-US" dirty="0"/>
+              <a:t>在第一次執行時程式必須加入屬性，提示使用者屬性已被加入並結束程式。只有在屬性已經存在的條件底下程式才會執行工作。屬性的命名必須具備獨特性，避免與使用者自定義變量衝突，造成程式不正常運作。建議可以加入前後底線來做區分。</a:t>
             </a:r>
           </a:p>
         </p:txBody>
@@ -13204,8 +13571,8 @@
         </p:blipFill>
         <p:spPr>
           <a:xfrm>
-            <a:off x="7350225" y="1439333"/>
-            <a:ext cx="3766507" cy="4185007"/>
+            <a:off x="7073662" y="1338099"/>
+            <a:ext cx="4086204" cy="4540226"/>
           </a:xfrm>
           <a:prstGeom prst="rect">
             <a:avLst/>
@@ -13280,6 +13647,9 @@
           <a:bodyPr/>
           <a:lstStyle/>
           <a:p>
+            <a:pPr marL="0" indent="0">
+              <a:buNone/>
+            </a:pPr>
             <a:r>
               <a:rPr lang="zh-TW" altLang="en-US" dirty="0"/>
               <a:t>採用</a:t>
@@ -13314,13 +13684,8 @@
             </a:r>
             <a:r>
               <a:rPr lang="zh-TW" altLang="en-US" dirty="0"/>
-              <a:t>函式才能達成。可讀性及擴充性都不是很理想。要做到視窗控鍵的互動也需要自定義事件函數。執行起來同樣的</a:t>
-            </a:r>
-            <a:r>
-              <a:rPr lang="zh-TW" altLang="en-US"/>
-              <a:t>麻煩。</a:t>
-            </a:r>
-            <a:endParaRPr lang="zh-TW" altLang="en-US" dirty="0"/>
+              <a:t>函式才能達成。可讀性及擴充性都不是很理想。要做到視窗控鍵的互動也需要自定義事件函數。執行起來同樣的麻煩。</a:t>
+            </a:r>
           </a:p>
         </p:txBody>
       </p:sp>
@@ -13461,13 +13826,16 @@
         <p:spPr>
           <a:xfrm>
             <a:off x="609600" y="1371600"/>
-            <a:ext cx="5985933" cy="4762471"/>
+            <a:ext cx="6403675" cy="4762471"/>
           </a:xfrm>
         </p:spPr>
         <p:txBody>
           <a:bodyPr/>
           <a:lstStyle/>
           <a:p>
+            <a:pPr marL="0" indent="0">
+              <a:buNone/>
+            </a:pPr>
             <a:r>
               <a:rPr lang="zh-TW" altLang="en-US" dirty="0"/>
               <a:t>用</a:t>
@@ -13494,7 +13862,23 @@
             </a:r>
             <a:r>
               <a:rPr lang="zh-TW" altLang="en-US" dirty="0"/>
-              <a:t>當中。介面與業務代碼分離讓可讀性及擴充性大幅的提高。可惜的是現階段只能使用在</a:t>
+              <a:t>當中。</a:t>
+            </a:r>
+            <a:endParaRPr lang="en-US" altLang="zh-TW" dirty="0"/>
+          </a:p>
+          <a:p>
+            <a:pPr marL="0" indent="0">
+              <a:buNone/>
+            </a:pPr>
+            <a:endParaRPr lang="en-US" altLang="zh-TW" dirty="0"/>
+          </a:p>
+          <a:p>
+            <a:pPr marL="0" indent="0">
+              <a:buNone/>
+            </a:pPr>
+            <a:r>
+              <a:rPr lang="zh-TW" altLang="en-US" dirty="0"/>
+              <a:t>介面與業務代碼分離讓可讀性及擴充性大幅的提高。可惜的是現階段只能使用在</a:t>
             </a:r>
             <a:r>
               <a:rPr lang="en-US" altLang="zh-TW" dirty="0"/>
@@ -13566,7 +13950,7 @@
         </p:blipFill>
         <p:spPr>
           <a:xfrm>
-            <a:off x="7257533" y="1460417"/>
+            <a:off x="7335171" y="1525450"/>
             <a:ext cx="4324867" cy="3807100"/>
           </a:xfrm>
           <a:prstGeom prst="rect">
@@ -13640,21 +14024,20 @@
         </p:spPr>
         <p:txBody>
           <a:bodyPr>
-            <a:normAutofit lnSpcReduction="10000"/>
+            <a:normAutofit/>
           </a:bodyPr>
           <a:lstStyle/>
           <a:p>
-            <a:r>
-              <a:rPr lang="zh-TW" altLang="en-US" dirty="0"/>
-              <a:t>另一種方式則是將</a:t>
-            </a:r>
+            <a:pPr marL="0" indent="0">
+              <a:buNone/>
+            </a:pPr>
             <a:r>
               <a:rPr lang="en-US" altLang="zh-TW" dirty="0"/>
               <a:t>EXCEL</a:t>
             </a:r>
             <a:r>
               <a:rPr lang="zh-TW" altLang="en-US" dirty="0"/>
-              <a:t>檔當作介面，程式執行時讀取特定欄位的數值作為輸入執行運算。</a:t>
+              <a:t>作為介面，程式執行時讀取特定欄位的數值作為輸入執行運算。</a:t>
             </a:r>
             <a:r>
               <a:rPr lang="en-US" altLang="zh-TW" dirty="0"/>
@@ -13699,6 +14082,15 @@
             <a:endParaRPr lang="en-US" altLang="zh-TW" dirty="0"/>
           </a:p>
           <a:p>
+            <a:pPr marL="0" indent="0">
+              <a:buNone/>
+            </a:pPr>
+            <a:endParaRPr lang="en-US" altLang="zh-TW" dirty="0"/>
+          </a:p>
+          <a:p>
+            <a:pPr marL="0" indent="0">
+              <a:buNone/>
+            </a:pPr>
             <a:r>
               <a:rPr lang="zh-TW" altLang="en-US" dirty="0"/>
               <a:t>如果不需要華麗的介面及繁複的控鍵，最簡單的方法便是讓使用者將參數變量以</a:t>
